--- a/Slide_baove.pptx
+++ b/Slide_baove.pptx
@@ -5,10 +5,10 @@
     <p:sldMasterId id="2147483648" r:id="rId1"/>
   </p:sldMasterIdLst>
   <p:notesMasterIdLst>
-    <p:notesMasterId r:id="rId10"/>
+    <p:notesMasterId r:id="rId19"/>
   </p:notesMasterIdLst>
   <p:handoutMasterIdLst>
-    <p:handoutMasterId r:id="rId11"/>
+    <p:handoutMasterId r:id="rId20"/>
   </p:handoutMasterIdLst>
   <p:sldIdLst>
     <p:sldId id="256" r:id="rId2"/>
@@ -19,6 +19,15 @@
     <p:sldId id="274" r:id="rId7"/>
     <p:sldId id="275" r:id="rId8"/>
     <p:sldId id="276" r:id="rId9"/>
+    <p:sldId id="277" r:id="rId10"/>
+    <p:sldId id="278" r:id="rId11"/>
+    <p:sldId id="279" r:id="rId12"/>
+    <p:sldId id="280" r:id="rId13"/>
+    <p:sldId id="281" r:id="rId14"/>
+    <p:sldId id="282" r:id="rId15"/>
+    <p:sldId id="283" r:id="rId16"/>
+    <p:sldId id="285" r:id="rId17"/>
+    <p:sldId id="284" r:id="rId18"/>
   </p:sldIdLst>
   <p:sldSz cx="12192000" cy="6858000"/>
   <p:notesSz cx="6858000" cy="9144000"/>
@@ -230,7 +239,7 @@
                 <a:latin typeface="Calibri" panose="020F0502020204030204" pitchFamily="34" charset="0"/>
                 <a:cs typeface="Calibri" panose="020F0502020204030204" pitchFamily="34" charset="0"/>
               </a:rPr>
-              <a:t>03/08/2022</a:t>
+              <a:t>04/08/2022</a:t>
             </a:fld>
             <a:endParaRPr lang="vi-VN">
               <a:latin typeface="Calibri" panose="020F0502020204030204" pitchFamily="34" charset="0"/>
@@ -431,7 +440,7 @@
             <a:fld id="{E608F116-8F7B-4C2A-B442-57E81F997EF0}" type="datetime1">
               <a:rPr lang="vi-VN" smtClean="0"/>
               <a:pPr/>
-              <a:t>03/08/2022</a:t>
+              <a:t>04/08/2022</a:t>
             </a:fld>
             <a:endParaRPr lang="vi-VN">
               <a:latin typeface="Calibri" panose="020F0502020204030204" pitchFamily="34" charset="0"/>
@@ -803,6 +812,2238 @@
 </p:notes>
 </file>
 
+<file path=ppt/notesSlides/notesSlide10.xml><?xml version="1.0" encoding="utf-8"?>
+<p:notes xmlns:a="http://schemas.openxmlformats.org/drawingml/2006/main" xmlns:r="http://schemas.openxmlformats.org/officeDocument/2006/relationships" xmlns:p="http://schemas.openxmlformats.org/presentationml/2006/main">
+  <p:cSld>
+    <p:spTree>
+      <p:nvGrpSpPr>
+        <p:cNvPr id="1" name=""/>
+        <p:cNvGrpSpPr/>
+        <p:nvPr/>
+      </p:nvGrpSpPr>
+      <p:grpSpPr>
+        <a:xfrm>
+          <a:off x="0" y="0"/>
+          <a:ext cx="0" cy="0"/>
+          <a:chOff x="0" y="0"/>
+          <a:chExt cx="0" cy="0"/>
+        </a:xfrm>
+      </p:grpSpPr>
+      <p:sp>
+        <p:nvSpPr>
+          <p:cNvPr id="2" name="Chỗ dành sẵn cho Hình ảnh của Bản chiếu 1"/>
+          <p:cNvSpPr>
+            <a:spLocks noGrp="1" noRot="1" noChangeAspect="1"/>
+          </p:cNvSpPr>
+          <p:nvPr>
+            <p:ph type="sldImg"/>
+          </p:nvPr>
+        </p:nvSpPr>
+        <p:spPr/>
+      </p:sp>
+      <p:sp>
+        <p:nvSpPr>
+          <p:cNvPr id="3" name="Chỗ dành sẵn cho Ghi chú 2"/>
+          <p:cNvSpPr>
+            <a:spLocks noGrp="1"/>
+          </p:cNvSpPr>
+          <p:nvPr>
+            <p:ph type="body" idx="1"/>
+          </p:nvPr>
+        </p:nvSpPr>
+        <p:spPr/>
+        <p:txBody>
+          <a:bodyPr rtlCol="0"/>
+          <a:lstStyle/>
+          <a:p>
+            <a:pPr marL="171450" lvl="0" indent="-171450" rtl="0">
+              <a:buFontTx/>
+              <a:buChar char="-"/>
+            </a:pPr>
+            <a:r>
+              <a:rPr lang="en-US" noProof="0">
+                <a:solidFill>
+                  <a:schemeClr val="bg1"/>
+                </a:solidFill>
+                <a:latin typeface="Segoe UI" panose="020B0502040204020203" pitchFamily="34" charset="0"/>
+                <a:cs typeface="Segoe UI" panose="020B0502040204020203" pitchFamily="34" charset="0"/>
+              </a:rPr>
+              <a:t>Cấu hình mô hình DenseNet: </a:t>
+            </a:r>
+            <a:endParaRPr lang="vi-VN">
+              <a:solidFill>
+                <a:schemeClr val="bg1"/>
+              </a:solidFill>
+              <a:latin typeface="Segoe UI" panose="020B0502040204020203" pitchFamily="34" charset="0"/>
+              <a:cs typeface="Segoe UI" panose="020B0502040204020203" pitchFamily="34" charset="0"/>
+            </a:endParaRPr>
+          </a:p>
+          <a:p>
+            <a:pPr marL="628650" lvl="1" indent="-171450" rtl="0">
+              <a:buFontTx/>
+              <a:buChar char="-"/>
+            </a:pPr>
+            <a:r>
+              <a:rPr lang="vi-VN">
+                <a:solidFill>
+                  <a:schemeClr val="bg1"/>
+                </a:solidFill>
+                <a:latin typeface="Segoe UI" panose="020B0502040204020203" pitchFamily="34" charset="0"/>
+                <a:cs typeface="Segoe UI" panose="020B0502040204020203" pitchFamily="34" charset="0"/>
+              </a:rPr>
+              <a:t>DenseNets được chia thành nhiều</a:t>
+            </a:r>
+            <a:r>
+              <a:rPr lang="en-US">
+                <a:solidFill>
+                  <a:schemeClr val="bg1"/>
+                </a:solidFill>
+                <a:latin typeface="Segoe UI" panose="020B0502040204020203" pitchFamily="34" charset="0"/>
+                <a:cs typeface="Segoe UI" panose="020B0502040204020203" pitchFamily="34" charset="0"/>
+              </a:rPr>
+              <a:t> </a:t>
+            </a:r>
+            <a:r>
+              <a:rPr lang="vi-VN">
+                <a:solidFill>
+                  <a:schemeClr val="bg1"/>
+                </a:solidFill>
+                <a:latin typeface="Segoe UI" panose="020B0502040204020203" pitchFamily="34" charset="0"/>
+                <a:cs typeface="Segoe UI" panose="020B0502040204020203" pitchFamily="34" charset="0"/>
+              </a:rPr>
+              <a:t>khối dày đặc DenseBlock. Mỗi kiến trúc bao gồm bốn DenseBlock với số lượng lớp khác nhau.</a:t>
+            </a:r>
+            <a:r>
+              <a:rPr lang="en-US">
+                <a:solidFill>
+                  <a:schemeClr val="bg1"/>
+                </a:solidFill>
+                <a:latin typeface="Segoe UI" panose="020B0502040204020203" pitchFamily="34" charset="0"/>
+                <a:cs typeface="Segoe UI" panose="020B0502040204020203" pitchFamily="34" charset="0"/>
+              </a:rPr>
+              <a:t> P</a:t>
+            </a:r>
+            <a:r>
+              <a:rPr lang="vi-VN">
+                <a:solidFill>
+                  <a:schemeClr val="bg1"/>
+                </a:solidFill>
+                <a:latin typeface="Segoe UI" panose="020B0502040204020203" pitchFamily="34" charset="0"/>
+                <a:cs typeface="Segoe UI" panose="020B0502040204020203" pitchFamily="34" charset="0"/>
+              </a:rPr>
+              <a:t>hần đầu</a:t>
+            </a:r>
+            <a:r>
+              <a:rPr lang="en-US">
+                <a:solidFill>
+                  <a:schemeClr val="bg1"/>
+                </a:solidFill>
+                <a:latin typeface="Segoe UI" panose="020B0502040204020203" pitchFamily="34" charset="0"/>
+                <a:cs typeface="Segoe UI" panose="020B0502040204020203" pitchFamily="34" charset="0"/>
+              </a:rPr>
+              <a:t> </a:t>
+            </a:r>
+            <a:r>
+              <a:rPr lang="vi-VN">
+                <a:solidFill>
+                  <a:schemeClr val="bg1"/>
+                </a:solidFill>
+                <a:latin typeface="Segoe UI" panose="020B0502040204020203" pitchFamily="34" charset="0"/>
+                <a:cs typeface="Segoe UI" panose="020B0502040204020203" pitchFamily="34" charset="0"/>
+              </a:rPr>
+              <a:t>tiên của kiến trúc DenseNet bao gồm Lớp chuyển đổi 2 bước 7x7, tiếp theo</a:t>
+            </a:r>
+            <a:r>
+              <a:rPr lang="en-US">
+                <a:solidFill>
+                  <a:schemeClr val="bg1"/>
+                </a:solidFill>
+                <a:latin typeface="Segoe UI" panose="020B0502040204020203" pitchFamily="34" charset="0"/>
+                <a:cs typeface="Segoe UI" panose="020B0502040204020203" pitchFamily="34" charset="0"/>
+              </a:rPr>
+              <a:t> </a:t>
+            </a:r>
+            <a:r>
+              <a:rPr lang="vi-VN">
+                <a:solidFill>
+                  <a:schemeClr val="bg1"/>
+                </a:solidFill>
+                <a:latin typeface="Segoe UI" panose="020B0502040204020203" pitchFamily="34" charset="0"/>
+                <a:cs typeface="Segoe UI" panose="020B0502040204020203" pitchFamily="34" charset="0"/>
+              </a:rPr>
+              <a:t>là lớp MaxPooling 3x3 bước-2. Và khối dày đặc thứ tư được theo sau bởi</a:t>
+            </a:r>
+            <a:r>
+              <a:rPr lang="en-US">
+                <a:solidFill>
+                  <a:schemeClr val="bg1"/>
+                </a:solidFill>
+                <a:latin typeface="Segoe UI" panose="020B0502040204020203" pitchFamily="34" charset="0"/>
+                <a:cs typeface="Segoe UI" panose="020B0502040204020203" pitchFamily="34" charset="0"/>
+              </a:rPr>
+              <a:t> </a:t>
+            </a:r>
+            <a:r>
+              <a:rPr lang="vi-VN">
+                <a:solidFill>
+                  <a:schemeClr val="bg1"/>
+                </a:solidFill>
+                <a:latin typeface="Segoe UI" panose="020B0502040204020203" pitchFamily="34" charset="0"/>
+                <a:cs typeface="Segoe UI" panose="020B0502040204020203" pitchFamily="34" charset="0"/>
+              </a:rPr>
+              <a:t>một Lớp phân loại chấp nhận các bản đồ đặc trưng của tất cả các lớp của</a:t>
+            </a:r>
+            <a:r>
+              <a:rPr lang="en-US">
+                <a:solidFill>
+                  <a:schemeClr val="bg1"/>
+                </a:solidFill>
+                <a:latin typeface="Segoe UI" panose="020B0502040204020203" pitchFamily="34" charset="0"/>
+                <a:cs typeface="Segoe UI" panose="020B0502040204020203" pitchFamily="34" charset="0"/>
+              </a:rPr>
+              <a:t> </a:t>
+            </a:r>
+            <a:r>
+              <a:rPr lang="vi-VN">
+                <a:solidFill>
+                  <a:schemeClr val="bg1"/>
+                </a:solidFill>
+                <a:latin typeface="Segoe UI" panose="020B0502040204020203" pitchFamily="34" charset="0"/>
+                <a:cs typeface="Segoe UI" panose="020B0502040204020203" pitchFamily="34" charset="0"/>
+              </a:rPr>
+              <a:t>mạng để thực hiện phân loại.</a:t>
+            </a:r>
+            <a:r>
+              <a:rPr lang="en-US">
+                <a:solidFill>
+                  <a:schemeClr val="bg1"/>
+                </a:solidFill>
+                <a:latin typeface="Segoe UI" panose="020B0502040204020203" pitchFamily="34" charset="0"/>
+                <a:cs typeface="Segoe UI" panose="020B0502040204020203" pitchFamily="34" charset="0"/>
+              </a:rPr>
+              <a:t> </a:t>
+            </a:r>
+            <a:r>
+              <a:rPr lang="vi-VN">
+                <a:solidFill>
+                  <a:schemeClr val="bg1"/>
+                </a:solidFill>
+                <a:latin typeface="Segoe UI" panose="020B0502040204020203" pitchFamily="34" charset="0"/>
+                <a:cs typeface="Segoe UI" panose="020B0502040204020203" pitchFamily="34" charset="0"/>
+              </a:rPr>
+              <a:t>Ngoài ra, các phép toán tích chập bên trong mỗi kiến trúc là các lớp Cổ</a:t>
+            </a:r>
+            <a:r>
+              <a:rPr lang="en-US">
+                <a:solidFill>
+                  <a:schemeClr val="bg1"/>
+                </a:solidFill>
+                <a:latin typeface="Segoe UI" panose="020B0502040204020203" pitchFamily="34" charset="0"/>
+                <a:cs typeface="Segoe UI" panose="020B0502040204020203" pitchFamily="34" charset="0"/>
+              </a:rPr>
+              <a:t> </a:t>
+            </a:r>
+            <a:r>
+              <a:rPr lang="vi-VN">
+                <a:solidFill>
+                  <a:schemeClr val="bg1"/>
+                </a:solidFill>
+                <a:latin typeface="Segoe UI" panose="020B0502040204020203" pitchFamily="34" charset="0"/>
+                <a:cs typeface="Segoe UI" panose="020B0502040204020203" pitchFamily="34" charset="0"/>
+              </a:rPr>
+              <a:t>chai. Điều này có nghĩa là Conv 1x1 làm giảm số lượng kênh trong đầu</a:t>
+            </a:r>
+            <a:r>
+              <a:rPr lang="en-US">
+                <a:solidFill>
+                  <a:schemeClr val="bg1"/>
+                </a:solidFill>
+                <a:latin typeface="Segoe UI" panose="020B0502040204020203" pitchFamily="34" charset="0"/>
+                <a:cs typeface="Segoe UI" panose="020B0502040204020203" pitchFamily="34" charset="0"/>
+              </a:rPr>
+              <a:t> </a:t>
+            </a:r>
+            <a:r>
+              <a:rPr lang="vi-VN">
+                <a:solidFill>
+                  <a:schemeClr val="bg1"/>
+                </a:solidFill>
+                <a:latin typeface="Segoe UI" panose="020B0502040204020203" pitchFamily="34" charset="0"/>
+                <a:cs typeface="Segoe UI" panose="020B0502040204020203" pitchFamily="34" charset="0"/>
+              </a:rPr>
+              <a:t>vào và Conv 3x3 thực hiện hoạt động tích chập trên phiên bản đã biến đổi</a:t>
+            </a:r>
+            <a:r>
+              <a:rPr lang="en-US">
+                <a:solidFill>
+                  <a:schemeClr val="bg1"/>
+                </a:solidFill>
+                <a:latin typeface="Segoe UI" panose="020B0502040204020203" pitchFamily="34" charset="0"/>
+                <a:cs typeface="Segoe UI" panose="020B0502040204020203" pitchFamily="34" charset="0"/>
+              </a:rPr>
+              <a:t> </a:t>
+            </a:r>
+            <a:r>
+              <a:rPr lang="vi-VN">
+                <a:solidFill>
+                  <a:schemeClr val="bg1"/>
+                </a:solidFill>
+                <a:latin typeface="Segoe UI" panose="020B0502040204020203" pitchFamily="34" charset="0"/>
+                <a:cs typeface="Segoe UI" panose="020B0502040204020203" pitchFamily="34" charset="0"/>
+              </a:rPr>
+              <a:t>của đầu vào với số lượng kênh giảm hơn so với đầu vào</a:t>
+            </a:r>
+            <a:r>
+              <a:rPr lang="en-US">
+                <a:solidFill>
+                  <a:schemeClr val="bg1"/>
+                </a:solidFill>
+                <a:latin typeface="Segoe UI" panose="020B0502040204020203" pitchFamily="34" charset="0"/>
+                <a:cs typeface="Segoe UI" panose="020B0502040204020203" pitchFamily="34" charset="0"/>
+              </a:rPr>
+              <a:t>.</a:t>
+            </a:r>
+            <a:endParaRPr lang="vi-VN">
+              <a:solidFill>
+                <a:schemeClr val="bg1"/>
+              </a:solidFill>
+              <a:latin typeface="Segoe UI" panose="020B0502040204020203" pitchFamily="34" charset="0"/>
+              <a:cs typeface="Segoe UI" panose="020B0502040204020203" pitchFamily="34" charset="0"/>
+            </a:endParaRPr>
+          </a:p>
+        </p:txBody>
+      </p:sp>
+      <p:sp>
+        <p:nvSpPr>
+          <p:cNvPr id="4" name="Chỗ dành sẵn cho Số hiệu Bản chiếu 3"/>
+          <p:cNvSpPr>
+            <a:spLocks noGrp="1"/>
+          </p:cNvSpPr>
+          <p:nvPr>
+            <p:ph type="sldNum" sz="quarter" idx="10"/>
+          </p:nvPr>
+        </p:nvSpPr>
+        <p:spPr/>
+        <p:txBody>
+          <a:bodyPr rtlCol="0"/>
+          <a:lstStyle/>
+          <a:p>
+            <a:pPr rtl="0"/>
+            <a:fld id="{BC849E9A-41F7-4779-A581-48A7C374A227}" type="slidenum">
+              <a:rPr lang="vi-VN" smtClean="0"/>
+              <a:t>10</a:t>
+            </a:fld>
+            <a:endParaRPr lang="vi-VN"/>
+          </a:p>
+        </p:txBody>
+      </p:sp>
+    </p:spTree>
+    <p:extLst>
+      <p:ext uri="{BB962C8B-B14F-4D97-AF65-F5344CB8AC3E}">
+        <p14:creationId xmlns:p14="http://schemas.microsoft.com/office/powerpoint/2010/main" val="4035426908"/>
+      </p:ext>
+    </p:extLst>
+  </p:cSld>
+  <p:clrMapOvr>
+    <a:masterClrMapping/>
+  </p:clrMapOvr>
+</p:notes>
+</file>
+
+<file path=ppt/notesSlides/notesSlide11.xml><?xml version="1.0" encoding="utf-8"?>
+<p:notes xmlns:a="http://schemas.openxmlformats.org/drawingml/2006/main" xmlns:r="http://schemas.openxmlformats.org/officeDocument/2006/relationships" xmlns:p="http://schemas.openxmlformats.org/presentationml/2006/main">
+  <p:cSld>
+    <p:spTree>
+      <p:nvGrpSpPr>
+        <p:cNvPr id="1" name=""/>
+        <p:cNvGrpSpPr/>
+        <p:nvPr/>
+      </p:nvGrpSpPr>
+      <p:grpSpPr>
+        <a:xfrm>
+          <a:off x="0" y="0"/>
+          <a:ext cx="0" cy="0"/>
+          <a:chOff x="0" y="0"/>
+          <a:chExt cx="0" cy="0"/>
+        </a:xfrm>
+      </p:grpSpPr>
+      <p:sp>
+        <p:nvSpPr>
+          <p:cNvPr id="2" name="Chỗ dành sẵn cho Hình ảnh của Bản chiếu 1"/>
+          <p:cNvSpPr>
+            <a:spLocks noGrp="1" noRot="1" noChangeAspect="1"/>
+          </p:cNvSpPr>
+          <p:nvPr>
+            <p:ph type="sldImg"/>
+          </p:nvPr>
+        </p:nvSpPr>
+        <p:spPr/>
+      </p:sp>
+      <p:sp>
+        <p:nvSpPr>
+          <p:cNvPr id="3" name="Chỗ dành sẵn cho Ghi chú 2"/>
+          <p:cNvSpPr>
+            <a:spLocks noGrp="1"/>
+          </p:cNvSpPr>
+          <p:nvPr>
+            <p:ph type="body" idx="1"/>
+          </p:nvPr>
+        </p:nvSpPr>
+        <p:spPr/>
+        <p:txBody>
+          <a:bodyPr rtlCol="0"/>
+          <a:lstStyle/>
+          <a:p>
+            <a:pPr>
+              <a:spcBef>
+                <a:spcPts val="1200"/>
+              </a:spcBef>
+              <a:spcAft>
+                <a:spcPts val="600"/>
+              </a:spcAft>
+            </a:pPr>
+            <a:r>
+              <a:rPr lang="en-US">
+                <a:solidFill>
+                  <a:schemeClr val="bg1"/>
+                </a:solidFill>
+                <a:latin typeface="Segoe UI" panose="020B0502040204020203" pitchFamily="34" charset="0"/>
+                <a:cs typeface="Segoe UI" panose="020B0502040204020203" pitchFamily="34" charset="0"/>
+              </a:rPr>
+              <a:t>Ưu điểm</a:t>
+            </a:r>
+          </a:p>
+          <a:p>
+            <a:pPr lvl="1">
+              <a:spcBef>
+                <a:spcPts val="1200"/>
+              </a:spcBef>
+              <a:spcAft>
+                <a:spcPts val="600"/>
+              </a:spcAft>
+            </a:pPr>
+            <a:r>
+              <a:rPr lang="vi-VN">
+                <a:solidFill>
+                  <a:schemeClr val="bg1"/>
+                </a:solidFill>
+                <a:latin typeface="Segoe UI" panose="020B0502040204020203" pitchFamily="34" charset="0"/>
+                <a:cs typeface="Segoe UI" panose="020B0502040204020203" pitchFamily="34" charset="0"/>
+              </a:rPr>
+              <a:t>Giải quyết khá tốt vấn đề vanishing-gradient của các mạng CNN</a:t>
+            </a:r>
+            <a:r>
+              <a:rPr lang="en-US">
+                <a:solidFill>
+                  <a:schemeClr val="bg1"/>
+                </a:solidFill>
+                <a:latin typeface="Segoe UI" panose="020B0502040204020203" pitchFamily="34" charset="0"/>
+                <a:cs typeface="Segoe UI" panose="020B0502040204020203" pitchFamily="34" charset="0"/>
+              </a:rPr>
+              <a:t> </a:t>
+            </a:r>
+            <a:r>
+              <a:rPr lang="vi-VN">
+                <a:solidFill>
+                  <a:schemeClr val="bg1"/>
+                </a:solidFill>
+                <a:latin typeface="Segoe UI" panose="020B0502040204020203" pitchFamily="34" charset="0"/>
+                <a:cs typeface="Segoe UI" panose="020B0502040204020203" pitchFamily="34" charset="0"/>
+              </a:rPr>
+              <a:t>thuần.</a:t>
+            </a:r>
+            <a:endParaRPr lang="en-US">
+              <a:solidFill>
+                <a:schemeClr val="bg1"/>
+              </a:solidFill>
+              <a:latin typeface="Segoe UI" panose="020B0502040204020203" pitchFamily="34" charset="0"/>
+              <a:cs typeface="Segoe UI" panose="020B0502040204020203" pitchFamily="34" charset="0"/>
+            </a:endParaRPr>
+          </a:p>
+          <a:p>
+            <a:pPr lvl="1">
+              <a:spcBef>
+                <a:spcPts val="1200"/>
+              </a:spcBef>
+              <a:spcAft>
+                <a:spcPts val="600"/>
+              </a:spcAft>
+            </a:pPr>
+            <a:r>
+              <a:rPr lang="vi-VN">
+                <a:solidFill>
+                  <a:schemeClr val="bg1"/>
+                </a:solidFill>
+                <a:latin typeface="Segoe UI" panose="020B0502040204020203" pitchFamily="34" charset="0"/>
+                <a:cs typeface="Segoe UI" panose="020B0502040204020203" pitchFamily="34" charset="0"/>
+              </a:rPr>
+              <a:t>Cải thiện sự truyền tải đặc trưng giữa các lớ</a:t>
+            </a:r>
+            <a:r>
+              <a:rPr lang="en-US">
+                <a:solidFill>
+                  <a:schemeClr val="bg1"/>
+                </a:solidFill>
+                <a:latin typeface="Segoe UI" panose="020B0502040204020203" pitchFamily="34" charset="0"/>
+                <a:cs typeface="Segoe UI" panose="020B0502040204020203" pitchFamily="34" charset="0"/>
+              </a:rPr>
+              <a:t>p.</a:t>
+            </a:r>
+          </a:p>
+          <a:p>
+            <a:pPr lvl="1">
+              <a:spcBef>
+                <a:spcPts val="1200"/>
+              </a:spcBef>
+              <a:spcAft>
+                <a:spcPts val="600"/>
+              </a:spcAft>
+            </a:pPr>
+            <a:r>
+              <a:rPr lang="vi-VN">
+                <a:solidFill>
+                  <a:schemeClr val="bg1"/>
+                </a:solidFill>
+                <a:latin typeface="Segoe UI" panose="020B0502040204020203" pitchFamily="34" charset="0"/>
+                <a:cs typeface="Segoe UI" panose="020B0502040204020203" pitchFamily="34" charset="0"/>
+              </a:rPr>
+              <a:t>Giảm đáng kể số lượng tham số</a:t>
+            </a:r>
+            <a:r>
+              <a:rPr lang="en-US">
+                <a:solidFill>
+                  <a:schemeClr val="bg1"/>
+                </a:solidFill>
+                <a:latin typeface="Segoe UI" panose="020B0502040204020203" pitchFamily="34" charset="0"/>
+                <a:cs typeface="Segoe UI" panose="020B0502040204020203" pitchFamily="34" charset="0"/>
+              </a:rPr>
+              <a:t>.</a:t>
+            </a:r>
+          </a:p>
+          <a:p>
+            <a:pPr lvl="1">
+              <a:spcBef>
+                <a:spcPts val="1200"/>
+              </a:spcBef>
+              <a:spcAft>
+                <a:spcPts val="600"/>
+              </a:spcAft>
+            </a:pPr>
+            <a:r>
+              <a:rPr lang="vi-VN">
+                <a:solidFill>
+                  <a:schemeClr val="bg1"/>
+                </a:solidFill>
+                <a:latin typeface="Segoe UI" panose="020B0502040204020203" pitchFamily="34" charset="0"/>
+                <a:cs typeface="Segoe UI" panose="020B0502040204020203" pitchFamily="34" charset="0"/>
+              </a:rPr>
+              <a:t>Khuyến khích sử dụng lại các đặc trưng.</a:t>
+            </a:r>
+            <a:endParaRPr lang="en-US">
+              <a:solidFill>
+                <a:schemeClr val="bg1"/>
+              </a:solidFill>
+              <a:latin typeface="Segoe UI" panose="020B0502040204020203" pitchFamily="34" charset="0"/>
+              <a:cs typeface="Segoe UI" panose="020B0502040204020203" pitchFamily="34" charset="0"/>
+            </a:endParaRPr>
+          </a:p>
+          <a:p>
+            <a:pPr>
+              <a:spcBef>
+                <a:spcPts val="1200"/>
+              </a:spcBef>
+              <a:spcAft>
+                <a:spcPts val="600"/>
+              </a:spcAft>
+            </a:pPr>
+            <a:r>
+              <a:rPr lang="en-US">
+                <a:solidFill>
+                  <a:schemeClr val="bg1"/>
+                </a:solidFill>
+                <a:latin typeface="Segoe UI" panose="020B0502040204020203" pitchFamily="34" charset="0"/>
+                <a:cs typeface="Segoe UI" panose="020B0502040204020203" pitchFamily="34" charset="0"/>
+              </a:rPr>
+              <a:t>Nhược điểm</a:t>
+            </a:r>
+          </a:p>
+          <a:p>
+            <a:pPr lvl="1">
+              <a:spcBef>
+                <a:spcPts val="1200"/>
+              </a:spcBef>
+              <a:spcAft>
+                <a:spcPts val="600"/>
+              </a:spcAft>
+            </a:pPr>
+            <a:r>
+              <a:rPr lang="vi-VN">
+                <a:solidFill>
+                  <a:schemeClr val="bg1"/>
+                </a:solidFill>
+                <a:latin typeface="Segoe UI" panose="020B0502040204020203" pitchFamily="34" charset="0"/>
+                <a:cs typeface="Segoe UI" panose="020B0502040204020203" pitchFamily="34" charset="0"/>
+              </a:rPr>
+              <a:t>Kết nối quá mức không chỉ làm giảm hiệu suất tính toán và hiệu quả</a:t>
+            </a:r>
+            <a:r>
+              <a:rPr lang="en-US">
+                <a:solidFill>
+                  <a:schemeClr val="bg1"/>
+                </a:solidFill>
+                <a:latin typeface="Segoe UI" panose="020B0502040204020203" pitchFamily="34" charset="0"/>
+                <a:cs typeface="Segoe UI" panose="020B0502040204020203" pitchFamily="34" charset="0"/>
+              </a:rPr>
+              <a:t> </a:t>
+            </a:r>
+            <a:r>
+              <a:rPr lang="vi-VN">
+                <a:solidFill>
+                  <a:schemeClr val="bg1"/>
+                </a:solidFill>
+                <a:latin typeface="Segoe UI" panose="020B0502040204020203" pitchFamily="34" charset="0"/>
+                <a:cs typeface="Segoe UI" panose="020B0502040204020203" pitchFamily="34" charset="0"/>
+              </a:rPr>
+              <a:t>tham số của mạng mà còn làm cho các mạng dễ bị overfitting.</a:t>
+            </a:r>
+          </a:p>
+        </p:txBody>
+      </p:sp>
+      <p:sp>
+        <p:nvSpPr>
+          <p:cNvPr id="4" name="Chỗ dành sẵn cho Số hiệu Bản chiếu 3"/>
+          <p:cNvSpPr>
+            <a:spLocks noGrp="1"/>
+          </p:cNvSpPr>
+          <p:nvPr>
+            <p:ph type="sldNum" sz="quarter" idx="10"/>
+          </p:nvPr>
+        </p:nvSpPr>
+        <p:spPr/>
+        <p:txBody>
+          <a:bodyPr rtlCol="0"/>
+          <a:lstStyle/>
+          <a:p>
+            <a:pPr rtl="0"/>
+            <a:fld id="{BC849E9A-41F7-4779-A581-48A7C374A227}" type="slidenum">
+              <a:rPr lang="vi-VN" smtClean="0"/>
+              <a:t>11</a:t>
+            </a:fld>
+            <a:endParaRPr lang="vi-VN"/>
+          </a:p>
+        </p:txBody>
+      </p:sp>
+    </p:spTree>
+    <p:extLst>
+      <p:ext uri="{BB962C8B-B14F-4D97-AF65-F5344CB8AC3E}">
+        <p14:creationId xmlns:p14="http://schemas.microsoft.com/office/powerpoint/2010/main" val="563258678"/>
+      </p:ext>
+    </p:extLst>
+  </p:cSld>
+  <p:clrMapOvr>
+    <a:masterClrMapping/>
+  </p:clrMapOvr>
+</p:notes>
+</file>
+
+<file path=ppt/notesSlides/notesSlide12.xml><?xml version="1.0" encoding="utf-8"?>
+<p:notes xmlns:a="http://schemas.openxmlformats.org/drawingml/2006/main" xmlns:r="http://schemas.openxmlformats.org/officeDocument/2006/relationships" xmlns:p="http://schemas.openxmlformats.org/presentationml/2006/main">
+  <p:cSld>
+    <p:spTree>
+      <p:nvGrpSpPr>
+        <p:cNvPr id="1" name=""/>
+        <p:cNvGrpSpPr/>
+        <p:nvPr/>
+      </p:nvGrpSpPr>
+      <p:grpSpPr>
+        <a:xfrm>
+          <a:off x="0" y="0"/>
+          <a:ext cx="0" cy="0"/>
+          <a:chOff x="0" y="0"/>
+          <a:chExt cx="0" cy="0"/>
+        </a:xfrm>
+      </p:grpSpPr>
+      <p:sp>
+        <p:nvSpPr>
+          <p:cNvPr id="2" name="Chỗ dành sẵn cho Hình ảnh của Bản chiếu 1"/>
+          <p:cNvSpPr>
+            <a:spLocks noGrp="1" noRot="1" noChangeAspect="1"/>
+          </p:cNvSpPr>
+          <p:nvPr>
+            <p:ph type="sldImg"/>
+          </p:nvPr>
+        </p:nvSpPr>
+        <p:spPr/>
+      </p:sp>
+      <p:sp>
+        <p:nvSpPr>
+          <p:cNvPr id="3" name="Chỗ dành sẵn cho Ghi chú 2"/>
+          <p:cNvSpPr>
+            <a:spLocks noGrp="1"/>
+          </p:cNvSpPr>
+          <p:nvPr>
+            <p:ph type="body" idx="1"/>
+          </p:nvPr>
+        </p:nvSpPr>
+        <p:spPr/>
+        <p:txBody>
+          <a:bodyPr rtlCol="0"/>
+          <a:lstStyle/>
+          <a:p>
+            <a:pPr>
+              <a:spcBef>
+                <a:spcPts val="1200"/>
+              </a:spcBef>
+              <a:spcAft>
+                <a:spcPts val="600"/>
+              </a:spcAft>
+            </a:pPr>
+            <a:r>
+              <a:rPr lang="vi-VN">
+                <a:solidFill>
+                  <a:schemeClr val="bg1"/>
+                </a:solidFill>
+                <a:latin typeface="Segoe UI" panose="020B0502040204020203" pitchFamily="34" charset="0"/>
+                <a:cs typeface="Segoe UI" panose="020B0502040204020203" pitchFamily="34" charset="0"/>
+              </a:rPr>
+              <a:t>Giao diện cập nhật mô hình</a:t>
+            </a:r>
+            <a:r>
+              <a:rPr lang="en-US">
+                <a:solidFill>
+                  <a:schemeClr val="bg1"/>
+                </a:solidFill>
+                <a:latin typeface="Segoe UI" panose="020B0502040204020203" pitchFamily="34" charset="0"/>
+                <a:cs typeface="Segoe UI" panose="020B0502040204020203" pitchFamily="34" charset="0"/>
+              </a:rPr>
+              <a:t>: </a:t>
+            </a:r>
+            <a:r>
+              <a:rPr lang="vi-VN">
+                <a:solidFill>
+                  <a:schemeClr val="bg1"/>
+                </a:solidFill>
+                <a:latin typeface="Segoe UI" panose="020B0502040204020203" pitchFamily="34" charset="0"/>
+                <a:cs typeface="Segoe UI" panose="020B0502040204020203" pitchFamily="34" charset="0"/>
+              </a:rPr>
+              <a:t>Tại đây, quản trị viên có thể thay đổi mô hình được sử dụng trong hệ</a:t>
+            </a:r>
+            <a:r>
+              <a:rPr lang="en-US">
+                <a:solidFill>
+                  <a:schemeClr val="bg1"/>
+                </a:solidFill>
+                <a:latin typeface="Segoe UI" panose="020B0502040204020203" pitchFamily="34" charset="0"/>
+                <a:cs typeface="Segoe UI" panose="020B0502040204020203" pitchFamily="34" charset="0"/>
+              </a:rPr>
+              <a:t> </a:t>
+            </a:r>
+            <a:r>
+              <a:rPr lang="vi-VN">
+                <a:solidFill>
+                  <a:schemeClr val="bg1"/>
+                </a:solidFill>
+                <a:latin typeface="Segoe UI" panose="020B0502040204020203" pitchFamily="34" charset="0"/>
+                <a:cs typeface="Segoe UI" panose="020B0502040204020203" pitchFamily="34" charset="0"/>
+              </a:rPr>
+              <a:t>thống. Mô hình này là được tạo ra ở pha Học. Mô hình mới được tải lên</a:t>
+            </a:r>
+            <a:r>
+              <a:rPr lang="en-US">
+                <a:solidFill>
+                  <a:schemeClr val="bg1"/>
+                </a:solidFill>
+                <a:latin typeface="Segoe UI" panose="020B0502040204020203" pitchFamily="34" charset="0"/>
+                <a:cs typeface="Segoe UI" panose="020B0502040204020203" pitchFamily="34" charset="0"/>
+              </a:rPr>
+              <a:t> </a:t>
+            </a:r>
+            <a:r>
+              <a:rPr lang="vi-VN">
+                <a:solidFill>
+                  <a:schemeClr val="bg1"/>
+                </a:solidFill>
+                <a:latin typeface="Segoe UI" panose="020B0502040204020203" pitchFamily="34" charset="0"/>
+                <a:cs typeface="Segoe UI" panose="020B0502040204020203" pitchFamily="34" charset="0"/>
+              </a:rPr>
+              <a:t>server, lưu trữ lại và ghi lại thông tin về đường dẫn để hệ thống có thể gọi</a:t>
+            </a:r>
+            <a:r>
+              <a:rPr lang="en-US">
+                <a:solidFill>
+                  <a:schemeClr val="bg1"/>
+                </a:solidFill>
+                <a:latin typeface="Segoe UI" panose="020B0502040204020203" pitchFamily="34" charset="0"/>
+                <a:cs typeface="Segoe UI" panose="020B0502040204020203" pitchFamily="34" charset="0"/>
+              </a:rPr>
+              <a:t> </a:t>
+            </a:r>
+            <a:r>
+              <a:rPr lang="vi-VN">
+                <a:solidFill>
+                  <a:schemeClr val="bg1"/>
+                </a:solidFill>
+                <a:latin typeface="Segoe UI" panose="020B0502040204020203" pitchFamily="34" charset="0"/>
+                <a:cs typeface="Segoe UI" panose="020B0502040204020203" pitchFamily="34" charset="0"/>
+              </a:rPr>
+              <a:t>được khi cần thiết.</a:t>
+            </a:r>
+          </a:p>
+        </p:txBody>
+      </p:sp>
+      <p:sp>
+        <p:nvSpPr>
+          <p:cNvPr id="4" name="Chỗ dành sẵn cho Số hiệu Bản chiếu 3"/>
+          <p:cNvSpPr>
+            <a:spLocks noGrp="1"/>
+          </p:cNvSpPr>
+          <p:nvPr>
+            <p:ph type="sldNum" sz="quarter" idx="10"/>
+          </p:nvPr>
+        </p:nvSpPr>
+        <p:spPr/>
+        <p:txBody>
+          <a:bodyPr rtlCol="0"/>
+          <a:lstStyle/>
+          <a:p>
+            <a:pPr rtl="0"/>
+            <a:fld id="{BC849E9A-41F7-4779-A581-48A7C374A227}" type="slidenum">
+              <a:rPr lang="vi-VN" smtClean="0"/>
+              <a:t>12</a:t>
+            </a:fld>
+            <a:endParaRPr lang="vi-VN"/>
+          </a:p>
+        </p:txBody>
+      </p:sp>
+    </p:spTree>
+    <p:extLst>
+      <p:ext uri="{BB962C8B-B14F-4D97-AF65-F5344CB8AC3E}">
+        <p14:creationId xmlns:p14="http://schemas.microsoft.com/office/powerpoint/2010/main" val="1670156944"/>
+      </p:ext>
+    </p:extLst>
+  </p:cSld>
+  <p:clrMapOvr>
+    <a:masterClrMapping/>
+  </p:clrMapOvr>
+</p:notes>
+</file>
+
+<file path=ppt/notesSlides/notesSlide13.xml><?xml version="1.0" encoding="utf-8"?>
+<p:notes xmlns:a="http://schemas.openxmlformats.org/drawingml/2006/main" xmlns:r="http://schemas.openxmlformats.org/officeDocument/2006/relationships" xmlns:p="http://schemas.openxmlformats.org/presentationml/2006/main">
+  <p:cSld>
+    <p:spTree>
+      <p:nvGrpSpPr>
+        <p:cNvPr id="1" name=""/>
+        <p:cNvGrpSpPr/>
+        <p:nvPr/>
+      </p:nvGrpSpPr>
+      <p:grpSpPr>
+        <a:xfrm>
+          <a:off x="0" y="0"/>
+          <a:ext cx="0" cy="0"/>
+          <a:chOff x="0" y="0"/>
+          <a:chExt cx="0" cy="0"/>
+        </a:xfrm>
+      </p:grpSpPr>
+      <p:sp>
+        <p:nvSpPr>
+          <p:cNvPr id="2" name="Chỗ dành sẵn cho Hình ảnh của Bản chiếu 1"/>
+          <p:cNvSpPr>
+            <a:spLocks noGrp="1" noRot="1" noChangeAspect="1"/>
+          </p:cNvSpPr>
+          <p:nvPr>
+            <p:ph type="sldImg"/>
+          </p:nvPr>
+        </p:nvSpPr>
+        <p:spPr/>
+      </p:sp>
+      <p:sp>
+        <p:nvSpPr>
+          <p:cNvPr id="3" name="Chỗ dành sẵn cho Ghi chú 2"/>
+          <p:cNvSpPr>
+            <a:spLocks noGrp="1"/>
+          </p:cNvSpPr>
+          <p:nvPr>
+            <p:ph type="body" idx="1"/>
+          </p:nvPr>
+        </p:nvSpPr>
+        <p:spPr/>
+        <p:txBody>
+          <a:bodyPr rtlCol="0"/>
+          <a:lstStyle/>
+          <a:p>
+            <a:pPr>
+              <a:spcBef>
+                <a:spcPts val="1200"/>
+              </a:spcBef>
+              <a:spcAft>
+                <a:spcPts val="600"/>
+              </a:spcAft>
+            </a:pPr>
+            <a:r>
+              <a:rPr lang="vi-VN">
+                <a:solidFill>
+                  <a:schemeClr val="bg1"/>
+                </a:solidFill>
+                <a:latin typeface="Segoe UI" panose="020B0502040204020203" pitchFamily="34" charset="0"/>
+                <a:cs typeface="Segoe UI" panose="020B0502040204020203" pitchFamily="34" charset="0"/>
+              </a:rPr>
+              <a:t>Giao diện này tập trung thông tin của tất cả các dự đoán đã được thực</a:t>
+            </a:r>
+            <a:r>
+              <a:rPr lang="en-US">
+                <a:solidFill>
+                  <a:schemeClr val="bg1"/>
+                </a:solidFill>
+                <a:latin typeface="Segoe UI" panose="020B0502040204020203" pitchFamily="34" charset="0"/>
+                <a:cs typeface="Segoe UI" panose="020B0502040204020203" pitchFamily="34" charset="0"/>
+              </a:rPr>
+              <a:t> </a:t>
+            </a:r>
+            <a:r>
+              <a:rPr lang="vi-VN">
+                <a:solidFill>
+                  <a:schemeClr val="bg1"/>
+                </a:solidFill>
+                <a:latin typeface="Segoe UI" panose="020B0502040204020203" pitchFamily="34" charset="0"/>
+                <a:cs typeface="Segoe UI" panose="020B0502040204020203" pitchFamily="34" charset="0"/>
+              </a:rPr>
+              <a:t>hiện và lưu lại của hệ thống. Hệ thống sẽ hiện thị tất cả các dự đoán đối với</a:t>
+            </a:r>
+            <a:r>
+              <a:rPr lang="en-US">
+                <a:solidFill>
+                  <a:schemeClr val="bg1"/>
+                </a:solidFill>
+                <a:latin typeface="Segoe UI" panose="020B0502040204020203" pitchFamily="34" charset="0"/>
+                <a:cs typeface="Segoe UI" panose="020B0502040204020203" pitchFamily="34" charset="0"/>
+              </a:rPr>
+              <a:t> </a:t>
+            </a:r>
+            <a:r>
+              <a:rPr lang="vi-VN">
+                <a:solidFill>
+                  <a:schemeClr val="bg1"/>
+                </a:solidFill>
+                <a:latin typeface="Segoe UI" panose="020B0502040204020203" pitchFamily="34" charset="0"/>
+                <a:cs typeface="Segoe UI" panose="020B0502040204020203" pitchFamily="34" charset="0"/>
+              </a:rPr>
+              <a:t>người quản trị, và với tài khoản người dùng, hệ thống chỉ hiển thị những</a:t>
+            </a:r>
+            <a:r>
+              <a:rPr lang="en-US">
+                <a:solidFill>
+                  <a:schemeClr val="bg1"/>
+                </a:solidFill>
+                <a:latin typeface="Segoe UI" panose="020B0502040204020203" pitchFamily="34" charset="0"/>
+                <a:cs typeface="Segoe UI" panose="020B0502040204020203" pitchFamily="34" charset="0"/>
+              </a:rPr>
+              <a:t> </a:t>
+            </a:r>
+            <a:r>
+              <a:rPr lang="vi-VN">
+                <a:solidFill>
+                  <a:schemeClr val="bg1"/>
+                </a:solidFill>
+                <a:latin typeface="Segoe UI" panose="020B0502040204020203" pitchFamily="34" charset="0"/>
+                <a:cs typeface="Segoe UI" panose="020B0502040204020203" pitchFamily="34" charset="0"/>
+              </a:rPr>
+              <a:t>dự đoán thuộc về người dùng.</a:t>
+            </a:r>
+          </a:p>
+        </p:txBody>
+      </p:sp>
+      <p:sp>
+        <p:nvSpPr>
+          <p:cNvPr id="4" name="Chỗ dành sẵn cho Số hiệu Bản chiếu 3"/>
+          <p:cNvSpPr>
+            <a:spLocks noGrp="1"/>
+          </p:cNvSpPr>
+          <p:nvPr>
+            <p:ph type="sldNum" sz="quarter" idx="10"/>
+          </p:nvPr>
+        </p:nvSpPr>
+        <p:spPr/>
+        <p:txBody>
+          <a:bodyPr rtlCol="0"/>
+          <a:lstStyle/>
+          <a:p>
+            <a:pPr rtl="0"/>
+            <a:fld id="{BC849E9A-41F7-4779-A581-48A7C374A227}" type="slidenum">
+              <a:rPr lang="vi-VN" smtClean="0"/>
+              <a:t>13</a:t>
+            </a:fld>
+            <a:endParaRPr lang="vi-VN"/>
+          </a:p>
+        </p:txBody>
+      </p:sp>
+    </p:spTree>
+    <p:extLst>
+      <p:ext uri="{BB962C8B-B14F-4D97-AF65-F5344CB8AC3E}">
+        <p14:creationId xmlns:p14="http://schemas.microsoft.com/office/powerpoint/2010/main" val="1363159947"/>
+      </p:ext>
+    </p:extLst>
+  </p:cSld>
+  <p:clrMapOvr>
+    <a:masterClrMapping/>
+  </p:clrMapOvr>
+</p:notes>
+</file>
+
+<file path=ppt/notesSlides/notesSlide14.xml><?xml version="1.0" encoding="utf-8"?>
+<p:notes xmlns:a="http://schemas.openxmlformats.org/drawingml/2006/main" xmlns:r="http://schemas.openxmlformats.org/officeDocument/2006/relationships" xmlns:p="http://schemas.openxmlformats.org/presentationml/2006/main">
+  <p:cSld>
+    <p:spTree>
+      <p:nvGrpSpPr>
+        <p:cNvPr id="1" name=""/>
+        <p:cNvGrpSpPr/>
+        <p:nvPr/>
+      </p:nvGrpSpPr>
+      <p:grpSpPr>
+        <a:xfrm>
+          <a:off x="0" y="0"/>
+          <a:ext cx="0" cy="0"/>
+          <a:chOff x="0" y="0"/>
+          <a:chExt cx="0" cy="0"/>
+        </a:xfrm>
+      </p:grpSpPr>
+      <p:sp>
+        <p:nvSpPr>
+          <p:cNvPr id="2" name="Chỗ dành sẵn cho Hình ảnh của Bản chiếu 1"/>
+          <p:cNvSpPr>
+            <a:spLocks noGrp="1" noRot="1" noChangeAspect="1"/>
+          </p:cNvSpPr>
+          <p:nvPr>
+            <p:ph type="sldImg"/>
+          </p:nvPr>
+        </p:nvSpPr>
+        <p:spPr/>
+      </p:sp>
+      <p:sp>
+        <p:nvSpPr>
+          <p:cNvPr id="3" name="Chỗ dành sẵn cho Ghi chú 2"/>
+          <p:cNvSpPr>
+            <a:spLocks noGrp="1"/>
+          </p:cNvSpPr>
+          <p:nvPr>
+            <p:ph type="body" idx="1"/>
+          </p:nvPr>
+        </p:nvSpPr>
+        <p:spPr/>
+        <p:txBody>
+          <a:bodyPr rtlCol="0"/>
+          <a:lstStyle/>
+          <a:p>
+            <a:pPr>
+              <a:spcBef>
+                <a:spcPts val="1200"/>
+              </a:spcBef>
+              <a:spcAft>
+                <a:spcPts val="600"/>
+              </a:spcAft>
+            </a:pPr>
+            <a:r>
+              <a:rPr lang="vi-VN">
+                <a:solidFill>
+                  <a:schemeClr val="bg1"/>
+                </a:solidFill>
+                <a:latin typeface="Segoe UI" panose="020B0502040204020203" pitchFamily="34" charset="0"/>
+                <a:cs typeface="Segoe UI" panose="020B0502040204020203" pitchFamily="34" charset="0"/>
+              </a:rPr>
+              <a:t>Người dùng upload ảnh chụp x-quang đã chuyển đổi định dạng PNG</a:t>
+            </a:r>
+            <a:r>
+              <a:rPr lang="en-US">
+                <a:solidFill>
+                  <a:schemeClr val="bg1"/>
+                </a:solidFill>
+                <a:latin typeface="Segoe UI" panose="020B0502040204020203" pitchFamily="34" charset="0"/>
+                <a:cs typeface="Segoe UI" panose="020B0502040204020203" pitchFamily="34" charset="0"/>
+              </a:rPr>
+              <a:t> </a:t>
+            </a:r>
+            <a:r>
+              <a:rPr lang="vi-VN">
+                <a:solidFill>
+                  <a:schemeClr val="bg1"/>
+                </a:solidFill>
+                <a:latin typeface="Segoe UI" panose="020B0502040204020203" pitchFamily="34" charset="0"/>
+                <a:cs typeface="Segoe UI" panose="020B0502040204020203" pitchFamily="34" charset="0"/>
+              </a:rPr>
+              <a:t>với kích thước 512x512 tại đây và nhận về kết quả dự đoán.</a:t>
+            </a:r>
+          </a:p>
+        </p:txBody>
+      </p:sp>
+      <p:sp>
+        <p:nvSpPr>
+          <p:cNvPr id="4" name="Chỗ dành sẵn cho Số hiệu Bản chiếu 3"/>
+          <p:cNvSpPr>
+            <a:spLocks noGrp="1"/>
+          </p:cNvSpPr>
+          <p:nvPr>
+            <p:ph type="sldNum" sz="quarter" idx="10"/>
+          </p:nvPr>
+        </p:nvSpPr>
+        <p:spPr/>
+        <p:txBody>
+          <a:bodyPr rtlCol="0"/>
+          <a:lstStyle/>
+          <a:p>
+            <a:pPr rtl="0"/>
+            <a:fld id="{BC849E9A-41F7-4779-A581-48A7C374A227}" type="slidenum">
+              <a:rPr lang="vi-VN" smtClean="0"/>
+              <a:t>14</a:t>
+            </a:fld>
+            <a:endParaRPr lang="vi-VN"/>
+          </a:p>
+        </p:txBody>
+      </p:sp>
+    </p:spTree>
+    <p:extLst>
+      <p:ext uri="{BB962C8B-B14F-4D97-AF65-F5344CB8AC3E}">
+        <p14:creationId xmlns:p14="http://schemas.microsoft.com/office/powerpoint/2010/main" val="2125339099"/>
+      </p:ext>
+    </p:extLst>
+  </p:cSld>
+  <p:clrMapOvr>
+    <a:masterClrMapping/>
+  </p:clrMapOvr>
+</p:notes>
+</file>
+
+<file path=ppt/notesSlides/notesSlide15.xml><?xml version="1.0" encoding="utf-8"?>
+<p:notes xmlns:a="http://schemas.openxmlformats.org/drawingml/2006/main" xmlns:r="http://schemas.openxmlformats.org/officeDocument/2006/relationships" xmlns:p="http://schemas.openxmlformats.org/presentationml/2006/main">
+  <p:cSld>
+    <p:spTree>
+      <p:nvGrpSpPr>
+        <p:cNvPr id="1" name=""/>
+        <p:cNvGrpSpPr/>
+        <p:nvPr/>
+      </p:nvGrpSpPr>
+      <p:grpSpPr>
+        <a:xfrm>
+          <a:off x="0" y="0"/>
+          <a:ext cx="0" cy="0"/>
+          <a:chOff x="0" y="0"/>
+          <a:chExt cx="0" cy="0"/>
+        </a:xfrm>
+      </p:grpSpPr>
+      <p:sp>
+        <p:nvSpPr>
+          <p:cNvPr id="2" name="Chỗ dành sẵn cho Hình ảnh của Bản chiếu 1"/>
+          <p:cNvSpPr>
+            <a:spLocks noGrp="1" noRot="1" noChangeAspect="1"/>
+          </p:cNvSpPr>
+          <p:nvPr>
+            <p:ph type="sldImg"/>
+          </p:nvPr>
+        </p:nvSpPr>
+        <p:spPr/>
+      </p:sp>
+      <p:sp>
+        <p:nvSpPr>
+          <p:cNvPr id="3" name="Chỗ dành sẵn cho Ghi chú 2"/>
+          <p:cNvSpPr>
+            <a:spLocks noGrp="1"/>
+          </p:cNvSpPr>
+          <p:nvPr>
+            <p:ph type="body" idx="1"/>
+          </p:nvPr>
+        </p:nvSpPr>
+        <p:spPr/>
+        <p:txBody>
+          <a:bodyPr rtlCol="0"/>
+          <a:lstStyle/>
+          <a:p>
+            <a:pPr>
+              <a:spcBef>
+                <a:spcPts val="1200"/>
+              </a:spcBef>
+              <a:spcAft>
+                <a:spcPts val="600"/>
+              </a:spcAft>
+            </a:pPr>
+            <a:r>
+              <a:rPr lang="vi-VN">
+                <a:solidFill>
+                  <a:schemeClr val="bg1"/>
+                </a:solidFill>
+                <a:latin typeface="Segoe UI" panose="020B0502040204020203" pitchFamily="34" charset="0"/>
+                <a:cs typeface="Segoe UI" panose="020B0502040204020203" pitchFamily="34" charset="0"/>
+              </a:rPr>
+              <a:t>Thực hiện kiểm thử việc phân loại của hệ thống với 100 ảnh x-quang</a:t>
+            </a:r>
+            <a:r>
+              <a:rPr lang="en-US">
+                <a:solidFill>
+                  <a:schemeClr val="bg1"/>
+                </a:solidFill>
+                <a:latin typeface="Segoe UI" panose="020B0502040204020203" pitchFamily="34" charset="0"/>
+                <a:cs typeface="Segoe UI" panose="020B0502040204020203" pitchFamily="34" charset="0"/>
+              </a:rPr>
+              <a:t> </a:t>
+            </a:r>
+            <a:r>
+              <a:rPr lang="vi-VN">
+                <a:solidFill>
+                  <a:schemeClr val="bg1"/>
+                </a:solidFill>
+                <a:latin typeface="Segoe UI" panose="020B0502040204020203" pitchFamily="34" charset="0"/>
+                <a:cs typeface="Segoe UI" panose="020B0502040204020203" pitchFamily="34" charset="0"/>
+              </a:rPr>
+              <a:t>được tách riêng biệt khỏi quá trình trainning, ta có được kết quả rất khả</a:t>
+            </a:r>
+            <a:r>
+              <a:rPr lang="en-US">
+                <a:solidFill>
+                  <a:schemeClr val="bg1"/>
+                </a:solidFill>
+                <a:latin typeface="Segoe UI" panose="020B0502040204020203" pitchFamily="34" charset="0"/>
+                <a:cs typeface="Segoe UI" panose="020B0502040204020203" pitchFamily="34" charset="0"/>
+              </a:rPr>
+              <a:t> </a:t>
+            </a:r>
+            <a:r>
+              <a:rPr lang="vi-VN">
+                <a:solidFill>
+                  <a:schemeClr val="bg1"/>
+                </a:solidFill>
+                <a:latin typeface="Segoe UI" panose="020B0502040204020203" pitchFamily="34" charset="0"/>
+                <a:cs typeface="Segoe UI" panose="020B0502040204020203" pitchFamily="34" charset="0"/>
+              </a:rPr>
+              <a:t>quan.</a:t>
+            </a:r>
+            <a:endParaRPr lang="en-US">
+              <a:solidFill>
+                <a:schemeClr val="bg1"/>
+              </a:solidFill>
+              <a:latin typeface="Segoe UI" panose="020B0502040204020203" pitchFamily="34" charset="0"/>
+              <a:cs typeface="Segoe UI" panose="020B0502040204020203" pitchFamily="34" charset="0"/>
+            </a:endParaRPr>
+          </a:p>
+          <a:p>
+            <a:pPr>
+              <a:spcBef>
+                <a:spcPts val="1200"/>
+              </a:spcBef>
+              <a:spcAft>
+                <a:spcPts val="600"/>
+              </a:spcAft>
+            </a:pPr>
+            <a:r>
+              <a:rPr lang="vi-VN">
+                <a:solidFill>
+                  <a:schemeClr val="bg1"/>
+                </a:solidFill>
+                <a:latin typeface="Segoe UI" panose="020B0502040204020203" pitchFamily="34" charset="0"/>
+                <a:cs typeface="Segoe UI" panose="020B0502040204020203" pitchFamily="34" charset="0"/>
+              </a:rPr>
+              <a:t>Bài toán của luận văn chỉ có hai lớp để phân loại nên phương pháp thích</a:t>
+            </a:r>
+            <a:r>
+              <a:rPr lang="en-US">
+                <a:solidFill>
+                  <a:schemeClr val="bg1"/>
+                </a:solidFill>
+                <a:latin typeface="Segoe UI" panose="020B0502040204020203" pitchFamily="34" charset="0"/>
+                <a:cs typeface="Segoe UI" panose="020B0502040204020203" pitchFamily="34" charset="0"/>
+              </a:rPr>
+              <a:t> </a:t>
+            </a:r>
+            <a:r>
+              <a:rPr lang="vi-VN">
+                <a:solidFill>
+                  <a:schemeClr val="bg1"/>
+                </a:solidFill>
+                <a:latin typeface="Segoe UI" panose="020B0502040204020203" pitchFamily="34" charset="0"/>
+                <a:cs typeface="Segoe UI" panose="020B0502040204020203" pitchFamily="34" charset="0"/>
+              </a:rPr>
+              <a:t>hợp nhất để đánh giá là True/False Positive/Negative. Ta định nghĩa lớp</a:t>
+            </a:r>
+            <a:r>
+              <a:rPr lang="en-US">
+                <a:solidFill>
+                  <a:schemeClr val="bg1"/>
+                </a:solidFill>
+                <a:latin typeface="Segoe UI" panose="020B0502040204020203" pitchFamily="34" charset="0"/>
+                <a:cs typeface="Segoe UI" panose="020B0502040204020203" pitchFamily="34" charset="0"/>
+              </a:rPr>
+              <a:t> </a:t>
+            </a:r>
+            <a:r>
+              <a:rPr lang="vi-VN">
+                <a:solidFill>
+                  <a:schemeClr val="bg1"/>
+                </a:solidFill>
+                <a:latin typeface="Segoe UI" panose="020B0502040204020203" pitchFamily="34" charset="0"/>
+                <a:cs typeface="Segoe UI" panose="020B0502040204020203" pitchFamily="34" charset="0"/>
+              </a:rPr>
+              <a:t>dữ liệu quan trọng hơn cần được xác định đúng là lớp Positive (P-dương</a:t>
+            </a:r>
+            <a:r>
+              <a:rPr lang="en-US">
+                <a:solidFill>
+                  <a:schemeClr val="bg1"/>
+                </a:solidFill>
+                <a:latin typeface="Segoe UI" panose="020B0502040204020203" pitchFamily="34" charset="0"/>
+                <a:cs typeface="Segoe UI" panose="020B0502040204020203" pitchFamily="34" charset="0"/>
+              </a:rPr>
+              <a:t> </a:t>
+            </a:r>
+            <a:r>
+              <a:rPr lang="vi-VN">
+                <a:solidFill>
+                  <a:schemeClr val="bg1"/>
+                </a:solidFill>
+                <a:latin typeface="Segoe UI" panose="020B0502040204020203" pitchFamily="34" charset="0"/>
+                <a:cs typeface="Segoe UI" panose="020B0502040204020203" pitchFamily="34" charset="0"/>
+              </a:rPr>
+              <a:t>tính), lớp còn lại được gọi là Negative (N-âm tính). Ta định nghĩa True</a:t>
+            </a:r>
+            <a:r>
+              <a:rPr lang="en-US">
+                <a:solidFill>
+                  <a:schemeClr val="bg1"/>
+                </a:solidFill>
+                <a:latin typeface="Segoe UI" panose="020B0502040204020203" pitchFamily="34" charset="0"/>
+                <a:cs typeface="Segoe UI" panose="020B0502040204020203" pitchFamily="34" charset="0"/>
+              </a:rPr>
+              <a:t> </a:t>
+            </a:r>
+            <a:r>
+              <a:rPr lang="vi-VN">
+                <a:solidFill>
+                  <a:schemeClr val="bg1"/>
+                </a:solidFill>
+                <a:latin typeface="Segoe UI" panose="020B0502040204020203" pitchFamily="34" charset="0"/>
+                <a:cs typeface="Segoe UI" panose="020B0502040204020203" pitchFamily="34" charset="0"/>
+              </a:rPr>
+              <a:t>Positive (TP), False Positive (FP), True Negative (TN), False Negative</a:t>
+            </a:r>
+            <a:r>
+              <a:rPr lang="en-US">
+                <a:solidFill>
+                  <a:schemeClr val="bg1"/>
+                </a:solidFill>
+                <a:latin typeface="Segoe UI" panose="020B0502040204020203" pitchFamily="34" charset="0"/>
+                <a:cs typeface="Segoe UI" panose="020B0502040204020203" pitchFamily="34" charset="0"/>
+              </a:rPr>
+              <a:t> </a:t>
+            </a:r>
+            <a:r>
+              <a:rPr lang="vi-VN">
+                <a:solidFill>
+                  <a:schemeClr val="bg1"/>
+                </a:solidFill>
+                <a:latin typeface="Segoe UI" panose="020B0502040204020203" pitchFamily="34" charset="0"/>
+                <a:cs typeface="Segoe UI" panose="020B0502040204020203" pitchFamily="34" charset="0"/>
+              </a:rPr>
+              <a:t>(FN) dựa trên confusion matrix chưa chuẩn hoá.</a:t>
+            </a:r>
+            <a:endParaRPr lang="en-US">
+              <a:solidFill>
+                <a:schemeClr val="bg1"/>
+              </a:solidFill>
+              <a:latin typeface="Segoe UI" panose="020B0502040204020203" pitchFamily="34" charset="0"/>
+              <a:cs typeface="Segoe UI" panose="020B0502040204020203" pitchFamily="34" charset="0"/>
+            </a:endParaRPr>
+          </a:p>
+          <a:p>
+            <a:pPr>
+              <a:spcBef>
+                <a:spcPts val="1200"/>
+              </a:spcBef>
+              <a:spcAft>
+                <a:spcPts val="600"/>
+              </a:spcAft>
+            </a:pPr>
+            <a:r>
+              <a:rPr lang="vi-VN">
+                <a:solidFill>
+                  <a:schemeClr val="bg1"/>
+                </a:solidFill>
+                <a:latin typeface="Segoe UI" panose="020B0502040204020203" pitchFamily="34" charset="0"/>
+                <a:cs typeface="Segoe UI" panose="020B0502040204020203" pitchFamily="34" charset="0"/>
+              </a:rPr>
+              <a:t>Bằng phương pháp trên, ta có kết quả tổng hợp tại hình </a:t>
+            </a:r>
+            <a:r>
+              <a:rPr lang="en-US">
+                <a:solidFill>
+                  <a:schemeClr val="bg1"/>
+                </a:solidFill>
+                <a:latin typeface="Segoe UI" panose="020B0502040204020203" pitchFamily="34" charset="0"/>
+                <a:cs typeface="Segoe UI" panose="020B0502040204020203" pitchFamily="34" charset="0"/>
+              </a:rPr>
+              <a:t>9</a:t>
+            </a:r>
+            <a:r>
+              <a:rPr lang="vi-VN">
+                <a:solidFill>
+                  <a:schemeClr val="bg1"/>
+                </a:solidFill>
+                <a:latin typeface="Segoe UI" panose="020B0502040204020203" pitchFamily="34" charset="0"/>
+                <a:cs typeface="Segoe UI" panose="020B0502040204020203" pitchFamily="34" charset="0"/>
+              </a:rPr>
+              <a:t>, tỉ lệ dự</a:t>
+            </a:r>
+            <a:r>
+              <a:rPr lang="en-US">
+                <a:solidFill>
+                  <a:schemeClr val="bg1"/>
+                </a:solidFill>
+                <a:latin typeface="Segoe UI" panose="020B0502040204020203" pitchFamily="34" charset="0"/>
+                <a:cs typeface="Segoe UI" panose="020B0502040204020203" pitchFamily="34" charset="0"/>
+              </a:rPr>
+              <a:t> </a:t>
+            </a:r>
+            <a:r>
+              <a:rPr lang="vi-VN">
+                <a:solidFill>
+                  <a:schemeClr val="bg1"/>
+                </a:solidFill>
+                <a:latin typeface="Segoe UI" panose="020B0502040204020203" pitchFamily="34" charset="0"/>
+                <a:cs typeface="Segoe UI" panose="020B0502040204020203" pitchFamily="34" charset="0"/>
+              </a:rPr>
+              <a:t>đoán chính xác là 96%, tỉ lệ báo động nhầm (False Alarm Rate) là 1% và</a:t>
+            </a:r>
+            <a:r>
+              <a:rPr lang="en-US">
+                <a:solidFill>
+                  <a:schemeClr val="bg1"/>
+                </a:solidFill>
+                <a:latin typeface="Segoe UI" panose="020B0502040204020203" pitchFamily="34" charset="0"/>
+                <a:cs typeface="Segoe UI" panose="020B0502040204020203" pitchFamily="34" charset="0"/>
+              </a:rPr>
+              <a:t> </a:t>
+            </a:r>
+            <a:r>
+              <a:rPr lang="vi-VN">
+                <a:solidFill>
+                  <a:schemeClr val="bg1"/>
+                </a:solidFill>
+                <a:latin typeface="Segoe UI" panose="020B0502040204020203" pitchFamily="34" charset="0"/>
+                <a:cs typeface="Segoe UI" panose="020B0502040204020203" pitchFamily="34" charset="0"/>
+              </a:rPr>
+              <a:t>tỉ lệ bỏ sót (Miss Detection Rate) là 3%</a:t>
+            </a:r>
+          </a:p>
+        </p:txBody>
+      </p:sp>
+      <p:sp>
+        <p:nvSpPr>
+          <p:cNvPr id="4" name="Chỗ dành sẵn cho Số hiệu Bản chiếu 3"/>
+          <p:cNvSpPr>
+            <a:spLocks noGrp="1"/>
+          </p:cNvSpPr>
+          <p:nvPr>
+            <p:ph type="sldNum" sz="quarter" idx="10"/>
+          </p:nvPr>
+        </p:nvSpPr>
+        <p:spPr/>
+        <p:txBody>
+          <a:bodyPr rtlCol="0"/>
+          <a:lstStyle/>
+          <a:p>
+            <a:pPr rtl="0"/>
+            <a:fld id="{BC849E9A-41F7-4779-A581-48A7C374A227}" type="slidenum">
+              <a:rPr lang="vi-VN" smtClean="0"/>
+              <a:t>15</a:t>
+            </a:fld>
+            <a:endParaRPr lang="vi-VN"/>
+          </a:p>
+        </p:txBody>
+      </p:sp>
+    </p:spTree>
+    <p:extLst>
+      <p:ext uri="{BB962C8B-B14F-4D97-AF65-F5344CB8AC3E}">
+        <p14:creationId xmlns:p14="http://schemas.microsoft.com/office/powerpoint/2010/main" val="3351217591"/>
+      </p:ext>
+    </p:extLst>
+  </p:cSld>
+  <p:clrMapOvr>
+    <a:masterClrMapping/>
+  </p:clrMapOvr>
+</p:notes>
+</file>
+
+<file path=ppt/notesSlides/notesSlide16.xml><?xml version="1.0" encoding="utf-8"?>
+<p:notes xmlns:a="http://schemas.openxmlformats.org/drawingml/2006/main" xmlns:r="http://schemas.openxmlformats.org/officeDocument/2006/relationships" xmlns:p="http://schemas.openxmlformats.org/presentationml/2006/main">
+  <p:cSld>
+    <p:spTree>
+      <p:nvGrpSpPr>
+        <p:cNvPr id="1" name=""/>
+        <p:cNvGrpSpPr/>
+        <p:nvPr/>
+      </p:nvGrpSpPr>
+      <p:grpSpPr>
+        <a:xfrm>
+          <a:off x="0" y="0"/>
+          <a:ext cx="0" cy="0"/>
+          <a:chOff x="0" y="0"/>
+          <a:chExt cx="0" cy="0"/>
+        </a:xfrm>
+      </p:grpSpPr>
+      <p:sp>
+        <p:nvSpPr>
+          <p:cNvPr id="2" name="Chỗ dành sẵn cho Hình ảnh của Bản chiếu 1"/>
+          <p:cNvSpPr>
+            <a:spLocks noGrp="1" noRot="1" noChangeAspect="1"/>
+          </p:cNvSpPr>
+          <p:nvPr>
+            <p:ph type="sldImg"/>
+          </p:nvPr>
+        </p:nvSpPr>
+        <p:spPr/>
+      </p:sp>
+      <p:sp>
+        <p:nvSpPr>
+          <p:cNvPr id="3" name="Chỗ dành sẵn cho Ghi chú 2"/>
+          <p:cNvSpPr>
+            <a:spLocks noGrp="1"/>
+          </p:cNvSpPr>
+          <p:nvPr>
+            <p:ph type="body" idx="1"/>
+          </p:nvPr>
+        </p:nvSpPr>
+        <p:spPr/>
+        <p:txBody>
+          <a:bodyPr rtlCol="0"/>
+          <a:lstStyle/>
+          <a:p>
+            <a:pPr>
+              <a:spcBef>
+                <a:spcPts val="1200"/>
+              </a:spcBef>
+              <a:spcAft>
+                <a:spcPts val="600"/>
+              </a:spcAft>
+            </a:pPr>
+            <a:r>
+              <a:rPr lang="vi-VN">
+                <a:solidFill>
+                  <a:schemeClr val="bg1"/>
+                </a:solidFill>
+                <a:latin typeface="Segoe UI" panose="020B0502040204020203" pitchFamily="34" charset="0"/>
+                <a:cs typeface="Segoe UI" panose="020B0502040204020203" pitchFamily="34" charset="0"/>
+              </a:rPr>
+              <a:t>Kết quả đã đạt được</a:t>
+            </a:r>
+            <a:r>
+              <a:rPr lang="en-US">
+                <a:solidFill>
+                  <a:schemeClr val="bg1"/>
+                </a:solidFill>
+                <a:latin typeface="Segoe UI" panose="020B0502040204020203" pitchFamily="34" charset="0"/>
+                <a:cs typeface="Segoe UI" panose="020B0502040204020203" pitchFamily="34" charset="0"/>
+              </a:rPr>
+              <a:t>: </a:t>
+            </a:r>
+            <a:r>
+              <a:rPr lang="vi-VN">
+                <a:solidFill>
+                  <a:schemeClr val="bg1"/>
+                </a:solidFill>
+                <a:latin typeface="Segoe UI" panose="020B0502040204020203" pitchFamily="34" charset="0"/>
+                <a:cs typeface="Segoe UI" panose="020B0502040204020203" pitchFamily="34" charset="0"/>
+              </a:rPr>
+              <a:t>Sau một thời gian tìm hiểu nghiên cứu, luận văn đã trình bày được các</a:t>
+            </a:r>
+            <a:r>
+              <a:rPr lang="en-US">
+                <a:solidFill>
+                  <a:schemeClr val="bg1"/>
+                </a:solidFill>
+                <a:latin typeface="Segoe UI" panose="020B0502040204020203" pitchFamily="34" charset="0"/>
+                <a:cs typeface="Segoe UI" panose="020B0502040204020203" pitchFamily="34" charset="0"/>
+              </a:rPr>
+              <a:t> </a:t>
+            </a:r>
+            <a:r>
+              <a:rPr lang="vi-VN">
+                <a:solidFill>
+                  <a:schemeClr val="bg1"/>
+                </a:solidFill>
+                <a:latin typeface="Segoe UI" panose="020B0502040204020203" pitchFamily="34" charset="0"/>
+                <a:cs typeface="Segoe UI" panose="020B0502040204020203" pitchFamily="34" charset="0"/>
+              </a:rPr>
+              <a:t>vấn đề sau:</a:t>
+            </a:r>
+          </a:p>
+          <a:p>
+            <a:pPr>
+              <a:spcBef>
+                <a:spcPts val="1200"/>
+              </a:spcBef>
+              <a:spcAft>
+                <a:spcPts val="600"/>
+              </a:spcAft>
+            </a:pPr>
+            <a:r>
+              <a:rPr lang="en-US">
+                <a:solidFill>
+                  <a:schemeClr val="bg1"/>
+                </a:solidFill>
+                <a:latin typeface="Segoe UI" panose="020B0502040204020203" pitchFamily="34" charset="0"/>
+                <a:cs typeface="Segoe UI" panose="020B0502040204020203" pitchFamily="34" charset="0"/>
+              </a:rPr>
+              <a:t>	- T</a:t>
+            </a:r>
+            <a:r>
+              <a:rPr lang="vi-VN">
+                <a:solidFill>
+                  <a:schemeClr val="bg1"/>
+                </a:solidFill>
+                <a:latin typeface="Segoe UI" panose="020B0502040204020203" pitchFamily="34" charset="0"/>
+                <a:cs typeface="Segoe UI" panose="020B0502040204020203" pitchFamily="34" charset="0"/>
+              </a:rPr>
+              <a:t>rình bày khái quát về CNN và bài toán chẩn đoán bệnh lao</a:t>
+            </a:r>
+            <a:endParaRPr lang="en-US">
+              <a:solidFill>
+                <a:schemeClr val="bg1"/>
+              </a:solidFill>
+              <a:latin typeface="Segoe UI" panose="020B0502040204020203" pitchFamily="34" charset="0"/>
+              <a:cs typeface="Segoe UI" panose="020B0502040204020203" pitchFamily="34" charset="0"/>
+            </a:endParaRPr>
+          </a:p>
+          <a:p>
+            <a:pPr>
+              <a:spcBef>
+                <a:spcPts val="1200"/>
+              </a:spcBef>
+              <a:spcAft>
+                <a:spcPts val="600"/>
+              </a:spcAft>
+            </a:pPr>
+            <a:r>
+              <a:rPr lang="en-US">
+                <a:solidFill>
+                  <a:schemeClr val="bg1"/>
+                </a:solidFill>
+                <a:latin typeface="Segoe UI" panose="020B0502040204020203" pitchFamily="34" charset="0"/>
+                <a:cs typeface="Segoe UI" panose="020B0502040204020203" pitchFamily="34" charset="0"/>
+              </a:rPr>
+              <a:t>	- </a:t>
+            </a:r>
+            <a:r>
+              <a:rPr lang="vi-VN">
+                <a:solidFill>
+                  <a:schemeClr val="bg1"/>
+                </a:solidFill>
+                <a:latin typeface="Segoe UI" panose="020B0502040204020203" pitchFamily="34" charset="0"/>
+                <a:cs typeface="Segoe UI" panose="020B0502040204020203" pitchFamily="34" charset="0"/>
+              </a:rPr>
+              <a:t>Hệ thống hóa một số mô hình học sâu hỗ trợ chẩn đoán</a:t>
+            </a:r>
+          </a:p>
+          <a:p>
+            <a:pPr>
+              <a:spcBef>
+                <a:spcPts val="1200"/>
+              </a:spcBef>
+              <a:spcAft>
+                <a:spcPts val="600"/>
+              </a:spcAft>
+            </a:pPr>
+            <a:r>
+              <a:rPr lang="en-US">
+                <a:solidFill>
+                  <a:schemeClr val="bg1"/>
+                </a:solidFill>
+                <a:latin typeface="Segoe UI" panose="020B0502040204020203" pitchFamily="34" charset="0"/>
+                <a:cs typeface="Segoe UI" panose="020B0502040204020203" pitchFamily="34" charset="0"/>
+              </a:rPr>
+              <a:t>	- </a:t>
+            </a:r>
+            <a:r>
+              <a:rPr lang="vi-VN">
+                <a:solidFill>
+                  <a:schemeClr val="bg1"/>
+                </a:solidFill>
+                <a:latin typeface="Segoe UI" panose="020B0502040204020203" pitchFamily="34" charset="0"/>
+                <a:cs typeface="Segoe UI" panose="020B0502040204020203" pitchFamily="34" charset="0"/>
+              </a:rPr>
+              <a:t>Cài đặt thử nghiệm một trong các mô hình đã được hệ thống hóa</a:t>
+            </a:r>
+          </a:p>
+          <a:p>
+            <a:pPr>
+              <a:spcBef>
+                <a:spcPts val="1200"/>
+              </a:spcBef>
+              <a:spcAft>
+                <a:spcPts val="600"/>
+              </a:spcAft>
+            </a:pPr>
+            <a:r>
+              <a:rPr lang="vi-VN">
+                <a:solidFill>
+                  <a:schemeClr val="bg1"/>
+                </a:solidFill>
+                <a:latin typeface="Segoe UI" panose="020B0502040204020203" pitchFamily="34" charset="0"/>
+                <a:cs typeface="Segoe UI" panose="020B0502040204020203" pitchFamily="34" charset="0"/>
+              </a:rPr>
+              <a:t>Hướng hoàn thiện và phát triển tiếp theo:</a:t>
+            </a:r>
+            <a:endParaRPr lang="en-US">
+              <a:solidFill>
+                <a:schemeClr val="bg1"/>
+              </a:solidFill>
+              <a:latin typeface="Segoe UI" panose="020B0502040204020203" pitchFamily="34" charset="0"/>
+              <a:cs typeface="Segoe UI" panose="020B0502040204020203" pitchFamily="34" charset="0"/>
+            </a:endParaRPr>
+          </a:p>
+          <a:p>
+            <a:pPr>
+              <a:spcBef>
+                <a:spcPts val="1200"/>
+              </a:spcBef>
+              <a:spcAft>
+                <a:spcPts val="600"/>
+              </a:spcAft>
+            </a:pPr>
+            <a:r>
+              <a:rPr lang="en-US">
+                <a:solidFill>
+                  <a:schemeClr val="bg1"/>
+                </a:solidFill>
+                <a:latin typeface="Segoe UI" panose="020B0502040204020203" pitchFamily="34" charset="0"/>
+                <a:cs typeface="Segoe UI" panose="020B0502040204020203" pitchFamily="34" charset="0"/>
+              </a:rPr>
+              <a:t>	- </a:t>
+            </a:r>
+            <a:r>
+              <a:rPr lang="vi-VN">
+                <a:solidFill>
+                  <a:schemeClr val="bg1"/>
+                </a:solidFill>
+                <a:latin typeface="Segoe UI" panose="020B0502040204020203" pitchFamily="34" charset="0"/>
+                <a:cs typeface="Segoe UI" panose="020B0502040204020203" pitchFamily="34" charset="0"/>
+              </a:rPr>
+              <a:t>Chương trình tuy đã đảm bảo được những chức năng chính yếu nhất</a:t>
+            </a:r>
+            <a:r>
+              <a:rPr lang="en-US">
+                <a:solidFill>
+                  <a:schemeClr val="bg1"/>
+                </a:solidFill>
+                <a:latin typeface="Segoe UI" panose="020B0502040204020203" pitchFamily="34" charset="0"/>
+                <a:cs typeface="Segoe UI" panose="020B0502040204020203" pitchFamily="34" charset="0"/>
+              </a:rPr>
+              <a:t> </a:t>
+            </a:r>
+            <a:r>
+              <a:rPr lang="vi-VN">
+                <a:solidFill>
+                  <a:schemeClr val="bg1"/>
+                </a:solidFill>
+                <a:latin typeface="Segoe UI" panose="020B0502040204020203" pitchFamily="34" charset="0"/>
+                <a:cs typeface="Segoe UI" panose="020B0502040204020203" pitchFamily="34" charset="0"/>
+              </a:rPr>
+              <a:t>của luận văn, nhưng để áp dụng vào thực tế thì vẫn chưa thể được. Lý</a:t>
+            </a:r>
+            <a:r>
+              <a:rPr lang="en-US">
+                <a:solidFill>
+                  <a:schemeClr val="bg1"/>
+                </a:solidFill>
+                <a:latin typeface="Segoe UI" panose="020B0502040204020203" pitchFamily="34" charset="0"/>
+                <a:cs typeface="Segoe UI" panose="020B0502040204020203" pitchFamily="34" charset="0"/>
+              </a:rPr>
+              <a:t> </a:t>
+            </a:r>
+            <a:r>
+              <a:rPr lang="vi-VN">
+                <a:solidFill>
+                  <a:schemeClr val="bg1"/>
+                </a:solidFill>
+                <a:latin typeface="Segoe UI" panose="020B0502040204020203" pitchFamily="34" charset="0"/>
+                <a:cs typeface="Segoe UI" panose="020B0502040204020203" pitchFamily="34" charset="0"/>
+              </a:rPr>
+              <a:t>do chính cho việc này là do sự khác biệt giữa nguồn ảnh đầu vào.</a:t>
+            </a:r>
+            <a:r>
+              <a:rPr lang="en-US">
+                <a:solidFill>
+                  <a:schemeClr val="bg1"/>
+                </a:solidFill>
+                <a:latin typeface="Segoe UI" panose="020B0502040204020203" pitchFamily="34" charset="0"/>
+                <a:cs typeface="Segoe UI" panose="020B0502040204020203" pitchFamily="34" charset="0"/>
+              </a:rPr>
+              <a:t> </a:t>
+            </a:r>
+            <a:r>
+              <a:rPr lang="vi-VN">
+                <a:solidFill>
+                  <a:schemeClr val="bg1"/>
+                </a:solidFill>
+                <a:latin typeface="Segoe UI" panose="020B0502040204020203" pitchFamily="34" charset="0"/>
+                <a:cs typeface="Segoe UI" panose="020B0502040204020203" pitchFamily="34" charset="0"/>
+              </a:rPr>
+              <a:t>nguồn ảnh đầu vào của bài toán luận văn là ảnh</a:t>
+            </a:r>
+            <a:r>
+              <a:rPr lang="en-US">
+                <a:solidFill>
+                  <a:schemeClr val="bg1"/>
+                </a:solidFill>
+                <a:latin typeface="Segoe UI" panose="020B0502040204020203" pitchFamily="34" charset="0"/>
+                <a:cs typeface="Segoe UI" panose="020B0502040204020203" pitchFamily="34" charset="0"/>
+              </a:rPr>
+              <a:t> </a:t>
+            </a:r>
+            <a:r>
+              <a:rPr lang="vi-VN">
+                <a:solidFill>
+                  <a:schemeClr val="bg1"/>
+                </a:solidFill>
+                <a:latin typeface="Segoe UI" panose="020B0502040204020203" pitchFamily="34" charset="0"/>
+                <a:cs typeface="Segoe UI" panose="020B0502040204020203" pitchFamily="34" charset="0"/>
+              </a:rPr>
+              <a:t>định dạng PNG, tuy nhiên, thực tế nguồn ảnh x-quang y tế được chụp</a:t>
+            </a:r>
+            <a:r>
+              <a:rPr lang="en-US">
+                <a:solidFill>
+                  <a:schemeClr val="bg1"/>
+                </a:solidFill>
+                <a:latin typeface="Segoe UI" panose="020B0502040204020203" pitchFamily="34" charset="0"/>
+                <a:cs typeface="Segoe UI" panose="020B0502040204020203" pitchFamily="34" charset="0"/>
+              </a:rPr>
+              <a:t> </a:t>
+            </a:r>
+            <a:r>
+              <a:rPr lang="vi-VN">
+                <a:solidFill>
+                  <a:schemeClr val="bg1"/>
+                </a:solidFill>
+                <a:latin typeface="Segoe UI" panose="020B0502040204020203" pitchFamily="34" charset="0"/>
+                <a:cs typeface="Segoe UI" panose="020B0502040204020203" pitchFamily="34" charset="0"/>
+              </a:rPr>
+              <a:t>qua các thiết bị thu nhận ảnh y tế (CT, MRI...) hầu hết lại ở định dạng</a:t>
+            </a:r>
+            <a:r>
+              <a:rPr lang="en-US">
+                <a:solidFill>
+                  <a:schemeClr val="bg1"/>
+                </a:solidFill>
+                <a:latin typeface="Segoe UI" panose="020B0502040204020203" pitchFamily="34" charset="0"/>
+                <a:cs typeface="Segoe UI" panose="020B0502040204020203" pitchFamily="34" charset="0"/>
+              </a:rPr>
+              <a:t> </a:t>
+            </a:r>
+            <a:r>
+              <a:rPr lang="vi-VN">
+                <a:solidFill>
+                  <a:schemeClr val="bg1"/>
+                </a:solidFill>
+                <a:latin typeface="Segoe UI" panose="020B0502040204020203" pitchFamily="34" charset="0"/>
+                <a:cs typeface="Segoe UI" panose="020B0502040204020203" pitchFamily="34" charset="0"/>
+              </a:rPr>
+              <a:t>DICOM. Việc không đồng nhất về định dạng ảnh khiến cho chương trình</a:t>
+            </a:r>
+            <a:r>
+              <a:rPr lang="en-US">
+                <a:solidFill>
+                  <a:schemeClr val="bg1"/>
+                </a:solidFill>
+                <a:latin typeface="Segoe UI" panose="020B0502040204020203" pitchFamily="34" charset="0"/>
+                <a:cs typeface="Segoe UI" panose="020B0502040204020203" pitchFamily="34" charset="0"/>
+              </a:rPr>
+              <a:t> </a:t>
+            </a:r>
+            <a:r>
+              <a:rPr lang="vi-VN">
+                <a:solidFill>
+                  <a:schemeClr val="bg1"/>
+                </a:solidFill>
+                <a:latin typeface="Segoe UI" panose="020B0502040204020203" pitchFamily="34" charset="0"/>
+                <a:cs typeface="Segoe UI" panose="020B0502040204020203" pitchFamily="34" charset="0"/>
+              </a:rPr>
+              <a:t>hiện nay chưa thể đưa vào sử dụng trong thực tế.</a:t>
+            </a:r>
+            <a:endParaRPr lang="en-US">
+              <a:solidFill>
+                <a:schemeClr val="bg1"/>
+              </a:solidFill>
+              <a:latin typeface="Segoe UI" panose="020B0502040204020203" pitchFamily="34" charset="0"/>
+              <a:cs typeface="Segoe UI" panose="020B0502040204020203" pitchFamily="34" charset="0"/>
+            </a:endParaRPr>
+          </a:p>
+          <a:p>
+            <a:pPr>
+              <a:spcBef>
+                <a:spcPts val="1200"/>
+              </a:spcBef>
+              <a:spcAft>
+                <a:spcPts val="600"/>
+              </a:spcAft>
+            </a:pPr>
+            <a:r>
+              <a:rPr lang="en-US">
+                <a:solidFill>
+                  <a:schemeClr val="bg1"/>
+                </a:solidFill>
+                <a:latin typeface="Segoe UI" panose="020B0502040204020203" pitchFamily="34" charset="0"/>
+                <a:cs typeface="Segoe UI" panose="020B0502040204020203" pitchFamily="34" charset="0"/>
+              </a:rPr>
+              <a:t>	- C</a:t>
+            </a:r>
+            <a:r>
+              <a:rPr lang="vi-VN">
+                <a:solidFill>
+                  <a:schemeClr val="bg1"/>
+                </a:solidFill>
+                <a:latin typeface="Segoe UI" panose="020B0502040204020203" pitchFamily="34" charset="0"/>
+                <a:cs typeface="Segoe UI" panose="020B0502040204020203" pitchFamily="34" charset="0"/>
+              </a:rPr>
+              <a:t>hất lượng ảnh đầu vào không</a:t>
+            </a:r>
+            <a:r>
+              <a:rPr lang="en-US">
+                <a:solidFill>
+                  <a:schemeClr val="bg1"/>
+                </a:solidFill>
+                <a:latin typeface="Segoe UI" panose="020B0502040204020203" pitchFamily="34" charset="0"/>
+                <a:cs typeface="Segoe UI" panose="020B0502040204020203" pitchFamily="34" charset="0"/>
+              </a:rPr>
+              <a:t> </a:t>
+            </a:r>
+            <a:r>
+              <a:rPr lang="vi-VN">
+                <a:solidFill>
+                  <a:schemeClr val="bg1"/>
+                </a:solidFill>
+                <a:latin typeface="Segoe UI" panose="020B0502040204020203" pitchFamily="34" charset="0"/>
+                <a:cs typeface="Segoe UI" panose="020B0502040204020203" pitchFamily="34" charset="0"/>
+              </a:rPr>
+              <a:t>đồng đều. Hầu hết ảnh trong bộ dữ liệu đều có chất lượng tốt, sắc nét,</a:t>
+            </a:r>
+            <a:r>
+              <a:rPr lang="en-US">
+                <a:solidFill>
+                  <a:schemeClr val="bg1"/>
+                </a:solidFill>
+                <a:latin typeface="Segoe UI" panose="020B0502040204020203" pitchFamily="34" charset="0"/>
+                <a:cs typeface="Segoe UI" panose="020B0502040204020203" pitchFamily="34" charset="0"/>
+              </a:rPr>
+              <a:t> </a:t>
+            </a:r>
+            <a:r>
+              <a:rPr lang="vi-VN">
+                <a:solidFill>
+                  <a:schemeClr val="bg1"/>
+                </a:solidFill>
+                <a:latin typeface="Segoe UI" panose="020B0502040204020203" pitchFamily="34" charset="0"/>
+                <a:cs typeface="Segoe UI" panose="020B0502040204020203" pitchFamily="34" charset="0"/>
+              </a:rPr>
+              <a:t>rõ ràng. Nhưng cũng có một vài ảnh mờ, không thực sự rõ nét.</a:t>
+            </a:r>
+            <a:endParaRPr lang="en-US">
+              <a:solidFill>
+                <a:schemeClr val="bg1"/>
+              </a:solidFill>
+              <a:latin typeface="Segoe UI" panose="020B0502040204020203" pitchFamily="34" charset="0"/>
+              <a:cs typeface="Segoe UI" panose="020B0502040204020203" pitchFamily="34" charset="0"/>
+            </a:endParaRPr>
+          </a:p>
+          <a:p>
+            <a:pPr>
+              <a:spcBef>
+                <a:spcPts val="1200"/>
+              </a:spcBef>
+              <a:spcAft>
+                <a:spcPts val="600"/>
+              </a:spcAft>
+            </a:pPr>
+            <a:r>
+              <a:rPr lang="en-US">
+                <a:solidFill>
+                  <a:schemeClr val="bg1"/>
+                </a:solidFill>
+                <a:latin typeface="Segoe UI" panose="020B0502040204020203" pitchFamily="34" charset="0"/>
+                <a:cs typeface="Segoe UI" panose="020B0502040204020203" pitchFamily="34" charset="0"/>
+              </a:rPr>
+              <a:t>	- </a:t>
+            </a:r>
+            <a:r>
+              <a:rPr lang="vi-VN">
+                <a:solidFill>
+                  <a:schemeClr val="bg1"/>
+                </a:solidFill>
+                <a:latin typeface="Segoe UI" panose="020B0502040204020203" pitchFamily="34" charset="0"/>
+                <a:cs typeface="Segoe UI" panose="020B0502040204020203" pitchFamily="34" charset="0"/>
+              </a:rPr>
+              <a:t>Từ những vấn đề nêu trên, </a:t>
+            </a:r>
+            <a:r>
+              <a:rPr lang="en-US">
+                <a:solidFill>
+                  <a:schemeClr val="bg1"/>
+                </a:solidFill>
+                <a:latin typeface="Segoe UI" panose="020B0502040204020203" pitchFamily="34" charset="0"/>
+                <a:cs typeface="Segoe UI" panose="020B0502040204020203" pitchFamily="34" charset="0"/>
+              </a:rPr>
+              <a:t>học viên </a:t>
+            </a:r>
+            <a:r>
+              <a:rPr lang="vi-VN">
+                <a:solidFill>
+                  <a:schemeClr val="bg1"/>
+                </a:solidFill>
+                <a:latin typeface="Segoe UI" panose="020B0502040204020203" pitchFamily="34" charset="0"/>
+                <a:cs typeface="Segoe UI" panose="020B0502040204020203" pitchFamily="34" charset="0"/>
+              </a:rPr>
+              <a:t>đề xuất hướng phát triển tiếp theo</a:t>
+            </a:r>
+            <a:r>
+              <a:rPr lang="en-US">
+                <a:solidFill>
+                  <a:schemeClr val="bg1"/>
+                </a:solidFill>
+                <a:latin typeface="Segoe UI" panose="020B0502040204020203" pitchFamily="34" charset="0"/>
+                <a:cs typeface="Segoe UI" panose="020B0502040204020203" pitchFamily="34" charset="0"/>
+              </a:rPr>
+              <a:t> </a:t>
+            </a:r>
+            <a:r>
+              <a:rPr lang="vi-VN">
+                <a:solidFill>
+                  <a:schemeClr val="bg1"/>
+                </a:solidFill>
+                <a:latin typeface="Segoe UI" panose="020B0502040204020203" pitchFamily="34" charset="0"/>
+                <a:cs typeface="Segoe UI" panose="020B0502040204020203" pitchFamily="34" charset="0"/>
+              </a:rPr>
+              <a:t>là hoàn thiện thêm các chức năng liên quan đến nâng cao chất lượng ảnh</a:t>
+            </a:r>
+            <a:r>
+              <a:rPr lang="en-US">
+                <a:solidFill>
+                  <a:schemeClr val="bg1"/>
+                </a:solidFill>
+                <a:latin typeface="Segoe UI" panose="020B0502040204020203" pitchFamily="34" charset="0"/>
+                <a:cs typeface="Segoe UI" panose="020B0502040204020203" pitchFamily="34" charset="0"/>
+              </a:rPr>
+              <a:t> </a:t>
+            </a:r>
+            <a:r>
+              <a:rPr lang="vi-VN">
+                <a:solidFill>
+                  <a:schemeClr val="bg1"/>
+                </a:solidFill>
+                <a:latin typeface="Segoe UI" panose="020B0502040204020203" pitchFamily="34" charset="0"/>
+                <a:cs typeface="Segoe UI" panose="020B0502040204020203" pitchFamily="34" charset="0"/>
+              </a:rPr>
+              <a:t>đầu vào, chức năng kết nối với thiết bị thu</a:t>
+            </a:r>
+            <a:r>
+              <a:rPr lang="en-US">
+                <a:solidFill>
+                  <a:schemeClr val="bg1"/>
+                </a:solidFill>
+                <a:latin typeface="Segoe UI" panose="020B0502040204020203" pitchFamily="34" charset="0"/>
+                <a:cs typeface="Segoe UI" panose="020B0502040204020203" pitchFamily="34" charset="0"/>
+              </a:rPr>
+              <a:t> </a:t>
+            </a:r>
+            <a:r>
+              <a:rPr lang="vi-VN">
+                <a:solidFill>
+                  <a:schemeClr val="bg1"/>
+                </a:solidFill>
+                <a:latin typeface="Segoe UI" panose="020B0502040204020203" pitchFamily="34" charset="0"/>
+                <a:cs typeface="Segoe UI" panose="020B0502040204020203" pitchFamily="34" charset="0"/>
+              </a:rPr>
+              <a:t>nhận ảnh y tế (CT, MRI...) để</a:t>
+            </a:r>
+            <a:r>
+              <a:rPr lang="en-US">
+                <a:solidFill>
+                  <a:schemeClr val="bg1"/>
+                </a:solidFill>
+                <a:latin typeface="Segoe UI" panose="020B0502040204020203" pitchFamily="34" charset="0"/>
+                <a:cs typeface="Segoe UI" panose="020B0502040204020203" pitchFamily="34" charset="0"/>
+              </a:rPr>
+              <a:t> </a:t>
+            </a:r>
+            <a:r>
+              <a:rPr lang="vi-VN">
+                <a:solidFill>
+                  <a:schemeClr val="bg1"/>
+                </a:solidFill>
+                <a:latin typeface="Segoe UI" panose="020B0502040204020203" pitchFamily="34" charset="0"/>
+                <a:cs typeface="Segoe UI" panose="020B0502040204020203" pitchFamily="34" charset="0"/>
+              </a:rPr>
+              <a:t>hoàn thiện chương trình có thể ứng dụng vào thực tiễn.</a:t>
+            </a:r>
+          </a:p>
+          <a:p>
+            <a:pPr>
+              <a:spcBef>
+                <a:spcPts val="1200"/>
+              </a:spcBef>
+              <a:spcAft>
+                <a:spcPts val="600"/>
+              </a:spcAft>
+            </a:pPr>
+            <a:endParaRPr lang="vi-VN">
+              <a:solidFill>
+                <a:schemeClr val="bg1"/>
+              </a:solidFill>
+              <a:latin typeface="Segoe UI" panose="020B0502040204020203" pitchFamily="34" charset="0"/>
+              <a:cs typeface="Segoe UI" panose="020B0502040204020203" pitchFamily="34" charset="0"/>
+            </a:endParaRPr>
+          </a:p>
+        </p:txBody>
+      </p:sp>
+      <p:sp>
+        <p:nvSpPr>
+          <p:cNvPr id="4" name="Chỗ dành sẵn cho Số hiệu Bản chiếu 3"/>
+          <p:cNvSpPr>
+            <a:spLocks noGrp="1"/>
+          </p:cNvSpPr>
+          <p:nvPr>
+            <p:ph type="sldNum" sz="quarter" idx="10"/>
+          </p:nvPr>
+        </p:nvSpPr>
+        <p:spPr/>
+        <p:txBody>
+          <a:bodyPr rtlCol="0"/>
+          <a:lstStyle/>
+          <a:p>
+            <a:pPr rtl="0"/>
+            <a:fld id="{BC849E9A-41F7-4779-A581-48A7C374A227}" type="slidenum">
+              <a:rPr lang="vi-VN" smtClean="0"/>
+              <a:t>16</a:t>
+            </a:fld>
+            <a:endParaRPr lang="vi-VN"/>
+          </a:p>
+        </p:txBody>
+      </p:sp>
+    </p:spTree>
+    <p:extLst>
+      <p:ext uri="{BB962C8B-B14F-4D97-AF65-F5344CB8AC3E}">
+        <p14:creationId xmlns:p14="http://schemas.microsoft.com/office/powerpoint/2010/main" val="361079803"/>
+      </p:ext>
+    </p:extLst>
+  </p:cSld>
+  <p:clrMapOvr>
+    <a:masterClrMapping/>
+  </p:clrMapOvr>
+</p:notes>
+</file>
+
+<file path=ppt/notesSlides/notesSlide17.xml><?xml version="1.0" encoding="utf-8"?>
+<p:notes xmlns:a="http://schemas.openxmlformats.org/drawingml/2006/main" xmlns:r="http://schemas.openxmlformats.org/officeDocument/2006/relationships" xmlns:p="http://schemas.openxmlformats.org/presentationml/2006/main">
+  <p:cSld>
+    <p:spTree>
+      <p:nvGrpSpPr>
+        <p:cNvPr id="1" name=""/>
+        <p:cNvGrpSpPr/>
+        <p:nvPr/>
+      </p:nvGrpSpPr>
+      <p:grpSpPr>
+        <a:xfrm>
+          <a:off x="0" y="0"/>
+          <a:ext cx="0" cy="0"/>
+          <a:chOff x="0" y="0"/>
+          <a:chExt cx="0" cy="0"/>
+        </a:xfrm>
+      </p:grpSpPr>
+      <p:sp>
+        <p:nvSpPr>
+          <p:cNvPr id="2" name="Chỗ dành sẵn cho Hình ảnh của Bản chiếu 1"/>
+          <p:cNvSpPr>
+            <a:spLocks noGrp="1" noRot="1" noChangeAspect="1"/>
+          </p:cNvSpPr>
+          <p:nvPr>
+            <p:ph type="sldImg"/>
+          </p:nvPr>
+        </p:nvSpPr>
+        <p:spPr/>
+      </p:sp>
+      <p:sp>
+        <p:nvSpPr>
+          <p:cNvPr id="3" name="Chỗ dành sẵn cho Ghi chú 2"/>
+          <p:cNvSpPr>
+            <a:spLocks noGrp="1"/>
+          </p:cNvSpPr>
+          <p:nvPr>
+            <p:ph type="body" idx="1"/>
+          </p:nvPr>
+        </p:nvSpPr>
+        <p:spPr/>
+        <p:txBody>
+          <a:bodyPr rtlCol="0"/>
+          <a:lstStyle/>
+          <a:p>
+            <a:pPr>
+              <a:spcBef>
+                <a:spcPts val="1200"/>
+              </a:spcBef>
+              <a:spcAft>
+                <a:spcPts val="600"/>
+              </a:spcAft>
+            </a:pPr>
+            <a:r>
+              <a:rPr lang="en-US">
+                <a:solidFill>
+                  <a:schemeClr val="bg1"/>
+                </a:solidFill>
+                <a:latin typeface="Segoe UI" panose="020B0502040204020203" pitchFamily="34" charset="0"/>
+                <a:cs typeface="Segoe UI" panose="020B0502040204020203" pitchFamily="34" charset="0"/>
+              </a:rPr>
+              <a:t>Xin chân thành cảm ơn các Thầy/Cô trong hội đồng, các bạn học viên, đồng nghiệp đã lắng nghe. Em rất mong nhận được những góp ý của Thầy/Cô, các bạn học viên và mọi người có mặt tại đây để em có thể hoàn thiện hơn luận văn của minh!</a:t>
+            </a:r>
+            <a:endParaRPr lang="vi-VN">
+              <a:solidFill>
+                <a:schemeClr val="bg1"/>
+              </a:solidFill>
+              <a:latin typeface="Segoe UI" panose="020B0502040204020203" pitchFamily="34" charset="0"/>
+              <a:cs typeface="Segoe UI" panose="020B0502040204020203" pitchFamily="34" charset="0"/>
+            </a:endParaRPr>
+          </a:p>
+        </p:txBody>
+      </p:sp>
+      <p:sp>
+        <p:nvSpPr>
+          <p:cNvPr id="4" name="Chỗ dành sẵn cho Số hiệu Bản chiếu 3"/>
+          <p:cNvSpPr>
+            <a:spLocks noGrp="1"/>
+          </p:cNvSpPr>
+          <p:nvPr>
+            <p:ph type="sldNum" sz="quarter" idx="10"/>
+          </p:nvPr>
+        </p:nvSpPr>
+        <p:spPr/>
+        <p:txBody>
+          <a:bodyPr rtlCol="0"/>
+          <a:lstStyle/>
+          <a:p>
+            <a:pPr rtl="0"/>
+            <a:fld id="{BC849E9A-41F7-4779-A581-48A7C374A227}" type="slidenum">
+              <a:rPr lang="vi-VN" smtClean="0"/>
+              <a:t>17</a:t>
+            </a:fld>
+            <a:endParaRPr lang="vi-VN"/>
+          </a:p>
+        </p:txBody>
+      </p:sp>
+    </p:spTree>
+    <p:extLst>
+      <p:ext uri="{BB962C8B-B14F-4D97-AF65-F5344CB8AC3E}">
+        <p14:creationId xmlns:p14="http://schemas.microsoft.com/office/powerpoint/2010/main" val="615462322"/>
+      </p:ext>
+    </p:extLst>
+  </p:cSld>
+  <p:clrMapOvr>
+    <a:masterClrMapping/>
+  </p:clrMapOvr>
+</p:notes>
+</file>
+
 <file path=ppt/notesSlides/notesSlide2.xml><?xml version="1.0" encoding="utf-8"?>
 <p:notes xmlns:a="http://schemas.openxmlformats.org/drawingml/2006/main" xmlns:r="http://schemas.openxmlformats.org/officeDocument/2006/relationships" xmlns:p="http://schemas.openxmlformats.org/presentationml/2006/main">
   <p:cSld>
@@ -2389,6 +4630,934 @@
     <p:extLst>
       <p:ext uri="{BB962C8B-B14F-4D97-AF65-F5344CB8AC3E}">
         <p14:creationId xmlns:p14="http://schemas.microsoft.com/office/powerpoint/2010/main" val="3185270123"/>
+      </p:ext>
+    </p:extLst>
+  </p:cSld>
+  <p:clrMapOvr>
+    <a:masterClrMapping/>
+  </p:clrMapOvr>
+</p:notes>
+</file>
+
+<file path=ppt/notesSlides/notesSlide9.xml><?xml version="1.0" encoding="utf-8"?>
+<p:notes xmlns:a="http://schemas.openxmlformats.org/drawingml/2006/main" xmlns:r="http://schemas.openxmlformats.org/officeDocument/2006/relationships" xmlns:p="http://schemas.openxmlformats.org/presentationml/2006/main">
+  <p:cSld>
+    <p:spTree>
+      <p:nvGrpSpPr>
+        <p:cNvPr id="1" name=""/>
+        <p:cNvGrpSpPr/>
+        <p:nvPr/>
+      </p:nvGrpSpPr>
+      <p:grpSpPr>
+        <a:xfrm>
+          <a:off x="0" y="0"/>
+          <a:ext cx="0" cy="0"/>
+          <a:chOff x="0" y="0"/>
+          <a:chExt cx="0" cy="0"/>
+        </a:xfrm>
+      </p:grpSpPr>
+      <p:sp>
+        <p:nvSpPr>
+          <p:cNvPr id="2" name="Chỗ dành sẵn cho Hình ảnh của Bản chiếu 1"/>
+          <p:cNvSpPr>
+            <a:spLocks noGrp="1" noRot="1" noChangeAspect="1"/>
+          </p:cNvSpPr>
+          <p:nvPr>
+            <p:ph type="sldImg"/>
+          </p:nvPr>
+        </p:nvSpPr>
+        <p:spPr/>
+      </p:sp>
+      <p:sp>
+        <p:nvSpPr>
+          <p:cNvPr id="3" name="Chỗ dành sẵn cho Ghi chú 2"/>
+          <p:cNvSpPr>
+            <a:spLocks noGrp="1"/>
+          </p:cNvSpPr>
+          <p:nvPr>
+            <p:ph type="body" idx="1"/>
+          </p:nvPr>
+        </p:nvSpPr>
+        <p:spPr/>
+        <p:txBody>
+          <a:bodyPr rtlCol="0"/>
+          <a:lstStyle/>
+          <a:p>
+            <a:pPr marL="171450" lvl="0" indent="-171450" rtl="0">
+              <a:buFontTx/>
+              <a:buChar char="-"/>
+            </a:pPr>
+            <a:r>
+              <a:rPr lang="en-US" noProof="0">
+                <a:solidFill>
+                  <a:schemeClr val="bg1"/>
+                </a:solidFill>
+                <a:latin typeface="Segoe UI" panose="020B0502040204020203" pitchFamily="34" charset="0"/>
+                <a:cs typeface="Segoe UI" panose="020B0502040204020203" pitchFamily="34" charset="0"/>
+              </a:rPr>
+              <a:t>Mô hình DenseNet: </a:t>
+            </a:r>
+            <a:r>
+              <a:rPr lang="vi-VN" noProof="0">
+                <a:solidFill>
+                  <a:schemeClr val="bg1"/>
+                </a:solidFill>
+                <a:latin typeface="Segoe UI" panose="020B0502040204020203" pitchFamily="34" charset="0"/>
+                <a:cs typeface="Segoe UI" panose="020B0502040204020203" pitchFamily="34" charset="0"/>
+              </a:rPr>
+              <a:t>DenseNet - Dense Convolutional Network (Mạng Tích chập Kết nối Dày</a:t>
+            </a:r>
+            <a:r>
+              <a:rPr lang="en-US" noProof="0">
+                <a:solidFill>
+                  <a:schemeClr val="bg1"/>
+                </a:solidFill>
+                <a:latin typeface="Segoe UI" panose="020B0502040204020203" pitchFamily="34" charset="0"/>
+                <a:cs typeface="Segoe UI" panose="020B0502040204020203" pitchFamily="34" charset="0"/>
+              </a:rPr>
+              <a:t> </a:t>
+            </a:r>
+            <a:r>
+              <a:rPr lang="vi-VN" noProof="0">
+                <a:solidFill>
+                  <a:schemeClr val="bg1"/>
+                </a:solidFill>
+                <a:latin typeface="Segoe UI" panose="020B0502040204020203" pitchFamily="34" charset="0"/>
+                <a:cs typeface="Segoe UI" panose="020B0502040204020203" pitchFamily="34" charset="0"/>
+              </a:rPr>
+              <a:t>đặc) - là một trong những biến thể mở rộng của Resnet và là một kiến</a:t>
+            </a:r>
+            <a:r>
+              <a:rPr lang="en-US" noProof="0">
+                <a:solidFill>
+                  <a:schemeClr val="bg1"/>
+                </a:solidFill>
+                <a:latin typeface="Segoe UI" panose="020B0502040204020203" pitchFamily="34" charset="0"/>
+                <a:cs typeface="Segoe UI" panose="020B0502040204020203" pitchFamily="34" charset="0"/>
+              </a:rPr>
+              <a:t> </a:t>
+            </a:r>
+            <a:r>
+              <a:rPr lang="vi-VN" noProof="0">
+                <a:solidFill>
+                  <a:schemeClr val="bg1"/>
+                </a:solidFill>
+                <a:latin typeface="Segoe UI" panose="020B0502040204020203" pitchFamily="34" charset="0"/>
+                <a:cs typeface="Segoe UI" panose="020B0502040204020203" pitchFamily="34" charset="0"/>
+              </a:rPr>
+              <a:t>trúc mạng,</a:t>
+            </a:r>
+            <a:r>
+              <a:rPr lang="en-US" noProof="0">
+                <a:solidFill>
+                  <a:schemeClr val="bg1"/>
+                </a:solidFill>
+                <a:latin typeface="Segoe UI" panose="020B0502040204020203" pitchFamily="34" charset="0"/>
+                <a:cs typeface="Segoe UI" panose="020B0502040204020203" pitchFamily="34" charset="0"/>
+              </a:rPr>
+              <a:t> </a:t>
+            </a:r>
+            <a:r>
+              <a:rPr lang="vi-VN" noProof="0">
+                <a:solidFill>
+                  <a:schemeClr val="bg1"/>
+                </a:solidFill>
+                <a:latin typeface="Segoe UI" panose="020B0502040204020203" pitchFamily="34" charset="0"/>
+                <a:cs typeface="Segoe UI" panose="020B0502040204020203" pitchFamily="34" charset="0"/>
+              </a:rPr>
+              <a:t>trong đó mỗi lớp được kết nối trực tiếp với mỗi lớp khác nhau</a:t>
+            </a:r>
+            <a:r>
+              <a:rPr lang="en-US" noProof="0">
+                <a:solidFill>
+                  <a:schemeClr val="bg1"/>
+                </a:solidFill>
+                <a:latin typeface="Segoe UI" panose="020B0502040204020203" pitchFamily="34" charset="0"/>
+                <a:cs typeface="Segoe UI" panose="020B0502040204020203" pitchFamily="34" charset="0"/>
+              </a:rPr>
+              <a:t> </a:t>
+            </a:r>
+            <a:r>
+              <a:rPr lang="vi-VN" noProof="0">
+                <a:solidFill>
+                  <a:schemeClr val="bg1"/>
+                </a:solidFill>
+                <a:latin typeface="Segoe UI" panose="020B0502040204020203" pitchFamily="34" charset="0"/>
+                <a:cs typeface="Segoe UI" panose="020B0502040204020203" pitchFamily="34" charset="0"/>
+              </a:rPr>
+              <a:t>theo kiểu chuyển tiếp</a:t>
+            </a:r>
+            <a:r>
+              <a:rPr lang="en-US" noProof="0">
+                <a:solidFill>
+                  <a:schemeClr val="bg1"/>
+                </a:solidFill>
+                <a:latin typeface="Segoe UI" panose="020B0502040204020203" pitchFamily="34" charset="0"/>
+                <a:cs typeface="Segoe UI" panose="020B0502040204020203" pitchFamily="34" charset="0"/>
+              </a:rPr>
+              <a:t>. </a:t>
+            </a:r>
+            <a:r>
+              <a:rPr lang="vi-VN" noProof="0">
+                <a:solidFill>
+                  <a:schemeClr val="bg1"/>
+                </a:solidFill>
+                <a:latin typeface="Segoe UI" panose="020B0502040204020203" pitchFamily="34" charset="0"/>
+                <a:cs typeface="Segoe UI" panose="020B0502040204020203" pitchFamily="34" charset="0"/>
+              </a:rPr>
+              <a:t>Đối với mỗi lớp, các</a:t>
+            </a:r>
+            <a:r>
+              <a:rPr lang="en-US" noProof="0">
+                <a:solidFill>
+                  <a:schemeClr val="bg1"/>
+                </a:solidFill>
+                <a:latin typeface="Segoe UI" panose="020B0502040204020203" pitchFamily="34" charset="0"/>
+                <a:cs typeface="Segoe UI" panose="020B0502040204020203" pitchFamily="34" charset="0"/>
+              </a:rPr>
+              <a:t> </a:t>
+            </a:r>
+            <a:r>
+              <a:rPr lang="vi-VN" noProof="0">
+                <a:solidFill>
+                  <a:schemeClr val="bg1"/>
+                </a:solidFill>
+                <a:latin typeface="Segoe UI" panose="020B0502040204020203" pitchFamily="34" charset="0"/>
+                <a:cs typeface="Segoe UI" panose="020B0502040204020203" pitchFamily="34" charset="0"/>
+              </a:rPr>
+              <a:t>bản đồ đặc trưng (feature map) của tất cả các lớp ở phần trước được coi</a:t>
+            </a:r>
+            <a:r>
+              <a:rPr lang="en-US" noProof="0">
+                <a:solidFill>
+                  <a:schemeClr val="bg1"/>
+                </a:solidFill>
+                <a:latin typeface="Segoe UI" panose="020B0502040204020203" pitchFamily="34" charset="0"/>
+                <a:cs typeface="Segoe UI" panose="020B0502040204020203" pitchFamily="34" charset="0"/>
+              </a:rPr>
+              <a:t> </a:t>
+            </a:r>
+            <a:r>
+              <a:rPr lang="vi-VN" noProof="0">
+                <a:solidFill>
+                  <a:schemeClr val="bg1"/>
+                </a:solidFill>
+                <a:latin typeface="Segoe UI" panose="020B0502040204020203" pitchFamily="34" charset="0"/>
+                <a:cs typeface="Segoe UI" panose="020B0502040204020203" pitchFamily="34" charset="0"/>
+              </a:rPr>
+              <a:t>là các đầu vào riêng biệt và ở đó các bản đồ tính năng lại tiếp tục làm đầu</a:t>
+            </a:r>
+            <a:r>
+              <a:rPr lang="en-US" noProof="0">
+                <a:solidFill>
+                  <a:schemeClr val="bg1"/>
+                </a:solidFill>
+                <a:latin typeface="Segoe UI" panose="020B0502040204020203" pitchFamily="34" charset="0"/>
+                <a:cs typeface="Segoe UI" panose="020B0502040204020203" pitchFamily="34" charset="0"/>
+              </a:rPr>
+              <a:t> </a:t>
+            </a:r>
+            <a:r>
+              <a:rPr lang="vi-VN" noProof="0">
+                <a:solidFill>
+                  <a:schemeClr val="bg1"/>
+                </a:solidFill>
+                <a:latin typeface="Segoe UI" panose="020B0502040204020203" pitchFamily="34" charset="0"/>
+                <a:cs typeface="Segoe UI" panose="020B0502040204020203" pitchFamily="34" charset="0"/>
+              </a:rPr>
+              <a:t>vào cho tất cả các lớp tiếp theo</a:t>
+            </a:r>
+            <a:r>
+              <a:rPr lang="en-US" noProof="0">
+                <a:solidFill>
+                  <a:schemeClr val="bg1"/>
+                </a:solidFill>
+                <a:latin typeface="Segoe UI" panose="020B0502040204020203" pitchFamily="34" charset="0"/>
+                <a:cs typeface="Segoe UI" panose="020B0502040204020203" pitchFamily="34" charset="0"/>
+              </a:rPr>
+              <a:t>.</a:t>
+            </a:r>
+          </a:p>
+          <a:p>
+            <a:pPr marL="628650" lvl="1" indent="-171450" rtl="0">
+              <a:buFontTx/>
+              <a:buChar char="-"/>
+            </a:pPr>
+            <a:r>
+              <a:rPr lang="en-US" noProof="0">
+                <a:solidFill>
+                  <a:schemeClr val="bg1"/>
+                </a:solidFill>
+                <a:latin typeface="Segoe UI" panose="020B0502040204020203" pitchFamily="34" charset="0"/>
+                <a:cs typeface="Segoe UI" panose="020B0502040204020203" pitchFamily="34" charset="0"/>
+              </a:rPr>
+              <a:t>Kết nối dày đặc – Dense Connectivity: </a:t>
+            </a:r>
+            <a:r>
+              <a:rPr lang="vi-VN" noProof="0">
+                <a:solidFill>
+                  <a:schemeClr val="bg1"/>
+                </a:solidFill>
+                <a:latin typeface="Segoe UI" panose="020B0502040204020203" pitchFamily="34" charset="0"/>
+                <a:cs typeface="Segoe UI" panose="020B0502040204020203" pitchFamily="34" charset="0"/>
+              </a:rPr>
+              <a:t>Để cải thiện hơn nữa luồng</a:t>
+            </a:r>
+            <a:r>
+              <a:rPr lang="en-US" noProof="0">
+                <a:solidFill>
+                  <a:schemeClr val="bg1"/>
+                </a:solidFill>
+                <a:latin typeface="Segoe UI" panose="020B0502040204020203" pitchFamily="34" charset="0"/>
+                <a:cs typeface="Segoe UI" panose="020B0502040204020203" pitchFamily="34" charset="0"/>
+              </a:rPr>
+              <a:t> </a:t>
+            </a:r>
+            <a:r>
+              <a:rPr lang="vi-VN" noProof="0">
+                <a:solidFill>
+                  <a:schemeClr val="bg1"/>
+                </a:solidFill>
+                <a:latin typeface="Segoe UI" panose="020B0502040204020203" pitchFamily="34" charset="0"/>
+                <a:cs typeface="Segoe UI" panose="020B0502040204020203" pitchFamily="34" charset="0"/>
+              </a:rPr>
+              <a:t>thông tin giữa các lớp, DenseNet đề xuất một mô hình kết nối mà từ bất</a:t>
+            </a:r>
+            <a:r>
+              <a:rPr lang="en-US" noProof="0">
+                <a:solidFill>
+                  <a:schemeClr val="bg1"/>
+                </a:solidFill>
+                <a:latin typeface="Segoe UI" panose="020B0502040204020203" pitchFamily="34" charset="0"/>
+                <a:cs typeface="Segoe UI" panose="020B0502040204020203" pitchFamily="34" charset="0"/>
+              </a:rPr>
+              <a:t> </a:t>
+            </a:r>
+            <a:r>
+              <a:rPr lang="vi-VN" noProof="0">
+                <a:solidFill>
+                  <a:schemeClr val="bg1"/>
+                </a:solidFill>
+                <a:latin typeface="Segoe UI" panose="020B0502040204020203" pitchFamily="34" charset="0"/>
+                <a:cs typeface="Segoe UI" panose="020B0502040204020203" pitchFamily="34" charset="0"/>
+              </a:rPr>
+              <a:t>kỳ lớp nào cũng có thể kết nối đến tất cả các lớp tiếp theo</a:t>
+            </a:r>
+            <a:r>
+              <a:rPr lang="en-US" noProof="0">
+                <a:solidFill>
+                  <a:schemeClr val="bg1"/>
+                </a:solidFill>
+                <a:latin typeface="Segoe UI" panose="020B0502040204020203" pitchFamily="34" charset="0"/>
+                <a:cs typeface="Segoe UI" panose="020B0502040204020203" pitchFamily="34" charset="0"/>
+              </a:rPr>
+              <a:t>. Do khả năng kết nối dày đặc của nó, Gao Huang gọi kiến trúc mạng này là Mạng kết nối dày đặc (DenseNet).</a:t>
+            </a:r>
+          </a:p>
+          <a:p>
+            <a:pPr marL="628650" lvl="1" indent="-171450" rtl="0">
+              <a:buFontTx/>
+              <a:buChar char="-"/>
+            </a:pPr>
+            <a:r>
+              <a:rPr lang="en-US">
+                <a:solidFill>
+                  <a:schemeClr val="bg1"/>
+                </a:solidFill>
+                <a:latin typeface="Segoe UI" panose="020B0502040204020203" pitchFamily="34" charset="0"/>
+                <a:cs typeface="Segoe UI" panose="020B0502040204020203" pitchFamily="34" charset="0"/>
+              </a:rPr>
+              <a:t>Hàm tổng hợp - Composite function: </a:t>
+            </a:r>
+            <a:r>
+              <a:rPr lang="vi-VN">
+                <a:solidFill>
+                  <a:schemeClr val="bg1"/>
+                </a:solidFill>
+                <a:latin typeface="Segoe UI" panose="020B0502040204020203" pitchFamily="34" charset="0"/>
+                <a:cs typeface="Segoe UI" panose="020B0502040204020203" pitchFamily="34" charset="0"/>
+              </a:rPr>
+              <a:t>là một hàm</a:t>
+            </a:r>
+            <a:r>
+              <a:rPr lang="en-US">
+                <a:solidFill>
+                  <a:schemeClr val="bg1"/>
+                </a:solidFill>
+                <a:latin typeface="Segoe UI" panose="020B0502040204020203" pitchFamily="34" charset="0"/>
+                <a:cs typeface="Segoe UI" panose="020B0502040204020203" pitchFamily="34" charset="0"/>
+              </a:rPr>
+              <a:t> </a:t>
+            </a:r>
+            <a:r>
+              <a:rPr lang="vi-VN">
+                <a:solidFill>
+                  <a:schemeClr val="bg1"/>
+                </a:solidFill>
+                <a:latin typeface="Segoe UI" panose="020B0502040204020203" pitchFamily="34" charset="0"/>
+                <a:cs typeface="Segoe UI" panose="020B0502040204020203" pitchFamily="34" charset="0"/>
+              </a:rPr>
+              <a:t>tổng hợp của ba hoạt động liên tiếp: Batch Normalization (BN), tiếp theo</a:t>
+            </a:r>
+            <a:r>
+              <a:rPr lang="en-US">
+                <a:solidFill>
+                  <a:schemeClr val="bg1"/>
+                </a:solidFill>
+                <a:latin typeface="Segoe UI" panose="020B0502040204020203" pitchFamily="34" charset="0"/>
+                <a:cs typeface="Segoe UI" panose="020B0502040204020203" pitchFamily="34" charset="0"/>
+              </a:rPr>
+              <a:t> </a:t>
+            </a:r>
+            <a:r>
+              <a:rPr lang="vi-VN">
+                <a:solidFill>
+                  <a:schemeClr val="bg1"/>
+                </a:solidFill>
+                <a:latin typeface="Segoe UI" panose="020B0502040204020203" pitchFamily="34" charset="0"/>
+                <a:cs typeface="Segoe UI" panose="020B0502040204020203" pitchFamily="34" charset="0"/>
+              </a:rPr>
+              <a:t>là một hàm tinh chỉnh các đơn vị tuyến tính (ReLU) và một tích chập 3</a:t>
+            </a:r>
+            <a:r>
+              <a:rPr lang="en-US">
+                <a:solidFill>
+                  <a:schemeClr val="bg1"/>
+                </a:solidFill>
+                <a:latin typeface="Segoe UI" panose="020B0502040204020203" pitchFamily="34" charset="0"/>
+                <a:cs typeface="Segoe UI" panose="020B0502040204020203" pitchFamily="34" charset="0"/>
+              </a:rPr>
+              <a:t> x</a:t>
+            </a:r>
+            <a:r>
+              <a:rPr lang="vi-VN">
+                <a:solidFill>
+                  <a:schemeClr val="bg1"/>
+                </a:solidFill>
+                <a:latin typeface="Segoe UI" panose="020B0502040204020203" pitchFamily="34" charset="0"/>
+                <a:cs typeface="Segoe UI" panose="020B0502040204020203" pitchFamily="34" charset="0"/>
+              </a:rPr>
+              <a:t> 3 (Conv).</a:t>
+            </a:r>
+            <a:endParaRPr lang="en-US">
+              <a:solidFill>
+                <a:schemeClr val="bg1"/>
+              </a:solidFill>
+              <a:latin typeface="Segoe UI" panose="020B0502040204020203" pitchFamily="34" charset="0"/>
+              <a:cs typeface="Segoe UI" panose="020B0502040204020203" pitchFamily="34" charset="0"/>
+            </a:endParaRPr>
+          </a:p>
+          <a:p>
+            <a:pPr marL="628650" lvl="1" indent="-171450" rtl="0">
+              <a:buFontTx/>
+              <a:buChar char="-"/>
+            </a:pPr>
+            <a:r>
+              <a:rPr lang="en-US">
+                <a:solidFill>
+                  <a:schemeClr val="bg1"/>
+                </a:solidFill>
+                <a:latin typeface="Segoe UI" panose="020B0502040204020203" pitchFamily="34" charset="0"/>
+                <a:cs typeface="Segoe UI" panose="020B0502040204020203" pitchFamily="34" charset="0"/>
+              </a:rPr>
+              <a:t>Tầng hợp nhất - Pooling layers: </a:t>
+            </a:r>
+            <a:r>
+              <a:rPr lang="vi-VN">
+                <a:solidFill>
+                  <a:schemeClr val="bg1"/>
+                </a:solidFill>
+                <a:latin typeface="Segoe UI" panose="020B0502040204020203" pitchFamily="34" charset="0"/>
+                <a:cs typeface="Segoe UI" panose="020B0502040204020203" pitchFamily="34" charset="0"/>
+              </a:rPr>
+              <a:t>một phần thiết yếu của mạng tích chập là các lớp</a:t>
+            </a:r>
+            <a:r>
+              <a:rPr lang="en-US">
+                <a:solidFill>
+                  <a:schemeClr val="bg1"/>
+                </a:solidFill>
+                <a:latin typeface="Segoe UI" panose="020B0502040204020203" pitchFamily="34" charset="0"/>
+                <a:cs typeface="Segoe UI" panose="020B0502040204020203" pitchFamily="34" charset="0"/>
+              </a:rPr>
+              <a:t> </a:t>
+            </a:r>
+            <a:r>
+              <a:rPr lang="vi-VN">
+                <a:solidFill>
+                  <a:schemeClr val="bg1"/>
+                </a:solidFill>
+                <a:latin typeface="Segoe UI" panose="020B0502040204020203" pitchFamily="34" charset="0"/>
+                <a:cs typeface="Segoe UI" panose="020B0502040204020203" pitchFamily="34" charset="0"/>
+              </a:rPr>
+              <a:t>lấy mẫu xuống làm thay đổi kích thước của bản đồ đối tượng. Để tạo điều</a:t>
+            </a:r>
+            <a:r>
+              <a:rPr lang="en-US">
+                <a:solidFill>
+                  <a:schemeClr val="bg1"/>
+                </a:solidFill>
+                <a:latin typeface="Segoe UI" panose="020B0502040204020203" pitchFamily="34" charset="0"/>
+                <a:cs typeface="Segoe UI" panose="020B0502040204020203" pitchFamily="34" charset="0"/>
+              </a:rPr>
+              <a:t> </a:t>
+            </a:r>
+            <a:r>
+              <a:rPr lang="vi-VN">
+                <a:solidFill>
+                  <a:schemeClr val="bg1"/>
+                </a:solidFill>
+                <a:latin typeface="Segoe UI" panose="020B0502040204020203" pitchFamily="34" charset="0"/>
+                <a:cs typeface="Segoe UI" panose="020B0502040204020203" pitchFamily="34" charset="0"/>
+              </a:rPr>
+              <a:t>kiện thuận lợi cho việc giảm tần số lấy mẫu trong kiến trúc, DenseNet chia</a:t>
+            </a:r>
+            <a:r>
+              <a:rPr lang="en-US">
+                <a:solidFill>
+                  <a:schemeClr val="bg1"/>
+                </a:solidFill>
+                <a:latin typeface="Segoe UI" panose="020B0502040204020203" pitchFamily="34" charset="0"/>
+                <a:cs typeface="Segoe UI" panose="020B0502040204020203" pitchFamily="34" charset="0"/>
+              </a:rPr>
+              <a:t> </a:t>
+            </a:r>
+            <a:r>
+              <a:rPr lang="vi-VN">
+                <a:solidFill>
+                  <a:schemeClr val="bg1"/>
+                </a:solidFill>
+                <a:latin typeface="Segoe UI" panose="020B0502040204020203" pitchFamily="34" charset="0"/>
+                <a:cs typeface="Segoe UI" panose="020B0502040204020203" pitchFamily="34" charset="0"/>
+              </a:rPr>
+              <a:t>mạng thành nhiều khối dày đặc được kết nối với nhau</a:t>
+            </a:r>
+            <a:r>
+              <a:rPr lang="en-US">
+                <a:solidFill>
+                  <a:schemeClr val="bg1"/>
+                </a:solidFill>
+                <a:latin typeface="Segoe UI" panose="020B0502040204020203" pitchFamily="34" charset="0"/>
+                <a:cs typeface="Segoe UI" panose="020B0502040204020203" pitchFamily="34" charset="0"/>
+              </a:rPr>
+              <a:t>. DensetNet đề cập đến các lớp giữa các khối là các lớp chuyển tiếp, các lớp này thực hiện tích chập (Conv) và hợp nhất (Pooling).</a:t>
+            </a:r>
+            <a:endParaRPr lang="vi-VN">
+              <a:solidFill>
+                <a:schemeClr val="bg1"/>
+              </a:solidFill>
+              <a:latin typeface="Segoe UI" panose="020B0502040204020203" pitchFamily="34" charset="0"/>
+              <a:cs typeface="Segoe UI" panose="020B0502040204020203" pitchFamily="34" charset="0"/>
+            </a:endParaRPr>
+          </a:p>
+          <a:p>
+            <a:pPr marL="628650" lvl="1" indent="-171450" rtl="0">
+              <a:buFontTx/>
+              <a:buChar char="-"/>
+            </a:pPr>
+            <a:r>
+              <a:rPr lang="en-US">
+                <a:solidFill>
+                  <a:schemeClr val="bg1"/>
+                </a:solidFill>
+                <a:latin typeface="Segoe UI" panose="020B0502040204020203" pitchFamily="34" charset="0"/>
+                <a:cs typeface="Segoe UI" panose="020B0502040204020203" pitchFamily="34" charset="0"/>
+              </a:rPr>
+              <a:t>Tỉ lệ phát triển - Growth rate: </a:t>
+            </a:r>
+            <a:r>
+              <a:rPr lang="vi-VN">
+                <a:solidFill>
+                  <a:schemeClr val="bg1"/>
+                </a:solidFill>
+                <a:latin typeface="Segoe UI" panose="020B0502040204020203" pitchFamily="34" charset="0"/>
+                <a:cs typeface="Segoe UI" panose="020B0502040204020203" pitchFamily="34" charset="0"/>
+              </a:rPr>
+              <a:t>Tỉ lệ phát</a:t>
+            </a:r>
+            <a:r>
+              <a:rPr lang="en-US">
+                <a:solidFill>
+                  <a:schemeClr val="bg1"/>
+                </a:solidFill>
+                <a:latin typeface="Segoe UI" panose="020B0502040204020203" pitchFamily="34" charset="0"/>
+                <a:cs typeface="Segoe UI" panose="020B0502040204020203" pitchFamily="34" charset="0"/>
+              </a:rPr>
+              <a:t> </a:t>
+            </a:r>
+            <a:r>
+              <a:rPr lang="vi-VN">
+                <a:solidFill>
+                  <a:schemeClr val="bg1"/>
+                </a:solidFill>
+                <a:latin typeface="Segoe UI" panose="020B0502040204020203" pitchFamily="34" charset="0"/>
+                <a:cs typeface="Segoe UI" panose="020B0502040204020203" pitchFamily="34" charset="0"/>
+              </a:rPr>
+              <a:t>triển quy định lượng thông tin mới mà mỗi lớp đóng góp vào trạng thái</a:t>
+            </a:r>
+            <a:r>
+              <a:rPr lang="en-US">
+                <a:solidFill>
+                  <a:schemeClr val="bg1"/>
+                </a:solidFill>
+                <a:latin typeface="Segoe UI" panose="020B0502040204020203" pitchFamily="34" charset="0"/>
+                <a:cs typeface="Segoe UI" panose="020B0502040204020203" pitchFamily="34" charset="0"/>
+              </a:rPr>
+              <a:t> </a:t>
+            </a:r>
+            <a:r>
+              <a:rPr lang="vi-VN">
+                <a:solidFill>
+                  <a:schemeClr val="bg1"/>
+                </a:solidFill>
+                <a:latin typeface="Segoe UI" panose="020B0502040204020203" pitchFamily="34" charset="0"/>
+                <a:cs typeface="Segoe UI" panose="020B0502040204020203" pitchFamily="34" charset="0"/>
+              </a:rPr>
+              <a:t>toàn cục. Trạng thái toàn cục, sau khi được lưu trữ, có thể được truy cập</a:t>
+            </a:r>
+            <a:r>
+              <a:rPr lang="en-US">
+                <a:solidFill>
+                  <a:schemeClr val="bg1"/>
+                </a:solidFill>
+                <a:latin typeface="Segoe UI" panose="020B0502040204020203" pitchFamily="34" charset="0"/>
+                <a:cs typeface="Segoe UI" panose="020B0502040204020203" pitchFamily="34" charset="0"/>
+              </a:rPr>
+              <a:t> </a:t>
+            </a:r>
+            <a:r>
+              <a:rPr lang="vi-VN">
+                <a:solidFill>
+                  <a:schemeClr val="bg1"/>
+                </a:solidFill>
+                <a:latin typeface="Segoe UI" panose="020B0502040204020203" pitchFamily="34" charset="0"/>
+                <a:cs typeface="Segoe UI" panose="020B0502040204020203" pitchFamily="34" charset="0"/>
+              </a:rPr>
+              <a:t>từ mọi nơi trong mạng mà không cần phải sao chép nó từ lớp này sang lớp</a:t>
+            </a:r>
+            <a:r>
+              <a:rPr lang="en-US">
+                <a:solidFill>
+                  <a:schemeClr val="bg1"/>
+                </a:solidFill>
+                <a:latin typeface="Segoe UI" panose="020B0502040204020203" pitchFamily="34" charset="0"/>
+                <a:cs typeface="Segoe UI" panose="020B0502040204020203" pitchFamily="34" charset="0"/>
+              </a:rPr>
+              <a:t> </a:t>
+            </a:r>
+            <a:r>
+              <a:rPr lang="vi-VN">
+                <a:solidFill>
+                  <a:schemeClr val="bg1"/>
+                </a:solidFill>
+                <a:latin typeface="Segoe UI" panose="020B0502040204020203" pitchFamily="34" charset="0"/>
+                <a:cs typeface="Segoe UI" panose="020B0502040204020203" pitchFamily="34" charset="0"/>
+              </a:rPr>
+              <a:t>khác</a:t>
+            </a:r>
+            <a:r>
+              <a:rPr lang="en-US">
+                <a:solidFill>
+                  <a:schemeClr val="bg1"/>
+                </a:solidFill>
+                <a:latin typeface="Segoe UI" panose="020B0502040204020203" pitchFamily="34" charset="0"/>
+                <a:cs typeface="Segoe UI" panose="020B0502040204020203" pitchFamily="34" charset="0"/>
+              </a:rPr>
+              <a:t>.</a:t>
+            </a:r>
+          </a:p>
+          <a:p>
+            <a:pPr marL="628650" lvl="1" indent="-171450" rtl="0">
+              <a:buFontTx/>
+              <a:buChar char="-"/>
+            </a:pPr>
+            <a:r>
+              <a:rPr lang="vi-VN">
+                <a:solidFill>
+                  <a:schemeClr val="bg1"/>
+                </a:solidFill>
+                <a:latin typeface="Segoe UI" panose="020B0502040204020203" pitchFamily="34" charset="0"/>
+                <a:cs typeface="Segoe UI" panose="020B0502040204020203" pitchFamily="34" charset="0"/>
+              </a:rPr>
+              <a:t>Các lớp nút cổ chai - Bottleneck layers</a:t>
+            </a:r>
+            <a:r>
+              <a:rPr lang="en-US">
+                <a:solidFill>
+                  <a:schemeClr val="bg1"/>
+                </a:solidFill>
+                <a:latin typeface="Segoe UI" panose="020B0502040204020203" pitchFamily="34" charset="0"/>
+                <a:cs typeface="Segoe UI" panose="020B0502040204020203" pitchFamily="34" charset="0"/>
+              </a:rPr>
+              <a:t>: </a:t>
+            </a:r>
+            <a:r>
+              <a:rPr lang="vi-VN">
+                <a:solidFill>
+                  <a:schemeClr val="bg1"/>
+                </a:solidFill>
+                <a:latin typeface="Segoe UI" panose="020B0502040204020203" pitchFamily="34" charset="0"/>
+                <a:cs typeface="Segoe UI" panose="020B0502040204020203" pitchFamily="34" charset="0"/>
+              </a:rPr>
+              <a:t>Mặc dù mỗi lớp chỉ tạo ra k</a:t>
+            </a:r>
+            <a:r>
+              <a:rPr lang="en-US">
+                <a:solidFill>
+                  <a:schemeClr val="bg1"/>
+                </a:solidFill>
+                <a:latin typeface="Segoe UI" panose="020B0502040204020203" pitchFamily="34" charset="0"/>
+                <a:cs typeface="Segoe UI" panose="020B0502040204020203" pitchFamily="34" charset="0"/>
+              </a:rPr>
+              <a:t> </a:t>
+            </a:r>
+            <a:r>
+              <a:rPr lang="vi-VN">
+                <a:solidFill>
+                  <a:schemeClr val="bg1"/>
+                </a:solidFill>
+                <a:latin typeface="Segoe UI" panose="020B0502040204020203" pitchFamily="34" charset="0"/>
+                <a:cs typeface="Segoe UI" panose="020B0502040204020203" pitchFamily="34" charset="0"/>
+              </a:rPr>
+              <a:t>bản đồ đặc trưng đầu ra, nhưng nó thường có nhiều đầu vào hơn. Người</a:t>
+            </a:r>
+            <a:r>
+              <a:rPr lang="en-US">
+                <a:solidFill>
+                  <a:schemeClr val="bg1"/>
+                </a:solidFill>
+                <a:latin typeface="Segoe UI" panose="020B0502040204020203" pitchFamily="34" charset="0"/>
+                <a:cs typeface="Segoe UI" panose="020B0502040204020203" pitchFamily="34" charset="0"/>
+              </a:rPr>
+              <a:t> </a:t>
+            </a:r>
+            <a:r>
+              <a:rPr lang="vi-VN">
+                <a:solidFill>
+                  <a:schemeClr val="bg1"/>
+                </a:solidFill>
+                <a:latin typeface="Segoe UI" panose="020B0502040204020203" pitchFamily="34" charset="0"/>
+                <a:cs typeface="Segoe UI" panose="020B0502040204020203" pitchFamily="34" charset="0"/>
+              </a:rPr>
+              <a:t>ta lưu ý rằng tích chập 1 Ö 1 có thể được đưa vào làm lớp nút cổ chai</a:t>
+            </a:r>
+            <a:r>
+              <a:rPr lang="en-US">
+                <a:solidFill>
+                  <a:schemeClr val="bg1"/>
+                </a:solidFill>
+                <a:latin typeface="Segoe UI" panose="020B0502040204020203" pitchFamily="34" charset="0"/>
+                <a:cs typeface="Segoe UI" panose="020B0502040204020203" pitchFamily="34" charset="0"/>
+              </a:rPr>
+              <a:t> </a:t>
+            </a:r>
+            <a:r>
+              <a:rPr lang="vi-VN">
+                <a:solidFill>
+                  <a:schemeClr val="bg1"/>
+                </a:solidFill>
+                <a:latin typeface="Segoe UI" panose="020B0502040204020203" pitchFamily="34" charset="0"/>
+                <a:cs typeface="Segoe UI" panose="020B0502040204020203" pitchFamily="34" charset="0"/>
+              </a:rPr>
+              <a:t>trước mỗi tích chập 3 </a:t>
+            </a:r>
+            <a:r>
+              <a:rPr lang="en-US">
+                <a:solidFill>
+                  <a:schemeClr val="bg1"/>
+                </a:solidFill>
+                <a:latin typeface="Segoe UI" panose="020B0502040204020203" pitchFamily="34" charset="0"/>
+                <a:cs typeface="Segoe UI" panose="020B0502040204020203" pitchFamily="34" charset="0"/>
+              </a:rPr>
+              <a:t>x</a:t>
+            </a:r>
+            <a:r>
+              <a:rPr lang="vi-VN">
+                <a:solidFill>
+                  <a:schemeClr val="bg1"/>
+                </a:solidFill>
+                <a:latin typeface="Segoe UI" panose="020B0502040204020203" pitchFamily="34" charset="0"/>
+                <a:cs typeface="Segoe UI" panose="020B0502040204020203" pitchFamily="34" charset="0"/>
+              </a:rPr>
+              <a:t> 3 để giảm số lượng bản đồ đặc trưng đầu vào và</a:t>
+            </a:r>
+            <a:r>
+              <a:rPr lang="en-US">
+                <a:solidFill>
+                  <a:schemeClr val="bg1"/>
+                </a:solidFill>
+                <a:latin typeface="Segoe UI" panose="020B0502040204020203" pitchFamily="34" charset="0"/>
+                <a:cs typeface="Segoe UI" panose="020B0502040204020203" pitchFamily="34" charset="0"/>
+              </a:rPr>
+              <a:t> </a:t>
+            </a:r>
+            <a:r>
+              <a:rPr lang="vi-VN">
+                <a:solidFill>
+                  <a:schemeClr val="bg1"/>
+                </a:solidFill>
+                <a:latin typeface="Segoe UI" panose="020B0502040204020203" pitchFamily="34" charset="0"/>
+                <a:cs typeface="Segoe UI" panose="020B0502040204020203" pitchFamily="34" charset="0"/>
+              </a:rPr>
+              <a:t>từ đó để cải thiện hiệu quả tính toán.</a:t>
+            </a:r>
+            <a:endParaRPr lang="en-US">
+              <a:solidFill>
+                <a:schemeClr val="bg1"/>
+              </a:solidFill>
+              <a:latin typeface="Segoe UI" panose="020B0502040204020203" pitchFamily="34" charset="0"/>
+              <a:cs typeface="Segoe UI" panose="020B0502040204020203" pitchFamily="34" charset="0"/>
+            </a:endParaRPr>
+          </a:p>
+          <a:p>
+            <a:pPr marL="628650" lvl="1" indent="-171450" rtl="0">
+              <a:buFontTx/>
+              <a:buChar char="-"/>
+            </a:pPr>
+            <a:r>
+              <a:rPr lang="vi-VN">
+                <a:solidFill>
+                  <a:schemeClr val="bg1"/>
+                </a:solidFill>
+                <a:latin typeface="Segoe UI" panose="020B0502040204020203" pitchFamily="34" charset="0"/>
+                <a:cs typeface="Segoe UI" panose="020B0502040204020203" pitchFamily="34" charset="0"/>
+              </a:rPr>
+              <a:t>Độ nén - Compression Để cải thiện hơn nữa độ nhỏ gọn của mô hình,</a:t>
+            </a:r>
+            <a:r>
+              <a:rPr lang="en-US">
+                <a:solidFill>
+                  <a:schemeClr val="bg1"/>
+                </a:solidFill>
+                <a:latin typeface="Segoe UI" panose="020B0502040204020203" pitchFamily="34" charset="0"/>
+                <a:cs typeface="Segoe UI" panose="020B0502040204020203" pitchFamily="34" charset="0"/>
+              </a:rPr>
+              <a:t> </a:t>
+            </a:r>
+            <a:r>
+              <a:rPr lang="vi-VN">
+                <a:solidFill>
+                  <a:schemeClr val="bg1"/>
+                </a:solidFill>
+                <a:latin typeface="Segoe UI" panose="020B0502040204020203" pitchFamily="34" charset="0"/>
+                <a:cs typeface="Segoe UI" panose="020B0502040204020203" pitchFamily="34" charset="0"/>
+              </a:rPr>
+              <a:t>chúng ta có thể giảm số lượng bản đồ đặc trưng ở các lớp chuyển tiếp. Nếu</a:t>
+            </a:r>
+            <a:r>
+              <a:rPr lang="en-US">
+                <a:solidFill>
+                  <a:schemeClr val="bg1"/>
+                </a:solidFill>
+                <a:latin typeface="Segoe UI" panose="020B0502040204020203" pitchFamily="34" charset="0"/>
+                <a:cs typeface="Segoe UI" panose="020B0502040204020203" pitchFamily="34" charset="0"/>
+              </a:rPr>
+              <a:t> </a:t>
+            </a:r>
+            <a:r>
+              <a:rPr lang="vi-VN">
+                <a:solidFill>
+                  <a:schemeClr val="bg1"/>
+                </a:solidFill>
+                <a:latin typeface="Segoe UI" panose="020B0502040204020203" pitchFamily="34" charset="0"/>
+                <a:cs typeface="Segoe UI" panose="020B0502040204020203" pitchFamily="34" charset="0"/>
+              </a:rPr>
+              <a:t>một khối dày đặc chứa m bản đồ đặc trưng, để lớp chuyển tiếp sau tạo ra</a:t>
+            </a:r>
+            <a:r>
+              <a:rPr lang="en-US">
+                <a:solidFill>
+                  <a:schemeClr val="bg1"/>
+                </a:solidFill>
+                <a:latin typeface="Segoe UI" panose="020B0502040204020203" pitchFamily="34" charset="0"/>
+                <a:cs typeface="Segoe UI" panose="020B0502040204020203" pitchFamily="34" charset="0"/>
+              </a:rPr>
+              <a:t> (theta) </a:t>
+            </a:r>
+            <a:r>
+              <a:rPr lang="el-GR">
+                <a:solidFill>
+                  <a:schemeClr val="bg1"/>
+                </a:solidFill>
+                <a:latin typeface="Segoe UI" panose="020B0502040204020203" pitchFamily="34" charset="0"/>
+                <a:cs typeface="Segoe UI" panose="020B0502040204020203" pitchFamily="34" charset="0"/>
+              </a:rPr>
+              <a:t>θ</a:t>
+            </a:r>
+            <a:r>
+              <a:rPr lang="vi-VN">
+                <a:solidFill>
+                  <a:schemeClr val="bg1"/>
+                </a:solidFill>
+                <a:latin typeface="Segoe UI" panose="020B0502040204020203" pitchFamily="34" charset="0"/>
+                <a:cs typeface="Segoe UI" panose="020B0502040204020203" pitchFamily="34" charset="0"/>
+              </a:rPr>
+              <a:t>m bản đồ đặc trưng đầu ra, trong đó 0 &lt; </a:t>
+            </a:r>
+            <a:r>
+              <a:rPr lang="el-GR">
+                <a:solidFill>
+                  <a:schemeClr val="bg1"/>
+                </a:solidFill>
+                <a:latin typeface="Segoe UI" panose="020B0502040204020203" pitchFamily="34" charset="0"/>
+                <a:cs typeface="Segoe UI" panose="020B0502040204020203" pitchFamily="34" charset="0"/>
+              </a:rPr>
+              <a:t>θ ≤ 1 </a:t>
+            </a:r>
+            <a:r>
+              <a:rPr lang="vi-VN">
+                <a:solidFill>
+                  <a:schemeClr val="bg1"/>
+                </a:solidFill>
+                <a:latin typeface="Segoe UI" panose="020B0502040204020203" pitchFamily="34" charset="0"/>
+                <a:cs typeface="Segoe UI" panose="020B0502040204020203" pitchFamily="34" charset="0"/>
+              </a:rPr>
+              <a:t>được gọi là hệ số nén.</a:t>
+            </a:r>
+          </a:p>
+          <a:p>
+            <a:pPr marL="628650" lvl="1" indent="-171450" rtl="0">
+              <a:buFontTx/>
+              <a:buChar char="-"/>
+            </a:pPr>
+            <a:endParaRPr lang="vi-VN">
+              <a:solidFill>
+                <a:schemeClr val="bg1"/>
+              </a:solidFill>
+              <a:latin typeface="Segoe UI" panose="020B0502040204020203" pitchFamily="34" charset="0"/>
+              <a:cs typeface="Segoe UI" panose="020B0502040204020203" pitchFamily="34" charset="0"/>
+            </a:endParaRPr>
+          </a:p>
+        </p:txBody>
+      </p:sp>
+      <p:sp>
+        <p:nvSpPr>
+          <p:cNvPr id="4" name="Chỗ dành sẵn cho Số hiệu Bản chiếu 3"/>
+          <p:cNvSpPr>
+            <a:spLocks noGrp="1"/>
+          </p:cNvSpPr>
+          <p:nvPr>
+            <p:ph type="sldNum" sz="quarter" idx="10"/>
+          </p:nvPr>
+        </p:nvSpPr>
+        <p:spPr/>
+        <p:txBody>
+          <a:bodyPr rtlCol="0"/>
+          <a:lstStyle/>
+          <a:p>
+            <a:pPr rtl="0"/>
+            <a:fld id="{BC849E9A-41F7-4779-A581-48A7C374A227}" type="slidenum">
+              <a:rPr lang="vi-VN" smtClean="0"/>
+              <a:t>9</a:t>
+            </a:fld>
+            <a:endParaRPr lang="vi-VN"/>
+          </a:p>
+        </p:txBody>
+      </p:sp>
+    </p:spTree>
+    <p:extLst>
+      <p:ext uri="{BB962C8B-B14F-4D97-AF65-F5344CB8AC3E}">
+        <p14:creationId xmlns:p14="http://schemas.microsoft.com/office/powerpoint/2010/main" val="3446030192"/>
       </p:ext>
     </p:extLst>
   </p:cSld>
@@ -2548,7 +5717,7 @@
             <a:pPr rtl="0"/>
             <a:fld id="{8D1323FB-0FE1-4A29-898F-5CE9E2D50B64}" type="datetime1">
               <a:rPr lang="vi-VN" noProof="0" smtClean="0"/>
-              <a:t>03/08/2022</a:t>
+              <a:t>04/08/2022</a:t>
             </a:fld>
             <a:endParaRPr lang="vi-VN" noProof="0"/>
           </a:p>
@@ -2750,7 +5919,7 @@
             <a:pPr rtl="0"/>
             <a:fld id="{7DDE1FAE-8FBB-46D3-9F10-9612E644B37E}" type="datetime1">
               <a:rPr lang="vi-VN" noProof="0" smtClean="0"/>
-              <a:t>03/08/2022</a:t>
+              <a:t>04/08/2022</a:t>
             </a:fld>
             <a:endParaRPr lang="vi-VN" noProof="0"/>
           </a:p>
@@ -2962,7 +6131,7 @@
             <a:pPr rtl="0"/>
             <a:fld id="{7BEBDF54-1A89-4124-A72C-333BB04D7F5B}" type="datetime1">
               <a:rPr lang="vi-VN" noProof="0" smtClean="0"/>
-              <a:t>03/08/2022</a:t>
+              <a:t>04/08/2022</a:t>
             </a:fld>
             <a:endParaRPr lang="vi-VN" noProof="0"/>
           </a:p>
@@ -3164,7 +6333,7 @@
             <a:pPr rtl="0"/>
             <a:fld id="{E2EE7645-2E0B-483F-9E5C-485EF8CB5660}" type="datetime1">
               <a:rPr lang="vi-VN" noProof="0" smtClean="0"/>
-              <a:t>03/08/2022</a:t>
+              <a:t>04/08/2022</a:t>
             </a:fld>
             <a:endParaRPr lang="vi-VN" noProof="0"/>
           </a:p>
@@ -3443,7 +6612,7 @@
             <a:pPr rtl="0"/>
             <a:fld id="{9C36982E-B14F-41D3-BB8B-9104218E449D}" type="datetime1">
               <a:rPr lang="vi-VN" noProof="0" smtClean="0"/>
-              <a:t>03/08/2022</a:t>
+              <a:t>04/08/2022</a:t>
             </a:fld>
             <a:endParaRPr lang="vi-VN" noProof="0"/>
           </a:p>
@@ -3712,7 +6881,7 @@
             <a:pPr rtl="0"/>
             <a:fld id="{33EC2CAD-01C6-4F04-8E96-786FC7D7A9A4}" type="datetime1">
               <a:rPr lang="vi-VN" noProof="0" smtClean="0"/>
-              <a:t>03/08/2022</a:t>
+              <a:t>04/08/2022</a:t>
             </a:fld>
             <a:endParaRPr lang="vi-VN" noProof="0"/>
           </a:p>
@@ -4128,7 +7297,7 @@
             <a:pPr rtl="0"/>
             <a:fld id="{3C4A6CC9-DF10-42D0-B55E-63FCF72C8F77}" type="datetime1">
               <a:rPr lang="vi-VN" noProof="0" smtClean="0"/>
-              <a:t>03/08/2022</a:t>
+              <a:t>04/08/2022</a:t>
             </a:fld>
             <a:endParaRPr lang="vi-VN" noProof="0"/>
           </a:p>
@@ -4273,7 +7442,7 @@
             <a:pPr rtl="0"/>
             <a:fld id="{A9821A16-A3A3-4B3F-A2D3-5073439EF6E4}" type="datetime1">
               <a:rPr lang="vi-VN" noProof="0" smtClean="0"/>
-              <a:t>03/08/2022</a:t>
+              <a:t>04/08/2022</a:t>
             </a:fld>
             <a:endParaRPr lang="vi-VN" noProof="0"/>
           </a:p>
@@ -4389,7 +7558,7 @@
             <a:pPr rtl="0"/>
             <a:fld id="{DE94A255-6168-46AF-B463-0F545EC82FF7}" type="datetime1">
               <a:rPr lang="vi-VN" noProof="0" smtClean="0"/>
-              <a:t>03/08/2022</a:t>
+              <a:t>04/08/2022</a:t>
             </a:fld>
             <a:endParaRPr lang="vi-VN" noProof="0"/>
           </a:p>
@@ -4704,7 +7873,7 @@
             <a:pPr rtl="0"/>
             <a:fld id="{C5E29DB1-7129-40E4-90E3-F3F24F9DF65A}" type="datetime1">
               <a:rPr lang="vi-VN" noProof="0" smtClean="0"/>
-              <a:t>03/08/2022</a:t>
+              <a:t>04/08/2022</a:t>
             </a:fld>
             <a:endParaRPr lang="vi-VN" noProof="0"/>
           </a:p>
@@ -5000,7 +8169,7 @@
             <a:pPr rtl="0"/>
             <a:fld id="{7E6B7B2C-AB1D-4BF8-9C5E-21BB20E8FF24}" type="datetime1">
               <a:rPr lang="vi-VN" noProof="0" smtClean="0"/>
-              <a:t>03/08/2022</a:t>
+              <a:t>04/08/2022</a:t>
             </a:fld>
             <a:endParaRPr lang="vi-VN" noProof="0"/>
           </a:p>
@@ -5324,7 +8493,7 @@
             <a:fld id="{16F5ECDB-427F-4ED6-AEEF-3C7C48AB2473}" type="datetime1">
               <a:rPr lang="vi-VN" noProof="0" smtClean="0"/>
               <a:pPr/>
-              <a:t>03/08/2022</a:t>
+              <a:t>04/08/2022</a:t>
             </a:fld>
             <a:endParaRPr lang="vi-VN" noProof="0">
               <a:latin typeface="Calibri" panose="020F0502020204030204" pitchFamily="34" charset="0"/>
@@ -5940,6 +9109,2994 @@
 </p:sld>
 </file>
 
+<file path=ppt/slides/slide10.xml><?xml version="1.0" encoding="utf-8"?>
+<p:sld xmlns:a="http://schemas.openxmlformats.org/drawingml/2006/main" xmlns:r="http://schemas.openxmlformats.org/officeDocument/2006/relationships" xmlns:p="http://schemas.openxmlformats.org/presentationml/2006/main">
+  <p:cSld>
+    <p:bg>
+      <p:bgPr>
+        <a:solidFill>
+          <a:srgbClr val="0C7B93"/>
+        </a:solidFill>
+        <a:effectLst/>
+      </p:bgPr>
+    </p:bg>
+    <p:spTree>
+      <p:nvGrpSpPr>
+        <p:cNvPr id="1" name=""/>
+        <p:cNvGrpSpPr/>
+        <p:nvPr/>
+      </p:nvGrpSpPr>
+      <p:grpSpPr>
+        <a:xfrm>
+          <a:off x="0" y="0"/>
+          <a:ext cx="0" cy="0"/>
+          <a:chOff x="0" y="0"/>
+          <a:chExt cx="0" cy="0"/>
+        </a:xfrm>
+      </p:grpSpPr>
+      <p:sp>
+        <p:nvSpPr>
+          <p:cNvPr id="2" name="Tiêu đề 1">
+            <a:extLst>
+              <a:ext uri="{FF2B5EF4-FFF2-40B4-BE49-F238E27FC236}">
+                <a16:creationId xmlns:a16="http://schemas.microsoft.com/office/drawing/2014/main" id="{EA0D9B4E-C292-45AA-8116-562703040382}"/>
+              </a:ext>
+            </a:extLst>
+          </p:cNvPr>
+          <p:cNvSpPr>
+            <a:spLocks noGrp="1"/>
+          </p:cNvSpPr>
+          <p:nvPr>
+            <p:ph type="title"/>
+          </p:nvPr>
+        </p:nvSpPr>
+        <p:spPr>
+          <a:xfrm>
+            <a:off x="1471292" y="707886"/>
+            <a:ext cx="10395466" cy="1372705"/>
+          </a:xfrm>
+        </p:spPr>
+        <p:txBody>
+          <a:bodyPr rtlCol="0" anchor="ctr">
+            <a:normAutofit/>
+          </a:bodyPr>
+          <a:lstStyle/>
+          <a:p>
+            <a:pPr rtl="0"/>
+            <a:r>
+              <a:rPr lang="en-US">
+                <a:solidFill>
+                  <a:schemeClr val="bg1"/>
+                </a:solidFill>
+                <a:latin typeface="+mn-lt"/>
+                <a:cs typeface="Segoe UI" panose="020B0502040204020203" pitchFamily="34" charset="0"/>
+              </a:rPr>
+              <a:t>MÔ HÌNH DENSENET</a:t>
+            </a:r>
+            <a:endParaRPr lang="vi-VN">
+              <a:solidFill>
+                <a:schemeClr val="bg1"/>
+              </a:solidFill>
+              <a:latin typeface="+mn-lt"/>
+              <a:cs typeface="Segoe UI" panose="020B0502040204020203" pitchFamily="34" charset="0"/>
+            </a:endParaRPr>
+          </a:p>
+        </p:txBody>
+      </p:sp>
+      <p:pic>
+        <p:nvPicPr>
+          <p:cNvPr id="5" name="Đồ họa 4" descr="Mở Sách">
+            <a:extLst>
+              <a:ext uri="{FF2B5EF4-FFF2-40B4-BE49-F238E27FC236}">
+                <a16:creationId xmlns:a16="http://schemas.microsoft.com/office/drawing/2014/main" id="{DEFE964D-9F1C-4F69-ADD3-0E1AB324E198}"/>
+              </a:ext>
+            </a:extLst>
+          </p:cNvPr>
+          <p:cNvPicPr>
+            <a:picLocks noChangeAspect="1"/>
+          </p:cNvPicPr>
+          <p:nvPr/>
+        </p:nvPicPr>
+        <p:blipFill>
+          <a:blip r:embed="rId3">
+            <a:extLst>
+              <a:ext uri="{28A0092B-C50C-407E-A947-70E740481C1C}">
+                <a14:useLocalDpi xmlns:a14="http://schemas.microsoft.com/office/drawing/2010/main" val="0"/>
+              </a:ext>
+              <a:ext uri="{96DAC541-7B7A-43D3-8B79-37D633B846F1}">
+                <asvg:svgBlip xmlns:asvg="http://schemas.microsoft.com/office/drawing/2016/SVG/main" r:embed="rId4"/>
+              </a:ext>
+            </a:extLst>
+          </a:blip>
+          <a:stretch>
+            <a:fillRect/>
+          </a:stretch>
+        </p:blipFill>
+        <p:spPr>
+          <a:xfrm>
+            <a:off x="325242" y="816337"/>
+            <a:ext cx="1097280" cy="1097280"/>
+          </a:xfrm>
+          <a:prstGeom prst="rect">
+            <a:avLst/>
+          </a:prstGeom>
+        </p:spPr>
+      </p:pic>
+      <p:sp>
+        <p:nvSpPr>
+          <p:cNvPr id="3" name="Chỗ dành sẵn cho Nội dung 2">
+            <a:extLst>
+              <a:ext uri="{FF2B5EF4-FFF2-40B4-BE49-F238E27FC236}">
+                <a16:creationId xmlns:a16="http://schemas.microsoft.com/office/drawing/2014/main" id="{81072FAC-EEE9-4F26-A784-BC07EACCBE9F}"/>
+              </a:ext>
+            </a:extLst>
+          </p:cNvPr>
+          <p:cNvSpPr>
+            <a:spLocks noGrp="1"/>
+          </p:cNvSpPr>
+          <p:nvPr>
+            <p:ph idx="1"/>
+          </p:nvPr>
+        </p:nvSpPr>
+        <p:spPr>
+          <a:xfrm>
+            <a:off x="325242" y="2080591"/>
+            <a:ext cx="5685697" cy="4336349"/>
+          </a:xfrm>
+        </p:spPr>
+        <p:txBody>
+          <a:bodyPr vert="horz" lIns="91440" tIns="45720" rIns="91440" bIns="45720" rtlCol="0" anchor="t">
+            <a:noAutofit/>
+          </a:bodyPr>
+          <a:lstStyle/>
+          <a:p>
+            <a:pPr>
+              <a:spcBef>
+                <a:spcPts val="600"/>
+              </a:spcBef>
+              <a:spcAft>
+                <a:spcPts val="600"/>
+              </a:spcAft>
+            </a:pPr>
+            <a:r>
+              <a:rPr lang="en-US">
+                <a:solidFill>
+                  <a:schemeClr val="bg1"/>
+                </a:solidFill>
+                <a:latin typeface="Segoe UI" panose="020B0502040204020203" pitchFamily="34" charset="0"/>
+                <a:cs typeface="Segoe UI" panose="020B0502040204020203" pitchFamily="34" charset="0"/>
+              </a:rPr>
+              <a:t>Cấu hình m</a:t>
+            </a:r>
+            <a:r>
+              <a:rPr lang="vi-VN">
+                <a:solidFill>
+                  <a:schemeClr val="bg1"/>
+                </a:solidFill>
+                <a:latin typeface="Segoe UI" panose="020B0502040204020203" pitchFamily="34" charset="0"/>
+                <a:cs typeface="Segoe UI" panose="020B0502040204020203" pitchFamily="34" charset="0"/>
+              </a:rPr>
+              <a:t>ô hình </a:t>
+            </a:r>
+            <a:r>
+              <a:rPr lang="en-US">
+                <a:solidFill>
+                  <a:schemeClr val="bg1"/>
+                </a:solidFill>
+                <a:latin typeface="Segoe UI" panose="020B0502040204020203" pitchFamily="34" charset="0"/>
+                <a:cs typeface="Segoe UI" panose="020B0502040204020203" pitchFamily="34" charset="0"/>
+              </a:rPr>
+              <a:t>Den</a:t>
+            </a:r>
+            <a:r>
+              <a:rPr lang="vi-VN">
+                <a:solidFill>
+                  <a:schemeClr val="bg1"/>
+                </a:solidFill>
+                <a:latin typeface="Segoe UI" panose="020B0502040204020203" pitchFamily="34" charset="0"/>
+                <a:cs typeface="Segoe UI" panose="020B0502040204020203" pitchFamily="34" charset="0"/>
+              </a:rPr>
+              <a:t>s</a:t>
+            </a:r>
+            <a:r>
+              <a:rPr lang="en-US">
+                <a:solidFill>
+                  <a:schemeClr val="bg1"/>
+                </a:solidFill>
+                <a:latin typeface="Segoe UI" panose="020B0502040204020203" pitchFamily="34" charset="0"/>
+                <a:cs typeface="Segoe UI" panose="020B0502040204020203" pitchFamily="34" charset="0"/>
+              </a:rPr>
+              <a:t>e</a:t>
+            </a:r>
+            <a:r>
+              <a:rPr lang="vi-VN">
+                <a:solidFill>
+                  <a:schemeClr val="bg1"/>
+                </a:solidFill>
+                <a:latin typeface="Segoe UI" panose="020B0502040204020203" pitchFamily="34" charset="0"/>
+                <a:cs typeface="Segoe UI" panose="020B0502040204020203" pitchFamily="34" charset="0"/>
+              </a:rPr>
+              <a:t>Net</a:t>
+            </a:r>
+            <a:endParaRPr lang="en-US">
+              <a:solidFill>
+                <a:schemeClr val="bg1"/>
+              </a:solidFill>
+              <a:latin typeface="Segoe UI" panose="020B0502040204020203" pitchFamily="34" charset="0"/>
+              <a:cs typeface="Segoe UI" panose="020B0502040204020203" pitchFamily="34" charset="0"/>
+            </a:endParaRPr>
+          </a:p>
+          <a:p>
+            <a:pPr lvl="1">
+              <a:spcBef>
+                <a:spcPts val="1800"/>
+              </a:spcBef>
+              <a:spcAft>
+                <a:spcPts val="1800"/>
+              </a:spcAft>
+            </a:pPr>
+            <a:endParaRPr lang="vi-VN">
+              <a:solidFill>
+                <a:schemeClr val="bg1"/>
+              </a:solidFill>
+              <a:latin typeface="Segoe UI" panose="020B0502040204020203" pitchFamily="34" charset="0"/>
+              <a:cs typeface="Segoe UI" panose="020B0502040204020203" pitchFamily="34" charset="0"/>
+            </a:endParaRPr>
+          </a:p>
+        </p:txBody>
+      </p:sp>
+      <p:pic>
+        <p:nvPicPr>
+          <p:cNvPr id="9" name="Đồ họa 8">
+            <a:extLst>
+              <a:ext uri="{FF2B5EF4-FFF2-40B4-BE49-F238E27FC236}">
+                <a16:creationId xmlns:a16="http://schemas.microsoft.com/office/drawing/2014/main" id="{35127EDA-5861-47AB-8729-620CFC7DAC07}"/>
+              </a:ext>
+              <a:ext uri="{C183D7F6-B498-43B3-948B-1728B52AA6E4}">
+                <adec:decorative xmlns:adec="http://schemas.microsoft.com/office/drawing/2017/decorative" val="1"/>
+              </a:ext>
+            </a:extLst>
+          </p:cNvPr>
+          <p:cNvPicPr>
+            <a:picLocks noGrp="1" noRot="1" noChangeAspect="1" noMove="1" noResize="1" noEditPoints="1" noAdjustHandles="1" noChangeArrowheads="1" noChangeShapeType="1" noCrop="1"/>
+          </p:cNvPicPr>
+          <p:nvPr>
+            <p:extLst>
+              <p:ext uri="{386F3935-93C4-4BCD-93E2-E3B085C9AB24}">
+                <p16:designElem xmlns:p16="http://schemas.microsoft.com/office/powerpoint/2015/main" val="1"/>
+              </p:ext>
+            </p:extLst>
+          </p:nvPr>
+        </p:nvPicPr>
+        <p:blipFill>
+          <a:blip r:embed="rId3">
+            <a:alphaModFix amt="15000"/>
+            <a:extLst>
+              <a:ext uri="{28A0092B-C50C-407E-A947-70E740481C1C}">
+                <a14:useLocalDpi xmlns:a14="http://schemas.microsoft.com/office/drawing/2010/main" val="0"/>
+              </a:ext>
+              <a:ext uri="{96DAC541-7B7A-43D3-8B79-37D633B846F1}">
+                <asvg:svgBlip xmlns:asvg="http://schemas.microsoft.com/office/drawing/2016/SVG/main" r:embed="rId5"/>
+              </a:ext>
+            </a:extLst>
+          </a:blip>
+          <a:stretch>
+            <a:fillRect/>
+          </a:stretch>
+        </p:blipFill>
+        <p:spPr>
+          <a:xfrm>
+            <a:off x="6641431" y="816337"/>
+            <a:ext cx="5225327" cy="5225327"/>
+          </a:xfrm>
+          <a:prstGeom prst="rect">
+            <a:avLst/>
+          </a:prstGeom>
+        </p:spPr>
+      </p:pic>
+      <p:sp>
+        <p:nvSpPr>
+          <p:cNvPr id="6" name="Hộp Văn bản 5">
+            <a:extLst>
+              <a:ext uri="{FF2B5EF4-FFF2-40B4-BE49-F238E27FC236}">
+                <a16:creationId xmlns:a16="http://schemas.microsoft.com/office/drawing/2014/main" id="{584B38A1-DDBC-1F28-41E7-C1C091A2BE29}"/>
+              </a:ext>
+            </a:extLst>
+          </p:cNvPr>
+          <p:cNvSpPr txBox="1"/>
+          <p:nvPr/>
+        </p:nvSpPr>
+        <p:spPr>
+          <a:xfrm>
+            <a:off x="1" y="0"/>
+            <a:ext cx="12192000" cy="707886"/>
+          </a:xfrm>
+          <a:prstGeom prst="rect">
+            <a:avLst/>
+          </a:prstGeom>
+          <a:solidFill>
+            <a:srgbClr val="003865"/>
+          </a:solidFill>
+        </p:spPr>
+        <p:txBody>
+          <a:bodyPr wrap="square" rtlCol="0">
+            <a:spAutoFit/>
+          </a:bodyPr>
+          <a:lstStyle/>
+          <a:p>
+            <a:pPr algn="ctr"/>
+            <a:r>
+              <a:rPr lang="en-US" sz="2000">
+                <a:solidFill>
+                  <a:schemeClr val="bg1"/>
+                </a:solidFill>
+              </a:rPr>
+              <a:t>ĐẠI HỌC THÁI NGUYÊN</a:t>
+            </a:r>
+          </a:p>
+          <a:p>
+            <a:pPr algn="ctr"/>
+            <a:r>
+              <a:rPr lang="en-US" sz="2000" b="1">
+                <a:solidFill>
+                  <a:schemeClr val="bg1"/>
+                </a:solidFill>
+              </a:rPr>
+              <a:t>TRƯỜNG ĐẠI HỌC CÔNG NGHỆ THÔNG TIN VÀ TRUYỀN THÔNG</a:t>
+            </a:r>
+            <a:endParaRPr lang="vi-VN" sz="2000" b="1">
+              <a:solidFill>
+                <a:schemeClr val="bg1"/>
+              </a:solidFill>
+            </a:endParaRPr>
+          </a:p>
+        </p:txBody>
+      </p:sp>
+      <p:sp>
+        <p:nvSpPr>
+          <p:cNvPr id="10" name="Hộp Văn bản 9">
+            <a:extLst>
+              <a:ext uri="{FF2B5EF4-FFF2-40B4-BE49-F238E27FC236}">
+                <a16:creationId xmlns:a16="http://schemas.microsoft.com/office/drawing/2014/main" id="{537E21AA-50D6-ACBE-12B8-C6165424DC7C}"/>
+              </a:ext>
+            </a:extLst>
+          </p:cNvPr>
+          <p:cNvSpPr txBox="1"/>
+          <p:nvPr/>
+        </p:nvSpPr>
+        <p:spPr>
+          <a:xfrm>
+            <a:off x="4731491" y="6153803"/>
+            <a:ext cx="3432863" cy="369332"/>
+          </a:xfrm>
+          <a:prstGeom prst="rect">
+            <a:avLst/>
+          </a:prstGeom>
+          <a:noFill/>
+        </p:spPr>
+        <p:txBody>
+          <a:bodyPr wrap="none" rtlCol="0">
+            <a:spAutoFit/>
+          </a:bodyPr>
+          <a:lstStyle/>
+          <a:p>
+            <a:r>
+              <a:rPr lang="en-US" i="1">
+                <a:solidFill>
+                  <a:schemeClr val="bg1"/>
+                </a:solidFill>
+              </a:rPr>
+              <a:t>Hình 5: Các cấu hình của DenseNet</a:t>
+            </a:r>
+          </a:p>
+        </p:txBody>
+      </p:sp>
+      <p:pic>
+        <p:nvPicPr>
+          <p:cNvPr id="8" name="Hình ảnh 7" descr="Cấu hình DenseNet">
+            <a:extLst>
+              <a:ext uri="{FF2B5EF4-FFF2-40B4-BE49-F238E27FC236}">
+                <a16:creationId xmlns:a16="http://schemas.microsoft.com/office/drawing/2014/main" id="{11781711-86B0-12E8-D4F3-89B5820B245E}"/>
+              </a:ext>
+            </a:extLst>
+          </p:cNvPr>
+          <p:cNvPicPr>
+            <a:picLocks noChangeAspect="1"/>
+          </p:cNvPicPr>
+          <p:nvPr/>
+        </p:nvPicPr>
+        <p:blipFill>
+          <a:blip r:embed="rId6">
+            <a:extLst>
+              <a:ext uri="{28A0092B-C50C-407E-A947-70E740481C1C}">
+                <a14:useLocalDpi xmlns:a14="http://schemas.microsoft.com/office/drawing/2010/main" val="0"/>
+              </a:ext>
+            </a:extLst>
+          </a:blip>
+          <a:stretch>
+            <a:fillRect/>
+          </a:stretch>
+        </p:blipFill>
+        <p:spPr>
+          <a:xfrm>
+            <a:off x="2243387" y="2562062"/>
+            <a:ext cx="7535104" cy="3646576"/>
+          </a:xfrm>
+          <a:prstGeom prst="rect">
+            <a:avLst/>
+          </a:prstGeom>
+        </p:spPr>
+      </p:pic>
+    </p:spTree>
+    <p:extLst>
+      <p:ext uri="{BB962C8B-B14F-4D97-AF65-F5344CB8AC3E}">
+        <p14:creationId xmlns:p14="http://schemas.microsoft.com/office/powerpoint/2010/main" val="3424321821"/>
+      </p:ext>
+    </p:extLst>
+  </p:cSld>
+  <p:clrMapOvr>
+    <a:masterClrMapping/>
+  </p:clrMapOvr>
+</p:sld>
+</file>
+
+<file path=ppt/slides/slide11.xml><?xml version="1.0" encoding="utf-8"?>
+<p:sld xmlns:a="http://schemas.openxmlformats.org/drawingml/2006/main" xmlns:r="http://schemas.openxmlformats.org/officeDocument/2006/relationships" xmlns:p="http://schemas.openxmlformats.org/presentationml/2006/main">
+  <p:cSld>
+    <p:bg>
+      <p:bgPr>
+        <a:solidFill>
+          <a:srgbClr val="0C7B93"/>
+        </a:solidFill>
+        <a:effectLst/>
+      </p:bgPr>
+    </p:bg>
+    <p:spTree>
+      <p:nvGrpSpPr>
+        <p:cNvPr id="1" name=""/>
+        <p:cNvGrpSpPr/>
+        <p:nvPr/>
+      </p:nvGrpSpPr>
+      <p:grpSpPr>
+        <a:xfrm>
+          <a:off x="0" y="0"/>
+          <a:ext cx="0" cy="0"/>
+          <a:chOff x="0" y="0"/>
+          <a:chExt cx="0" cy="0"/>
+        </a:xfrm>
+      </p:grpSpPr>
+      <p:sp>
+        <p:nvSpPr>
+          <p:cNvPr id="2" name="Tiêu đề 1">
+            <a:extLst>
+              <a:ext uri="{FF2B5EF4-FFF2-40B4-BE49-F238E27FC236}">
+                <a16:creationId xmlns:a16="http://schemas.microsoft.com/office/drawing/2014/main" id="{EA0D9B4E-C292-45AA-8116-562703040382}"/>
+              </a:ext>
+            </a:extLst>
+          </p:cNvPr>
+          <p:cNvSpPr>
+            <a:spLocks noGrp="1"/>
+          </p:cNvSpPr>
+          <p:nvPr>
+            <p:ph type="title"/>
+          </p:nvPr>
+        </p:nvSpPr>
+        <p:spPr>
+          <a:xfrm>
+            <a:off x="1471292" y="707886"/>
+            <a:ext cx="10395466" cy="1372705"/>
+          </a:xfrm>
+        </p:spPr>
+        <p:txBody>
+          <a:bodyPr rtlCol="0" anchor="ctr">
+            <a:normAutofit/>
+          </a:bodyPr>
+          <a:lstStyle/>
+          <a:p>
+            <a:pPr rtl="0"/>
+            <a:r>
+              <a:rPr lang="en-US">
+                <a:solidFill>
+                  <a:schemeClr val="bg1"/>
+                </a:solidFill>
+                <a:latin typeface="+mn-lt"/>
+                <a:cs typeface="Segoe UI" panose="020B0502040204020203" pitchFamily="34" charset="0"/>
+              </a:rPr>
+              <a:t>MÔ HÌNH DENSENET</a:t>
+            </a:r>
+            <a:endParaRPr lang="vi-VN">
+              <a:solidFill>
+                <a:schemeClr val="bg1"/>
+              </a:solidFill>
+              <a:latin typeface="+mn-lt"/>
+              <a:cs typeface="Segoe UI" panose="020B0502040204020203" pitchFamily="34" charset="0"/>
+            </a:endParaRPr>
+          </a:p>
+        </p:txBody>
+      </p:sp>
+      <p:pic>
+        <p:nvPicPr>
+          <p:cNvPr id="5" name="Đồ họa 4" descr="Mở Sách">
+            <a:extLst>
+              <a:ext uri="{FF2B5EF4-FFF2-40B4-BE49-F238E27FC236}">
+                <a16:creationId xmlns:a16="http://schemas.microsoft.com/office/drawing/2014/main" id="{DEFE964D-9F1C-4F69-ADD3-0E1AB324E198}"/>
+              </a:ext>
+            </a:extLst>
+          </p:cNvPr>
+          <p:cNvPicPr>
+            <a:picLocks noChangeAspect="1"/>
+          </p:cNvPicPr>
+          <p:nvPr/>
+        </p:nvPicPr>
+        <p:blipFill>
+          <a:blip r:embed="rId3">
+            <a:extLst>
+              <a:ext uri="{28A0092B-C50C-407E-A947-70E740481C1C}">
+                <a14:useLocalDpi xmlns:a14="http://schemas.microsoft.com/office/drawing/2010/main" val="0"/>
+              </a:ext>
+              <a:ext uri="{96DAC541-7B7A-43D3-8B79-37D633B846F1}">
+                <asvg:svgBlip xmlns:asvg="http://schemas.microsoft.com/office/drawing/2016/SVG/main" r:embed="rId4"/>
+              </a:ext>
+            </a:extLst>
+          </a:blip>
+          <a:stretch>
+            <a:fillRect/>
+          </a:stretch>
+        </p:blipFill>
+        <p:spPr>
+          <a:xfrm>
+            <a:off x="325242" y="816337"/>
+            <a:ext cx="1097280" cy="1097280"/>
+          </a:xfrm>
+          <a:prstGeom prst="rect">
+            <a:avLst/>
+          </a:prstGeom>
+        </p:spPr>
+      </p:pic>
+      <p:sp>
+        <p:nvSpPr>
+          <p:cNvPr id="3" name="Chỗ dành sẵn cho Nội dung 2">
+            <a:extLst>
+              <a:ext uri="{FF2B5EF4-FFF2-40B4-BE49-F238E27FC236}">
+                <a16:creationId xmlns:a16="http://schemas.microsoft.com/office/drawing/2014/main" id="{81072FAC-EEE9-4F26-A784-BC07EACCBE9F}"/>
+              </a:ext>
+            </a:extLst>
+          </p:cNvPr>
+          <p:cNvSpPr>
+            <a:spLocks noGrp="1"/>
+          </p:cNvSpPr>
+          <p:nvPr>
+            <p:ph idx="1"/>
+          </p:nvPr>
+        </p:nvSpPr>
+        <p:spPr>
+          <a:xfrm>
+            <a:off x="325242" y="2080591"/>
+            <a:ext cx="11541516" cy="4336349"/>
+          </a:xfrm>
+        </p:spPr>
+        <p:txBody>
+          <a:bodyPr vert="horz" lIns="91440" tIns="45720" rIns="91440" bIns="45720" rtlCol="0" anchor="t">
+            <a:noAutofit/>
+          </a:bodyPr>
+          <a:lstStyle/>
+          <a:p>
+            <a:pPr>
+              <a:spcBef>
+                <a:spcPts val="1200"/>
+              </a:spcBef>
+              <a:spcAft>
+                <a:spcPts val="600"/>
+              </a:spcAft>
+            </a:pPr>
+            <a:r>
+              <a:rPr lang="en-US">
+                <a:solidFill>
+                  <a:schemeClr val="bg1"/>
+                </a:solidFill>
+                <a:latin typeface="Segoe UI" panose="020B0502040204020203" pitchFamily="34" charset="0"/>
+                <a:cs typeface="Segoe UI" panose="020B0502040204020203" pitchFamily="34" charset="0"/>
+              </a:rPr>
+              <a:t>Ưu điểm</a:t>
+            </a:r>
+          </a:p>
+          <a:p>
+            <a:pPr lvl="1">
+              <a:spcBef>
+                <a:spcPts val="1200"/>
+              </a:spcBef>
+              <a:spcAft>
+                <a:spcPts val="600"/>
+              </a:spcAft>
+            </a:pPr>
+            <a:r>
+              <a:rPr lang="vi-VN">
+                <a:solidFill>
+                  <a:schemeClr val="bg1"/>
+                </a:solidFill>
+                <a:latin typeface="Segoe UI" panose="020B0502040204020203" pitchFamily="34" charset="0"/>
+                <a:cs typeface="Segoe UI" panose="020B0502040204020203" pitchFamily="34" charset="0"/>
+              </a:rPr>
+              <a:t>Giải quyết khá tốt vấn đề vanishing-gradient của các mạng CNN</a:t>
+            </a:r>
+            <a:r>
+              <a:rPr lang="en-US">
+                <a:solidFill>
+                  <a:schemeClr val="bg1"/>
+                </a:solidFill>
+                <a:latin typeface="Segoe UI" panose="020B0502040204020203" pitchFamily="34" charset="0"/>
+                <a:cs typeface="Segoe UI" panose="020B0502040204020203" pitchFamily="34" charset="0"/>
+              </a:rPr>
+              <a:t> </a:t>
+            </a:r>
+            <a:r>
+              <a:rPr lang="vi-VN">
+                <a:solidFill>
+                  <a:schemeClr val="bg1"/>
+                </a:solidFill>
+                <a:latin typeface="Segoe UI" panose="020B0502040204020203" pitchFamily="34" charset="0"/>
+                <a:cs typeface="Segoe UI" panose="020B0502040204020203" pitchFamily="34" charset="0"/>
+              </a:rPr>
+              <a:t>thuần.</a:t>
+            </a:r>
+            <a:endParaRPr lang="en-US">
+              <a:solidFill>
+                <a:schemeClr val="bg1"/>
+              </a:solidFill>
+              <a:latin typeface="Segoe UI" panose="020B0502040204020203" pitchFamily="34" charset="0"/>
+              <a:cs typeface="Segoe UI" panose="020B0502040204020203" pitchFamily="34" charset="0"/>
+            </a:endParaRPr>
+          </a:p>
+          <a:p>
+            <a:pPr lvl="1">
+              <a:spcBef>
+                <a:spcPts val="1200"/>
+              </a:spcBef>
+              <a:spcAft>
+                <a:spcPts val="600"/>
+              </a:spcAft>
+            </a:pPr>
+            <a:r>
+              <a:rPr lang="vi-VN">
+                <a:solidFill>
+                  <a:schemeClr val="bg1"/>
+                </a:solidFill>
+                <a:latin typeface="Segoe UI" panose="020B0502040204020203" pitchFamily="34" charset="0"/>
+                <a:cs typeface="Segoe UI" panose="020B0502040204020203" pitchFamily="34" charset="0"/>
+              </a:rPr>
+              <a:t>Cải thiện sự truyền tải đặc trưng giữa các lớ</a:t>
+            </a:r>
+            <a:r>
+              <a:rPr lang="en-US">
+                <a:solidFill>
+                  <a:schemeClr val="bg1"/>
+                </a:solidFill>
+                <a:latin typeface="Segoe UI" panose="020B0502040204020203" pitchFamily="34" charset="0"/>
+                <a:cs typeface="Segoe UI" panose="020B0502040204020203" pitchFamily="34" charset="0"/>
+              </a:rPr>
+              <a:t>p.</a:t>
+            </a:r>
+          </a:p>
+          <a:p>
+            <a:pPr lvl="1">
+              <a:spcBef>
+                <a:spcPts val="1200"/>
+              </a:spcBef>
+              <a:spcAft>
+                <a:spcPts val="600"/>
+              </a:spcAft>
+            </a:pPr>
+            <a:r>
+              <a:rPr lang="vi-VN">
+                <a:solidFill>
+                  <a:schemeClr val="bg1"/>
+                </a:solidFill>
+                <a:latin typeface="Segoe UI" panose="020B0502040204020203" pitchFamily="34" charset="0"/>
+                <a:cs typeface="Segoe UI" panose="020B0502040204020203" pitchFamily="34" charset="0"/>
+              </a:rPr>
+              <a:t>Giảm đáng kể số lượng tham số</a:t>
+            </a:r>
+            <a:r>
+              <a:rPr lang="en-US">
+                <a:solidFill>
+                  <a:schemeClr val="bg1"/>
+                </a:solidFill>
+                <a:latin typeface="Segoe UI" panose="020B0502040204020203" pitchFamily="34" charset="0"/>
+                <a:cs typeface="Segoe UI" panose="020B0502040204020203" pitchFamily="34" charset="0"/>
+              </a:rPr>
+              <a:t>.</a:t>
+            </a:r>
+          </a:p>
+          <a:p>
+            <a:pPr lvl="1">
+              <a:spcBef>
+                <a:spcPts val="1200"/>
+              </a:spcBef>
+              <a:spcAft>
+                <a:spcPts val="600"/>
+              </a:spcAft>
+            </a:pPr>
+            <a:r>
+              <a:rPr lang="vi-VN">
+                <a:solidFill>
+                  <a:schemeClr val="bg1"/>
+                </a:solidFill>
+                <a:latin typeface="Segoe UI" panose="020B0502040204020203" pitchFamily="34" charset="0"/>
+                <a:cs typeface="Segoe UI" panose="020B0502040204020203" pitchFamily="34" charset="0"/>
+              </a:rPr>
+              <a:t>Khuyến khích sử dụng lại các đặc trưng.</a:t>
+            </a:r>
+            <a:endParaRPr lang="en-US">
+              <a:solidFill>
+                <a:schemeClr val="bg1"/>
+              </a:solidFill>
+              <a:latin typeface="Segoe UI" panose="020B0502040204020203" pitchFamily="34" charset="0"/>
+              <a:cs typeface="Segoe UI" panose="020B0502040204020203" pitchFamily="34" charset="0"/>
+            </a:endParaRPr>
+          </a:p>
+          <a:p>
+            <a:pPr>
+              <a:spcBef>
+                <a:spcPts val="1200"/>
+              </a:spcBef>
+              <a:spcAft>
+                <a:spcPts val="600"/>
+              </a:spcAft>
+            </a:pPr>
+            <a:r>
+              <a:rPr lang="en-US">
+                <a:solidFill>
+                  <a:schemeClr val="bg1"/>
+                </a:solidFill>
+                <a:latin typeface="Segoe UI" panose="020B0502040204020203" pitchFamily="34" charset="0"/>
+                <a:cs typeface="Segoe UI" panose="020B0502040204020203" pitchFamily="34" charset="0"/>
+              </a:rPr>
+              <a:t>Nhược điểm</a:t>
+            </a:r>
+          </a:p>
+          <a:p>
+            <a:pPr lvl="1">
+              <a:spcBef>
+                <a:spcPts val="1200"/>
+              </a:spcBef>
+              <a:spcAft>
+                <a:spcPts val="600"/>
+              </a:spcAft>
+            </a:pPr>
+            <a:r>
+              <a:rPr lang="vi-VN">
+                <a:solidFill>
+                  <a:schemeClr val="bg1"/>
+                </a:solidFill>
+                <a:latin typeface="Segoe UI" panose="020B0502040204020203" pitchFamily="34" charset="0"/>
+                <a:cs typeface="Segoe UI" panose="020B0502040204020203" pitchFamily="34" charset="0"/>
+              </a:rPr>
+              <a:t>Kết nối quá mức không chỉ làm giảm hiệu suất tính toán và hiệu quả</a:t>
+            </a:r>
+            <a:r>
+              <a:rPr lang="en-US">
+                <a:solidFill>
+                  <a:schemeClr val="bg1"/>
+                </a:solidFill>
+                <a:latin typeface="Segoe UI" panose="020B0502040204020203" pitchFamily="34" charset="0"/>
+                <a:cs typeface="Segoe UI" panose="020B0502040204020203" pitchFamily="34" charset="0"/>
+              </a:rPr>
+              <a:t> </a:t>
+            </a:r>
+            <a:r>
+              <a:rPr lang="vi-VN">
+                <a:solidFill>
+                  <a:schemeClr val="bg1"/>
+                </a:solidFill>
+                <a:latin typeface="Segoe UI" panose="020B0502040204020203" pitchFamily="34" charset="0"/>
+                <a:cs typeface="Segoe UI" panose="020B0502040204020203" pitchFamily="34" charset="0"/>
+              </a:rPr>
+              <a:t>tham số của mạng mà còn làm cho các mạng dễ bị overfitting.</a:t>
+            </a:r>
+          </a:p>
+        </p:txBody>
+      </p:sp>
+      <p:pic>
+        <p:nvPicPr>
+          <p:cNvPr id="9" name="Đồ họa 8">
+            <a:extLst>
+              <a:ext uri="{FF2B5EF4-FFF2-40B4-BE49-F238E27FC236}">
+                <a16:creationId xmlns:a16="http://schemas.microsoft.com/office/drawing/2014/main" id="{35127EDA-5861-47AB-8729-620CFC7DAC07}"/>
+              </a:ext>
+              <a:ext uri="{C183D7F6-B498-43B3-948B-1728B52AA6E4}">
+                <adec:decorative xmlns:adec="http://schemas.microsoft.com/office/drawing/2017/decorative" val="1"/>
+              </a:ext>
+            </a:extLst>
+          </p:cNvPr>
+          <p:cNvPicPr>
+            <a:picLocks noGrp="1" noRot="1" noChangeAspect="1" noMove="1" noResize="1" noEditPoints="1" noAdjustHandles="1" noChangeArrowheads="1" noChangeShapeType="1" noCrop="1"/>
+          </p:cNvPicPr>
+          <p:nvPr>
+            <p:extLst>
+              <p:ext uri="{386F3935-93C4-4BCD-93E2-E3B085C9AB24}">
+                <p16:designElem xmlns:p16="http://schemas.microsoft.com/office/powerpoint/2015/main" val="1"/>
+              </p:ext>
+            </p:extLst>
+          </p:nvPr>
+        </p:nvPicPr>
+        <p:blipFill>
+          <a:blip r:embed="rId3">
+            <a:alphaModFix amt="15000"/>
+            <a:extLst>
+              <a:ext uri="{28A0092B-C50C-407E-A947-70E740481C1C}">
+                <a14:useLocalDpi xmlns:a14="http://schemas.microsoft.com/office/drawing/2010/main" val="0"/>
+              </a:ext>
+              <a:ext uri="{96DAC541-7B7A-43D3-8B79-37D633B846F1}">
+                <asvg:svgBlip xmlns:asvg="http://schemas.microsoft.com/office/drawing/2016/SVG/main" r:embed="rId5"/>
+              </a:ext>
+            </a:extLst>
+          </a:blip>
+          <a:stretch>
+            <a:fillRect/>
+          </a:stretch>
+        </p:blipFill>
+        <p:spPr>
+          <a:xfrm>
+            <a:off x="6641431" y="816337"/>
+            <a:ext cx="5225327" cy="5225327"/>
+          </a:xfrm>
+          <a:prstGeom prst="rect">
+            <a:avLst/>
+          </a:prstGeom>
+        </p:spPr>
+      </p:pic>
+      <p:sp>
+        <p:nvSpPr>
+          <p:cNvPr id="6" name="Hộp Văn bản 5">
+            <a:extLst>
+              <a:ext uri="{FF2B5EF4-FFF2-40B4-BE49-F238E27FC236}">
+                <a16:creationId xmlns:a16="http://schemas.microsoft.com/office/drawing/2014/main" id="{584B38A1-DDBC-1F28-41E7-C1C091A2BE29}"/>
+              </a:ext>
+            </a:extLst>
+          </p:cNvPr>
+          <p:cNvSpPr txBox="1"/>
+          <p:nvPr/>
+        </p:nvSpPr>
+        <p:spPr>
+          <a:xfrm>
+            <a:off x="1" y="0"/>
+            <a:ext cx="12192000" cy="707886"/>
+          </a:xfrm>
+          <a:prstGeom prst="rect">
+            <a:avLst/>
+          </a:prstGeom>
+          <a:solidFill>
+            <a:srgbClr val="003865"/>
+          </a:solidFill>
+        </p:spPr>
+        <p:txBody>
+          <a:bodyPr wrap="square" rtlCol="0">
+            <a:spAutoFit/>
+          </a:bodyPr>
+          <a:lstStyle/>
+          <a:p>
+            <a:pPr algn="ctr"/>
+            <a:r>
+              <a:rPr lang="en-US" sz="2000">
+                <a:solidFill>
+                  <a:schemeClr val="bg1"/>
+                </a:solidFill>
+              </a:rPr>
+              <a:t>ĐẠI HỌC THÁI NGUYÊN</a:t>
+            </a:r>
+          </a:p>
+          <a:p>
+            <a:pPr algn="ctr"/>
+            <a:r>
+              <a:rPr lang="en-US" sz="2000" b="1">
+                <a:solidFill>
+                  <a:schemeClr val="bg1"/>
+                </a:solidFill>
+              </a:rPr>
+              <a:t>TRƯỜNG ĐẠI HỌC CÔNG NGHỆ THÔNG TIN VÀ TRUYỀN THÔNG</a:t>
+            </a:r>
+            <a:endParaRPr lang="vi-VN" sz="2000" b="1">
+              <a:solidFill>
+                <a:schemeClr val="bg1"/>
+              </a:solidFill>
+            </a:endParaRPr>
+          </a:p>
+        </p:txBody>
+      </p:sp>
+    </p:spTree>
+    <p:extLst>
+      <p:ext uri="{BB962C8B-B14F-4D97-AF65-F5344CB8AC3E}">
+        <p14:creationId xmlns:p14="http://schemas.microsoft.com/office/powerpoint/2010/main" val="3909106340"/>
+      </p:ext>
+    </p:extLst>
+  </p:cSld>
+  <p:clrMapOvr>
+    <a:masterClrMapping/>
+  </p:clrMapOvr>
+</p:sld>
+</file>
+
+<file path=ppt/slides/slide12.xml><?xml version="1.0" encoding="utf-8"?>
+<p:sld xmlns:a="http://schemas.openxmlformats.org/drawingml/2006/main" xmlns:r="http://schemas.openxmlformats.org/officeDocument/2006/relationships" xmlns:p="http://schemas.openxmlformats.org/presentationml/2006/main">
+  <p:cSld>
+    <p:bg>
+      <p:bgPr>
+        <a:solidFill>
+          <a:srgbClr val="0C7B93"/>
+        </a:solidFill>
+        <a:effectLst/>
+      </p:bgPr>
+    </p:bg>
+    <p:spTree>
+      <p:nvGrpSpPr>
+        <p:cNvPr id="1" name=""/>
+        <p:cNvGrpSpPr/>
+        <p:nvPr/>
+      </p:nvGrpSpPr>
+      <p:grpSpPr>
+        <a:xfrm>
+          <a:off x="0" y="0"/>
+          <a:ext cx="0" cy="0"/>
+          <a:chOff x="0" y="0"/>
+          <a:chExt cx="0" cy="0"/>
+        </a:xfrm>
+      </p:grpSpPr>
+      <p:sp>
+        <p:nvSpPr>
+          <p:cNvPr id="2" name="Tiêu đề 1">
+            <a:extLst>
+              <a:ext uri="{FF2B5EF4-FFF2-40B4-BE49-F238E27FC236}">
+                <a16:creationId xmlns:a16="http://schemas.microsoft.com/office/drawing/2014/main" id="{EA0D9B4E-C292-45AA-8116-562703040382}"/>
+              </a:ext>
+            </a:extLst>
+          </p:cNvPr>
+          <p:cNvSpPr>
+            <a:spLocks noGrp="1"/>
+          </p:cNvSpPr>
+          <p:nvPr>
+            <p:ph type="title"/>
+          </p:nvPr>
+        </p:nvSpPr>
+        <p:spPr>
+          <a:xfrm>
+            <a:off x="1471292" y="707886"/>
+            <a:ext cx="10395466" cy="1372705"/>
+          </a:xfrm>
+        </p:spPr>
+        <p:txBody>
+          <a:bodyPr rtlCol="0" anchor="ctr">
+            <a:normAutofit/>
+          </a:bodyPr>
+          <a:lstStyle/>
+          <a:p>
+            <a:pPr rtl="0"/>
+            <a:r>
+              <a:rPr lang="en-US">
+                <a:solidFill>
+                  <a:schemeClr val="bg1"/>
+                </a:solidFill>
+                <a:latin typeface="Tahoma" panose="020B0604030504040204" pitchFamily="34" charset="0"/>
+                <a:ea typeface="Tahoma" panose="020B0604030504040204" pitchFamily="34" charset="0"/>
+                <a:cs typeface="Tahoma" panose="020B0604030504040204" pitchFamily="34" charset="0"/>
+              </a:rPr>
+              <a:t>CHƯƠNG TRÌNH THỬ NGHIỆM</a:t>
+            </a:r>
+            <a:endParaRPr lang="vi-VN">
+              <a:solidFill>
+                <a:schemeClr val="bg1"/>
+              </a:solidFill>
+              <a:latin typeface="Tahoma" panose="020B0604030504040204" pitchFamily="34" charset="0"/>
+              <a:ea typeface="Tahoma" panose="020B0604030504040204" pitchFamily="34" charset="0"/>
+              <a:cs typeface="Tahoma" panose="020B0604030504040204" pitchFamily="34" charset="0"/>
+            </a:endParaRPr>
+          </a:p>
+        </p:txBody>
+      </p:sp>
+      <p:pic>
+        <p:nvPicPr>
+          <p:cNvPr id="5" name="Đồ họa 4" descr="Mở Sách">
+            <a:extLst>
+              <a:ext uri="{FF2B5EF4-FFF2-40B4-BE49-F238E27FC236}">
+                <a16:creationId xmlns:a16="http://schemas.microsoft.com/office/drawing/2014/main" id="{DEFE964D-9F1C-4F69-ADD3-0E1AB324E198}"/>
+              </a:ext>
+            </a:extLst>
+          </p:cNvPr>
+          <p:cNvPicPr>
+            <a:picLocks noChangeAspect="1"/>
+          </p:cNvPicPr>
+          <p:nvPr/>
+        </p:nvPicPr>
+        <p:blipFill>
+          <a:blip r:embed="rId3">
+            <a:extLst>
+              <a:ext uri="{28A0092B-C50C-407E-A947-70E740481C1C}">
+                <a14:useLocalDpi xmlns:a14="http://schemas.microsoft.com/office/drawing/2010/main" val="0"/>
+              </a:ext>
+              <a:ext uri="{96DAC541-7B7A-43D3-8B79-37D633B846F1}">
+                <asvg:svgBlip xmlns:asvg="http://schemas.microsoft.com/office/drawing/2016/SVG/main" r:embed="rId4"/>
+              </a:ext>
+            </a:extLst>
+          </a:blip>
+          <a:stretch>
+            <a:fillRect/>
+          </a:stretch>
+        </p:blipFill>
+        <p:spPr>
+          <a:xfrm>
+            <a:off x="325242" y="816337"/>
+            <a:ext cx="1097280" cy="1097280"/>
+          </a:xfrm>
+          <a:prstGeom prst="rect">
+            <a:avLst/>
+          </a:prstGeom>
+        </p:spPr>
+      </p:pic>
+      <p:sp>
+        <p:nvSpPr>
+          <p:cNvPr id="3" name="Chỗ dành sẵn cho Nội dung 2">
+            <a:extLst>
+              <a:ext uri="{FF2B5EF4-FFF2-40B4-BE49-F238E27FC236}">
+                <a16:creationId xmlns:a16="http://schemas.microsoft.com/office/drawing/2014/main" id="{81072FAC-EEE9-4F26-A784-BC07EACCBE9F}"/>
+              </a:ext>
+            </a:extLst>
+          </p:cNvPr>
+          <p:cNvSpPr>
+            <a:spLocks noGrp="1"/>
+          </p:cNvSpPr>
+          <p:nvPr>
+            <p:ph idx="1"/>
+          </p:nvPr>
+        </p:nvSpPr>
+        <p:spPr>
+          <a:xfrm>
+            <a:off x="325242" y="2080591"/>
+            <a:ext cx="11541516" cy="4336349"/>
+          </a:xfrm>
+        </p:spPr>
+        <p:txBody>
+          <a:bodyPr vert="horz" lIns="91440" tIns="45720" rIns="91440" bIns="45720" rtlCol="0" anchor="t">
+            <a:noAutofit/>
+          </a:bodyPr>
+          <a:lstStyle/>
+          <a:p>
+            <a:pPr>
+              <a:spcBef>
+                <a:spcPts val="1200"/>
+              </a:spcBef>
+              <a:spcAft>
+                <a:spcPts val="600"/>
+              </a:spcAft>
+            </a:pPr>
+            <a:endParaRPr lang="en-US">
+              <a:solidFill>
+                <a:schemeClr val="bg1"/>
+              </a:solidFill>
+              <a:latin typeface="Segoe UI" panose="020B0502040204020203" pitchFamily="34" charset="0"/>
+              <a:cs typeface="Segoe UI" panose="020B0502040204020203" pitchFamily="34" charset="0"/>
+            </a:endParaRPr>
+          </a:p>
+          <a:p>
+            <a:pPr>
+              <a:spcBef>
+                <a:spcPts val="1200"/>
+              </a:spcBef>
+              <a:spcAft>
+                <a:spcPts val="600"/>
+              </a:spcAft>
+            </a:pPr>
+            <a:endParaRPr lang="en-US">
+              <a:solidFill>
+                <a:schemeClr val="bg1"/>
+              </a:solidFill>
+              <a:latin typeface="Segoe UI" panose="020B0502040204020203" pitchFamily="34" charset="0"/>
+              <a:cs typeface="Segoe UI" panose="020B0502040204020203" pitchFamily="34" charset="0"/>
+            </a:endParaRPr>
+          </a:p>
+          <a:p>
+            <a:pPr>
+              <a:spcBef>
+                <a:spcPts val="1200"/>
+              </a:spcBef>
+              <a:spcAft>
+                <a:spcPts val="600"/>
+              </a:spcAft>
+            </a:pPr>
+            <a:endParaRPr lang="en-US">
+              <a:solidFill>
+                <a:schemeClr val="bg1"/>
+              </a:solidFill>
+              <a:latin typeface="Segoe UI" panose="020B0502040204020203" pitchFamily="34" charset="0"/>
+              <a:cs typeface="Segoe UI" panose="020B0502040204020203" pitchFamily="34" charset="0"/>
+            </a:endParaRPr>
+          </a:p>
+          <a:p>
+            <a:pPr marL="0" indent="0">
+              <a:spcBef>
+                <a:spcPts val="1200"/>
+              </a:spcBef>
+              <a:spcAft>
+                <a:spcPts val="600"/>
+              </a:spcAft>
+              <a:buNone/>
+            </a:pPr>
+            <a:r>
+              <a:rPr lang="vi-VN">
+                <a:solidFill>
+                  <a:schemeClr val="bg1"/>
+                </a:solidFill>
+                <a:latin typeface="Segoe UI" panose="020B0502040204020203" pitchFamily="34" charset="0"/>
+                <a:cs typeface="Segoe UI" panose="020B0502040204020203" pitchFamily="34" charset="0"/>
+              </a:rPr>
+              <a:t>Giao diện cập nhật mô hình</a:t>
+            </a:r>
+          </a:p>
+        </p:txBody>
+      </p:sp>
+      <p:pic>
+        <p:nvPicPr>
+          <p:cNvPr id="9" name="Đồ họa 8">
+            <a:extLst>
+              <a:ext uri="{FF2B5EF4-FFF2-40B4-BE49-F238E27FC236}">
+                <a16:creationId xmlns:a16="http://schemas.microsoft.com/office/drawing/2014/main" id="{35127EDA-5861-47AB-8729-620CFC7DAC07}"/>
+              </a:ext>
+              <a:ext uri="{C183D7F6-B498-43B3-948B-1728B52AA6E4}">
+                <adec:decorative xmlns:adec="http://schemas.microsoft.com/office/drawing/2017/decorative" val="1"/>
+              </a:ext>
+            </a:extLst>
+          </p:cNvPr>
+          <p:cNvPicPr>
+            <a:picLocks noGrp="1" noRot="1" noChangeAspect="1" noMove="1" noResize="1" noEditPoints="1" noAdjustHandles="1" noChangeArrowheads="1" noChangeShapeType="1" noCrop="1"/>
+          </p:cNvPicPr>
+          <p:nvPr>
+            <p:extLst>
+              <p:ext uri="{386F3935-93C4-4BCD-93E2-E3B085C9AB24}">
+                <p16:designElem xmlns:p16="http://schemas.microsoft.com/office/powerpoint/2015/main" val="1"/>
+              </p:ext>
+            </p:extLst>
+          </p:nvPr>
+        </p:nvPicPr>
+        <p:blipFill>
+          <a:blip r:embed="rId3">
+            <a:alphaModFix amt="15000"/>
+            <a:extLst>
+              <a:ext uri="{28A0092B-C50C-407E-A947-70E740481C1C}">
+                <a14:useLocalDpi xmlns:a14="http://schemas.microsoft.com/office/drawing/2010/main" val="0"/>
+              </a:ext>
+              <a:ext uri="{96DAC541-7B7A-43D3-8B79-37D633B846F1}">
+                <asvg:svgBlip xmlns:asvg="http://schemas.microsoft.com/office/drawing/2016/SVG/main" r:embed="rId5"/>
+              </a:ext>
+            </a:extLst>
+          </a:blip>
+          <a:stretch>
+            <a:fillRect/>
+          </a:stretch>
+        </p:blipFill>
+        <p:spPr>
+          <a:xfrm>
+            <a:off x="6641431" y="816337"/>
+            <a:ext cx="5225327" cy="5225327"/>
+          </a:xfrm>
+          <a:prstGeom prst="rect">
+            <a:avLst/>
+          </a:prstGeom>
+        </p:spPr>
+      </p:pic>
+      <p:sp>
+        <p:nvSpPr>
+          <p:cNvPr id="6" name="Hộp Văn bản 5">
+            <a:extLst>
+              <a:ext uri="{FF2B5EF4-FFF2-40B4-BE49-F238E27FC236}">
+                <a16:creationId xmlns:a16="http://schemas.microsoft.com/office/drawing/2014/main" id="{584B38A1-DDBC-1F28-41E7-C1C091A2BE29}"/>
+              </a:ext>
+            </a:extLst>
+          </p:cNvPr>
+          <p:cNvSpPr txBox="1"/>
+          <p:nvPr/>
+        </p:nvSpPr>
+        <p:spPr>
+          <a:xfrm>
+            <a:off x="1" y="0"/>
+            <a:ext cx="12192000" cy="707886"/>
+          </a:xfrm>
+          <a:prstGeom prst="rect">
+            <a:avLst/>
+          </a:prstGeom>
+          <a:solidFill>
+            <a:srgbClr val="003865"/>
+          </a:solidFill>
+        </p:spPr>
+        <p:txBody>
+          <a:bodyPr wrap="square" rtlCol="0">
+            <a:spAutoFit/>
+          </a:bodyPr>
+          <a:lstStyle/>
+          <a:p>
+            <a:pPr algn="ctr"/>
+            <a:r>
+              <a:rPr lang="en-US" sz="2000">
+                <a:solidFill>
+                  <a:schemeClr val="bg1"/>
+                </a:solidFill>
+              </a:rPr>
+              <a:t>ĐẠI HỌC THÁI NGUYÊN</a:t>
+            </a:r>
+          </a:p>
+          <a:p>
+            <a:pPr algn="ctr"/>
+            <a:r>
+              <a:rPr lang="en-US" sz="2000" b="1">
+                <a:solidFill>
+                  <a:schemeClr val="bg1"/>
+                </a:solidFill>
+              </a:rPr>
+              <a:t>TRƯỜNG ĐẠI HỌC CÔNG NGHỆ THÔNG TIN VÀ TRUYỀN THÔNG</a:t>
+            </a:r>
+            <a:endParaRPr lang="vi-VN" sz="2000" b="1">
+              <a:solidFill>
+                <a:schemeClr val="bg1"/>
+              </a:solidFill>
+            </a:endParaRPr>
+          </a:p>
+        </p:txBody>
+      </p:sp>
+      <p:pic>
+        <p:nvPicPr>
+          <p:cNvPr id="7" name="Hình ảnh 6">
+            <a:extLst>
+              <a:ext uri="{FF2B5EF4-FFF2-40B4-BE49-F238E27FC236}">
+                <a16:creationId xmlns:a16="http://schemas.microsoft.com/office/drawing/2014/main" id="{6669B8AC-0E59-BF77-6A0A-7D9B35504A2B}"/>
+              </a:ext>
+            </a:extLst>
+          </p:cNvPr>
+          <p:cNvPicPr>
+            <a:picLocks noChangeAspect="1"/>
+          </p:cNvPicPr>
+          <p:nvPr/>
+        </p:nvPicPr>
+        <p:blipFill>
+          <a:blip r:embed="rId6">
+            <a:extLst>
+              <a:ext uri="{28A0092B-C50C-407E-A947-70E740481C1C}">
+                <a14:useLocalDpi xmlns:a14="http://schemas.microsoft.com/office/drawing/2010/main" val="0"/>
+              </a:ext>
+            </a:extLst>
+          </a:blip>
+          <a:stretch>
+            <a:fillRect/>
+          </a:stretch>
+        </p:blipFill>
+        <p:spPr>
+          <a:xfrm>
+            <a:off x="5264224" y="1972139"/>
+            <a:ext cx="6602534" cy="4576921"/>
+          </a:xfrm>
+          <a:prstGeom prst="rect">
+            <a:avLst/>
+          </a:prstGeom>
+        </p:spPr>
+      </p:pic>
+    </p:spTree>
+    <p:extLst>
+      <p:ext uri="{BB962C8B-B14F-4D97-AF65-F5344CB8AC3E}">
+        <p14:creationId xmlns:p14="http://schemas.microsoft.com/office/powerpoint/2010/main" val="2807820421"/>
+      </p:ext>
+    </p:extLst>
+  </p:cSld>
+  <p:clrMapOvr>
+    <a:masterClrMapping/>
+  </p:clrMapOvr>
+</p:sld>
+</file>
+
+<file path=ppt/slides/slide13.xml><?xml version="1.0" encoding="utf-8"?>
+<p:sld xmlns:a="http://schemas.openxmlformats.org/drawingml/2006/main" xmlns:r="http://schemas.openxmlformats.org/officeDocument/2006/relationships" xmlns:p="http://schemas.openxmlformats.org/presentationml/2006/main">
+  <p:cSld>
+    <p:bg>
+      <p:bgPr>
+        <a:solidFill>
+          <a:srgbClr val="0C7B93"/>
+        </a:solidFill>
+        <a:effectLst/>
+      </p:bgPr>
+    </p:bg>
+    <p:spTree>
+      <p:nvGrpSpPr>
+        <p:cNvPr id="1" name=""/>
+        <p:cNvGrpSpPr/>
+        <p:nvPr/>
+      </p:nvGrpSpPr>
+      <p:grpSpPr>
+        <a:xfrm>
+          <a:off x="0" y="0"/>
+          <a:ext cx="0" cy="0"/>
+          <a:chOff x="0" y="0"/>
+          <a:chExt cx="0" cy="0"/>
+        </a:xfrm>
+      </p:grpSpPr>
+      <p:sp>
+        <p:nvSpPr>
+          <p:cNvPr id="2" name="Tiêu đề 1">
+            <a:extLst>
+              <a:ext uri="{FF2B5EF4-FFF2-40B4-BE49-F238E27FC236}">
+                <a16:creationId xmlns:a16="http://schemas.microsoft.com/office/drawing/2014/main" id="{EA0D9B4E-C292-45AA-8116-562703040382}"/>
+              </a:ext>
+            </a:extLst>
+          </p:cNvPr>
+          <p:cNvSpPr>
+            <a:spLocks noGrp="1"/>
+          </p:cNvSpPr>
+          <p:nvPr>
+            <p:ph type="title"/>
+          </p:nvPr>
+        </p:nvSpPr>
+        <p:spPr>
+          <a:xfrm>
+            <a:off x="1471292" y="707887"/>
+            <a:ext cx="10395466" cy="905013"/>
+          </a:xfrm>
+        </p:spPr>
+        <p:txBody>
+          <a:bodyPr rtlCol="0" anchor="ctr">
+            <a:normAutofit/>
+          </a:bodyPr>
+          <a:lstStyle/>
+          <a:p>
+            <a:pPr rtl="0"/>
+            <a:r>
+              <a:rPr lang="en-US">
+                <a:solidFill>
+                  <a:schemeClr val="bg1"/>
+                </a:solidFill>
+                <a:latin typeface="Tahoma" panose="020B0604030504040204" pitchFamily="34" charset="0"/>
+                <a:ea typeface="Tahoma" panose="020B0604030504040204" pitchFamily="34" charset="0"/>
+                <a:cs typeface="Tahoma" panose="020B0604030504040204" pitchFamily="34" charset="0"/>
+              </a:rPr>
+              <a:t>CHƯƠNG TRÌNH THỬ NGHIỆM</a:t>
+            </a:r>
+            <a:endParaRPr lang="vi-VN">
+              <a:solidFill>
+                <a:schemeClr val="bg1"/>
+              </a:solidFill>
+              <a:latin typeface="Tahoma" panose="020B0604030504040204" pitchFamily="34" charset="0"/>
+              <a:ea typeface="Tahoma" panose="020B0604030504040204" pitchFamily="34" charset="0"/>
+              <a:cs typeface="Tahoma" panose="020B0604030504040204" pitchFamily="34" charset="0"/>
+            </a:endParaRPr>
+          </a:p>
+        </p:txBody>
+      </p:sp>
+      <p:pic>
+        <p:nvPicPr>
+          <p:cNvPr id="5" name="Đồ họa 4" descr="Mở Sách">
+            <a:extLst>
+              <a:ext uri="{FF2B5EF4-FFF2-40B4-BE49-F238E27FC236}">
+                <a16:creationId xmlns:a16="http://schemas.microsoft.com/office/drawing/2014/main" id="{DEFE964D-9F1C-4F69-ADD3-0E1AB324E198}"/>
+              </a:ext>
+            </a:extLst>
+          </p:cNvPr>
+          <p:cNvPicPr>
+            <a:picLocks noChangeAspect="1"/>
+          </p:cNvPicPr>
+          <p:nvPr/>
+        </p:nvPicPr>
+        <p:blipFill>
+          <a:blip r:embed="rId3">
+            <a:extLst>
+              <a:ext uri="{28A0092B-C50C-407E-A947-70E740481C1C}">
+                <a14:useLocalDpi xmlns:a14="http://schemas.microsoft.com/office/drawing/2010/main" val="0"/>
+              </a:ext>
+              <a:ext uri="{96DAC541-7B7A-43D3-8B79-37D633B846F1}">
+                <asvg:svgBlip xmlns:asvg="http://schemas.microsoft.com/office/drawing/2016/SVG/main" r:embed="rId4"/>
+              </a:ext>
+            </a:extLst>
+          </a:blip>
+          <a:stretch>
+            <a:fillRect/>
+          </a:stretch>
+        </p:blipFill>
+        <p:spPr>
+          <a:xfrm>
+            <a:off x="374012" y="612073"/>
+            <a:ext cx="1097280" cy="1097280"/>
+          </a:xfrm>
+          <a:prstGeom prst="rect">
+            <a:avLst/>
+          </a:prstGeom>
+        </p:spPr>
+      </p:pic>
+      <p:sp>
+        <p:nvSpPr>
+          <p:cNvPr id="3" name="Chỗ dành sẵn cho Nội dung 2">
+            <a:extLst>
+              <a:ext uri="{FF2B5EF4-FFF2-40B4-BE49-F238E27FC236}">
+                <a16:creationId xmlns:a16="http://schemas.microsoft.com/office/drawing/2014/main" id="{81072FAC-EEE9-4F26-A784-BC07EACCBE9F}"/>
+              </a:ext>
+            </a:extLst>
+          </p:cNvPr>
+          <p:cNvSpPr>
+            <a:spLocks noGrp="1"/>
+          </p:cNvSpPr>
+          <p:nvPr>
+            <p:ph idx="1"/>
+          </p:nvPr>
+        </p:nvSpPr>
+        <p:spPr>
+          <a:xfrm>
+            <a:off x="325242" y="1721351"/>
+            <a:ext cx="11541516" cy="4695590"/>
+          </a:xfrm>
+        </p:spPr>
+        <p:txBody>
+          <a:bodyPr vert="horz" lIns="91440" tIns="45720" rIns="91440" bIns="45720" rtlCol="0" anchor="t">
+            <a:noAutofit/>
+          </a:bodyPr>
+          <a:lstStyle/>
+          <a:p>
+            <a:pPr marL="0" indent="0">
+              <a:spcBef>
+                <a:spcPts val="1200"/>
+              </a:spcBef>
+              <a:spcAft>
+                <a:spcPts val="600"/>
+              </a:spcAft>
+              <a:buNone/>
+            </a:pPr>
+            <a:r>
+              <a:rPr lang="vi-VN">
+                <a:solidFill>
+                  <a:schemeClr val="bg1"/>
+                </a:solidFill>
+                <a:latin typeface="Segoe UI" panose="020B0502040204020203" pitchFamily="34" charset="0"/>
+                <a:cs typeface="Segoe UI" panose="020B0502040204020203" pitchFamily="34" charset="0"/>
+              </a:rPr>
+              <a:t>Giao diện danh sách các dự doán</a:t>
+            </a:r>
+          </a:p>
+        </p:txBody>
+      </p:sp>
+      <p:pic>
+        <p:nvPicPr>
+          <p:cNvPr id="9" name="Đồ họa 8">
+            <a:extLst>
+              <a:ext uri="{FF2B5EF4-FFF2-40B4-BE49-F238E27FC236}">
+                <a16:creationId xmlns:a16="http://schemas.microsoft.com/office/drawing/2014/main" id="{35127EDA-5861-47AB-8729-620CFC7DAC07}"/>
+              </a:ext>
+              <a:ext uri="{C183D7F6-B498-43B3-948B-1728B52AA6E4}">
+                <adec:decorative xmlns:adec="http://schemas.microsoft.com/office/drawing/2017/decorative" val="1"/>
+              </a:ext>
+            </a:extLst>
+          </p:cNvPr>
+          <p:cNvPicPr>
+            <a:picLocks noGrp="1" noRot="1" noChangeAspect="1" noMove="1" noResize="1" noEditPoints="1" noAdjustHandles="1" noChangeArrowheads="1" noChangeShapeType="1" noCrop="1"/>
+          </p:cNvPicPr>
+          <p:nvPr>
+            <p:extLst>
+              <p:ext uri="{386F3935-93C4-4BCD-93E2-E3B085C9AB24}">
+                <p16:designElem xmlns:p16="http://schemas.microsoft.com/office/powerpoint/2015/main" val="1"/>
+              </p:ext>
+            </p:extLst>
+          </p:nvPr>
+        </p:nvPicPr>
+        <p:blipFill>
+          <a:blip r:embed="rId3">
+            <a:alphaModFix amt="15000"/>
+            <a:extLst>
+              <a:ext uri="{28A0092B-C50C-407E-A947-70E740481C1C}">
+                <a14:useLocalDpi xmlns:a14="http://schemas.microsoft.com/office/drawing/2010/main" val="0"/>
+              </a:ext>
+              <a:ext uri="{96DAC541-7B7A-43D3-8B79-37D633B846F1}">
+                <asvg:svgBlip xmlns:asvg="http://schemas.microsoft.com/office/drawing/2016/SVG/main" r:embed="rId5"/>
+              </a:ext>
+            </a:extLst>
+          </a:blip>
+          <a:stretch>
+            <a:fillRect/>
+          </a:stretch>
+        </p:blipFill>
+        <p:spPr>
+          <a:xfrm>
+            <a:off x="6641431" y="816337"/>
+            <a:ext cx="5225327" cy="5225327"/>
+          </a:xfrm>
+          <a:prstGeom prst="rect">
+            <a:avLst/>
+          </a:prstGeom>
+        </p:spPr>
+      </p:pic>
+      <p:sp>
+        <p:nvSpPr>
+          <p:cNvPr id="6" name="Hộp Văn bản 5">
+            <a:extLst>
+              <a:ext uri="{FF2B5EF4-FFF2-40B4-BE49-F238E27FC236}">
+                <a16:creationId xmlns:a16="http://schemas.microsoft.com/office/drawing/2014/main" id="{584B38A1-DDBC-1F28-41E7-C1C091A2BE29}"/>
+              </a:ext>
+            </a:extLst>
+          </p:cNvPr>
+          <p:cNvSpPr txBox="1"/>
+          <p:nvPr/>
+        </p:nvSpPr>
+        <p:spPr>
+          <a:xfrm>
+            <a:off x="1" y="0"/>
+            <a:ext cx="12192000" cy="707886"/>
+          </a:xfrm>
+          <a:prstGeom prst="rect">
+            <a:avLst/>
+          </a:prstGeom>
+          <a:solidFill>
+            <a:srgbClr val="003865"/>
+          </a:solidFill>
+        </p:spPr>
+        <p:txBody>
+          <a:bodyPr wrap="square" rtlCol="0">
+            <a:spAutoFit/>
+          </a:bodyPr>
+          <a:lstStyle/>
+          <a:p>
+            <a:pPr algn="ctr"/>
+            <a:r>
+              <a:rPr lang="en-US" sz="2000">
+                <a:solidFill>
+                  <a:schemeClr val="bg1"/>
+                </a:solidFill>
+              </a:rPr>
+              <a:t>ĐẠI HỌC THÁI NGUYÊN</a:t>
+            </a:r>
+          </a:p>
+          <a:p>
+            <a:pPr algn="ctr"/>
+            <a:r>
+              <a:rPr lang="en-US" sz="2000" b="1">
+                <a:solidFill>
+                  <a:schemeClr val="bg1"/>
+                </a:solidFill>
+              </a:rPr>
+              <a:t>TRƯỜNG ĐẠI HỌC CÔNG NGHỆ THÔNG TIN VÀ TRUYỀN THÔNG</a:t>
+            </a:r>
+            <a:endParaRPr lang="vi-VN" sz="2000" b="1">
+              <a:solidFill>
+                <a:schemeClr val="bg1"/>
+              </a:solidFill>
+            </a:endParaRPr>
+          </a:p>
+        </p:txBody>
+      </p:sp>
+      <p:pic>
+        <p:nvPicPr>
+          <p:cNvPr id="8" name="Hình ảnh 7">
+            <a:extLst>
+              <a:ext uri="{FF2B5EF4-FFF2-40B4-BE49-F238E27FC236}">
+                <a16:creationId xmlns:a16="http://schemas.microsoft.com/office/drawing/2014/main" id="{BBCA655F-4A37-6F29-69AF-E965259ACAC1}"/>
+              </a:ext>
+            </a:extLst>
+          </p:cNvPr>
+          <p:cNvPicPr>
+            <a:picLocks noChangeAspect="1"/>
+          </p:cNvPicPr>
+          <p:nvPr/>
+        </p:nvPicPr>
+        <p:blipFill>
+          <a:blip r:embed="rId6">
+            <a:extLst>
+              <a:ext uri="{28A0092B-C50C-407E-A947-70E740481C1C}">
+                <a14:useLocalDpi xmlns:a14="http://schemas.microsoft.com/office/drawing/2010/main" val="0"/>
+              </a:ext>
+            </a:extLst>
+          </a:blip>
+          <a:stretch>
+            <a:fillRect/>
+          </a:stretch>
+        </p:blipFill>
+        <p:spPr>
+          <a:xfrm>
+            <a:off x="1471292" y="2220394"/>
+            <a:ext cx="8759164" cy="4393898"/>
+          </a:xfrm>
+          <a:prstGeom prst="rect">
+            <a:avLst/>
+          </a:prstGeom>
+        </p:spPr>
+      </p:pic>
+    </p:spTree>
+    <p:extLst>
+      <p:ext uri="{BB962C8B-B14F-4D97-AF65-F5344CB8AC3E}">
+        <p14:creationId xmlns:p14="http://schemas.microsoft.com/office/powerpoint/2010/main" val="156265555"/>
+      </p:ext>
+    </p:extLst>
+  </p:cSld>
+  <p:clrMapOvr>
+    <a:masterClrMapping/>
+  </p:clrMapOvr>
+</p:sld>
+</file>
+
+<file path=ppt/slides/slide14.xml><?xml version="1.0" encoding="utf-8"?>
+<p:sld xmlns:a="http://schemas.openxmlformats.org/drawingml/2006/main" xmlns:r="http://schemas.openxmlformats.org/officeDocument/2006/relationships" xmlns:p="http://schemas.openxmlformats.org/presentationml/2006/main">
+  <p:cSld>
+    <p:bg>
+      <p:bgPr>
+        <a:solidFill>
+          <a:srgbClr val="0C7B93"/>
+        </a:solidFill>
+        <a:effectLst/>
+      </p:bgPr>
+    </p:bg>
+    <p:spTree>
+      <p:nvGrpSpPr>
+        <p:cNvPr id="1" name=""/>
+        <p:cNvGrpSpPr/>
+        <p:nvPr/>
+      </p:nvGrpSpPr>
+      <p:grpSpPr>
+        <a:xfrm>
+          <a:off x="0" y="0"/>
+          <a:ext cx="0" cy="0"/>
+          <a:chOff x="0" y="0"/>
+          <a:chExt cx="0" cy="0"/>
+        </a:xfrm>
+      </p:grpSpPr>
+      <p:sp>
+        <p:nvSpPr>
+          <p:cNvPr id="2" name="Tiêu đề 1">
+            <a:extLst>
+              <a:ext uri="{FF2B5EF4-FFF2-40B4-BE49-F238E27FC236}">
+                <a16:creationId xmlns:a16="http://schemas.microsoft.com/office/drawing/2014/main" id="{EA0D9B4E-C292-45AA-8116-562703040382}"/>
+              </a:ext>
+            </a:extLst>
+          </p:cNvPr>
+          <p:cNvSpPr>
+            <a:spLocks noGrp="1"/>
+          </p:cNvSpPr>
+          <p:nvPr>
+            <p:ph type="title"/>
+          </p:nvPr>
+        </p:nvSpPr>
+        <p:spPr>
+          <a:xfrm>
+            <a:off x="1471292" y="707887"/>
+            <a:ext cx="10395466" cy="905013"/>
+          </a:xfrm>
+        </p:spPr>
+        <p:txBody>
+          <a:bodyPr rtlCol="0" anchor="ctr">
+            <a:normAutofit/>
+          </a:bodyPr>
+          <a:lstStyle/>
+          <a:p>
+            <a:pPr rtl="0"/>
+            <a:r>
+              <a:rPr lang="en-US">
+                <a:solidFill>
+                  <a:schemeClr val="bg1"/>
+                </a:solidFill>
+                <a:latin typeface="Tahoma" panose="020B0604030504040204" pitchFamily="34" charset="0"/>
+                <a:ea typeface="Tahoma" panose="020B0604030504040204" pitchFamily="34" charset="0"/>
+                <a:cs typeface="Tahoma" panose="020B0604030504040204" pitchFamily="34" charset="0"/>
+              </a:rPr>
+              <a:t>CHƯƠNG TRÌNH THỬ NGHIỆM</a:t>
+            </a:r>
+            <a:endParaRPr lang="vi-VN">
+              <a:solidFill>
+                <a:schemeClr val="bg1"/>
+              </a:solidFill>
+              <a:latin typeface="Tahoma" panose="020B0604030504040204" pitchFamily="34" charset="0"/>
+              <a:ea typeface="Tahoma" panose="020B0604030504040204" pitchFamily="34" charset="0"/>
+              <a:cs typeface="Tahoma" panose="020B0604030504040204" pitchFamily="34" charset="0"/>
+            </a:endParaRPr>
+          </a:p>
+        </p:txBody>
+      </p:sp>
+      <p:pic>
+        <p:nvPicPr>
+          <p:cNvPr id="5" name="Đồ họa 4" descr="Mở Sách">
+            <a:extLst>
+              <a:ext uri="{FF2B5EF4-FFF2-40B4-BE49-F238E27FC236}">
+                <a16:creationId xmlns:a16="http://schemas.microsoft.com/office/drawing/2014/main" id="{DEFE964D-9F1C-4F69-ADD3-0E1AB324E198}"/>
+              </a:ext>
+            </a:extLst>
+          </p:cNvPr>
+          <p:cNvPicPr>
+            <a:picLocks noChangeAspect="1"/>
+          </p:cNvPicPr>
+          <p:nvPr/>
+        </p:nvPicPr>
+        <p:blipFill>
+          <a:blip r:embed="rId3">
+            <a:extLst>
+              <a:ext uri="{28A0092B-C50C-407E-A947-70E740481C1C}">
+                <a14:useLocalDpi xmlns:a14="http://schemas.microsoft.com/office/drawing/2010/main" val="0"/>
+              </a:ext>
+              <a:ext uri="{96DAC541-7B7A-43D3-8B79-37D633B846F1}">
+                <asvg:svgBlip xmlns:asvg="http://schemas.microsoft.com/office/drawing/2016/SVG/main" r:embed="rId4"/>
+              </a:ext>
+            </a:extLst>
+          </a:blip>
+          <a:stretch>
+            <a:fillRect/>
+          </a:stretch>
+        </p:blipFill>
+        <p:spPr>
+          <a:xfrm>
+            <a:off x="374012" y="612073"/>
+            <a:ext cx="1097280" cy="1097280"/>
+          </a:xfrm>
+          <a:prstGeom prst="rect">
+            <a:avLst/>
+          </a:prstGeom>
+        </p:spPr>
+      </p:pic>
+      <p:sp>
+        <p:nvSpPr>
+          <p:cNvPr id="3" name="Chỗ dành sẵn cho Nội dung 2">
+            <a:extLst>
+              <a:ext uri="{FF2B5EF4-FFF2-40B4-BE49-F238E27FC236}">
+                <a16:creationId xmlns:a16="http://schemas.microsoft.com/office/drawing/2014/main" id="{81072FAC-EEE9-4F26-A784-BC07EACCBE9F}"/>
+              </a:ext>
+            </a:extLst>
+          </p:cNvPr>
+          <p:cNvSpPr>
+            <a:spLocks noGrp="1"/>
+          </p:cNvSpPr>
+          <p:nvPr>
+            <p:ph idx="1"/>
+          </p:nvPr>
+        </p:nvSpPr>
+        <p:spPr>
+          <a:xfrm>
+            <a:off x="374012" y="3909035"/>
+            <a:ext cx="4742058" cy="498740"/>
+          </a:xfrm>
+        </p:spPr>
+        <p:txBody>
+          <a:bodyPr vert="horz" lIns="91440" tIns="45720" rIns="91440" bIns="45720" rtlCol="0" anchor="t">
+            <a:noAutofit/>
+          </a:bodyPr>
+          <a:lstStyle/>
+          <a:p>
+            <a:pPr marL="0" indent="0">
+              <a:spcBef>
+                <a:spcPts val="1200"/>
+              </a:spcBef>
+              <a:spcAft>
+                <a:spcPts val="600"/>
+              </a:spcAft>
+              <a:buNone/>
+            </a:pPr>
+            <a:r>
+              <a:rPr lang="vi-VN">
+                <a:solidFill>
+                  <a:schemeClr val="bg1"/>
+                </a:solidFill>
+                <a:latin typeface="Segoe UI" panose="020B0502040204020203" pitchFamily="34" charset="0"/>
+                <a:cs typeface="Segoe UI" panose="020B0502040204020203" pitchFamily="34" charset="0"/>
+              </a:rPr>
+              <a:t>Giao diện </a:t>
+            </a:r>
+            <a:r>
+              <a:rPr lang="en-US">
+                <a:solidFill>
+                  <a:schemeClr val="bg1"/>
+                </a:solidFill>
+                <a:latin typeface="Segoe UI" panose="020B0502040204020203" pitchFamily="34" charset="0"/>
+                <a:cs typeface="Segoe UI" panose="020B0502040204020203" pitchFamily="34" charset="0"/>
+              </a:rPr>
+              <a:t>thực hiện</a:t>
+            </a:r>
+            <a:r>
+              <a:rPr lang="vi-VN">
+                <a:solidFill>
+                  <a:schemeClr val="bg1"/>
+                </a:solidFill>
+                <a:latin typeface="Segoe UI" panose="020B0502040204020203" pitchFamily="34" charset="0"/>
+                <a:cs typeface="Segoe UI" panose="020B0502040204020203" pitchFamily="34" charset="0"/>
+              </a:rPr>
+              <a:t> dự doán</a:t>
+            </a:r>
+          </a:p>
+        </p:txBody>
+      </p:sp>
+      <p:pic>
+        <p:nvPicPr>
+          <p:cNvPr id="9" name="Đồ họa 8">
+            <a:extLst>
+              <a:ext uri="{FF2B5EF4-FFF2-40B4-BE49-F238E27FC236}">
+                <a16:creationId xmlns:a16="http://schemas.microsoft.com/office/drawing/2014/main" id="{35127EDA-5861-47AB-8729-620CFC7DAC07}"/>
+              </a:ext>
+              <a:ext uri="{C183D7F6-B498-43B3-948B-1728B52AA6E4}">
+                <adec:decorative xmlns:adec="http://schemas.microsoft.com/office/drawing/2017/decorative" val="1"/>
+              </a:ext>
+            </a:extLst>
+          </p:cNvPr>
+          <p:cNvPicPr>
+            <a:picLocks noGrp="1" noRot="1" noChangeAspect="1" noMove="1" noResize="1" noEditPoints="1" noAdjustHandles="1" noChangeArrowheads="1" noChangeShapeType="1" noCrop="1"/>
+          </p:cNvPicPr>
+          <p:nvPr>
+            <p:extLst>
+              <p:ext uri="{386F3935-93C4-4BCD-93E2-E3B085C9AB24}">
+                <p16:designElem xmlns:p16="http://schemas.microsoft.com/office/powerpoint/2015/main" val="1"/>
+              </p:ext>
+            </p:extLst>
+          </p:nvPr>
+        </p:nvPicPr>
+        <p:blipFill>
+          <a:blip r:embed="rId3">
+            <a:alphaModFix amt="15000"/>
+            <a:extLst>
+              <a:ext uri="{28A0092B-C50C-407E-A947-70E740481C1C}">
+                <a14:useLocalDpi xmlns:a14="http://schemas.microsoft.com/office/drawing/2010/main" val="0"/>
+              </a:ext>
+              <a:ext uri="{96DAC541-7B7A-43D3-8B79-37D633B846F1}">
+                <asvg:svgBlip xmlns:asvg="http://schemas.microsoft.com/office/drawing/2016/SVG/main" r:embed="rId5"/>
+              </a:ext>
+            </a:extLst>
+          </a:blip>
+          <a:stretch>
+            <a:fillRect/>
+          </a:stretch>
+        </p:blipFill>
+        <p:spPr>
+          <a:xfrm>
+            <a:off x="6641431" y="816337"/>
+            <a:ext cx="5225327" cy="5225327"/>
+          </a:xfrm>
+          <a:prstGeom prst="rect">
+            <a:avLst/>
+          </a:prstGeom>
+        </p:spPr>
+      </p:pic>
+      <p:sp>
+        <p:nvSpPr>
+          <p:cNvPr id="6" name="Hộp Văn bản 5">
+            <a:extLst>
+              <a:ext uri="{FF2B5EF4-FFF2-40B4-BE49-F238E27FC236}">
+                <a16:creationId xmlns:a16="http://schemas.microsoft.com/office/drawing/2014/main" id="{584B38A1-DDBC-1F28-41E7-C1C091A2BE29}"/>
+              </a:ext>
+            </a:extLst>
+          </p:cNvPr>
+          <p:cNvSpPr txBox="1"/>
+          <p:nvPr/>
+        </p:nvSpPr>
+        <p:spPr>
+          <a:xfrm>
+            <a:off x="1" y="0"/>
+            <a:ext cx="12192000" cy="707886"/>
+          </a:xfrm>
+          <a:prstGeom prst="rect">
+            <a:avLst/>
+          </a:prstGeom>
+          <a:solidFill>
+            <a:srgbClr val="003865"/>
+          </a:solidFill>
+        </p:spPr>
+        <p:txBody>
+          <a:bodyPr wrap="square" rtlCol="0">
+            <a:spAutoFit/>
+          </a:bodyPr>
+          <a:lstStyle/>
+          <a:p>
+            <a:pPr algn="ctr"/>
+            <a:r>
+              <a:rPr lang="en-US" sz="2000">
+                <a:solidFill>
+                  <a:schemeClr val="bg1"/>
+                </a:solidFill>
+              </a:rPr>
+              <a:t>ĐẠI HỌC THÁI NGUYÊN</a:t>
+            </a:r>
+          </a:p>
+          <a:p>
+            <a:pPr algn="ctr"/>
+            <a:r>
+              <a:rPr lang="en-US" sz="2000" b="1">
+                <a:solidFill>
+                  <a:schemeClr val="bg1"/>
+                </a:solidFill>
+              </a:rPr>
+              <a:t>TRƯỜNG ĐẠI HỌC CÔNG NGHỆ THÔNG TIN VÀ TRUYỀN THÔNG</a:t>
+            </a:r>
+            <a:endParaRPr lang="vi-VN" sz="2000" b="1">
+              <a:solidFill>
+                <a:schemeClr val="bg1"/>
+              </a:solidFill>
+            </a:endParaRPr>
+          </a:p>
+        </p:txBody>
+      </p:sp>
+      <p:pic>
+        <p:nvPicPr>
+          <p:cNvPr id="7" name="Hình ảnh 6">
+            <a:extLst>
+              <a:ext uri="{FF2B5EF4-FFF2-40B4-BE49-F238E27FC236}">
+                <a16:creationId xmlns:a16="http://schemas.microsoft.com/office/drawing/2014/main" id="{67306179-9ADE-8BB2-1882-B8300D5DD80D}"/>
+              </a:ext>
+            </a:extLst>
+          </p:cNvPr>
+          <p:cNvPicPr>
+            <a:picLocks noChangeAspect="1"/>
+          </p:cNvPicPr>
+          <p:nvPr/>
+        </p:nvPicPr>
+        <p:blipFill>
+          <a:blip r:embed="rId6">
+            <a:extLst>
+              <a:ext uri="{28A0092B-C50C-407E-A947-70E740481C1C}">
+                <a14:useLocalDpi xmlns:a14="http://schemas.microsoft.com/office/drawing/2010/main" val="0"/>
+              </a:ext>
+            </a:extLst>
+          </a:blip>
+          <a:stretch>
+            <a:fillRect/>
+          </a:stretch>
+        </p:blipFill>
+        <p:spPr>
+          <a:xfrm>
+            <a:off x="5067300" y="1766019"/>
+            <a:ext cx="6902376" cy="4784773"/>
+          </a:xfrm>
+          <a:prstGeom prst="rect">
+            <a:avLst/>
+          </a:prstGeom>
+        </p:spPr>
+      </p:pic>
+    </p:spTree>
+    <p:extLst>
+      <p:ext uri="{BB962C8B-B14F-4D97-AF65-F5344CB8AC3E}">
+        <p14:creationId xmlns:p14="http://schemas.microsoft.com/office/powerpoint/2010/main" val="136448022"/>
+      </p:ext>
+    </p:extLst>
+  </p:cSld>
+  <p:clrMapOvr>
+    <a:masterClrMapping/>
+  </p:clrMapOvr>
+</p:sld>
+</file>
+
+<file path=ppt/slides/slide15.xml><?xml version="1.0" encoding="utf-8"?>
+<p:sld xmlns:a="http://schemas.openxmlformats.org/drawingml/2006/main" xmlns:r="http://schemas.openxmlformats.org/officeDocument/2006/relationships" xmlns:p="http://schemas.openxmlformats.org/presentationml/2006/main">
+  <p:cSld>
+    <p:bg>
+      <p:bgPr>
+        <a:solidFill>
+          <a:srgbClr val="0C7B93"/>
+        </a:solidFill>
+        <a:effectLst/>
+      </p:bgPr>
+    </p:bg>
+    <p:spTree>
+      <p:nvGrpSpPr>
+        <p:cNvPr id="1" name=""/>
+        <p:cNvGrpSpPr/>
+        <p:nvPr/>
+      </p:nvGrpSpPr>
+      <p:grpSpPr>
+        <a:xfrm>
+          <a:off x="0" y="0"/>
+          <a:ext cx="0" cy="0"/>
+          <a:chOff x="0" y="0"/>
+          <a:chExt cx="0" cy="0"/>
+        </a:xfrm>
+      </p:grpSpPr>
+      <p:sp>
+        <p:nvSpPr>
+          <p:cNvPr id="2" name="Tiêu đề 1">
+            <a:extLst>
+              <a:ext uri="{FF2B5EF4-FFF2-40B4-BE49-F238E27FC236}">
+                <a16:creationId xmlns:a16="http://schemas.microsoft.com/office/drawing/2014/main" id="{EA0D9B4E-C292-45AA-8116-562703040382}"/>
+              </a:ext>
+            </a:extLst>
+          </p:cNvPr>
+          <p:cNvSpPr>
+            <a:spLocks noGrp="1"/>
+          </p:cNvSpPr>
+          <p:nvPr>
+            <p:ph type="title"/>
+          </p:nvPr>
+        </p:nvSpPr>
+        <p:spPr>
+          <a:xfrm>
+            <a:off x="1471292" y="707887"/>
+            <a:ext cx="10395466" cy="905013"/>
+          </a:xfrm>
+        </p:spPr>
+        <p:txBody>
+          <a:bodyPr rtlCol="0" anchor="ctr">
+            <a:normAutofit/>
+          </a:bodyPr>
+          <a:lstStyle/>
+          <a:p>
+            <a:pPr rtl="0"/>
+            <a:r>
+              <a:rPr lang="en-US">
+                <a:solidFill>
+                  <a:schemeClr val="bg1"/>
+                </a:solidFill>
+                <a:latin typeface="Tahoma" panose="020B0604030504040204" pitchFamily="34" charset="0"/>
+                <a:ea typeface="Tahoma" panose="020B0604030504040204" pitchFamily="34" charset="0"/>
+                <a:cs typeface="Tahoma" panose="020B0604030504040204" pitchFamily="34" charset="0"/>
+              </a:rPr>
+              <a:t>CHƯƠNG TRÌNH THỬ NGHIỆM</a:t>
+            </a:r>
+            <a:endParaRPr lang="vi-VN">
+              <a:solidFill>
+                <a:schemeClr val="bg1"/>
+              </a:solidFill>
+              <a:latin typeface="Tahoma" panose="020B0604030504040204" pitchFamily="34" charset="0"/>
+              <a:ea typeface="Tahoma" panose="020B0604030504040204" pitchFamily="34" charset="0"/>
+              <a:cs typeface="Tahoma" panose="020B0604030504040204" pitchFamily="34" charset="0"/>
+            </a:endParaRPr>
+          </a:p>
+        </p:txBody>
+      </p:sp>
+      <p:pic>
+        <p:nvPicPr>
+          <p:cNvPr id="5" name="Đồ họa 4" descr="Mở Sách">
+            <a:extLst>
+              <a:ext uri="{FF2B5EF4-FFF2-40B4-BE49-F238E27FC236}">
+                <a16:creationId xmlns:a16="http://schemas.microsoft.com/office/drawing/2014/main" id="{DEFE964D-9F1C-4F69-ADD3-0E1AB324E198}"/>
+              </a:ext>
+            </a:extLst>
+          </p:cNvPr>
+          <p:cNvPicPr>
+            <a:picLocks noChangeAspect="1"/>
+          </p:cNvPicPr>
+          <p:nvPr/>
+        </p:nvPicPr>
+        <p:blipFill>
+          <a:blip r:embed="rId3">
+            <a:extLst>
+              <a:ext uri="{28A0092B-C50C-407E-A947-70E740481C1C}">
+                <a14:useLocalDpi xmlns:a14="http://schemas.microsoft.com/office/drawing/2010/main" val="0"/>
+              </a:ext>
+              <a:ext uri="{96DAC541-7B7A-43D3-8B79-37D633B846F1}">
+                <asvg:svgBlip xmlns:asvg="http://schemas.microsoft.com/office/drawing/2016/SVG/main" r:embed="rId4"/>
+              </a:ext>
+            </a:extLst>
+          </a:blip>
+          <a:stretch>
+            <a:fillRect/>
+          </a:stretch>
+        </p:blipFill>
+        <p:spPr>
+          <a:xfrm>
+            <a:off x="374012" y="612073"/>
+            <a:ext cx="1097280" cy="1097280"/>
+          </a:xfrm>
+          <a:prstGeom prst="rect">
+            <a:avLst/>
+          </a:prstGeom>
+        </p:spPr>
+      </p:pic>
+      <p:sp>
+        <p:nvSpPr>
+          <p:cNvPr id="3" name="Chỗ dành sẵn cho Nội dung 2">
+            <a:extLst>
+              <a:ext uri="{FF2B5EF4-FFF2-40B4-BE49-F238E27FC236}">
+                <a16:creationId xmlns:a16="http://schemas.microsoft.com/office/drawing/2014/main" id="{81072FAC-EEE9-4F26-A784-BC07EACCBE9F}"/>
+              </a:ext>
+            </a:extLst>
+          </p:cNvPr>
+          <p:cNvSpPr>
+            <a:spLocks noGrp="1"/>
+          </p:cNvSpPr>
+          <p:nvPr>
+            <p:ph idx="1"/>
+          </p:nvPr>
+        </p:nvSpPr>
+        <p:spPr>
+          <a:xfrm>
+            <a:off x="374012" y="1721350"/>
+            <a:ext cx="11492746" cy="4742949"/>
+          </a:xfrm>
+        </p:spPr>
+        <p:txBody>
+          <a:bodyPr vert="horz" lIns="91440" tIns="45720" rIns="91440" bIns="45720" rtlCol="0" anchor="t">
+            <a:noAutofit/>
+          </a:bodyPr>
+          <a:lstStyle/>
+          <a:p>
+            <a:pPr marL="0" indent="0">
+              <a:spcBef>
+                <a:spcPts val="1200"/>
+              </a:spcBef>
+              <a:spcAft>
+                <a:spcPts val="600"/>
+              </a:spcAft>
+              <a:buNone/>
+            </a:pPr>
+            <a:r>
+              <a:rPr lang="en-US">
+                <a:solidFill>
+                  <a:schemeClr val="bg1"/>
+                </a:solidFill>
+                <a:latin typeface="Segoe UI" panose="020B0502040204020203" pitchFamily="34" charset="0"/>
+                <a:cs typeface="Segoe UI" panose="020B0502040204020203" pitchFamily="34" charset="0"/>
+              </a:rPr>
+              <a:t>Một số ca phân loại được thực hiện bởi chương trình</a:t>
+            </a:r>
+            <a:endParaRPr lang="vi-VN">
+              <a:solidFill>
+                <a:schemeClr val="bg1"/>
+              </a:solidFill>
+              <a:latin typeface="Segoe UI" panose="020B0502040204020203" pitchFamily="34" charset="0"/>
+              <a:cs typeface="Segoe UI" panose="020B0502040204020203" pitchFamily="34" charset="0"/>
+            </a:endParaRPr>
+          </a:p>
+        </p:txBody>
+      </p:sp>
+      <p:pic>
+        <p:nvPicPr>
+          <p:cNvPr id="9" name="Đồ họa 8">
+            <a:extLst>
+              <a:ext uri="{FF2B5EF4-FFF2-40B4-BE49-F238E27FC236}">
+                <a16:creationId xmlns:a16="http://schemas.microsoft.com/office/drawing/2014/main" id="{35127EDA-5861-47AB-8729-620CFC7DAC07}"/>
+              </a:ext>
+              <a:ext uri="{C183D7F6-B498-43B3-948B-1728B52AA6E4}">
+                <adec:decorative xmlns:adec="http://schemas.microsoft.com/office/drawing/2017/decorative" val="1"/>
+              </a:ext>
+            </a:extLst>
+          </p:cNvPr>
+          <p:cNvPicPr>
+            <a:picLocks noGrp="1" noRot="1" noChangeAspect="1" noMove="1" noResize="1" noEditPoints="1" noAdjustHandles="1" noChangeArrowheads="1" noChangeShapeType="1" noCrop="1"/>
+          </p:cNvPicPr>
+          <p:nvPr>
+            <p:extLst>
+              <p:ext uri="{386F3935-93C4-4BCD-93E2-E3B085C9AB24}">
+                <p16:designElem xmlns:p16="http://schemas.microsoft.com/office/powerpoint/2015/main" val="1"/>
+              </p:ext>
+            </p:extLst>
+          </p:nvPr>
+        </p:nvPicPr>
+        <p:blipFill>
+          <a:blip r:embed="rId3">
+            <a:alphaModFix amt="15000"/>
+            <a:extLst>
+              <a:ext uri="{28A0092B-C50C-407E-A947-70E740481C1C}">
+                <a14:useLocalDpi xmlns:a14="http://schemas.microsoft.com/office/drawing/2010/main" val="0"/>
+              </a:ext>
+              <a:ext uri="{96DAC541-7B7A-43D3-8B79-37D633B846F1}">
+                <asvg:svgBlip xmlns:asvg="http://schemas.microsoft.com/office/drawing/2016/SVG/main" r:embed="rId5"/>
+              </a:ext>
+            </a:extLst>
+          </a:blip>
+          <a:stretch>
+            <a:fillRect/>
+          </a:stretch>
+        </p:blipFill>
+        <p:spPr>
+          <a:xfrm>
+            <a:off x="6641431" y="816337"/>
+            <a:ext cx="5225327" cy="5225327"/>
+          </a:xfrm>
+          <a:prstGeom prst="rect">
+            <a:avLst/>
+          </a:prstGeom>
+        </p:spPr>
+      </p:pic>
+      <p:sp>
+        <p:nvSpPr>
+          <p:cNvPr id="6" name="Hộp Văn bản 5">
+            <a:extLst>
+              <a:ext uri="{FF2B5EF4-FFF2-40B4-BE49-F238E27FC236}">
+                <a16:creationId xmlns:a16="http://schemas.microsoft.com/office/drawing/2014/main" id="{584B38A1-DDBC-1F28-41E7-C1C091A2BE29}"/>
+              </a:ext>
+            </a:extLst>
+          </p:cNvPr>
+          <p:cNvSpPr txBox="1"/>
+          <p:nvPr/>
+        </p:nvSpPr>
+        <p:spPr>
+          <a:xfrm>
+            <a:off x="1" y="0"/>
+            <a:ext cx="12192000" cy="707886"/>
+          </a:xfrm>
+          <a:prstGeom prst="rect">
+            <a:avLst/>
+          </a:prstGeom>
+          <a:solidFill>
+            <a:srgbClr val="003865"/>
+          </a:solidFill>
+        </p:spPr>
+        <p:txBody>
+          <a:bodyPr wrap="square" rtlCol="0">
+            <a:spAutoFit/>
+          </a:bodyPr>
+          <a:lstStyle/>
+          <a:p>
+            <a:pPr algn="ctr"/>
+            <a:r>
+              <a:rPr lang="en-US" sz="2000">
+                <a:solidFill>
+                  <a:schemeClr val="bg1"/>
+                </a:solidFill>
+              </a:rPr>
+              <a:t>ĐẠI HỌC THÁI NGUYÊN</a:t>
+            </a:r>
+          </a:p>
+          <a:p>
+            <a:pPr algn="ctr"/>
+            <a:r>
+              <a:rPr lang="en-US" sz="2000" b="1">
+                <a:solidFill>
+                  <a:schemeClr val="bg1"/>
+                </a:solidFill>
+              </a:rPr>
+              <a:t>TRƯỜNG ĐẠI HỌC CÔNG NGHỆ THÔNG TIN VÀ TRUYỀN THÔNG</a:t>
+            </a:r>
+            <a:endParaRPr lang="vi-VN" sz="2000" b="1">
+              <a:solidFill>
+                <a:schemeClr val="bg1"/>
+              </a:solidFill>
+            </a:endParaRPr>
+          </a:p>
+        </p:txBody>
+      </p:sp>
+      <p:pic>
+        <p:nvPicPr>
+          <p:cNvPr id="8" name="Hình ảnh 7">
+            <a:extLst>
+              <a:ext uri="{FF2B5EF4-FFF2-40B4-BE49-F238E27FC236}">
+                <a16:creationId xmlns:a16="http://schemas.microsoft.com/office/drawing/2014/main" id="{BCC33768-58A6-F056-3C87-F1DDC251CD4A}"/>
+              </a:ext>
+            </a:extLst>
+          </p:cNvPr>
+          <p:cNvPicPr>
+            <a:picLocks noChangeAspect="1"/>
+          </p:cNvPicPr>
+          <p:nvPr/>
+        </p:nvPicPr>
+        <p:blipFill>
+          <a:blip r:embed="rId6">
+            <a:extLst>
+              <a:ext uri="{28A0092B-C50C-407E-A947-70E740481C1C}">
+                <a14:useLocalDpi xmlns:a14="http://schemas.microsoft.com/office/drawing/2010/main" val="0"/>
+              </a:ext>
+            </a:extLst>
+          </a:blip>
+          <a:stretch>
+            <a:fillRect/>
+          </a:stretch>
+        </p:blipFill>
+        <p:spPr>
+          <a:xfrm>
+            <a:off x="3828321" y="2151394"/>
+            <a:ext cx="4584127" cy="4101587"/>
+          </a:xfrm>
+          <a:prstGeom prst="rect">
+            <a:avLst/>
+          </a:prstGeom>
+          <a:solidFill>
+            <a:schemeClr val="bg1"/>
+          </a:solidFill>
+        </p:spPr>
+      </p:pic>
+      <p:sp>
+        <p:nvSpPr>
+          <p:cNvPr id="10" name="Hộp Văn bản 9">
+            <a:extLst>
+              <a:ext uri="{FF2B5EF4-FFF2-40B4-BE49-F238E27FC236}">
+                <a16:creationId xmlns:a16="http://schemas.microsoft.com/office/drawing/2014/main" id="{AEE14DE6-5AEB-BE2C-C18E-488F92A606AD}"/>
+              </a:ext>
+            </a:extLst>
+          </p:cNvPr>
+          <p:cNvSpPr txBox="1"/>
+          <p:nvPr/>
+        </p:nvSpPr>
+        <p:spPr>
+          <a:xfrm>
+            <a:off x="3728703" y="6227580"/>
+            <a:ext cx="4783361" cy="369332"/>
+          </a:xfrm>
+          <a:prstGeom prst="rect">
+            <a:avLst/>
+          </a:prstGeom>
+          <a:noFill/>
+        </p:spPr>
+        <p:txBody>
+          <a:bodyPr wrap="none" rtlCol="0">
+            <a:spAutoFit/>
+          </a:bodyPr>
+          <a:lstStyle/>
+          <a:p>
+            <a:r>
+              <a:rPr lang="en-US" i="1">
+                <a:solidFill>
+                  <a:schemeClr val="bg1"/>
+                </a:solidFill>
+              </a:rPr>
+              <a:t>Hình 9: Tổng hợp kết quả phân loại của hệ thống </a:t>
+            </a:r>
+          </a:p>
+        </p:txBody>
+      </p:sp>
+    </p:spTree>
+    <p:extLst>
+      <p:ext uri="{BB962C8B-B14F-4D97-AF65-F5344CB8AC3E}">
+        <p14:creationId xmlns:p14="http://schemas.microsoft.com/office/powerpoint/2010/main" val="3766114209"/>
+      </p:ext>
+    </p:extLst>
+  </p:cSld>
+  <p:clrMapOvr>
+    <a:masterClrMapping/>
+  </p:clrMapOvr>
+</p:sld>
+</file>
+
+<file path=ppt/slides/slide16.xml><?xml version="1.0" encoding="utf-8"?>
+<p:sld xmlns:a="http://schemas.openxmlformats.org/drawingml/2006/main" xmlns:r="http://schemas.openxmlformats.org/officeDocument/2006/relationships" xmlns:p="http://schemas.openxmlformats.org/presentationml/2006/main">
+  <p:cSld>
+    <p:bg>
+      <p:bgPr>
+        <a:solidFill>
+          <a:srgbClr val="0C7B93"/>
+        </a:solidFill>
+        <a:effectLst/>
+      </p:bgPr>
+    </p:bg>
+    <p:spTree>
+      <p:nvGrpSpPr>
+        <p:cNvPr id="1" name=""/>
+        <p:cNvGrpSpPr/>
+        <p:nvPr/>
+      </p:nvGrpSpPr>
+      <p:grpSpPr>
+        <a:xfrm>
+          <a:off x="0" y="0"/>
+          <a:ext cx="0" cy="0"/>
+          <a:chOff x="0" y="0"/>
+          <a:chExt cx="0" cy="0"/>
+        </a:xfrm>
+      </p:grpSpPr>
+      <p:sp>
+        <p:nvSpPr>
+          <p:cNvPr id="2" name="Tiêu đề 1">
+            <a:extLst>
+              <a:ext uri="{FF2B5EF4-FFF2-40B4-BE49-F238E27FC236}">
+                <a16:creationId xmlns:a16="http://schemas.microsoft.com/office/drawing/2014/main" id="{EA0D9B4E-C292-45AA-8116-562703040382}"/>
+              </a:ext>
+            </a:extLst>
+          </p:cNvPr>
+          <p:cNvSpPr>
+            <a:spLocks noGrp="1"/>
+          </p:cNvSpPr>
+          <p:nvPr>
+            <p:ph type="title"/>
+          </p:nvPr>
+        </p:nvSpPr>
+        <p:spPr>
+          <a:xfrm>
+            <a:off x="1471292" y="707886"/>
+            <a:ext cx="10395466" cy="1372705"/>
+          </a:xfrm>
+        </p:spPr>
+        <p:txBody>
+          <a:bodyPr rtlCol="0" anchor="ctr">
+            <a:normAutofit/>
+          </a:bodyPr>
+          <a:lstStyle/>
+          <a:p>
+            <a:pPr rtl="0"/>
+            <a:r>
+              <a:rPr lang="en-US">
+                <a:solidFill>
+                  <a:schemeClr val="bg1"/>
+                </a:solidFill>
+                <a:latin typeface="+mn-lt"/>
+                <a:cs typeface="Segoe UI" panose="020B0502040204020203" pitchFamily="34" charset="0"/>
+              </a:rPr>
+              <a:t>KẾT LUẬN</a:t>
+            </a:r>
+            <a:endParaRPr lang="vi-VN">
+              <a:solidFill>
+                <a:schemeClr val="bg1"/>
+              </a:solidFill>
+              <a:latin typeface="+mn-lt"/>
+              <a:cs typeface="Segoe UI" panose="020B0502040204020203" pitchFamily="34" charset="0"/>
+            </a:endParaRPr>
+          </a:p>
+        </p:txBody>
+      </p:sp>
+      <p:pic>
+        <p:nvPicPr>
+          <p:cNvPr id="5" name="Đồ họa 4" descr="Mở Sách">
+            <a:extLst>
+              <a:ext uri="{FF2B5EF4-FFF2-40B4-BE49-F238E27FC236}">
+                <a16:creationId xmlns:a16="http://schemas.microsoft.com/office/drawing/2014/main" id="{DEFE964D-9F1C-4F69-ADD3-0E1AB324E198}"/>
+              </a:ext>
+            </a:extLst>
+          </p:cNvPr>
+          <p:cNvPicPr>
+            <a:picLocks noChangeAspect="1"/>
+          </p:cNvPicPr>
+          <p:nvPr/>
+        </p:nvPicPr>
+        <p:blipFill>
+          <a:blip r:embed="rId3">
+            <a:extLst>
+              <a:ext uri="{28A0092B-C50C-407E-A947-70E740481C1C}">
+                <a14:useLocalDpi xmlns:a14="http://schemas.microsoft.com/office/drawing/2010/main" val="0"/>
+              </a:ext>
+              <a:ext uri="{96DAC541-7B7A-43D3-8B79-37D633B846F1}">
+                <asvg:svgBlip xmlns:asvg="http://schemas.microsoft.com/office/drawing/2016/SVG/main" r:embed="rId4"/>
+              </a:ext>
+            </a:extLst>
+          </a:blip>
+          <a:stretch>
+            <a:fillRect/>
+          </a:stretch>
+        </p:blipFill>
+        <p:spPr>
+          <a:xfrm>
+            <a:off x="325242" y="816337"/>
+            <a:ext cx="1097280" cy="1097280"/>
+          </a:xfrm>
+          <a:prstGeom prst="rect">
+            <a:avLst/>
+          </a:prstGeom>
+        </p:spPr>
+      </p:pic>
+      <p:sp>
+        <p:nvSpPr>
+          <p:cNvPr id="3" name="Chỗ dành sẵn cho Nội dung 2">
+            <a:extLst>
+              <a:ext uri="{FF2B5EF4-FFF2-40B4-BE49-F238E27FC236}">
+                <a16:creationId xmlns:a16="http://schemas.microsoft.com/office/drawing/2014/main" id="{81072FAC-EEE9-4F26-A784-BC07EACCBE9F}"/>
+              </a:ext>
+            </a:extLst>
+          </p:cNvPr>
+          <p:cNvSpPr>
+            <a:spLocks noGrp="1"/>
+          </p:cNvSpPr>
+          <p:nvPr>
+            <p:ph idx="1"/>
+          </p:nvPr>
+        </p:nvSpPr>
+        <p:spPr>
+          <a:xfrm>
+            <a:off x="325242" y="2080591"/>
+            <a:ext cx="11541516" cy="4336349"/>
+          </a:xfrm>
+        </p:spPr>
+        <p:txBody>
+          <a:bodyPr vert="horz" lIns="91440" tIns="45720" rIns="91440" bIns="45720" rtlCol="0" anchor="t">
+            <a:noAutofit/>
+          </a:bodyPr>
+          <a:lstStyle/>
+          <a:p>
+            <a:pPr>
+              <a:spcBef>
+                <a:spcPts val="1200"/>
+              </a:spcBef>
+              <a:spcAft>
+                <a:spcPts val="600"/>
+              </a:spcAft>
+            </a:pPr>
+            <a:r>
+              <a:rPr lang="vi-VN" sz="4000">
+                <a:solidFill>
+                  <a:schemeClr val="bg1"/>
+                </a:solidFill>
+                <a:latin typeface="Segoe UI" panose="020B0502040204020203" pitchFamily="34" charset="0"/>
+                <a:cs typeface="Segoe UI" panose="020B0502040204020203" pitchFamily="34" charset="0"/>
+              </a:rPr>
+              <a:t>Kết quả đã đạt được</a:t>
+            </a:r>
+            <a:endParaRPr lang="en-US" sz="4000">
+              <a:solidFill>
+                <a:schemeClr val="bg1"/>
+              </a:solidFill>
+              <a:latin typeface="Segoe UI" panose="020B0502040204020203" pitchFamily="34" charset="0"/>
+              <a:cs typeface="Segoe UI" panose="020B0502040204020203" pitchFamily="34" charset="0"/>
+            </a:endParaRPr>
+          </a:p>
+          <a:p>
+            <a:pPr lvl="1">
+              <a:spcBef>
+                <a:spcPts val="1200"/>
+              </a:spcBef>
+              <a:spcAft>
+                <a:spcPts val="600"/>
+              </a:spcAft>
+            </a:pPr>
+            <a:r>
+              <a:rPr lang="en-US" sz="2800">
+                <a:solidFill>
+                  <a:schemeClr val="bg1"/>
+                </a:solidFill>
+                <a:latin typeface="Segoe UI" panose="020B0502040204020203" pitchFamily="34" charset="0"/>
+                <a:cs typeface="Segoe UI" panose="020B0502040204020203" pitchFamily="34" charset="0"/>
+              </a:rPr>
+              <a:t>Trình bày khái quát về CNN và bài toán chẩn đoán bệnh lao</a:t>
+            </a:r>
+          </a:p>
+          <a:p>
+            <a:pPr lvl="1">
+              <a:spcBef>
+                <a:spcPts val="1200"/>
+              </a:spcBef>
+              <a:spcAft>
+                <a:spcPts val="600"/>
+              </a:spcAft>
+            </a:pPr>
+            <a:r>
+              <a:rPr lang="en-US" sz="2800">
+                <a:solidFill>
+                  <a:schemeClr val="bg1"/>
+                </a:solidFill>
+                <a:latin typeface="Segoe UI" panose="020B0502040204020203" pitchFamily="34" charset="0"/>
+                <a:cs typeface="Segoe UI" panose="020B0502040204020203" pitchFamily="34" charset="0"/>
+              </a:rPr>
+              <a:t>Hệ thống hóa một số mô hình học sâu hỗ trợ chẩn đoán</a:t>
+            </a:r>
+          </a:p>
+          <a:p>
+            <a:pPr lvl="1">
+              <a:spcBef>
+                <a:spcPts val="1200"/>
+              </a:spcBef>
+              <a:spcAft>
+                <a:spcPts val="600"/>
+              </a:spcAft>
+            </a:pPr>
+            <a:r>
+              <a:rPr lang="vi-VN" sz="2800">
+                <a:solidFill>
+                  <a:schemeClr val="bg1"/>
+                </a:solidFill>
+                <a:latin typeface="Segoe UI" panose="020B0502040204020203" pitchFamily="34" charset="0"/>
+                <a:cs typeface="Segoe UI" panose="020B0502040204020203" pitchFamily="34" charset="0"/>
+              </a:rPr>
+              <a:t>Cài đặt thử nghiệm một trong các mô hình đã được hệ thống hóa</a:t>
+            </a:r>
+            <a:endParaRPr lang="en-US" sz="2800">
+              <a:solidFill>
+                <a:schemeClr val="bg1"/>
+              </a:solidFill>
+              <a:latin typeface="Segoe UI" panose="020B0502040204020203" pitchFamily="34" charset="0"/>
+              <a:cs typeface="Segoe UI" panose="020B0502040204020203" pitchFamily="34" charset="0"/>
+            </a:endParaRPr>
+          </a:p>
+          <a:p>
+            <a:pPr>
+              <a:spcBef>
+                <a:spcPts val="1200"/>
+              </a:spcBef>
+              <a:spcAft>
+                <a:spcPts val="600"/>
+              </a:spcAft>
+            </a:pPr>
+            <a:endParaRPr lang="en-US" sz="4000">
+              <a:solidFill>
+                <a:schemeClr val="bg1"/>
+              </a:solidFill>
+              <a:latin typeface="Segoe UI" panose="020B0502040204020203" pitchFamily="34" charset="0"/>
+              <a:cs typeface="Segoe UI" panose="020B0502040204020203" pitchFamily="34" charset="0"/>
+            </a:endParaRPr>
+          </a:p>
+          <a:p>
+            <a:pPr>
+              <a:spcBef>
+                <a:spcPts val="1200"/>
+              </a:spcBef>
+              <a:spcAft>
+                <a:spcPts val="600"/>
+              </a:spcAft>
+            </a:pPr>
+            <a:r>
+              <a:rPr lang="vi-VN" sz="4000">
+                <a:solidFill>
+                  <a:schemeClr val="bg1"/>
+                </a:solidFill>
+                <a:latin typeface="Segoe UI" panose="020B0502040204020203" pitchFamily="34" charset="0"/>
+                <a:cs typeface="Segoe UI" panose="020B0502040204020203" pitchFamily="34" charset="0"/>
+              </a:rPr>
+              <a:t>Hướng hoàn thiện và phát triển tiếp theo</a:t>
+            </a:r>
+            <a:endParaRPr lang="en-US" sz="4000">
+              <a:solidFill>
+                <a:schemeClr val="bg1"/>
+              </a:solidFill>
+              <a:latin typeface="Segoe UI" panose="020B0502040204020203" pitchFamily="34" charset="0"/>
+              <a:cs typeface="Segoe UI" panose="020B0502040204020203" pitchFamily="34" charset="0"/>
+            </a:endParaRPr>
+          </a:p>
+        </p:txBody>
+      </p:sp>
+      <p:pic>
+        <p:nvPicPr>
+          <p:cNvPr id="9" name="Đồ họa 8">
+            <a:extLst>
+              <a:ext uri="{FF2B5EF4-FFF2-40B4-BE49-F238E27FC236}">
+                <a16:creationId xmlns:a16="http://schemas.microsoft.com/office/drawing/2014/main" id="{35127EDA-5861-47AB-8729-620CFC7DAC07}"/>
+              </a:ext>
+              <a:ext uri="{C183D7F6-B498-43B3-948B-1728B52AA6E4}">
+                <adec:decorative xmlns:adec="http://schemas.microsoft.com/office/drawing/2017/decorative" val="1"/>
+              </a:ext>
+            </a:extLst>
+          </p:cNvPr>
+          <p:cNvPicPr>
+            <a:picLocks noGrp="1" noRot="1" noChangeAspect="1" noMove="1" noResize="1" noEditPoints="1" noAdjustHandles="1" noChangeArrowheads="1" noChangeShapeType="1" noCrop="1"/>
+          </p:cNvPicPr>
+          <p:nvPr>
+            <p:extLst>
+              <p:ext uri="{386F3935-93C4-4BCD-93E2-E3B085C9AB24}">
+                <p16:designElem xmlns:p16="http://schemas.microsoft.com/office/powerpoint/2015/main" val="1"/>
+              </p:ext>
+            </p:extLst>
+          </p:nvPr>
+        </p:nvPicPr>
+        <p:blipFill>
+          <a:blip r:embed="rId3">
+            <a:alphaModFix amt="15000"/>
+            <a:extLst>
+              <a:ext uri="{28A0092B-C50C-407E-A947-70E740481C1C}">
+                <a14:useLocalDpi xmlns:a14="http://schemas.microsoft.com/office/drawing/2010/main" val="0"/>
+              </a:ext>
+              <a:ext uri="{96DAC541-7B7A-43D3-8B79-37D633B846F1}">
+                <asvg:svgBlip xmlns:asvg="http://schemas.microsoft.com/office/drawing/2016/SVG/main" r:embed="rId5"/>
+              </a:ext>
+            </a:extLst>
+          </a:blip>
+          <a:stretch>
+            <a:fillRect/>
+          </a:stretch>
+        </p:blipFill>
+        <p:spPr>
+          <a:xfrm>
+            <a:off x="6641431" y="816337"/>
+            <a:ext cx="5225327" cy="5225327"/>
+          </a:xfrm>
+          <a:prstGeom prst="rect">
+            <a:avLst/>
+          </a:prstGeom>
+        </p:spPr>
+      </p:pic>
+      <p:sp>
+        <p:nvSpPr>
+          <p:cNvPr id="6" name="Hộp Văn bản 5">
+            <a:extLst>
+              <a:ext uri="{FF2B5EF4-FFF2-40B4-BE49-F238E27FC236}">
+                <a16:creationId xmlns:a16="http://schemas.microsoft.com/office/drawing/2014/main" id="{584B38A1-DDBC-1F28-41E7-C1C091A2BE29}"/>
+              </a:ext>
+            </a:extLst>
+          </p:cNvPr>
+          <p:cNvSpPr txBox="1"/>
+          <p:nvPr/>
+        </p:nvSpPr>
+        <p:spPr>
+          <a:xfrm>
+            <a:off x="1" y="0"/>
+            <a:ext cx="12192000" cy="707886"/>
+          </a:xfrm>
+          <a:prstGeom prst="rect">
+            <a:avLst/>
+          </a:prstGeom>
+          <a:solidFill>
+            <a:srgbClr val="003865"/>
+          </a:solidFill>
+        </p:spPr>
+        <p:txBody>
+          <a:bodyPr wrap="square" rtlCol="0">
+            <a:spAutoFit/>
+          </a:bodyPr>
+          <a:lstStyle/>
+          <a:p>
+            <a:pPr algn="ctr"/>
+            <a:r>
+              <a:rPr lang="en-US" sz="2000">
+                <a:solidFill>
+                  <a:schemeClr val="bg1"/>
+                </a:solidFill>
+              </a:rPr>
+              <a:t>ĐẠI HỌC THÁI NGUYÊN</a:t>
+            </a:r>
+          </a:p>
+          <a:p>
+            <a:pPr algn="ctr"/>
+            <a:r>
+              <a:rPr lang="en-US" sz="2000" b="1">
+                <a:solidFill>
+                  <a:schemeClr val="bg1"/>
+                </a:solidFill>
+              </a:rPr>
+              <a:t>TRƯỜNG ĐẠI HỌC CÔNG NGHỆ THÔNG TIN VÀ TRUYỀN THÔNG</a:t>
+            </a:r>
+            <a:endParaRPr lang="vi-VN" sz="2000" b="1">
+              <a:solidFill>
+                <a:schemeClr val="bg1"/>
+              </a:solidFill>
+            </a:endParaRPr>
+          </a:p>
+        </p:txBody>
+      </p:sp>
+    </p:spTree>
+    <p:extLst>
+      <p:ext uri="{BB962C8B-B14F-4D97-AF65-F5344CB8AC3E}">
+        <p14:creationId xmlns:p14="http://schemas.microsoft.com/office/powerpoint/2010/main" val="4076403695"/>
+      </p:ext>
+    </p:extLst>
+  </p:cSld>
+  <p:clrMapOvr>
+    <a:masterClrMapping/>
+  </p:clrMapOvr>
+</p:sld>
+</file>
+
+<file path=ppt/slides/slide17.xml><?xml version="1.0" encoding="utf-8"?>
+<p:sld xmlns:a="http://schemas.openxmlformats.org/drawingml/2006/main" xmlns:r="http://schemas.openxmlformats.org/officeDocument/2006/relationships" xmlns:p="http://schemas.openxmlformats.org/presentationml/2006/main">
+  <p:cSld>
+    <p:bg>
+      <p:bgPr>
+        <a:solidFill>
+          <a:srgbClr val="0C7B93"/>
+        </a:solidFill>
+        <a:effectLst/>
+      </p:bgPr>
+    </p:bg>
+    <p:spTree>
+      <p:nvGrpSpPr>
+        <p:cNvPr id="1" name=""/>
+        <p:cNvGrpSpPr/>
+        <p:nvPr/>
+      </p:nvGrpSpPr>
+      <p:grpSpPr>
+        <a:xfrm>
+          <a:off x="0" y="0"/>
+          <a:ext cx="0" cy="0"/>
+          <a:chOff x="0" y="0"/>
+          <a:chExt cx="0" cy="0"/>
+        </a:xfrm>
+      </p:grpSpPr>
+      <p:sp>
+        <p:nvSpPr>
+          <p:cNvPr id="2" name="Tiêu đề 1">
+            <a:extLst>
+              <a:ext uri="{FF2B5EF4-FFF2-40B4-BE49-F238E27FC236}">
+                <a16:creationId xmlns:a16="http://schemas.microsoft.com/office/drawing/2014/main" id="{EA0D9B4E-C292-45AA-8116-562703040382}"/>
+              </a:ext>
+            </a:extLst>
+          </p:cNvPr>
+          <p:cNvSpPr>
+            <a:spLocks noGrp="1"/>
+          </p:cNvSpPr>
+          <p:nvPr>
+            <p:ph type="title"/>
+          </p:nvPr>
+        </p:nvSpPr>
+        <p:spPr>
+          <a:xfrm>
+            <a:off x="4028767" y="921055"/>
+            <a:ext cx="5225327" cy="905013"/>
+          </a:xfrm>
+        </p:spPr>
+        <p:txBody>
+          <a:bodyPr rtlCol="0" anchor="ctr">
+            <a:normAutofit/>
+          </a:bodyPr>
+          <a:lstStyle/>
+          <a:p>
+            <a:pPr rtl="0"/>
+            <a:r>
+              <a:rPr lang="en-US">
+                <a:solidFill>
+                  <a:schemeClr val="bg1"/>
+                </a:solidFill>
+                <a:latin typeface="Tahoma" panose="020B0604030504040204" pitchFamily="34" charset="0"/>
+                <a:ea typeface="Tahoma" panose="020B0604030504040204" pitchFamily="34" charset="0"/>
+                <a:cs typeface="Tahoma" panose="020B0604030504040204" pitchFamily="34" charset="0"/>
+              </a:rPr>
+              <a:t>KẾT THÚC BÁO CÁO</a:t>
+            </a:r>
+            <a:endParaRPr lang="vi-VN">
+              <a:solidFill>
+                <a:schemeClr val="bg1"/>
+              </a:solidFill>
+              <a:latin typeface="Tahoma" panose="020B0604030504040204" pitchFamily="34" charset="0"/>
+              <a:ea typeface="Tahoma" panose="020B0604030504040204" pitchFamily="34" charset="0"/>
+              <a:cs typeface="Tahoma" panose="020B0604030504040204" pitchFamily="34" charset="0"/>
+            </a:endParaRPr>
+          </a:p>
+        </p:txBody>
+      </p:sp>
+      <p:pic>
+        <p:nvPicPr>
+          <p:cNvPr id="5" name="Đồ họa 4" descr="Mở Sách">
+            <a:extLst>
+              <a:ext uri="{FF2B5EF4-FFF2-40B4-BE49-F238E27FC236}">
+                <a16:creationId xmlns:a16="http://schemas.microsoft.com/office/drawing/2014/main" id="{DEFE964D-9F1C-4F69-ADD3-0E1AB324E198}"/>
+              </a:ext>
+            </a:extLst>
+          </p:cNvPr>
+          <p:cNvPicPr>
+            <a:picLocks noChangeAspect="1"/>
+          </p:cNvPicPr>
+          <p:nvPr/>
+        </p:nvPicPr>
+        <p:blipFill>
+          <a:blip r:embed="rId3">
+            <a:extLst>
+              <a:ext uri="{28A0092B-C50C-407E-A947-70E740481C1C}">
+                <a14:useLocalDpi xmlns:a14="http://schemas.microsoft.com/office/drawing/2010/main" val="0"/>
+              </a:ext>
+              <a:ext uri="{96DAC541-7B7A-43D3-8B79-37D633B846F1}">
+                <asvg:svgBlip xmlns:asvg="http://schemas.microsoft.com/office/drawing/2016/SVG/main" r:embed="rId4"/>
+              </a:ext>
+            </a:extLst>
+          </a:blip>
+          <a:stretch>
+            <a:fillRect/>
+          </a:stretch>
+        </p:blipFill>
+        <p:spPr>
+          <a:xfrm>
+            <a:off x="2758767" y="824922"/>
+            <a:ext cx="1097280" cy="1097280"/>
+          </a:xfrm>
+          <a:prstGeom prst="rect">
+            <a:avLst/>
+          </a:prstGeom>
+        </p:spPr>
+      </p:pic>
+      <p:pic>
+        <p:nvPicPr>
+          <p:cNvPr id="9" name="Đồ họa 8">
+            <a:extLst>
+              <a:ext uri="{FF2B5EF4-FFF2-40B4-BE49-F238E27FC236}">
+                <a16:creationId xmlns:a16="http://schemas.microsoft.com/office/drawing/2014/main" id="{35127EDA-5861-47AB-8729-620CFC7DAC07}"/>
+              </a:ext>
+              <a:ext uri="{C183D7F6-B498-43B3-948B-1728B52AA6E4}">
+                <adec:decorative xmlns:adec="http://schemas.microsoft.com/office/drawing/2017/decorative" val="1"/>
+              </a:ext>
+            </a:extLst>
+          </p:cNvPr>
+          <p:cNvPicPr>
+            <a:picLocks noGrp="1" noRot="1" noChangeAspect="1" noMove="1" noResize="1" noEditPoints="1" noAdjustHandles="1" noChangeArrowheads="1" noChangeShapeType="1" noCrop="1"/>
+          </p:cNvPicPr>
+          <p:nvPr>
+            <p:extLst>
+              <p:ext uri="{386F3935-93C4-4BCD-93E2-E3B085C9AB24}">
+                <p16:designElem xmlns:p16="http://schemas.microsoft.com/office/powerpoint/2015/main" val="1"/>
+              </p:ext>
+            </p:extLst>
+          </p:nvPr>
+        </p:nvPicPr>
+        <p:blipFill>
+          <a:blip r:embed="rId3">
+            <a:alphaModFix amt="15000"/>
+            <a:extLst>
+              <a:ext uri="{28A0092B-C50C-407E-A947-70E740481C1C}">
+                <a14:useLocalDpi xmlns:a14="http://schemas.microsoft.com/office/drawing/2010/main" val="0"/>
+              </a:ext>
+              <a:ext uri="{96DAC541-7B7A-43D3-8B79-37D633B846F1}">
+                <asvg:svgBlip xmlns:asvg="http://schemas.microsoft.com/office/drawing/2016/SVG/main" r:embed="rId5"/>
+              </a:ext>
+            </a:extLst>
+          </a:blip>
+          <a:stretch>
+            <a:fillRect/>
+          </a:stretch>
+        </p:blipFill>
+        <p:spPr>
+          <a:xfrm>
+            <a:off x="6641431" y="816337"/>
+            <a:ext cx="5225327" cy="5225327"/>
+          </a:xfrm>
+          <a:prstGeom prst="rect">
+            <a:avLst/>
+          </a:prstGeom>
+        </p:spPr>
+      </p:pic>
+      <p:sp>
+        <p:nvSpPr>
+          <p:cNvPr id="6" name="Hộp Văn bản 5">
+            <a:extLst>
+              <a:ext uri="{FF2B5EF4-FFF2-40B4-BE49-F238E27FC236}">
+                <a16:creationId xmlns:a16="http://schemas.microsoft.com/office/drawing/2014/main" id="{584B38A1-DDBC-1F28-41E7-C1C091A2BE29}"/>
+              </a:ext>
+            </a:extLst>
+          </p:cNvPr>
+          <p:cNvSpPr txBox="1"/>
+          <p:nvPr/>
+        </p:nvSpPr>
+        <p:spPr>
+          <a:xfrm>
+            <a:off x="1" y="0"/>
+            <a:ext cx="12192000" cy="707886"/>
+          </a:xfrm>
+          <a:prstGeom prst="rect">
+            <a:avLst/>
+          </a:prstGeom>
+          <a:solidFill>
+            <a:srgbClr val="003865"/>
+          </a:solidFill>
+        </p:spPr>
+        <p:txBody>
+          <a:bodyPr wrap="square" rtlCol="0">
+            <a:spAutoFit/>
+          </a:bodyPr>
+          <a:lstStyle/>
+          <a:p>
+            <a:pPr algn="ctr"/>
+            <a:r>
+              <a:rPr lang="en-US" sz="2000">
+                <a:solidFill>
+                  <a:schemeClr val="bg1"/>
+                </a:solidFill>
+              </a:rPr>
+              <a:t>ĐẠI HỌC THÁI NGUYÊN</a:t>
+            </a:r>
+          </a:p>
+          <a:p>
+            <a:pPr algn="ctr"/>
+            <a:r>
+              <a:rPr lang="en-US" sz="2000" b="1">
+                <a:solidFill>
+                  <a:schemeClr val="bg1"/>
+                </a:solidFill>
+              </a:rPr>
+              <a:t>TRƯỜNG ĐẠI HỌC CÔNG NGHỆ THÔNG TIN VÀ TRUYỀN THÔNG</a:t>
+            </a:r>
+            <a:endParaRPr lang="vi-VN" sz="2000" b="1">
+              <a:solidFill>
+                <a:schemeClr val="bg1"/>
+              </a:solidFill>
+            </a:endParaRPr>
+          </a:p>
+        </p:txBody>
+      </p:sp>
+      <p:sp>
+        <p:nvSpPr>
+          <p:cNvPr id="4" name="Hộp Văn bản 3">
+            <a:extLst>
+              <a:ext uri="{FF2B5EF4-FFF2-40B4-BE49-F238E27FC236}">
+                <a16:creationId xmlns:a16="http://schemas.microsoft.com/office/drawing/2014/main" id="{026F3C17-29F4-1EB6-616B-36B51BE8BCBD}"/>
+              </a:ext>
+            </a:extLst>
+          </p:cNvPr>
+          <p:cNvSpPr txBox="1"/>
+          <p:nvPr/>
+        </p:nvSpPr>
+        <p:spPr>
+          <a:xfrm>
+            <a:off x="673747" y="2921168"/>
+            <a:ext cx="10844506" cy="1015663"/>
+          </a:xfrm>
+          <a:prstGeom prst="rect">
+            <a:avLst/>
+          </a:prstGeom>
+          <a:noFill/>
+        </p:spPr>
+        <p:txBody>
+          <a:bodyPr wrap="square" rtlCol="0">
+            <a:spAutoFit/>
+          </a:bodyPr>
+          <a:lstStyle/>
+          <a:p>
+            <a:r>
+              <a:rPr lang="en-US" sz="6000">
+                <a:solidFill>
+                  <a:schemeClr val="bg1"/>
+                </a:solidFill>
+                <a:latin typeface="Tahoma" panose="020B0604030504040204" pitchFamily="34" charset="0"/>
+                <a:ea typeface="Tahoma" panose="020B0604030504040204" pitchFamily="34" charset="0"/>
+                <a:cs typeface="Tahoma" panose="020B0604030504040204" pitchFamily="34" charset="0"/>
+              </a:rPr>
+              <a:t>EM XIN CHÂN THÀNH CẢM ƠN! </a:t>
+            </a:r>
+          </a:p>
+        </p:txBody>
+      </p:sp>
+    </p:spTree>
+    <p:extLst>
+      <p:ext uri="{BB962C8B-B14F-4D97-AF65-F5344CB8AC3E}">
+        <p14:creationId xmlns:p14="http://schemas.microsoft.com/office/powerpoint/2010/main" val="1195479326"/>
+      </p:ext>
+    </p:extLst>
+  </p:cSld>
+  <p:clrMapOvr>
+    <a:masterClrMapping/>
+  </p:clrMapOvr>
+</p:sld>
+</file>
+
 <file path=ppt/slides/slide2.xml><?xml version="1.0" encoding="utf-8"?>
 <p:sld xmlns:a="http://schemas.openxmlformats.org/drawingml/2006/main" xmlns:r="http://schemas.openxmlformats.org/officeDocument/2006/relationships" xmlns:p="http://schemas.openxmlformats.org/presentationml/2006/main">
   <p:cSld>
@@ -8845,7 +15002,7 @@
                 <a:latin typeface="Segoe UI" panose="020B0502040204020203" pitchFamily="34" charset="0"/>
                 <a:cs typeface="Segoe UI" panose="020B0502040204020203" pitchFamily="34" charset="0"/>
               </a:rPr>
-              <a:t>Có thể đào tạo dễ dàng các mạng với số lớp rất lớn mà không làm tăng tỷ lệ đào tạo lỗi</a:t>
+              <a:t>Có thể đào tạo các mạng với số lớp rất lớn mà không làm tăng tỷ lệ đào tạo lỗi</a:t>
             </a:r>
           </a:p>
           <a:p>
@@ -9055,6 +15212,605 @@
     <p:extLst>
       <p:ext uri="{BB962C8B-B14F-4D97-AF65-F5344CB8AC3E}">
         <p14:creationId xmlns:p14="http://schemas.microsoft.com/office/powerpoint/2010/main" val="2110444261"/>
+      </p:ext>
+    </p:extLst>
+  </p:cSld>
+  <p:clrMapOvr>
+    <a:masterClrMapping/>
+  </p:clrMapOvr>
+</p:sld>
+</file>
+
+<file path=ppt/slides/slide9.xml><?xml version="1.0" encoding="utf-8"?>
+<p:sld xmlns:a="http://schemas.openxmlformats.org/drawingml/2006/main" xmlns:r="http://schemas.openxmlformats.org/officeDocument/2006/relationships" xmlns:p="http://schemas.openxmlformats.org/presentationml/2006/main">
+  <p:cSld>
+    <p:bg>
+      <p:bgPr>
+        <a:solidFill>
+          <a:srgbClr val="0C7B93"/>
+        </a:solidFill>
+        <a:effectLst/>
+      </p:bgPr>
+    </p:bg>
+    <p:spTree>
+      <p:nvGrpSpPr>
+        <p:cNvPr id="1" name=""/>
+        <p:cNvGrpSpPr/>
+        <p:nvPr/>
+      </p:nvGrpSpPr>
+      <p:grpSpPr>
+        <a:xfrm>
+          <a:off x="0" y="0"/>
+          <a:ext cx="0" cy="0"/>
+          <a:chOff x="0" y="0"/>
+          <a:chExt cx="0" cy="0"/>
+        </a:xfrm>
+      </p:grpSpPr>
+      <p:sp>
+        <p:nvSpPr>
+          <p:cNvPr id="2" name="Tiêu đề 1">
+            <a:extLst>
+              <a:ext uri="{FF2B5EF4-FFF2-40B4-BE49-F238E27FC236}">
+                <a16:creationId xmlns:a16="http://schemas.microsoft.com/office/drawing/2014/main" id="{EA0D9B4E-C292-45AA-8116-562703040382}"/>
+              </a:ext>
+            </a:extLst>
+          </p:cNvPr>
+          <p:cNvSpPr>
+            <a:spLocks noGrp="1"/>
+          </p:cNvSpPr>
+          <p:nvPr>
+            <p:ph type="title"/>
+          </p:nvPr>
+        </p:nvSpPr>
+        <p:spPr>
+          <a:xfrm>
+            <a:off x="1471292" y="707886"/>
+            <a:ext cx="10395466" cy="1372705"/>
+          </a:xfrm>
+        </p:spPr>
+        <p:txBody>
+          <a:bodyPr rtlCol="0" anchor="ctr">
+            <a:normAutofit/>
+          </a:bodyPr>
+          <a:lstStyle/>
+          <a:p>
+            <a:pPr rtl="0"/>
+            <a:r>
+              <a:rPr lang="en-US">
+                <a:solidFill>
+                  <a:schemeClr val="bg1"/>
+                </a:solidFill>
+                <a:latin typeface="+mn-lt"/>
+                <a:cs typeface="Segoe UI" panose="020B0502040204020203" pitchFamily="34" charset="0"/>
+              </a:rPr>
+              <a:t>MÔ HÌNH DENSENET</a:t>
+            </a:r>
+            <a:endParaRPr lang="vi-VN">
+              <a:solidFill>
+                <a:schemeClr val="bg1"/>
+              </a:solidFill>
+              <a:latin typeface="+mn-lt"/>
+              <a:cs typeface="Segoe UI" panose="020B0502040204020203" pitchFamily="34" charset="0"/>
+            </a:endParaRPr>
+          </a:p>
+        </p:txBody>
+      </p:sp>
+      <p:pic>
+        <p:nvPicPr>
+          <p:cNvPr id="5" name="Đồ họa 4" descr="Mở Sách">
+            <a:extLst>
+              <a:ext uri="{FF2B5EF4-FFF2-40B4-BE49-F238E27FC236}">
+                <a16:creationId xmlns:a16="http://schemas.microsoft.com/office/drawing/2014/main" id="{DEFE964D-9F1C-4F69-ADD3-0E1AB324E198}"/>
+              </a:ext>
+            </a:extLst>
+          </p:cNvPr>
+          <p:cNvPicPr>
+            <a:picLocks noChangeAspect="1"/>
+          </p:cNvPicPr>
+          <p:nvPr/>
+        </p:nvPicPr>
+        <p:blipFill>
+          <a:blip r:embed="rId3">
+            <a:extLst>
+              <a:ext uri="{28A0092B-C50C-407E-A947-70E740481C1C}">
+                <a14:useLocalDpi xmlns:a14="http://schemas.microsoft.com/office/drawing/2010/main" val="0"/>
+              </a:ext>
+              <a:ext uri="{96DAC541-7B7A-43D3-8B79-37D633B846F1}">
+                <asvg:svgBlip xmlns:asvg="http://schemas.microsoft.com/office/drawing/2016/SVG/main" r:embed="rId4"/>
+              </a:ext>
+            </a:extLst>
+          </a:blip>
+          <a:stretch>
+            <a:fillRect/>
+          </a:stretch>
+        </p:blipFill>
+        <p:spPr>
+          <a:xfrm>
+            <a:off x="325242" y="816337"/>
+            <a:ext cx="1097280" cy="1097280"/>
+          </a:xfrm>
+          <a:prstGeom prst="rect">
+            <a:avLst/>
+          </a:prstGeom>
+        </p:spPr>
+      </p:pic>
+      <p:sp>
+        <p:nvSpPr>
+          <p:cNvPr id="3" name="Chỗ dành sẵn cho Nội dung 2">
+            <a:extLst>
+              <a:ext uri="{FF2B5EF4-FFF2-40B4-BE49-F238E27FC236}">
+                <a16:creationId xmlns:a16="http://schemas.microsoft.com/office/drawing/2014/main" id="{81072FAC-EEE9-4F26-A784-BC07EACCBE9F}"/>
+              </a:ext>
+            </a:extLst>
+          </p:cNvPr>
+          <p:cNvSpPr>
+            <a:spLocks noGrp="1"/>
+          </p:cNvSpPr>
+          <p:nvPr>
+            <p:ph idx="1"/>
+          </p:nvPr>
+        </p:nvSpPr>
+        <p:spPr>
+          <a:xfrm>
+            <a:off x="325242" y="2080591"/>
+            <a:ext cx="5685697" cy="4336349"/>
+          </a:xfrm>
+        </p:spPr>
+        <p:txBody>
+          <a:bodyPr vert="horz" lIns="91440" tIns="45720" rIns="91440" bIns="45720" rtlCol="0" anchor="t">
+            <a:noAutofit/>
+          </a:bodyPr>
+          <a:lstStyle/>
+          <a:p>
+            <a:pPr>
+              <a:spcBef>
+                <a:spcPts val="600"/>
+              </a:spcBef>
+              <a:spcAft>
+                <a:spcPts val="600"/>
+              </a:spcAft>
+            </a:pPr>
+            <a:r>
+              <a:rPr lang="en-US">
+                <a:solidFill>
+                  <a:schemeClr val="bg1"/>
+                </a:solidFill>
+                <a:latin typeface="Segoe UI" panose="020B0502040204020203" pitchFamily="34" charset="0"/>
+                <a:cs typeface="Segoe UI" panose="020B0502040204020203" pitchFamily="34" charset="0"/>
+              </a:rPr>
+              <a:t>M</a:t>
+            </a:r>
+            <a:r>
+              <a:rPr lang="vi-VN">
+                <a:solidFill>
+                  <a:schemeClr val="bg1"/>
+                </a:solidFill>
+                <a:latin typeface="Segoe UI" panose="020B0502040204020203" pitchFamily="34" charset="0"/>
+                <a:cs typeface="Segoe UI" panose="020B0502040204020203" pitchFamily="34" charset="0"/>
+              </a:rPr>
+              <a:t>ô hình </a:t>
+            </a:r>
+            <a:r>
+              <a:rPr lang="en-US">
+                <a:solidFill>
+                  <a:schemeClr val="bg1"/>
+                </a:solidFill>
+                <a:latin typeface="Segoe UI" panose="020B0502040204020203" pitchFamily="34" charset="0"/>
+                <a:cs typeface="Segoe UI" panose="020B0502040204020203" pitchFamily="34" charset="0"/>
+              </a:rPr>
+              <a:t>Den</a:t>
+            </a:r>
+            <a:r>
+              <a:rPr lang="vi-VN">
+                <a:solidFill>
+                  <a:schemeClr val="bg1"/>
+                </a:solidFill>
+                <a:latin typeface="Segoe UI" panose="020B0502040204020203" pitchFamily="34" charset="0"/>
+                <a:cs typeface="Segoe UI" panose="020B0502040204020203" pitchFamily="34" charset="0"/>
+              </a:rPr>
+              <a:t>s</a:t>
+            </a:r>
+            <a:r>
+              <a:rPr lang="en-US">
+                <a:solidFill>
+                  <a:schemeClr val="bg1"/>
+                </a:solidFill>
+                <a:latin typeface="Segoe UI" panose="020B0502040204020203" pitchFamily="34" charset="0"/>
+                <a:cs typeface="Segoe UI" panose="020B0502040204020203" pitchFamily="34" charset="0"/>
+              </a:rPr>
+              <a:t>e</a:t>
+            </a:r>
+            <a:r>
+              <a:rPr lang="vi-VN">
+                <a:solidFill>
+                  <a:schemeClr val="bg1"/>
+                </a:solidFill>
+                <a:latin typeface="Segoe UI" panose="020B0502040204020203" pitchFamily="34" charset="0"/>
+                <a:cs typeface="Segoe UI" panose="020B0502040204020203" pitchFamily="34" charset="0"/>
+              </a:rPr>
+              <a:t>Net</a:t>
+            </a:r>
+            <a:r>
+              <a:rPr lang="en-US">
+                <a:solidFill>
+                  <a:schemeClr val="bg1"/>
+                </a:solidFill>
+                <a:latin typeface="Segoe UI" panose="020B0502040204020203" pitchFamily="34" charset="0"/>
+                <a:cs typeface="Segoe UI" panose="020B0502040204020203" pitchFamily="34" charset="0"/>
+              </a:rPr>
+              <a:t> là gì?</a:t>
+            </a:r>
+            <a:endParaRPr lang="vi-VN">
+              <a:solidFill>
+                <a:schemeClr val="bg1"/>
+              </a:solidFill>
+              <a:latin typeface="Segoe UI" panose="020B0502040204020203" pitchFamily="34" charset="0"/>
+              <a:cs typeface="Segoe UI" panose="020B0502040204020203" pitchFamily="34" charset="0"/>
+            </a:endParaRPr>
+          </a:p>
+          <a:p>
+            <a:pPr lvl="1">
+              <a:spcBef>
+                <a:spcPts val="600"/>
+              </a:spcBef>
+              <a:spcAft>
+                <a:spcPts val="600"/>
+              </a:spcAft>
+            </a:pPr>
+            <a:r>
+              <a:rPr lang="vi-VN">
+                <a:solidFill>
+                  <a:schemeClr val="bg1"/>
+                </a:solidFill>
+                <a:latin typeface="Segoe UI" panose="020B0502040204020203" pitchFamily="34" charset="0"/>
+                <a:cs typeface="Segoe UI" panose="020B0502040204020203" pitchFamily="34" charset="0"/>
+              </a:rPr>
+              <a:t>Kết nối dày đặc - Dense connectivity</a:t>
+            </a:r>
+            <a:endParaRPr lang="en-US">
+              <a:solidFill>
+                <a:schemeClr val="bg1"/>
+              </a:solidFill>
+              <a:latin typeface="Segoe UI" panose="020B0502040204020203" pitchFamily="34" charset="0"/>
+              <a:cs typeface="Segoe UI" panose="020B0502040204020203" pitchFamily="34" charset="0"/>
+            </a:endParaRPr>
+          </a:p>
+          <a:p>
+            <a:pPr lvl="1">
+              <a:spcBef>
+                <a:spcPts val="600"/>
+              </a:spcBef>
+              <a:spcAft>
+                <a:spcPts val="600"/>
+              </a:spcAft>
+            </a:pPr>
+            <a:r>
+              <a:rPr lang="en-US">
+                <a:solidFill>
+                  <a:schemeClr val="bg1"/>
+                </a:solidFill>
+                <a:latin typeface="Segoe UI" panose="020B0502040204020203" pitchFamily="34" charset="0"/>
+                <a:cs typeface="Segoe UI" panose="020B0502040204020203" pitchFamily="34" charset="0"/>
+              </a:rPr>
+              <a:t>Hàm tổng hợp - Composite function</a:t>
+            </a:r>
+            <a:endParaRPr lang="vi-VN">
+              <a:solidFill>
+                <a:schemeClr val="bg1"/>
+              </a:solidFill>
+              <a:latin typeface="Segoe UI" panose="020B0502040204020203" pitchFamily="34" charset="0"/>
+              <a:cs typeface="Segoe UI" panose="020B0502040204020203" pitchFamily="34" charset="0"/>
+            </a:endParaRPr>
+          </a:p>
+          <a:p>
+            <a:pPr lvl="1">
+              <a:spcBef>
+                <a:spcPts val="600"/>
+              </a:spcBef>
+              <a:spcAft>
+                <a:spcPts val="600"/>
+              </a:spcAft>
+            </a:pPr>
+            <a:r>
+              <a:rPr lang="en-US">
+                <a:solidFill>
+                  <a:schemeClr val="bg1"/>
+                </a:solidFill>
+                <a:latin typeface="Segoe UI" panose="020B0502040204020203" pitchFamily="34" charset="0"/>
+                <a:cs typeface="Segoe UI" panose="020B0502040204020203" pitchFamily="34" charset="0"/>
+              </a:rPr>
+              <a:t>Tầng hợp nhất - Pooling layers</a:t>
+            </a:r>
+            <a:endParaRPr lang="vi-VN">
+              <a:solidFill>
+                <a:schemeClr val="bg1"/>
+              </a:solidFill>
+              <a:latin typeface="Segoe UI" panose="020B0502040204020203" pitchFamily="34" charset="0"/>
+              <a:cs typeface="Segoe UI" panose="020B0502040204020203" pitchFamily="34" charset="0"/>
+            </a:endParaRPr>
+          </a:p>
+          <a:p>
+            <a:pPr lvl="1">
+              <a:spcBef>
+                <a:spcPts val="600"/>
+              </a:spcBef>
+              <a:spcAft>
+                <a:spcPts val="600"/>
+              </a:spcAft>
+            </a:pPr>
+            <a:r>
+              <a:rPr lang="en-US">
+                <a:solidFill>
+                  <a:schemeClr val="bg1"/>
+                </a:solidFill>
+                <a:latin typeface="Segoe UI" panose="020B0502040204020203" pitchFamily="34" charset="0"/>
+                <a:cs typeface="Segoe UI" panose="020B0502040204020203" pitchFamily="34" charset="0"/>
+              </a:rPr>
+              <a:t>Tỉ lệ phát triển - Growth rate</a:t>
+            </a:r>
+          </a:p>
+          <a:p>
+            <a:pPr lvl="1">
+              <a:spcBef>
+                <a:spcPts val="600"/>
+              </a:spcBef>
+              <a:spcAft>
+                <a:spcPts val="600"/>
+              </a:spcAft>
+            </a:pPr>
+            <a:r>
+              <a:rPr lang="en-US">
+                <a:solidFill>
+                  <a:schemeClr val="bg1"/>
+                </a:solidFill>
+                <a:latin typeface="Segoe UI" panose="020B0502040204020203" pitchFamily="34" charset="0"/>
+                <a:cs typeface="Segoe UI" panose="020B0502040204020203" pitchFamily="34" charset="0"/>
+              </a:rPr>
+              <a:t>Các lớp nút cổ chai - Bottleneck layers</a:t>
+            </a:r>
+          </a:p>
+          <a:p>
+            <a:pPr lvl="1">
+              <a:spcBef>
+                <a:spcPts val="600"/>
+              </a:spcBef>
+              <a:spcAft>
+                <a:spcPts val="600"/>
+              </a:spcAft>
+            </a:pPr>
+            <a:r>
+              <a:rPr lang="en-US">
+                <a:solidFill>
+                  <a:schemeClr val="bg1"/>
+                </a:solidFill>
+                <a:latin typeface="Segoe UI" panose="020B0502040204020203" pitchFamily="34" charset="0"/>
+                <a:cs typeface="Segoe UI" panose="020B0502040204020203" pitchFamily="34" charset="0"/>
+              </a:rPr>
+              <a:t>Độ nén - Compression</a:t>
+            </a:r>
+          </a:p>
+          <a:p>
+            <a:pPr lvl="1">
+              <a:spcBef>
+                <a:spcPts val="1800"/>
+              </a:spcBef>
+              <a:spcAft>
+                <a:spcPts val="1800"/>
+              </a:spcAft>
+            </a:pPr>
+            <a:endParaRPr lang="en-US">
+              <a:solidFill>
+                <a:schemeClr val="bg1"/>
+              </a:solidFill>
+              <a:latin typeface="Segoe UI" panose="020B0502040204020203" pitchFamily="34" charset="0"/>
+              <a:cs typeface="Segoe UI" panose="020B0502040204020203" pitchFamily="34" charset="0"/>
+            </a:endParaRPr>
+          </a:p>
+          <a:p>
+            <a:pPr lvl="1">
+              <a:spcBef>
+                <a:spcPts val="1800"/>
+              </a:spcBef>
+              <a:spcAft>
+                <a:spcPts val="1800"/>
+              </a:spcAft>
+            </a:pPr>
+            <a:endParaRPr lang="vi-VN">
+              <a:solidFill>
+                <a:schemeClr val="bg1"/>
+              </a:solidFill>
+              <a:latin typeface="Segoe UI" panose="020B0502040204020203" pitchFamily="34" charset="0"/>
+              <a:cs typeface="Segoe UI" panose="020B0502040204020203" pitchFamily="34" charset="0"/>
+            </a:endParaRPr>
+          </a:p>
+        </p:txBody>
+      </p:sp>
+      <p:pic>
+        <p:nvPicPr>
+          <p:cNvPr id="9" name="Đồ họa 8">
+            <a:extLst>
+              <a:ext uri="{FF2B5EF4-FFF2-40B4-BE49-F238E27FC236}">
+                <a16:creationId xmlns:a16="http://schemas.microsoft.com/office/drawing/2014/main" id="{35127EDA-5861-47AB-8729-620CFC7DAC07}"/>
+              </a:ext>
+              <a:ext uri="{C183D7F6-B498-43B3-948B-1728B52AA6E4}">
+                <adec:decorative xmlns:adec="http://schemas.microsoft.com/office/drawing/2017/decorative" val="1"/>
+              </a:ext>
+            </a:extLst>
+          </p:cNvPr>
+          <p:cNvPicPr>
+            <a:picLocks noGrp="1" noRot="1" noChangeAspect="1" noMove="1" noResize="1" noEditPoints="1" noAdjustHandles="1" noChangeArrowheads="1" noChangeShapeType="1" noCrop="1"/>
+          </p:cNvPicPr>
+          <p:nvPr>
+            <p:extLst>
+              <p:ext uri="{386F3935-93C4-4BCD-93E2-E3B085C9AB24}">
+                <p16:designElem xmlns:p16="http://schemas.microsoft.com/office/powerpoint/2015/main" val="1"/>
+              </p:ext>
+            </p:extLst>
+          </p:nvPr>
+        </p:nvPicPr>
+        <p:blipFill>
+          <a:blip r:embed="rId3">
+            <a:alphaModFix amt="15000"/>
+            <a:extLst>
+              <a:ext uri="{28A0092B-C50C-407E-A947-70E740481C1C}">
+                <a14:useLocalDpi xmlns:a14="http://schemas.microsoft.com/office/drawing/2010/main" val="0"/>
+              </a:ext>
+              <a:ext uri="{96DAC541-7B7A-43D3-8B79-37D633B846F1}">
+                <asvg:svgBlip xmlns:asvg="http://schemas.microsoft.com/office/drawing/2016/SVG/main" r:embed="rId5"/>
+              </a:ext>
+            </a:extLst>
+          </a:blip>
+          <a:stretch>
+            <a:fillRect/>
+          </a:stretch>
+        </p:blipFill>
+        <p:spPr>
+          <a:xfrm>
+            <a:off x="6641431" y="816337"/>
+            <a:ext cx="5225327" cy="5225327"/>
+          </a:xfrm>
+          <a:prstGeom prst="rect">
+            <a:avLst/>
+          </a:prstGeom>
+        </p:spPr>
+      </p:pic>
+      <p:sp>
+        <p:nvSpPr>
+          <p:cNvPr id="6" name="Hộp Văn bản 5">
+            <a:extLst>
+              <a:ext uri="{FF2B5EF4-FFF2-40B4-BE49-F238E27FC236}">
+                <a16:creationId xmlns:a16="http://schemas.microsoft.com/office/drawing/2014/main" id="{584B38A1-DDBC-1F28-41E7-C1C091A2BE29}"/>
+              </a:ext>
+            </a:extLst>
+          </p:cNvPr>
+          <p:cNvSpPr txBox="1"/>
+          <p:nvPr/>
+        </p:nvSpPr>
+        <p:spPr>
+          <a:xfrm>
+            <a:off x="1" y="0"/>
+            <a:ext cx="12192000" cy="707886"/>
+          </a:xfrm>
+          <a:prstGeom prst="rect">
+            <a:avLst/>
+          </a:prstGeom>
+          <a:solidFill>
+            <a:srgbClr val="003865"/>
+          </a:solidFill>
+        </p:spPr>
+        <p:txBody>
+          <a:bodyPr wrap="square" rtlCol="0">
+            <a:spAutoFit/>
+          </a:bodyPr>
+          <a:lstStyle/>
+          <a:p>
+            <a:pPr algn="ctr"/>
+            <a:r>
+              <a:rPr lang="en-US" sz="2000">
+                <a:solidFill>
+                  <a:schemeClr val="bg1"/>
+                </a:solidFill>
+              </a:rPr>
+              <a:t>ĐẠI HỌC THÁI NGUYÊN</a:t>
+            </a:r>
+          </a:p>
+          <a:p>
+            <a:pPr algn="ctr"/>
+            <a:r>
+              <a:rPr lang="en-US" sz="2000" b="1">
+                <a:solidFill>
+                  <a:schemeClr val="bg1"/>
+                </a:solidFill>
+              </a:rPr>
+              <a:t>TRƯỜNG ĐẠI HỌC CÔNG NGHỆ THÔNG TIN VÀ TRUYỀN THÔNG</a:t>
+            </a:r>
+            <a:endParaRPr lang="vi-VN" sz="2000" b="1">
+              <a:solidFill>
+                <a:schemeClr val="bg1"/>
+              </a:solidFill>
+            </a:endParaRPr>
+          </a:p>
+        </p:txBody>
+      </p:sp>
+      <p:pic>
+        <p:nvPicPr>
+          <p:cNvPr id="7" name="Hình ảnh 6">
+            <a:extLst>
+              <a:ext uri="{FF2B5EF4-FFF2-40B4-BE49-F238E27FC236}">
+                <a16:creationId xmlns:a16="http://schemas.microsoft.com/office/drawing/2014/main" id="{5582A9F3-15D9-7F4F-1FBB-75F5FCFEF00E}"/>
+              </a:ext>
+            </a:extLst>
+          </p:cNvPr>
+          <p:cNvPicPr>
+            <a:picLocks noChangeAspect="1"/>
+          </p:cNvPicPr>
+          <p:nvPr/>
+        </p:nvPicPr>
+        <p:blipFill>
+          <a:blip r:embed="rId6">
+            <a:extLst>
+              <a:ext uri="{28A0092B-C50C-407E-A947-70E740481C1C}">
+                <a14:useLocalDpi xmlns:a14="http://schemas.microsoft.com/office/drawing/2010/main" val="0"/>
+              </a:ext>
+            </a:extLst>
+          </a:blip>
+          <a:stretch>
+            <a:fillRect/>
+          </a:stretch>
+        </p:blipFill>
+        <p:spPr>
+          <a:xfrm>
+            <a:off x="6010939" y="1913617"/>
+            <a:ext cx="5855819" cy="4236497"/>
+          </a:xfrm>
+          <a:prstGeom prst="rect">
+            <a:avLst/>
+          </a:prstGeom>
+        </p:spPr>
+      </p:pic>
+      <p:sp>
+        <p:nvSpPr>
+          <p:cNvPr id="10" name="Hộp Văn bản 9">
+            <a:extLst>
+              <a:ext uri="{FF2B5EF4-FFF2-40B4-BE49-F238E27FC236}">
+                <a16:creationId xmlns:a16="http://schemas.microsoft.com/office/drawing/2014/main" id="{537E21AA-50D6-ACBE-12B8-C6165424DC7C}"/>
+              </a:ext>
+            </a:extLst>
+          </p:cNvPr>
+          <p:cNvSpPr txBox="1"/>
+          <p:nvPr/>
+        </p:nvSpPr>
+        <p:spPr>
+          <a:xfrm>
+            <a:off x="7889585" y="6150114"/>
+            <a:ext cx="2729017" cy="369332"/>
+          </a:xfrm>
+          <a:prstGeom prst="rect">
+            <a:avLst/>
+          </a:prstGeom>
+          <a:noFill/>
+        </p:spPr>
+        <p:txBody>
+          <a:bodyPr wrap="none" rtlCol="0">
+            <a:spAutoFit/>
+          </a:bodyPr>
+          <a:lstStyle/>
+          <a:p>
+            <a:r>
+              <a:rPr lang="en-US" i="1">
+                <a:solidFill>
+                  <a:schemeClr val="bg1"/>
+                </a:solidFill>
+              </a:rPr>
+              <a:t>Hình 5: Kiến trúc DenseNet</a:t>
+            </a:r>
+          </a:p>
+        </p:txBody>
+      </p:sp>
+    </p:spTree>
+    <p:extLst>
+      <p:ext uri="{BB962C8B-B14F-4D97-AF65-F5344CB8AC3E}">
+        <p14:creationId xmlns:p14="http://schemas.microsoft.com/office/powerpoint/2010/main" val="2145285632"/>
       </p:ext>
     </p:extLst>
   </p:cSld>

--- a/Slide_baove.pptx
+++ b/Slide_baove.pptx
@@ -5,10 +5,10 @@
     <p:sldMasterId id="2147483648" r:id="rId1"/>
   </p:sldMasterIdLst>
   <p:notesMasterIdLst>
-    <p:notesMasterId r:id="rId19"/>
+    <p:notesMasterId r:id="rId22"/>
   </p:notesMasterIdLst>
   <p:handoutMasterIdLst>
-    <p:handoutMasterId r:id="rId20"/>
+    <p:handoutMasterId r:id="rId23"/>
   </p:handoutMasterIdLst>
   <p:sldIdLst>
     <p:sldId id="256" r:id="rId2"/>
@@ -23,11 +23,14 @@
     <p:sldId id="278" r:id="rId11"/>
     <p:sldId id="279" r:id="rId12"/>
     <p:sldId id="280" r:id="rId13"/>
-    <p:sldId id="281" r:id="rId14"/>
-    <p:sldId id="282" r:id="rId15"/>
-    <p:sldId id="283" r:id="rId16"/>
-    <p:sldId id="285" r:id="rId17"/>
-    <p:sldId id="284" r:id="rId18"/>
+    <p:sldId id="288" r:id="rId14"/>
+    <p:sldId id="287" r:id="rId15"/>
+    <p:sldId id="286" r:id="rId16"/>
+    <p:sldId id="281" r:id="rId17"/>
+    <p:sldId id="282" r:id="rId18"/>
+    <p:sldId id="283" r:id="rId19"/>
+    <p:sldId id="285" r:id="rId20"/>
+    <p:sldId id="284" r:id="rId21"/>
   </p:sldIdLst>
   <p:sldSz cx="12192000" cy="6858000"/>
   <p:notesSz cx="6858000" cy="9144000"/>
@@ -1499,95 +1502,47 @@
               </a:spcAft>
             </a:pPr>
             <a:r>
-              <a:rPr lang="vi-VN">
-                <a:solidFill>
-                  <a:schemeClr val="bg1"/>
-                </a:solidFill>
-                <a:latin typeface="Segoe UI" panose="020B0502040204020203" pitchFamily="34" charset="0"/>
-                <a:cs typeface="Segoe UI" panose="020B0502040204020203" pitchFamily="34" charset="0"/>
-              </a:rPr>
-              <a:t>Giao diện cập nhật mô hình</a:t>
-            </a:r>
-            <a:r>
-              <a:rPr lang="en-US">
-                <a:solidFill>
-                  <a:schemeClr val="bg1"/>
-                </a:solidFill>
-                <a:latin typeface="Segoe UI" panose="020B0502040204020203" pitchFamily="34" charset="0"/>
-                <a:cs typeface="Segoe UI" panose="020B0502040204020203" pitchFamily="34" charset="0"/>
-              </a:rPr>
-              <a:t>: </a:t>
-            </a:r>
-            <a:r>
-              <a:rPr lang="vi-VN">
-                <a:solidFill>
-                  <a:schemeClr val="bg1"/>
-                </a:solidFill>
-                <a:latin typeface="Segoe UI" panose="020B0502040204020203" pitchFamily="34" charset="0"/>
-                <a:cs typeface="Segoe UI" panose="020B0502040204020203" pitchFamily="34" charset="0"/>
-              </a:rPr>
-              <a:t>Tại đây, quản trị viên có thể thay đổi mô hình được sử dụng trong hệ</a:t>
-            </a:r>
-            <a:r>
-              <a:rPr lang="en-US">
-                <a:solidFill>
-                  <a:schemeClr val="bg1"/>
-                </a:solidFill>
-                <a:latin typeface="Segoe UI" panose="020B0502040204020203" pitchFamily="34" charset="0"/>
-                <a:cs typeface="Segoe UI" panose="020B0502040204020203" pitchFamily="34" charset="0"/>
-              </a:rPr>
-              <a:t> </a:t>
-            </a:r>
-            <a:r>
-              <a:rPr lang="vi-VN">
-                <a:solidFill>
-                  <a:schemeClr val="bg1"/>
-                </a:solidFill>
-                <a:latin typeface="Segoe UI" panose="020B0502040204020203" pitchFamily="34" charset="0"/>
-                <a:cs typeface="Segoe UI" panose="020B0502040204020203" pitchFamily="34" charset="0"/>
-              </a:rPr>
-              <a:t>thống. Mô hình này là được tạo ra ở pha Học. Mô hình mới được tải lên</a:t>
-            </a:r>
-            <a:r>
-              <a:rPr lang="en-US">
-                <a:solidFill>
-                  <a:schemeClr val="bg1"/>
-                </a:solidFill>
-                <a:latin typeface="Segoe UI" panose="020B0502040204020203" pitchFamily="34" charset="0"/>
-                <a:cs typeface="Segoe UI" panose="020B0502040204020203" pitchFamily="34" charset="0"/>
-              </a:rPr>
-              <a:t> </a:t>
-            </a:r>
-            <a:r>
-              <a:rPr lang="vi-VN">
-                <a:solidFill>
-                  <a:schemeClr val="bg1"/>
-                </a:solidFill>
-                <a:latin typeface="Segoe UI" panose="020B0502040204020203" pitchFamily="34" charset="0"/>
-                <a:cs typeface="Segoe UI" panose="020B0502040204020203" pitchFamily="34" charset="0"/>
-              </a:rPr>
-              <a:t>server, lưu trữ lại và ghi lại thông tin về đường dẫn để hệ thống có thể gọi</a:t>
-            </a:r>
-            <a:r>
-              <a:rPr lang="en-US">
-                <a:solidFill>
-                  <a:schemeClr val="bg1"/>
-                </a:solidFill>
-                <a:latin typeface="Segoe UI" panose="020B0502040204020203" pitchFamily="34" charset="0"/>
-                <a:cs typeface="Segoe UI" panose="020B0502040204020203" pitchFamily="34" charset="0"/>
-              </a:rPr>
-              <a:t> </a:t>
-            </a:r>
-            <a:r>
-              <a:rPr lang="vi-VN">
-                <a:solidFill>
-                  <a:schemeClr val="bg1"/>
-                </a:solidFill>
-                <a:latin typeface="Segoe UI" panose="020B0502040204020203" pitchFamily="34" charset="0"/>
-                <a:cs typeface="Segoe UI" panose="020B0502040204020203" pitchFamily="34" charset="0"/>
-              </a:rPr>
-              <a:t>được khi cần thiết.</a:t>
-            </a:r>
+              <a:rPr lang="vi-VN"/>
+              <a:t>Tại công bố của Karen Simonyan và Andrew Zisserman [7], các tác giả có thông tin mạng VGG có số lượng tham số khổng lồ từ 133 - 144 triệu. Với hệ thống được hỗ trợ là bốn NVIDIA Titan Black GPUs, việc đào tạo một mô hình đơn chiếm tới 2-3 tuần tùy thuộc vào cấu trúc. Chính vì vấn đề thời gian và nguồn tài nguyên nghiên cứu không thể đáp ứng nên chương trình thử nghiệm sẽ không áp dụng mô hình VGG. </a:t>
+            </a:r>
+            <a:endParaRPr lang="en-US"/>
+          </a:p>
+          <a:p>
+            <a:pPr>
+              <a:spcBef>
+                <a:spcPts val="1200"/>
+              </a:spcBef>
+              <a:spcAft>
+                <a:spcPts val="600"/>
+              </a:spcAft>
+            </a:pPr>
+            <a:r>
+              <a:rPr lang="vi-VN"/>
+              <a:t>Tham khảo kết quả nghiên cứu được công bố của Gao Huang [9] được thông tin tại hình 3.1 về so sánh tỷ lệ lỗi trên tập dữ liệu CIFAR và SVHN của các mô hình CNN, đặc biệt là mô hình ResNet và các biến thể của nó</a:t>
+            </a:r>
+            <a:r>
+              <a:rPr lang="en-US"/>
+              <a:t> t</a:t>
+            </a:r>
+            <a:r>
+              <a:rPr lang="vi-VN"/>
+              <a:t>a dễ dàng nhận ra DenseNet có tỉ lể lỗi thấp hơn so với các mô hình ResNe</a:t>
+            </a:r>
+            <a:r>
+              <a:rPr lang="en-US"/>
+              <a:t>t</a:t>
+            </a:r>
+            <a:r>
+              <a:rPr lang="vi-VN"/>
+              <a:t>, số lượng tham số cũng có ít hơn ResNet. Từ đây có thể nhận thấy 43 rõ nên áp dụng mô hình DenseNet. Chính vì những cơ sở trên, học viên quyết định sử dụng mô hình DenseNet cho phần mềm thử nghiệm của luận văn</a:t>
+            </a:r>
+            <a:endParaRPr lang="vi-VN">
+              <a:solidFill>
+                <a:schemeClr val="bg1"/>
+              </a:solidFill>
+              <a:latin typeface="Segoe UI" panose="020B0502040204020203" pitchFamily="34" charset="0"/>
+              <a:cs typeface="Segoe UI" panose="020B0502040204020203" pitchFamily="34" charset="0"/>
+            </a:endParaRPr>
           </a:p>
         </p:txBody>
       </p:sp>
@@ -1688,7 +1643,7 @@
                 <a:latin typeface="Segoe UI" panose="020B0502040204020203" pitchFamily="34" charset="0"/>
                 <a:cs typeface="Segoe UI" panose="020B0502040204020203" pitchFamily="34" charset="0"/>
               </a:rPr>
-              <a:t>Giao diện này tập trung thông tin của tất cả các dự đoán đã được thực</a:t>
+              <a:t>Hệ thống chương trình thử nghiệm Phần mềm chuẩn đoán bệnh lao</a:t>
             </a:r>
             <a:r>
               <a:rPr lang="en-US">
@@ -1708,7 +1663,7 @@
                 <a:latin typeface="Segoe UI" panose="020B0502040204020203" pitchFamily="34" charset="0"/>
                 <a:cs typeface="Segoe UI" panose="020B0502040204020203" pitchFamily="34" charset="0"/>
               </a:rPr>
-              <a:t>hiện và lưu lại của hệ thống. Hệ thống sẽ hiện thị tất cả các dự đoán đối với</a:t>
+              <a:t>được thiết kế theo kiến trúc Client/Server năm tầng (hình </a:t>
             </a:r>
             <a:r>
               <a:rPr lang="en-US">
@@ -1718,7 +1673,7 @@
                 <a:latin typeface="Segoe UI" panose="020B0502040204020203" pitchFamily="34" charset="0"/>
                 <a:cs typeface="Segoe UI" panose="020B0502040204020203" pitchFamily="34" charset="0"/>
               </a:rPr>
-              <a:t> </a:t>
+              <a:t>7</a:t>
             </a:r>
             <a:r>
               <a:rPr lang="vi-VN">
@@ -1728,8 +1683,25 @@
                 <a:latin typeface="Segoe UI" panose="020B0502040204020203" pitchFamily="34" charset="0"/>
                 <a:cs typeface="Segoe UI" panose="020B0502040204020203" pitchFamily="34" charset="0"/>
               </a:rPr>
-              <a:t>người quản trị, và với tài khoản người dùng, hệ thống chỉ hiển thị những</a:t>
-            </a:r>
+              <a:t>), trong đó:</a:t>
+            </a:r>
+            <a:endParaRPr lang="en-US">
+              <a:solidFill>
+                <a:schemeClr val="bg1"/>
+              </a:solidFill>
+              <a:latin typeface="Segoe UI" panose="020B0502040204020203" pitchFamily="34" charset="0"/>
+              <a:cs typeface="Segoe UI" panose="020B0502040204020203" pitchFamily="34" charset="0"/>
+            </a:endParaRPr>
+          </a:p>
+          <a:p>
+            <a:pPr>
+              <a:spcBef>
+                <a:spcPts val="1200"/>
+              </a:spcBef>
+              <a:spcAft>
+                <a:spcPts val="600"/>
+              </a:spcAft>
+            </a:pPr>
             <a:r>
               <a:rPr lang="en-US">
                 <a:solidFill>
@@ -1738,7 +1710,7 @@
                 <a:latin typeface="Segoe UI" panose="020B0502040204020203" pitchFamily="34" charset="0"/>
                 <a:cs typeface="Segoe UI" panose="020B0502040204020203" pitchFamily="34" charset="0"/>
               </a:rPr>
-              <a:t> </a:t>
+              <a:t>	- </a:t>
             </a:r>
             <a:r>
               <a:rPr lang="vi-VN">
@@ -1748,8 +1720,133 @@
                 <a:latin typeface="Segoe UI" panose="020B0502040204020203" pitchFamily="34" charset="0"/>
                 <a:cs typeface="Segoe UI" panose="020B0502040204020203" pitchFamily="34" charset="0"/>
               </a:rPr>
-              <a:t>dự đoán thuộc về người dùng.</a:t>
-            </a:r>
+              <a:t>Tầng thứ nhất là tầng giao diện người phân loại</a:t>
+            </a:r>
+            <a:endParaRPr lang="en-US">
+              <a:solidFill>
+                <a:schemeClr val="bg1"/>
+              </a:solidFill>
+              <a:latin typeface="Segoe UI" panose="020B0502040204020203" pitchFamily="34" charset="0"/>
+              <a:cs typeface="Segoe UI" panose="020B0502040204020203" pitchFamily="34" charset="0"/>
+            </a:endParaRPr>
+          </a:p>
+          <a:p>
+            <a:pPr>
+              <a:spcBef>
+                <a:spcPts val="1200"/>
+              </a:spcBef>
+              <a:spcAft>
+                <a:spcPts val="600"/>
+              </a:spcAft>
+            </a:pPr>
+            <a:r>
+              <a:rPr lang="en-US">
+                <a:solidFill>
+                  <a:schemeClr val="bg1"/>
+                </a:solidFill>
+                <a:latin typeface="Segoe UI" panose="020B0502040204020203" pitchFamily="34" charset="0"/>
+                <a:cs typeface="Segoe UI" panose="020B0502040204020203" pitchFamily="34" charset="0"/>
+              </a:rPr>
+              <a:t>	- </a:t>
+            </a:r>
+            <a:r>
+              <a:rPr lang="en-US"/>
+              <a:t>Tầng thứ hai là tầng server quản lý cấu hình hệ thống</a:t>
+            </a:r>
+            <a:endParaRPr lang="en-US">
+              <a:solidFill>
+                <a:schemeClr val="bg1"/>
+              </a:solidFill>
+              <a:latin typeface="Segoe UI" panose="020B0502040204020203" pitchFamily="34" charset="0"/>
+              <a:cs typeface="Segoe UI" panose="020B0502040204020203" pitchFamily="34" charset="0"/>
+            </a:endParaRPr>
+          </a:p>
+          <a:p>
+            <a:pPr>
+              <a:spcBef>
+                <a:spcPts val="1200"/>
+              </a:spcBef>
+              <a:spcAft>
+                <a:spcPts val="600"/>
+              </a:spcAft>
+            </a:pPr>
+            <a:r>
+              <a:rPr lang="en-US">
+                <a:solidFill>
+                  <a:schemeClr val="bg1"/>
+                </a:solidFill>
+                <a:latin typeface="Segoe UI" panose="020B0502040204020203" pitchFamily="34" charset="0"/>
+                <a:cs typeface="Segoe UI" panose="020B0502040204020203" pitchFamily="34" charset="0"/>
+              </a:rPr>
+              <a:t>	- </a:t>
+            </a:r>
+            <a:r>
+              <a:rPr lang="en-US"/>
+              <a:t>Tầng thứ ba là tầng server thực hiện logic xử lý các yêu cầu từ client</a:t>
+            </a:r>
+            <a:endParaRPr lang="en-US">
+              <a:solidFill>
+                <a:schemeClr val="bg1"/>
+              </a:solidFill>
+              <a:latin typeface="Segoe UI" panose="020B0502040204020203" pitchFamily="34" charset="0"/>
+              <a:cs typeface="Segoe UI" panose="020B0502040204020203" pitchFamily="34" charset="0"/>
+            </a:endParaRPr>
+          </a:p>
+          <a:p>
+            <a:pPr>
+              <a:spcBef>
+                <a:spcPts val="1200"/>
+              </a:spcBef>
+              <a:spcAft>
+                <a:spcPts val="600"/>
+              </a:spcAft>
+            </a:pPr>
+            <a:r>
+              <a:rPr lang="en-US">
+                <a:solidFill>
+                  <a:schemeClr val="bg1"/>
+                </a:solidFill>
+                <a:latin typeface="Segoe UI" panose="020B0502040204020203" pitchFamily="34" charset="0"/>
+                <a:cs typeface="Segoe UI" panose="020B0502040204020203" pitchFamily="34" charset="0"/>
+              </a:rPr>
+              <a:t>	- </a:t>
+            </a:r>
+            <a:r>
+              <a:rPr lang="vi-VN"/>
+              <a:t>Tầng thứ tư là tầng đảm nhiệm xây dựng, tinh chỉnh và quản lý các phiên bản mô hình phân loại cho hệ thống</a:t>
+            </a:r>
+            <a:endParaRPr lang="en-US"/>
+          </a:p>
+          <a:p>
+            <a:pPr>
+              <a:spcBef>
+                <a:spcPts val="1200"/>
+              </a:spcBef>
+              <a:spcAft>
+                <a:spcPts val="600"/>
+              </a:spcAft>
+            </a:pPr>
+            <a:r>
+              <a:rPr lang="en-US">
+                <a:solidFill>
+                  <a:schemeClr val="bg1"/>
+                </a:solidFill>
+                <a:latin typeface="Segoe UI" panose="020B0502040204020203" pitchFamily="34" charset="0"/>
+                <a:cs typeface="Segoe UI" panose="020B0502040204020203" pitchFamily="34" charset="0"/>
+              </a:rPr>
+              <a:t>	- </a:t>
+            </a:r>
+            <a:r>
+              <a:rPr lang="en-US"/>
+              <a:t>Tầng cuối cùng là tầng quản lý dữ liệu, bao gồm CSDL ảnh phục vụ cho việc huấn luyện mô hình, CSDL ảnh đã xử lý từ các client nhằm mục đích bổ sung sự đa dạng của CSDL ảnh và cải thiện độ chính xác của mô hình phân loại</a:t>
+            </a:r>
+            <a:endParaRPr lang="vi-VN">
+              <a:solidFill>
+                <a:schemeClr val="bg1"/>
+              </a:solidFill>
+              <a:latin typeface="Segoe UI" panose="020B0502040204020203" pitchFamily="34" charset="0"/>
+              <a:cs typeface="Segoe UI" panose="020B0502040204020203" pitchFamily="34" charset="0"/>
+            </a:endParaRPr>
           </a:p>
         </p:txBody>
       </p:sp>
@@ -1780,7 +1877,7 @@
     </p:spTree>
     <p:extLst>
       <p:ext uri="{BB962C8B-B14F-4D97-AF65-F5344CB8AC3E}">
-        <p14:creationId xmlns:p14="http://schemas.microsoft.com/office/powerpoint/2010/main" val="1363159947"/>
+        <p14:creationId xmlns:p14="http://schemas.microsoft.com/office/powerpoint/2010/main" val="3952987494"/>
       </p:ext>
     </p:extLst>
   </p:cSld>
@@ -1850,7 +1947,7 @@
                 <a:latin typeface="Segoe UI" panose="020B0502040204020203" pitchFamily="34" charset="0"/>
                 <a:cs typeface="Segoe UI" panose="020B0502040204020203" pitchFamily="34" charset="0"/>
               </a:rPr>
-              <a:t>Người dùng upload ảnh chụp x-quang đã chuyển đổi định dạng PNG</a:t>
+              <a:t>Giao diện cập nhật mô hình</a:t>
             </a:r>
             <a:r>
               <a:rPr lang="en-US">
@@ -1860,6 +1957,26 @@
                 <a:latin typeface="Segoe UI" panose="020B0502040204020203" pitchFamily="34" charset="0"/>
                 <a:cs typeface="Segoe UI" panose="020B0502040204020203" pitchFamily="34" charset="0"/>
               </a:rPr>
+              <a:t>: </a:t>
+            </a:r>
+            <a:r>
+              <a:rPr lang="vi-VN">
+                <a:solidFill>
+                  <a:schemeClr val="bg1"/>
+                </a:solidFill>
+                <a:latin typeface="Segoe UI" panose="020B0502040204020203" pitchFamily="34" charset="0"/>
+                <a:cs typeface="Segoe UI" panose="020B0502040204020203" pitchFamily="34" charset="0"/>
+              </a:rPr>
+              <a:t>Tại đây, quản trị viên có thể thay đổi mô hình được sử dụng trong hệ</a:t>
+            </a:r>
+            <a:r>
+              <a:rPr lang="en-US">
+                <a:solidFill>
+                  <a:schemeClr val="bg1"/>
+                </a:solidFill>
+                <a:latin typeface="Segoe UI" panose="020B0502040204020203" pitchFamily="34" charset="0"/>
+                <a:cs typeface="Segoe UI" panose="020B0502040204020203" pitchFamily="34" charset="0"/>
+              </a:rPr>
               <a:t> </a:t>
             </a:r>
             <a:r>
@@ -1870,7 +1987,47 @@
                 <a:latin typeface="Segoe UI" panose="020B0502040204020203" pitchFamily="34" charset="0"/>
                 <a:cs typeface="Segoe UI" panose="020B0502040204020203" pitchFamily="34" charset="0"/>
               </a:rPr>
-              <a:t>với kích thước 512x512 tại đây và nhận về kết quả dự đoán.</a:t>
+              <a:t>thống. Mô hình này là được tạo ra ở pha Học. Mô hình mới được tải lên</a:t>
+            </a:r>
+            <a:r>
+              <a:rPr lang="en-US">
+                <a:solidFill>
+                  <a:schemeClr val="bg1"/>
+                </a:solidFill>
+                <a:latin typeface="Segoe UI" panose="020B0502040204020203" pitchFamily="34" charset="0"/>
+                <a:cs typeface="Segoe UI" panose="020B0502040204020203" pitchFamily="34" charset="0"/>
+              </a:rPr>
+              <a:t> </a:t>
+            </a:r>
+            <a:r>
+              <a:rPr lang="vi-VN">
+                <a:solidFill>
+                  <a:schemeClr val="bg1"/>
+                </a:solidFill>
+                <a:latin typeface="Segoe UI" panose="020B0502040204020203" pitchFamily="34" charset="0"/>
+                <a:cs typeface="Segoe UI" panose="020B0502040204020203" pitchFamily="34" charset="0"/>
+              </a:rPr>
+              <a:t>server, lưu trữ lại và ghi lại thông tin về đường dẫn để hệ thống có thể gọi</a:t>
+            </a:r>
+            <a:r>
+              <a:rPr lang="en-US">
+                <a:solidFill>
+                  <a:schemeClr val="bg1"/>
+                </a:solidFill>
+                <a:latin typeface="Segoe UI" panose="020B0502040204020203" pitchFamily="34" charset="0"/>
+                <a:cs typeface="Segoe UI" panose="020B0502040204020203" pitchFamily="34" charset="0"/>
+              </a:rPr>
+              <a:t> </a:t>
+            </a:r>
+            <a:r>
+              <a:rPr lang="vi-VN">
+                <a:solidFill>
+                  <a:schemeClr val="bg1"/>
+                </a:solidFill>
+                <a:latin typeface="Segoe UI" panose="020B0502040204020203" pitchFamily="34" charset="0"/>
+                <a:cs typeface="Segoe UI" panose="020B0502040204020203" pitchFamily="34" charset="0"/>
+              </a:rPr>
+              <a:t>được khi cần thiết.</a:t>
             </a:r>
           </a:p>
         </p:txBody>
@@ -1902,7 +2059,7 @@
     </p:spTree>
     <p:extLst>
       <p:ext uri="{BB962C8B-B14F-4D97-AF65-F5344CB8AC3E}">
-        <p14:creationId xmlns:p14="http://schemas.microsoft.com/office/powerpoint/2010/main" val="2125339099"/>
+        <p14:creationId xmlns:p14="http://schemas.microsoft.com/office/powerpoint/2010/main" val="3905172710"/>
       </p:ext>
     </p:extLst>
   </p:cSld>
@@ -1972,7 +2129,7 @@
                 <a:latin typeface="Segoe UI" panose="020B0502040204020203" pitchFamily="34" charset="0"/>
                 <a:cs typeface="Segoe UI" panose="020B0502040204020203" pitchFamily="34" charset="0"/>
               </a:rPr>
-              <a:t>Thực hiện kiểm thử việc phân loại của hệ thống với 100 ảnh x-quang</a:t>
+              <a:t>Giao diện cập nhật mô hình</a:t>
             </a:r>
             <a:r>
               <a:rPr lang="en-US">
@@ -1982,6 +2139,26 @@
                 <a:latin typeface="Segoe UI" panose="020B0502040204020203" pitchFamily="34" charset="0"/>
                 <a:cs typeface="Segoe UI" panose="020B0502040204020203" pitchFamily="34" charset="0"/>
               </a:rPr>
+              <a:t>: </a:t>
+            </a:r>
+            <a:r>
+              <a:rPr lang="vi-VN">
+                <a:solidFill>
+                  <a:schemeClr val="bg1"/>
+                </a:solidFill>
+                <a:latin typeface="Segoe UI" panose="020B0502040204020203" pitchFamily="34" charset="0"/>
+                <a:cs typeface="Segoe UI" panose="020B0502040204020203" pitchFamily="34" charset="0"/>
+              </a:rPr>
+              <a:t>Tại đây, quản trị viên có thể thay đổi mô hình được sử dụng trong hệ</a:t>
+            </a:r>
+            <a:r>
+              <a:rPr lang="en-US">
+                <a:solidFill>
+                  <a:schemeClr val="bg1"/>
+                </a:solidFill>
+                <a:latin typeface="Segoe UI" panose="020B0502040204020203" pitchFamily="34" charset="0"/>
+                <a:cs typeface="Segoe UI" panose="020B0502040204020203" pitchFamily="34" charset="0"/>
+              </a:rPr>
               <a:t> </a:t>
             </a:r>
             <a:r>
@@ -1992,7 +2169,7 @@
                 <a:latin typeface="Segoe UI" panose="020B0502040204020203" pitchFamily="34" charset="0"/>
                 <a:cs typeface="Segoe UI" panose="020B0502040204020203" pitchFamily="34" charset="0"/>
               </a:rPr>
-              <a:t>được tách riêng biệt khỏi quá trình trainning, ta có được kết quả rất khả</a:t>
+              <a:t>thống. Mô hình này là được tạo ra ở pha Học. Mô hình mới được tải lên</a:t>
             </a:r>
             <a:r>
               <a:rPr lang="en-US">
@@ -2012,25 +2189,18 @@
                 <a:latin typeface="Segoe UI" panose="020B0502040204020203" pitchFamily="34" charset="0"/>
                 <a:cs typeface="Segoe UI" panose="020B0502040204020203" pitchFamily="34" charset="0"/>
               </a:rPr>
-              <a:t>quan.</a:t>
-            </a:r>
-            <a:endParaRPr lang="en-US">
-              <a:solidFill>
-                <a:schemeClr val="bg1"/>
-              </a:solidFill>
-              <a:latin typeface="Segoe UI" panose="020B0502040204020203" pitchFamily="34" charset="0"/>
-              <a:cs typeface="Segoe UI" panose="020B0502040204020203" pitchFamily="34" charset="0"/>
-            </a:endParaRPr>
-          </a:p>
-          <a:p>
-            <a:pPr>
-              <a:spcBef>
-                <a:spcPts val="1200"/>
-              </a:spcBef>
-              <a:spcAft>
-                <a:spcPts val="600"/>
-              </a:spcAft>
-            </a:pPr>
+              <a:t>server, lưu trữ lại và ghi lại thông tin về đường dẫn để hệ thống có thể gọi</a:t>
+            </a:r>
+            <a:r>
+              <a:rPr lang="en-US">
+                <a:solidFill>
+                  <a:schemeClr val="bg1"/>
+                </a:solidFill>
+                <a:latin typeface="Segoe UI" panose="020B0502040204020203" pitchFamily="34" charset="0"/>
+                <a:cs typeface="Segoe UI" panose="020B0502040204020203" pitchFamily="34" charset="0"/>
+              </a:rPr>
+              <a:t> </a:t>
+            </a:r>
             <a:r>
               <a:rPr lang="vi-VN">
                 <a:solidFill>
@@ -2039,194 +2209,7 @@
                 <a:latin typeface="Segoe UI" panose="020B0502040204020203" pitchFamily="34" charset="0"/>
                 <a:cs typeface="Segoe UI" panose="020B0502040204020203" pitchFamily="34" charset="0"/>
               </a:rPr>
-              <a:t>Bài toán của luận văn chỉ có hai lớp để phân loại nên phương pháp thích</a:t>
-            </a:r>
-            <a:r>
-              <a:rPr lang="en-US">
-                <a:solidFill>
-                  <a:schemeClr val="bg1"/>
-                </a:solidFill>
-                <a:latin typeface="Segoe UI" panose="020B0502040204020203" pitchFamily="34" charset="0"/>
-                <a:cs typeface="Segoe UI" panose="020B0502040204020203" pitchFamily="34" charset="0"/>
-              </a:rPr>
-              <a:t> </a:t>
-            </a:r>
-            <a:r>
-              <a:rPr lang="vi-VN">
-                <a:solidFill>
-                  <a:schemeClr val="bg1"/>
-                </a:solidFill>
-                <a:latin typeface="Segoe UI" panose="020B0502040204020203" pitchFamily="34" charset="0"/>
-                <a:cs typeface="Segoe UI" panose="020B0502040204020203" pitchFamily="34" charset="0"/>
-              </a:rPr>
-              <a:t>hợp nhất để đánh giá là True/False Positive/Negative. Ta định nghĩa lớp</a:t>
-            </a:r>
-            <a:r>
-              <a:rPr lang="en-US">
-                <a:solidFill>
-                  <a:schemeClr val="bg1"/>
-                </a:solidFill>
-                <a:latin typeface="Segoe UI" panose="020B0502040204020203" pitchFamily="34" charset="0"/>
-                <a:cs typeface="Segoe UI" panose="020B0502040204020203" pitchFamily="34" charset="0"/>
-              </a:rPr>
-              <a:t> </a:t>
-            </a:r>
-            <a:r>
-              <a:rPr lang="vi-VN">
-                <a:solidFill>
-                  <a:schemeClr val="bg1"/>
-                </a:solidFill>
-                <a:latin typeface="Segoe UI" panose="020B0502040204020203" pitchFamily="34" charset="0"/>
-                <a:cs typeface="Segoe UI" panose="020B0502040204020203" pitchFamily="34" charset="0"/>
-              </a:rPr>
-              <a:t>dữ liệu quan trọng hơn cần được xác định đúng là lớp Positive (P-dương</a:t>
-            </a:r>
-            <a:r>
-              <a:rPr lang="en-US">
-                <a:solidFill>
-                  <a:schemeClr val="bg1"/>
-                </a:solidFill>
-                <a:latin typeface="Segoe UI" panose="020B0502040204020203" pitchFamily="34" charset="0"/>
-                <a:cs typeface="Segoe UI" panose="020B0502040204020203" pitchFamily="34" charset="0"/>
-              </a:rPr>
-              <a:t> </a:t>
-            </a:r>
-            <a:r>
-              <a:rPr lang="vi-VN">
-                <a:solidFill>
-                  <a:schemeClr val="bg1"/>
-                </a:solidFill>
-                <a:latin typeface="Segoe UI" panose="020B0502040204020203" pitchFamily="34" charset="0"/>
-                <a:cs typeface="Segoe UI" panose="020B0502040204020203" pitchFamily="34" charset="0"/>
-              </a:rPr>
-              <a:t>tính), lớp còn lại được gọi là Negative (N-âm tính). Ta định nghĩa True</a:t>
-            </a:r>
-            <a:r>
-              <a:rPr lang="en-US">
-                <a:solidFill>
-                  <a:schemeClr val="bg1"/>
-                </a:solidFill>
-                <a:latin typeface="Segoe UI" panose="020B0502040204020203" pitchFamily="34" charset="0"/>
-                <a:cs typeface="Segoe UI" panose="020B0502040204020203" pitchFamily="34" charset="0"/>
-              </a:rPr>
-              <a:t> </a:t>
-            </a:r>
-            <a:r>
-              <a:rPr lang="vi-VN">
-                <a:solidFill>
-                  <a:schemeClr val="bg1"/>
-                </a:solidFill>
-                <a:latin typeface="Segoe UI" panose="020B0502040204020203" pitchFamily="34" charset="0"/>
-                <a:cs typeface="Segoe UI" panose="020B0502040204020203" pitchFamily="34" charset="0"/>
-              </a:rPr>
-              <a:t>Positive (TP), False Positive (FP), True Negative (TN), False Negative</a:t>
-            </a:r>
-            <a:r>
-              <a:rPr lang="en-US">
-                <a:solidFill>
-                  <a:schemeClr val="bg1"/>
-                </a:solidFill>
-                <a:latin typeface="Segoe UI" panose="020B0502040204020203" pitchFamily="34" charset="0"/>
-                <a:cs typeface="Segoe UI" panose="020B0502040204020203" pitchFamily="34" charset="0"/>
-              </a:rPr>
-              <a:t> </a:t>
-            </a:r>
-            <a:r>
-              <a:rPr lang="vi-VN">
-                <a:solidFill>
-                  <a:schemeClr val="bg1"/>
-                </a:solidFill>
-                <a:latin typeface="Segoe UI" panose="020B0502040204020203" pitchFamily="34" charset="0"/>
-                <a:cs typeface="Segoe UI" panose="020B0502040204020203" pitchFamily="34" charset="0"/>
-              </a:rPr>
-              <a:t>(FN) dựa trên confusion matrix chưa chuẩn hoá.</a:t>
-            </a:r>
-            <a:endParaRPr lang="en-US">
-              <a:solidFill>
-                <a:schemeClr val="bg1"/>
-              </a:solidFill>
-              <a:latin typeface="Segoe UI" panose="020B0502040204020203" pitchFamily="34" charset="0"/>
-              <a:cs typeface="Segoe UI" panose="020B0502040204020203" pitchFamily="34" charset="0"/>
-            </a:endParaRPr>
-          </a:p>
-          <a:p>
-            <a:pPr>
-              <a:spcBef>
-                <a:spcPts val="1200"/>
-              </a:spcBef>
-              <a:spcAft>
-                <a:spcPts val="600"/>
-              </a:spcAft>
-            </a:pPr>
-            <a:r>
-              <a:rPr lang="vi-VN">
-                <a:solidFill>
-                  <a:schemeClr val="bg1"/>
-                </a:solidFill>
-                <a:latin typeface="Segoe UI" panose="020B0502040204020203" pitchFamily="34" charset="0"/>
-                <a:cs typeface="Segoe UI" panose="020B0502040204020203" pitchFamily="34" charset="0"/>
-              </a:rPr>
-              <a:t>Bằng phương pháp trên, ta có kết quả tổng hợp tại hình </a:t>
-            </a:r>
-            <a:r>
-              <a:rPr lang="en-US">
-                <a:solidFill>
-                  <a:schemeClr val="bg1"/>
-                </a:solidFill>
-                <a:latin typeface="Segoe UI" panose="020B0502040204020203" pitchFamily="34" charset="0"/>
-                <a:cs typeface="Segoe UI" panose="020B0502040204020203" pitchFamily="34" charset="0"/>
-              </a:rPr>
-              <a:t>9</a:t>
-            </a:r>
-            <a:r>
-              <a:rPr lang="vi-VN">
-                <a:solidFill>
-                  <a:schemeClr val="bg1"/>
-                </a:solidFill>
-                <a:latin typeface="Segoe UI" panose="020B0502040204020203" pitchFamily="34" charset="0"/>
-                <a:cs typeface="Segoe UI" panose="020B0502040204020203" pitchFamily="34" charset="0"/>
-              </a:rPr>
-              <a:t>, tỉ lệ dự</a:t>
-            </a:r>
-            <a:r>
-              <a:rPr lang="en-US">
-                <a:solidFill>
-                  <a:schemeClr val="bg1"/>
-                </a:solidFill>
-                <a:latin typeface="Segoe UI" panose="020B0502040204020203" pitchFamily="34" charset="0"/>
-                <a:cs typeface="Segoe UI" panose="020B0502040204020203" pitchFamily="34" charset="0"/>
-              </a:rPr>
-              <a:t> </a:t>
-            </a:r>
-            <a:r>
-              <a:rPr lang="vi-VN">
-                <a:solidFill>
-                  <a:schemeClr val="bg1"/>
-                </a:solidFill>
-                <a:latin typeface="Segoe UI" panose="020B0502040204020203" pitchFamily="34" charset="0"/>
-                <a:cs typeface="Segoe UI" panose="020B0502040204020203" pitchFamily="34" charset="0"/>
-              </a:rPr>
-              <a:t>đoán chính xác là 96%, tỉ lệ báo động nhầm (False Alarm Rate) là 1% và</a:t>
-            </a:r>
-            <a:r>
-              <a:rPr lang="en-US">
-                <a:solidFill>
-                  <a:schemeClr val="bg1"/>
-                </a:solidFill>
-                <a:latin typeface="Segoe UI" panose="020B0502040204020203" pitchFamily="34" charset="0"/>
-                <a:cs typeface="Segoe UI" panose="020B0502040204020203" pitchFamily="34" charset="0"/>
-              </a:rPr>
-              <a:t> </a:t>
-            </a:r>
-            <a:r>
-              <a:rPr lang="vi-VN">
-                <a:solidFill>
-                  <a:schemeClr val="bg1"/>
-                </a:solidFill>
-                <a:latin typeface="Segoe UI" panose="020B0502040204020203" pitchFamily="34" charset="0"/>
-                <a:cs typeface="Segoe UI" panose="020B0502040204020203" pitchFamily="34" charset="0"/>
-              </a:rPr>
-              <a:t>tỉ lệ bỏ sót (Miss Detection Rate) là 3%</a:t>
+              <a:t>được khi cần thiết.</a:t>
             </a:r>
           </a:p>
         </p:txBody>
@@ -2258,7 +2241,7 @@
     </p:spTree>
     <p:extLst>
       <p:ext uri="{BB962C8B-B14F-4D97-AF65-F5344CB8AC3E}">
-        <p14:creationId xmlns:p14="http://schemas.microsoft.com/office/powerpoint/2010/main" val="3351217591"/>
+        <p14:creationId xmlns:p14="http://schemas.microsoft.com/office/powerpoint/2010/main" val="204626074"/>
       </p:ext>
     </p:extLst>
   </p:cSld>
@@ -2328,7 +2311,7 @@
                 <a:latin typeface="Segoe UI" panose="020B0502040204020203" pitchFamily="34" charset="0"/>
                 <a:cs typeface="Segoe UI" panose="020B0502040204020203" pitchFamily="34" charset="0"/>
               </a:rPr>
-              <a:t>Kết quả đã đạt được</a:t>
+              <a:t>Giao diện này tập trung thông tin của tất cả các dự đoán đã được thực</a:t>
             </a:r>
             <a:r>
               <a:rPr lang="en-US">
@@ -2338,7 +2321,7 @@
                 <a:latin typeface="Segoe UI" panose="020B0502040204020203" pitchFamily="34" charset="0"/>
                 <a:cs typeface="Segoe UI" panose="020B0502040204020203" pitchFamily="34" charset="0"/>
               </a:rPr>
-              <a:t>: </a:t>
+              <a:t> </a:t>
             </a:r>
             <a:r>
               <a:rPr lang="vi-VN">
@@ -2348,7 +2331,7 @@
                 <a:latin typeface="Segoe UI" panose="020B0502040204020203" pitchFamily="34" charset="0"/>
                 <a:cs typeface="Segoe UI" panose="020B0502040204020203" pitchFamily="34" charset="0"/>
               </a:rPr>
-              <a:t>Sau một thời gian tìm hiểu nghiên cứu, luận văn đã trình bày được các</a:t>
+              <a:t>hiện và lưu lại của hệ thống. Hệ thống sẽ hiện thị tất cả các dự đoán đối với</a:t>
             </a:r>
             <a:r>
               <a:rPr lang="en-US">
@@ -2368,18 +2351,8 @@
                 <a:latin typeface="Segoe UI" panose="020B0502040204020203" pitchFamily="34" charset="0"/>
                 <a:cs typeface="Segoe UI" panose="020B0502040204020203" pitchFamily="34" charset="0"/>
               </a:rPr>
-              <a:t>vấn đề sau:</a:t>
-            </a:r>
-          </a:p>
-          <a:p>
-            <a:pPr>
-              <a:spcBef>
-                <a:spcPts val="1200"/>
-              </a:spcBef>
-              <a:spcAft>
-                <a:spcPts val="600"/>
-              </a:spcAft>
-            </a:pPr>
+              <a:t>người quản trị, và với tài khoản người dùng, hệ thống chỉ hiển thị những</a:t>
+            </a:r>
             <a:r>
               <a:rPr lang="en-US">
                 <a:solidFill>
@@ -2388,7 +2361,7 @@
                 <a:latin typeface="Segoe UI" panose="020B0502040204020203" pitchFamily="34" charset="0"/>
                 <a:cs typeface="Segoe UI" panose="020B0502040204020203" pitchFamily="34" charset="0"/>
               </a:rPr>
-              <a:t>	- T</a:t>
+              <a:t> </a:t>
             </a:r>
             <a:r>
               <a:rPr lang="vi-VN">
@@ -2398,503 +2371,8 @@
                 <a:latin typeface="Segoe UI" panose="020B0502040204020203" pitchFamily="34" charset="0"/>
                 <a:cs typeface="Segoe UI" panose="020B0502040204020203" pitchFamily="34" charset="0"/>
               </a:rPr>
-              <a:t>rình bày khái quát về CNN và bài toán chẩn đoán bệnh lao</a:t>
-            </a:r>
-            <a:endParaRPr lang="en-US">
-              <a:solidFill>
-                <a:schemeClr val="bg1"/>
-              </a:solidFill>
-              <a:latin typeface="Segoe UI" panose="020B0502040204020203" pitchFamily="34" charset="0"/>
-              <a:cs typeface="Segoe UI" panose="020B0502040204020203" pitchFamily="34" charset="0"/>
-            </a:endParaRPr>
-          </a:p>
-          <a:p>
-            <a:pPr>
-              <a:spcBef>
-                <a:spcPts val="1200"/>
-              </a:spcBef>
-              <a:spcAft>
-                <a:spcPts val="600"/>
-              </a:spcAft>
-            </a:pPr>
-            <a:r>
-              <a:rPr lang="en-US">
-                <a:solidFill>
-                  <a:schemeClr val="bg1"/>
-                </a:solidFill>
-                <a:latin typeface="Segoe UI" panose="020B0502040204020203" pitchFamily="34" charset="0"/>
-                <a:cs typeface="Segoe UI" panose="020B0502040204020203" pitchFamily="34" charset="0"/>
-              </a:rPr>
-              <a:t>	- </a:t>
-            </a:r>
-            <a:r>
-              <a:rPr lang="vi-VN">
-                <a:solidFill>
-                  <a:schemeClr val="bg1"/>
-                </a:solidFill>
-                <a:latin typeface="Segoe UI" panose="020B0502040204020203" pitchFamily="34" charset="0"/>
-                <a:cs typeface="Segoe UI" panose="020B0502040204020203" pitchFamily="34" charset="0"/>
-              </a:rPr>
-              <a:t>Hệ thống hóa một số mô hình học sâu hỗ trợ chẩn đoán</a:t>
-            </a:r>
-          </a:p>
-          <a:p>
-            <a:pPr>
-              <a:spcBef>
-                <a:spcPts val="1200"/>
-              </a:spcBef>
-              <a:spcAft>
-                <a:spcPts val="600"/>
-              </a:spcAft>
-            </a:pPr>
-            <a:r>
-              <a:rPr lang="en-US">
-                <a:solidFill>
-                  <a:schemeClr val="bg1"/>
-                </a:solidFill>
-                <a:latin typeface="Segoe UI" panose="020B0502040204020203" pitchFamily="34" charset="0"/>
-                <a:cs typeface="Segoe UI" panose="020B0502040204020203" pitchFamily="34" charset="0"/>
-              </a:rPr>
-              <a:t>	- </a:t>
-            </a:r>
-            <a:r>
-              <a:rPr lang="vi-VN">
-                <a:solidFill>
-                  <a:schemeClr val="bg1"/>
-                </a:solidFill>
-                <a:latin typeface="Segoe UI" panose="020B0502040204020203" pitchFamily="34" charset="0"/>
-                <a:cs typeface="Segoe UI" panose="020B0502040204020203" pitchFamily="34" charset="0"/>
-              </a:rPr>
-              <a:t>Cài đặt thử nghiệm một trong các mô hình đã được hệ thống hóa</a:t>
-            </a:r>
-          </a:p>
-          <a:p>
-            <a:pPr>
-              <a:spcBef>
-                <a:spcPts val="1200"/>
-              </a:spcBef>
-              <a:spcAft>
-                <a:spcPts val="600"/>
-              </a:spcAft>
-            </a:pPr>
-            <a:r>
-              <a:rPr lang="vi-VN">
-                <a:solidFill>
-                  <a:schemeClr val="bg1"/>
-                </a:solidFill>
-                <a:latin typeface="Segoe UI" panose="020B0502040204020203" pitchFamily="34" charset="0"/>
-                <a:cs typeface="Segoe UI" panose="020B0502040204020203" pitchFamily="34" charset="0"/>
-              </a:rPr>
-              <a:t>Hướng hoàn thiện và phát triển tiếp theo:</a:t>
-            </a:r>
-            <a:endParaRPr lang="en-US">
-              <a:solidFill>
-                <a:schemeClr val="bg1"/>
-              </a:solidFill>
-              <a:latin typeface="Segoe UI" panose="020B0502040204020203" pitchFamily="34" charset="0"/>
-              <a:cs typeface="Segoe UI" panose="020B0502040204020203" pitchFamily="34" charset="0"/>
-            </a:endParaRPr>
-          </a:p>
-          <a:p>
-            <a:pPr>
-              <a:spcBef>
-                <a:spcPts val="1200"/>
-              </a:spcBef>
-              <a:spcAft>
-                <a:spcPts val="600"/>
-              </a:spcAft>
-            </a:pPr>
-            <a:r>
-              <a:rPr lang="en-US">
-                <a:solidFill>
-                  <a:schemeClr val="bg1"/>
-                </a:solidFill>
-                <a:latin typeface="Segoe UI" panose="020B0502040204020203" pitchFamily="34" charset="0"/>
-                <a:cs typeface="Segoe UI" panose="020B0502040204020203" pitchFamily="34" charset="0"/>
-              </a:rPr>
-              <a:t>	- </a:t>
-            </a:r>
-            <a:r>
-              <a:rPr lang="vi-VN">
-                <a:solidFill>
-                  <a:schemeClr val="bg1"/>
-                </a:solidFill>
-                <a:latin typeface="Segoe UI" panose="020B0502040204020203" pitchFamily="34" charset="0"/>
-                <a:cs typeface="Segoe UI" panose="020B0502040204020203" pitchFamily="34" charset="0"/>
-              </a:rPr>
-              <a:t>Chương trình tuy đã đảm bảo được những chức năng chính yếu nhất</a:t>
-            </a:r>
-            <a:r>
-              <a:rPr lang="en-US">
-                <a:solidFill>
-                  <a:schemeClr val="bg1"/>
-                </a:solidFill>
-                <a:latin typeface="Segoe UI" panose="020B0502040204020203" pitchFamily="34" charset="0"/>
-                <a:cs typeface="Segoe UI" panose="020B0502040204020203" pitchFamily="34" charset="0"/>
-              </a:rPr>
-              <a:t> </a:t>
-            </a:r>
-            <a:r>
-              <a:rPr lang="vi-VN">
-                <a:solidFill>
-                  <a:schemeClr val="bg1"/>
-                </a:solidFill>
-                <a:latin typeface="Segoe UI" panose="020B0502040204020203" pitchFamily="34" charset="0"/>
-                <a:cs typeface="Segoe UI" panose="020B0502040204020203" pitchFamily="34" charset="0"/>
-              </a:rPr>
-              <a:t>của luận văn, nhưng để áp dụng vào thực tế thì vẫn chưa thể được. Lý</a:t>
-            </a:r>
-            <a:r>
-              <a:rPr lang="en-US">
-                <a:solidFill>
-                  <a:schemeClr val="bg1"/>
-                </a:solidFill>
-                <a:latin typeface="Segoe UI" panose="020B0502040204020203" pitchFamily="34" charset="0"/>
-                <a:cs typeface="Segoe UI" panose="020B0502040204020203" pitchFamily="34" charset="0"/>
-              </a:rPr>
-              <a:t> </a:t>
-            </a:r>
-            <a:r>
-              <a:rPr lang="vi-VN">
-                <a:solidFill>
-                  <a:schemeClr val="bg1"/>
-                </a:solidFill>
-                <a:latin typeface="Segoe UI" panose="020B0502040204020203" pitchFamily="34" charset="0"/>
-                <a:cs typeface="Segoe UI" panose="020B0502040204020203" pitchFamily="34" charset="0"/>
-              </a:rPr>
-              <a:t>do chính cho việc này là do sự khác biệt giữa nguồn ảnh đầu vào.</a:t>
-            </a:r>
-            <a:r>
-              <a:rPr lang="en-US">
-                <a:solidFill>
-                  <a:schemeClr val="bg1"/>
-                </a:solidFill>
-                <a:latin typeface="Segoe UI" panose="020B0502040204020203" pitchFamily="34" charset="0"/>
-                <a:cs typeface="Segoe UI" panose="020B0502040204020203" pitchFamily="34" charset="0"/>
-              </a:rPr>
-              <a:t> </a:t>
-            </a:r>
-            <a:r>
-              <a:rPr lang="vi-VN">
-                <a:solidFill>
-                  <a:schemeClr val="bg1"/>
-                </a:solidFill>
-                <a:latin typeface="Segoe UI" panose="020B0502040204020203" pitchFamily="34" charset="0"/>
-                <a:cs typeface="Segoe UI" panose="020B0502040204020203" pitchFamily="34" charset="0"/>
-              </a:rPr>
-              <a:t>nguồn ảnh đầu vào của bài toán luận văn là ảnh</a:t>
-            </a:r>
-            <a:r>
-              <a:rPr lang="en-US">
-                <a:solidFill>
-                  <a:schemeClr val="bg1"/>
-                </a:solidFill>
-                <a:latin typeface="Segoe UI" panose="020B0502040204020203" pitchFamily="34" charset="0"/>
-                <a:cs typeface="Segoe UI" panose="020B0502040204020203" pitchFamily="34" charset="0"/>
-              </a:rPr>
-              <a:t> </a:t>
-            </a:r>
-            <a:r>
-              <a:rPr lang="vi-VN">
-                <a:solidFill>
-                  <a:schemeClr val="bg1"/>
-                </a:solidFill>
-                <a:latin typeface="Segoe UI" panose="020B0502040204020203" pitchFamily="34" charset="0"/>
-                <a:cs typeface="Segoe UI" panose="020B0502040204020203" pitchFamily="34" charset="0"/>
-              </a:rPr>
-              <a:t>định dạng PNG, tuy nhiên, thực tế nguồn ảnh x-quang y tế được chụp</a:t>
-            </a:r>
-            <a:r>
-              <a:rPr lang="en-US">
-                <a:solidFill>
-                  <a:schemeClr val="bg1"/>
-                </a:solidFill>
-                <a:latin typeface="Segoe UI" panose="020B0502040204020203" pitchFamily="34" charset="0"/>
-                <a:cs typeface="Segoe UI" panose="020B0502040204020203" pitchFamily="34" charset="0"/>
-              </a:rPr>
-              <a:t> </a:t>
-            </a:r>
-            <a:r>
-              <a:rPr lang="vi-VN">
-                <a:solidFill>
-                  <a:schemeClr val="bg1"/>
-                </a:solidFill>
-                <a:latin typeface="Segoe UI" panose="020B0502040204020203" pitchFamily="34" charset="0"/>
-                <a:cs typeface="Segoe UI" panose="020B0502040204020203" pitchFamily="34" charset="0"/>
-              </a:rPr>
-              <a:t>qua các thiết bị thu nhận ảnh y tế (CT, MRI...) hầu hết lại ở định dạng</a:t>
-            </a:r>
-            <a:r>
-              <a:rPr lang="en-US">
-                <a:solidFill>
-                  <a:schemeClr val="bg1"/>
-                </a:solidFill>
-                <a:latin typeface="Segoe UI" panose="020B0502040204020203" pitchFamily="34" charset="0"/>
-                <a:cs typeface="Segoe UI" panose="020B0502040204020203" pitchFamily="34" charset="0"/>
-              </a:rPr>
-              <a:t> </a:t>
-            </a:r>
-            <a:r>
-              <a:rPr lang="vi-VN">
-                <a:solidFill>
-                  <a:schemeClr val="bg1"/>
-                </a:solidFill>
-                <a:latin typeface="Segoe UI" panose="020B0502040204020203" pitchFamily="34" charset="0"/>
-                <a:cs typeface="Segoe UI" panose="020B0502040204020203" pitchFamily="34" charset="0"/>
-              </a:rPr>
-              <a:t>DICOM. Việc không đồng nhất về định dạng ảnh khiến cho chương trình</a:t>
-            </a:r>
-            <a:r>
-              <a:rPr lang="en-US">
-                <a:solidFill>
-                  <a:schemeClr val="bg1"/>
-                </a:solidFill>
-                <a:latin typeface="Segoe UI" panose="020B0502040204020203" pitchFamily="34" charset="0"/>
-                <a:cs typeface="Segoe UI" panose="020B0502040204020203" pitchFamily="34" charset="0"/>
-              </a:rPr>
-              <a:t> </a:t>
-            </a:r>
-            <a:r>
-              <a:rPr lang="vi-VN">
-                <a:solidFill>
-                  <a:schemeClr val="bg1"/>
-                </a:solidFill>
-                <a:latin typeface="Segoe UI" panose="020B0502040204020203" pitchFamily="34" charset="0"/>
-                <a:cs typeface="Segoe UI" panose="020B0502040204020203" pitchFamily="34" charset="0"/>
-              </a:rPr>
-              <a:t>hiện nay chưa thể đưa vào sử dụng trong thực tế.</a:t>
-            </a:r>
-            <a:endParaRPr lang="en-US">
-              <a:solidFill>
-                <a:schemeClr val="bg1"/>
-              </a:solidFill>
-              <a:latin typeface="Segoe UI" panose="020B0502040204020203" pitchFamily="34" charset="0"/>
-              <a:cs typeface="Segoe UI" panose="020B0502040204020203" pitchFamily="34" charset="0"/>
-            </a:endParaRPr>
-          </a:p>
-          <a:p>
-            <a:pPr>
-              <a:spcBef>
-                <a:spcPts val="1200"/>
-              </a:spcBef>
-              <a:spcAft>
-                <a:spcPts val="600"/>
-              </a:spcAft>
-            </a:pPr>
-            <a:r>
-              <a:rPr lang="en-US">
-                <a:solidFill>
-                  <a:schemeClr val="bg1"/>
-                </a:solidFill>
-                <a:latin typeface="Segoe UI" panose="020B0502040204020203" pitchFamily="34" charset="0"/>
-                <a:cs typeface="Segoe UI" panose="020B0502040204020203" pitchFamily="34" charset="0"/>
-              </a:rPr>
-              <a:t>	- C</a:t>
-            </a:r>
-            <a:r>
-              <a:rPr lang="vi-VN">
-                <a:solidFill>
-                  <a:schemeClr val="bg1"/>
-                </a:solidFill>
-                <a:latin typeface="Segoe UI" panose="020B0502040204020203" pitchFamily="34" charset="0"/>
-                <a:cs typeface="Segoe UI" panose="020B0502040204020203" pitchFamily="34" charset="0"/>
-              </a:rPr>
-              <a:t>hất lượng ảnh đầu vào không</a:t>
-            </a:r>
-            <a:r>
-              <a:rPr lang="en-US">
-                <a:solidFill>
-                  <a:schemeClr val="bg1"/>
-                </a:solidFill>
-                <a:latin typeface="Segoe UI" panose="020B0502040204020203" pitchFamily="34" charset="0"/>
-                <a:cs typeface="Segoe UI" panose="020B0502040204020203" pitchFamily="34" charset="0"/>
-              </a:rPr>
-              <a:t> </a:t>
-            </a:r>
-            <a:r>
-              <a:rPr lang="vi-VN">
-                <a:solidFill>
-                  <a:schemeClr val="bg1"/>
-                </a:solidFill>
-                <a:latin typeface="Segoe UI" panose="020B0502040204020203" pitchFamily="34" charset="0"/>
-                <a:cs typeface="Segoe UI" panose="020B0502040204020203" pitchFamily="34" charset="0"/>
-              </a:rPr>
-              <a:t>đồng đều. Hầu hết ảnh trong bộ dữ liệu đều có chất lượng tốt, sắc nét,</a:t>
-            </a:r>
-            <a:r>
-              <a:rPr lang="en-US">
-                <a:solidFill>
-                  <a:schemeClr val="bg1"/>
-                </a:solidFill>
-                <a:latin typeface="Segoe UI" panose="020B0502040204020203" pitchFamily="34" charset="0"/>
-                <a:cs typeface="Segoe UI" panose="020B0502040204020203" pitchFamily="34" charset="0"/>
-              </a:rPr>
-              <a:t> </a:t>
-            </a:r>
-            <a:r>
-              <a:rPr lang="vi-VN">
-                <a:solidFill>
-                  <a:schemeClr val="bg1"/>
-                </a:solidFill>
-                <a:latin typeface="Segoe UI" panose="020B0502040204020203" pitchFamily="34" charset="0"/>
-                <a:cs typeface="Segoe UI" panose="020B0502040204020203" pitchFamily="34" charset="0"/>
-              </a:rPr>
-              <a:t>rõ ràng. Nhưng cũng có một vài ảnh mờ, không thực sự rõ nét.</a:t>
-            </a:r>
-            <a:endParaRPr lang="en-US">
-              <a:solidFill>
-                <a:schemeClr val="bg1"/>
-              </a:solidFill>
-              <a:latin typeface="Segoe UI" panose="020B0502040204020203" pitchFamily="34" charset="0"/>
-              <a:cs typeface="Segoe UI" panose="020B0502040204020203" pitchFamily="34" charset="0"/>
-            </a:endParaRPr>
-          </a:p>
-          <a:p>
-            <a:pPr>
-              <a:spcBef>
-                <a:spcPts val="1200"/>
-              </a:spcBef>
-              <a:spcAft>
-                <a:spcPts val="600"/>
-              </a:spcAft>
-            </a:pPr>
-            <a:r>
-              <a:rPr lang="en-US">
-                <a:solidFill>
-                  <a:schemeClr val="bg1"/>
-                </a:solidFill>
-                <a:latin typeface="Segoe UI" panose="020B0502040204020203" pitchFamily="34" charset="0"/>
-                <a:cs typeface="Segoe UI" panose="020B0502040204020203" pitchFamily="34" charset="0"/>
-              </a:rPr>
-              <a:t>	- </a:t>
-            </a:r>
-            <a:r>
-              <a:rPr lang="vi-VN">
-                <a:solidFill>
-                  <a:schemeClr val="bg1"/>
-                </a:solidFill>
-                <a:latin typeface="Segoe UI" panose="020B0502040204020203" pitchFamily="34" charset="0"/>
-                <a:cs typeface="Segoe UI" panose="020B0502040204020203" pitchFamily="34" charset="0"/>
-              </a:rPr>
-              <a:t>Từ những vấn đề nêu trên, </a:t>
-            </a:r>
-            <a:r>
-              <a:rPr lang="en-US">
-                <a:solidFill>
-                  <a:schemeClr val="bg1"/>
-                </a:solidFill>
-                <a:latin typeface="Segoe UI" panose="020B0502040204020203" pitchFamily="34" charset="0"/>
-                <a:cs typeface="Segoe UI" panose="020B0502040204020203" pitchFamily="34" charset="0"/>
-              </a:rPr>
-              <a:t>học viên </a:t>
-            </a:r>
-            <a:r>
-              <a:rPr lang="vi-VN">
-                <a:solidFill>
-                  <a:schemeClr val="bg1"/>
-                </a:solidFill>
-                <a:latin typeface="Segoe UI" panose="020B0502040204020203" pitchFamily="34" charset="0"/>
-                <a:cs typeface="Segoe UI" panose="020B0502040204020203" pitchFamily="34" charset="0"/>
-              </a:rPr>
-              <a:t>đề xuất hướng phát triển tiếp theo</a:t>
-            </a:r>
-            <a:r>
-              <a:rPr lang="en-US">
-                <a:solidFill>
-                  <a:schemeClr val="bg1"/>
-                </a:solidFill>
-                <a:latin typeface="Segoe UI" panose="020B0502040204020203" pitchFamily="34" charset="0"/>
-                <a:cs typeface="Segoe UI" panose="020B0502040204020203" pitchFamily="34" charset="0"/>
-              </a:rPr>
-              <a:t> </a:t>
-            </a:r>
-            <a:r>
-              <a:rPr lang="vi-VN">
-                <a:solidFill>
-                  <a:schemeClr val="bg1"/>
-                </a:solidFill>
-                <a:latin typeface="Segoe UI" panose="020B0502040204020203" pitchFamily="34" charset="0"/>
-                <a:cs typeface="Segoe UI" panose="020B0502040204020203" pitchFamily="34" charset="0"/>
-              </a:rPr>
-              <a:t>là hoàn thiện thêm các chức năng liên quan đến nâng cao chất lượng ảnh</a:t>
-            </a:r>
-            <a:r>
-              <a:rPr lang="en-US">
-                <a:solidFill>
-                  <a:schemeClr val="bg1"/>
-                </a:solidFill>
-                <a:latin typeface="Segoe UI" panose="020B0502040204020203" pitchFamily="34" charset="0"/>
-                <a:cs typeface="Segoe UI" panose="020B0502040204020203" pitchFamily="34" charset="0"/>
-              </a:rPr>
-              <a:t> </a:t>
-            </a:r>
-            <a:r>
-              <a:rPr lang="vi-VN">
-                <a:solidFill>
-                  <a:schemeClr val="bg1"/>
-                </a:solidFill>
-                <a:latin typeface="Segoe UI" panose="020B0502040204020203" pitchFamily="34" charset="0"/>
-                <a:cs typeface="Segoe UI" panose="020B0502040204020203" pitchFamily="34" charset="0"/>
-              </a:rPr>
-              <a:t>đầu vào, chức năng kết nối với thiết bị thu</a:t>
-            </a:r>
-            <a:r>
-              <a:rPr lang="en-US">
-                <a:solidFill>
-                  <a:schemeClr val="bg1"/>
-                </a:solidFill>
-                <a:latin typeface="Segoe UI" panose="020B0502040204020203" pitchFamily="34" charset="0"/>
-                <a:cs typeface="Segoe UI" panose="020B0502040204020203" pitchFamily="34" charset="0"/>
-              </a:rPr>
-              <a:t> </a:t>
-            </a:r>
-            <a:r>
-              <a:rPr lang="vi-VN">
-                <a:solidFill>
-                  <a:schemeClr val="bg1"/>
-                </a:solidFill>
-                <a:latin typeface="Segoe UI" panose="020B0502040204020203" pitchFamily="34" charset="0"/>
-                <a:cs typeface="Segoe UI" panose="020B0502040204020203" pitchFamily="34" charset="0"/>
-              </a:rPr>
-              <a:t>nhận ảnh y tế (CT, MRI...) để</a:t>
-            </a:r>
-            <a:r>
-              <a:rPr lang="en-US">
-                <a:solidFill>
-                  <a:schemeClr val="bg1"/>
-                </a:solidFill>
-                <a:latin typeface="Segoe UI" panose="020B0502040204020203" pitchFamily="34" charset="0"/>
-                <a:cs typeface="Segoe UI" panose="020B0502040204020203" pitchFamily="34" charset="0"/>
-              </a:rPr>
-              <a:t> </a:t>
-            </a:r>
-            <a:r>
-              <a:rPr lang="vi-VN">
-                <a:solidFill>
-                  <a:schemeClr val="bg1"/>
-                </a:solidFill>
-                <a:latin typeface="Segoe UI" panose="020B0502040204020203" pitchFamily="34" charset="0"/>
-                <a:cs typeface="Segoe UI" panose="020B0502040204020203" pitchFamily="34" charset="0"/>
-              </a:rPr>
-              <a:t>hoàn thiện chương trình có thể ứng dụng vào thực tiễn.</a:t>
-            </a:r>
-          </a:p>
-          <a:p>
-            <a:pPr>
-              <a:spcBef>
-                <a:spcPts val="1200"/>
-              </a:spcBef>
-              <a:spcAft>
-                <a:spcPts val="600"/>
-              </a:spcAft>
-            </a:pPr>
-            <a:endParaRPr lang="vi-VN">
-              <a:solidFill>
-                <a:schemeClr val="bg1"/>
-              </a:solidFill>
-              <a:latin typeface="Segoe UI" panose="020B0502040204020203" pitchFamily="34" charset="0"/>
-              <a:cs typeface="Segoe UI" panose="020B0502040204020203" pitchFamily="34" charset="0"/>
-            </a:endParaRPr>
+              <a:t>dự đoán thuộc về người dùng.</a:t>
+            </a:r>
           </a:p>
         </p:txBody>
       </p:sp>
@@ -2925,7 +2403,7 @@
     </p:spTree>
     <p:extLst>
       <p:ext uri="{BB962C8B-B14F-4D97-AF65-F5344CB8AC3E}">
-        <p14:creationId xmlns:p14="http://schemas.microsoft.com/office/powerpoint/2010/main" val="361079803"/>
+        <p14:creationId xmlns:p14="http://schemas.microsoft.com/office/powerpoint/2010/main" val="1363159947"/>
       </p:ext>
     </p:extLst>
   </p:cSld>
@@ -2988,6 +2466,16 @@
               </a:spcAft>
             </a:pPr>
             <a:r>
+              <a:rPr lang="vi-VN">
+                <a:solidFill>
+                  <a:schemeClr val="bg1"/>
+                </a:solidFill>
+                <a:latin typeface="Segoe UI" panose="020B0502040204020203" pitchFamily="34" charset="0"/>
+                <a:cs typeface="Segoe UI" panose="020B0502040204020203" pitchFamily="34" charset="0"/>
+              </a:rPr>
+              <a:t>Người dùng upload ảnh chụp x-quang đã chuyển đổi định dạng PNG</a:t>
+            </a:r>
+            <a:r>
               <a:rPr lang="en-US">
                 <a:solidFill>
                   <a:schemeClr val="bg1"/>
@@ -2995,8 +2483,1034 @@
                 <a:latin typeface="Segoe UI" panose="020B0502040204020203" pitchFamily="34" charset="0"/>
                 <a:cs typeface="Segoe UI" panose="020B0502040204020203" pitchFamily="34" charset="0"/>
               </a:rPr>
-              <a:t>Xin chân thành cảm ơn các Thầy/Cô trong hội đồng, các bạn học viên, đồng nghiệp đã lắng nghe. Em rất mong nhận được những góp ý của Thầy/Cô, các bạn học viên và mọi người có mặt tại đây để em có thể hoàn thiện hơn luận văn của minh!</a:t>
-            </a:r>
+              <a:t> </a:t>
+            </a:r>
+            <a:r>
+              <a:rPr lang="vi-VN">
+                <a:solidFill>
+                  <a:schemeClr val="bg1"/>
+                </a:solidFill>
+                <a:latin typeface="Segoe UI" panose="020B0502040204020203" pitchFamily="34" charset="0"/>
+                <a:cs typeface="Segoe UI" panose="020B0502040204020203" pitchFamily="34" charset="0"/>
+              </a:rPr>
+              <a:t>với kích thước 512x512 tại đây và nhận về kết quả dự đoán.</a:t>
+            </a:r>
+          </a:p>
+        </p:txBody>
+      </p:sp>
+      <p:sp>
+        <p:nvSpPr>
+          <p:cNvPr id="4" name="Chỗ dành sẵn cho Số hiệu Bản chiếu 3"/>
+          <p:cNvSpPr>
+            <a:spLocks noGrp="1"/>
+          </p:cNvSpPr>
+          <p:nvPr>
+            <p:ph type="sldNum" sz="quarter" idx="10"/>
+          </p:nvPr>
+        </p:nvSpPr>
+        <p:spPr/>
+        <p:txBody>
+          <a:bodyPr rtlCol="0"/>
+          <a:lstStyle/>
+          <a:p>
+            <a:pPr rtl="0"/>
+            <a:fld id="{BC849E9A-41F7-4779-A581-48A7C374A227}" type="slidenum">
+              <a:rPr lang="vi-VN" smtClean="0"/>
+              <a:t>17</a:t>
+            </a:fld>
+            <a:endParaRPr lang="vi-VN"/>
+          </a:p>
+        </p:txBody>
+      </p:sp>
+    </p:spTree>
+    <p:extLst>
+      <p:ext uri="{BB962C8B-B14F-4D97-AF65-F5344CB8AC3E}">
+        <p14:creationId xmlns:p14="http://schemas.microsoft.com/office/powerpoint/2010/main" val="2125339099"/>
+      </p:ext>
+    </p:extLst>
+  </p:cSld>
+  <p:clrMapOvr>
+    <a:masterClrMapping/>
+  </p:clrMapOvr>
+</p:notes>
+</file>
+
+<file path=ppt/notesSlides/notesSlide18.xml><?xml version="1.0" encoding="utf-8"?>
+<p:notes xmlns:a="http://schemas.openxmlformats.org/drawingml/2006/main" xmlns:r="http://schemas.openxmlformats.org/officeDocument/2006/relationships" xmlns:p="http://schemas.openxmlformats.org/presentationml/2006/main">
+  <p:cSld>
+    <p:spTree>
+      <p:nvGrpSpPr>
+        <p:cNvPr id="1" name=""/>
+        <p:cNvGrpSpPr/>
+        <p:nvPr/>
+      </p:nvGrpSpPr>
+      <p:grpSpPr>
+        <a:xfrm>
+          <a:off x="0" y="0"/>
+          <a:ext cx="0" cy="0"/>
+          <a:chOff x="0" y="0"/>
+          <a:chExt cx="0" cy="0"/>
+        </a:xfrm>
+      </p:grpSpPr>
+      <p:sp>
+        <p:nvSpPr>
+          <p:cNvPr id="2" name="Chỗ dành sẵn cho Hình ảnh của Bản chiếu 1"/>
+          <p:cNvSpPr>
+            <a:spLocks noGrp="1" noRot="1" noChangeAspect="1"/>
+          </p:cNvSpPr>
+          <p:nvPr>
+            <p:ph type="sldImg"/>
+          </p:nvPr>
+        </p:nvSpPr>
+        <p:spPr/>
+      </p:sp>
+      <p:sp>
+        <p:nvSpPr>
+          <p:cNvPr id="3" name="Chỗ dành sẵn cho Ghi chú 2"/>
+          <p:cNvSpPr>
+            <a:spLocks noGrp="1"/>
+          </p:cNvSpPr>
+          <p:nvPr>
+            <p:ph type="body" idx="1"/>
+          </p:nvPr>
+        </p:nvSpPr>
+        <p:spPr/>
+        <p:txBody>
+          <a:bodyPr rtlCol="0"/>
+          <a:lstStyle/>
+          <a:p>
+            <a:pPr>
+              <a:spcBef>
+                <a:spcPts val="1200"/>
+              </a:spcBef>
+              <a:spcAft>
+                <a:spcPts val="600"/>
+              </a:spcAft>
+            </a:pPr>
+            <a:r>
+              <a:rPr lang="vi-VN">
+                <a:solidFill>
+                  <a:schemeClr val="bg1"/>
+                </a:solidFill>
+                <a:latin typeface="Segoe UI" panose="020B0502040204020203" pitchFamily="34" charset="0"/>
+                <a:cs typeface="Segoe UI" panose="020B0502040204020203" pitchFamily="34" charset="0"/>
+              </a:rPr>
+              <a:t>Thực hiện kiểm thử việc phân loại của hệ thống với 100 ảnh x-quang</a:t>
+            </a:r>
+            <a:r>
+              <a:rPr lang="en-US">
+                <a:solidFill>
+                  <a:schemeClr val="bg1"/>
+                </a:solidFill>
+                <a:latin typeface="Segoe UI" panose="020B0502040204020203" pitchFamily="34" charset="0"/>
+                <a:cs typeface="Segoe UI" panose="020B0502040204020203" pitchFamily="34" charset="0"/>
+              </a:rPr>
+              <a:t> </a:t>
+            </a:r>
+            <a:r>
+              <a:rPr lang="vi-VN">
+                <a:solidFill>
+                  <a:schemeClr val="bg1"/>
+                </a:solidFill>
+                <a:latin typeface="Segoe UI" panose="020B0502040204020203" pitchFamily="34" charset="0"/>
+                <a:cs typeface="Segoe UI" panose="020B0502040204020203" pitchFamily="34" charset="0"/>
+              </a:rPr>
+              <a:t>được tách riêng biệt khỏi quá trình trainning, ta có được kết quả rất khả</a:t>
+            </a:r>
+            <a:r>
+              <a:rPr lang="en-US">
+                <a:solidFill>
+                  <a:schemeClr val="bg1"/>
+                </a:solidFill>
+                <a:latin typeface="Segoe UI" panose="020B0502040204020203" pitchFamily="34" charset="0"/>
+                <a:cs typeface="Segoe UI" panose="020B0502040204020203" pitchFamily="34" charset="0"/>
+              </a:rPr>
+              <a:t> </a:t>
+            </a:r>
+            <a:r>
+              <a:rPr lang="vi-VN">
+                <a:solidFill>
+                  <a:schemeClr val="bg1"/>
+                </a:solidFill>
+                <a:latin typeface="Segoe UI" panose="020B0502040204020203" pitchFamily="34" charset="0"/>
+                <a:cs typeface="Segoe UI" panose="020B0502040204020203" pitchFamily="34" charset="0"/>
+              </a:rPr>
+              <a:t>quan.</a:t>
+            </a:r>
+            <a:endParaRPr lang="en-US">
+              <a:solidFill>
+                <a:schemeClr val="bg1"/>
+              </a:solidFill>
+              <a:latin typeface="Segoe UI" panose="020B0502040204020203" pitchFamily="34" charset="0"/>
+              <a:cs typeface="Segoe UI" panose="020B0502040204020203" pitchFamily="34" charset="0"/>
+            </a:endParaRPr>
+          </a:p>
+          <a:p>
+            <a:pPr>
+              <a:spcBef>
+                <a:spcPts val="1200"/>
+              </a:spcBef>
+              <a:spcAft>
+                <a:spcPts val="600"/>
+              </a:spcAft>
+            </a:pPr>
+            <a:r>
+              <a:rPr lang="vi-VN">
+                <a:solidFill>
+                  <a:schemeClr val="bg1"/>
+                </a:solidFill>
+                <a:latin typeface="Segoe UI" panose="020B0502040204020203" pitchFamily="34" charset="0"/>
+                <a:cs typeface="Segoe UI" panose="020B0502040204020203" pitchFamily="34" charset="0"/>
+              </a:rPr>
+              <a:t>Bài toán của luận văn chỉ có hai lớp để phân loại nên phương pháp thích</a:t>
+            </a:r>
+            <a:r>
+              <a:rPr lang="en-US">
+                <a:solidFill>
+                  <a:schemeClr val="bg1"/>
+                </a:solidFill>
+                <a:latin typeface="Segoe UI" panose="020B0502040204020203" pitchFamily="34" charset="0"/>
+                <a:cs typeface="Segoe UI" panose="020B0502040204020203" pitchFamily="34" charset="0"/>
+              </a:rPr>
+              <a:t> </a:t>
+            </a:r>
+            <a:r>
+              <a:rPr lang="vi-VN">
+                <a:solidFill>
+                  <a:schemeClr val="bg1"/>
+                </a:solidFill>
+                <a:latin typeface="Segoe UI" panose="020B0502040204020203" pitchFamily="34" charset="0"/>
+                <a:cs typeface="Segoe UI" panose="020B0502040204020203" pitchFamily="34" charset="0"/>
+              </a:rPr>
+              <a:t>hợp nhất để đánh giá là True/False Positive/Negative. Ta định nghĩa lớp</a:t>
+            </a:r>
+            <a:r>
+              <a:rPr lang="en-US">
+                <a:solidFill>
+                  <a:schemeClr val="bg1"/>
+                </a:solidFill>
+                <a:latin typeface="Segoe UI" panose="020B0502040204020203" pitchFamily="34" charset="0"/>
+                <a:cs typeface="Segoe UI" panose="020B0502040204020203" pitchFamily="34" charset="0"/>
+              </a:rPr>
+              <a:t> </a:t>
+            </a:r>
+            <a:r>
+              <a:rPr lang="vi-VN">
+                <a:solidFill>
+                  <a:schemeClr val="bg1"/>
+                </a:solidFill>
+                <a:latin typeface="Segoe UI" panose="020B0502040204020203" pitchFamily="34" charset="0"/>
+                <a:cs typeface="Segoe UI" panose="020B0502040204020203" pitchFamily="34" charset="0"/>
+              </a:rPr>
+              <a:t>dữ liệu quan trọng hơn cần được xác định đúng là lớp Positive (P-dương</a:t>
+            </a:r>
+            <a:r>
+              <a:rPr lang="en-US">
+                <a:solidFill>
+                  <a:schemeClr val="bg1"/>
+                </a:solidFill>
+                <a:latin typeface="Segoe UI" panose="020B0502040204020203" pitchFamily="34" charset="0"/>
+                <a:cs typeface="Segoe UI" panose="020B0502040204020203" pitchFamily="34" charset="0"/>
+              </a:rPr>
+              <a:t> </a:t>
+            </a:r>
+            <a:r>
+              <a:rPr lang="vi-VN">
+                <a:solidFill>
+                  <a:schemeClr val="bg1"/>
+                </a:solidFill>
+                <a:latin typeface="Segoe UI" panose="020B0502040204020203" pitchFamily="34" charset="0"/>
+                <a:cs typeface="Segoe UI" panose="020B0502040204020203" pitchFamily="34" charset="0"/>
+              </a:rPr>
+              <a:t>tính), lớp còn lại được gọi là Negative (N-âm tính). Ta định nghĩa True</a:t>
+            </a:r>
+            <a:r>
+              <a:rPr lang="en-US">
+                <a:solidFill>
+                  <a:schemeClr val="bg1"/>
+                </a:solidFill>
+                <a:latin typeface="Segoe UI" panose="020B0502040204020203" pitchFamily="34" charset="0"/>
+                <a:cs typeface="Segoe UI" panose="020B0502040204020203" pitchFamily="34" charset="0"/>
+              </a:rPr>
+              <a:t> </a:t>
+            </a:r>
+            <a:r>
+              <a:rPr lang="vi-VN">
+                <a:solidFill>
+                  <a:schemeClr val="bg1"/>
+                </a:solidFill>
+                <a:latin typeface="Segoe UI" panose="020B0502040204020203" pitchFamily="34" charset="0"/>
+                <a:cs typeface="Segoe UI" panose="020B0502040204020203" pitchFamily="34" charset="0"/>
+              </a:rPr>
+              <a:t>Positive (TP), False Positive (FP), True Negative (TN), False Negative</a:t>
+            </a:r>
+            <a:r>
+              <a:rPr lang="en-US">
+                <a:solidFill>
+                  <a:schemeClr val="bg1"/>
+                </a:solidFill>
+                <a:latin typeface="Segoe UI" panose="020B0502040204020203" pitchFamily="34" charset="0"/>
+                <a:cs typeface="Segoe UI" panose="020B0502040204020203" pitchFamily="34" charset="0"/>
+              </a:rPr>
+              <a:t> </a:t>
+            </a:r>
+            <a:r>
+              <a:rPr lang="vi-VN">
+                <a:solidFill>
+                  <a:schemeClr val="bg1"/>
+                </a:solidFill>
+                <a:latin typeface="Segoe UI" panose="020B0502040204020203" pitchFamily="34" charset="0"/>
+                <a:cs typeface="Segoe UI" panose="020B0502040204020203" pitchFamily="34" charset="0"/>
+              </a:rPr>
+              <a:t>(FN) dựa trên confusion matrix chưa chuẩn hoá.</a:t>
+            </a:r>
+            <a:endParaRPr lang="en-US">
+              <a:solidFill>
+                <a:schemeClr val="bg1"/>
+              </a:solidFill>
+              <a:latin typeface="Segoe UI" panose="020B0502040204020203" pitchFamily="34" charset="0"/>
+              <a:cs typeface="Segoe UI" panose="020B0502040204020203" pitchFamily="34" charset="0"/>
+            </a:endParaRPr>
+          </a:p>
+          <a:p>
+            <a:pPr>
+              <a:spcBef>
+                <a:spcPts val="1200"/>
+              </a:spcBef>
+              <a:spcAft>
+                <a:spcPts val="600"/>
+              </a:spcAft>
+            </a:pPr>
+            <a:r>
+              <a:rPr lang="vi-VN">
+                <a:solidFill>
+                  <a:schemeClr val="bg1"/>
+                </a:solidFill>
+                <a:latin typeface="Segoe UI" panose="020B0502040204020203" pitchFamily="34" charset="0"/>
+                <a:cs typeface="Segoe UI" panose="020B0502040204020203" pitchFamily="34" charset="0"/>
+              </a:rPr>
+              <a:t>Bằng phương pháp trên, ta có kết quả tổng hợp tại hình </a:t>
+            </a:r>
+            <a:r>
+              <a:rPr lang="en-US">
+                <a:solidFill>
+                  <a:schemeClr val="bg1"/>
+                </a:solidFill>
+                <a:latin typeface="Segoe UI" panose="020B0502040204020203" pitchFamily="34" charset="0"/>
+                <a:cs typeface="Segoe UI" panose="020B0502040204020203" pitchFamily="34" charset="0"/>
+              </a:rPr>
+              <a:t>9</a:t>
+            </a:r>
+            <a:r>
+              <a:rPr lang="vi-VN">
+                <a:solidFill>
+                  <a:schemeClr val="bg1"/>
+                </a:solidFill>
+                <a:latin typeface="Segoe UI" panose="020B0502040204020203" pitchFamily="34" charset="0"/>
+                <a:cs typeface="Segoe UI" panose="020B0502040204020203" pitchFamily="34" charset="0"/>
+              </a:rPr>
+              <a:t>, tỉ lệ dự</a:t>
+            </a:r>
+            <a:r>
+              <a:rPr lang="en-US">
+                <a:solidFill>
+                  <a:schemeClr val="bg1"/>
+                </a:solidFill>
+                <a:latin typeface="Segoe UI" panose="020B0502040204020203" pitchFamily="34" charset="0"/>
+                <a:cs typeface="Segoe UI" panose="020B0502040204020203" pitchFamily="34" charset="0"/>
+              </a:rPr>
+              <a:t> </a:t>
+            </a:r>
+            <a:r>
+              <a:rPr lang="vi-VN">
+                <a:solidFill>
+                  <a:schemeClr val="bg1"/>
+                </a:solidFill>
+                <a:latin typeface="Segoe UI" panose="020B0502040204020203" pitchFamily="34" charset="0"/>
+                <a:cs typeface="Segoe UI" panose="020B0502040204020203" pitchFamily="34" charset="0"/>
+              </a:rPr>
+              <a:t>đoán chính xác là 96%, tỉ lệ báo động nhầm (False Alarm Rate) là 1% và</a:t>
+            </a:r>
+            <a:r>
+              <a:rPr lang="en-US">
+                <a:solidFill>
+                  <a:schemeClr val="bg1"/>
+                </a:solidFill>
+                <a:latin typeface="Segoe UI" panose="020B0502040204020203" pitchFamily="34" charset="0"/>
+                <a:cs typeface="Segoe UI" panose="020B0502040204020203" pitchFamily="34" charset="0"/>
+              </a:rPr>
+              <a:t> </a:t>
+            </a:r>
+            <a:r>
+              <a:rPr lang="vi-VN">
+                <a:solidFill>
+                  <a:schemeClr val="bg1"/>
+                </a:solidFill>
+                <a:latin typeface="Segoe UI" panose="020B0502040204020203" pitchFamily="34" charset="0"/>
+                <a:cs typeface="Segoe UI" panose="020B0502040204020203" pitchFamily="34" charset="0"/>
+              </a:rPr>
+              <a:t>tỉ lệ bỏ sót (Miss Detection Rate) là 3%</a:t>
+            </a:r>
+          </a:p>
+        </p:txBody>
+      </p:sp>
+      <p:sp>
+        <p:nvSpPr>
+          <p:cNvPr id="4" name="Chỗ dành sẵn cho Số hiệu Bản chiếu 3"/>
+          <p:cNvSpPr>
+            <a:spLocks noGrp="1"/>
+          </p:cNvSpPr>
+          <p:nvPr>
+            <p:ph type="sldNum" sz="quarter" idx="10"/>
+          </p:nvPr>
+        </p:nvSpPr>
+        <p:spPr/>
+        <p:txBody>
+          <a:bodyPr rtlCol="0"/>
+          <a:lstStyle/>
+          <a:p>
+            <a:pPr rtl="0"/>
+            <a:fld id="{BC849E9A-41F7-4779-A581-48A7C374A227}" type="slidenum">
+              <a:rPr lang="vi-VN" smtClean="0"/>
+              <a:t>18</a:t>
+            </a:fld>
+            <a:endParaRPr lang="vi-VN"/>
+          </a:p>
+        </p:txBody>
+      </p:sp>
+    </p:spTree>
+    <p:extLst>
+      <p:ext uri="{BB962C8B-B14F-4D97-AF65-F5344CB8AC3E}">
+        <p14:creationId xmlns:p14="http://schemas.microsoft.com/office/powerpoint/2010/main" val="3351217591"/>
+      </p:ext>
+    </p:extLst>
+  </p:cSld>
+  <p:clrMapOvr>
+    <a:masterClrMapping/>
+  </p:clrMapOvr>
+</p:notes>
+</file>
+
+<file path=ppt/notesSlides/notesSlide19.xml><?xml version="1.0" encoding="utf-8"?>
+<p:notes xmlns:a="http://schemas.openxmlformats.org/drawingml/2006/main" xmlns:r="http://schemas.openxmlformats.org/officeDocument/2006/relationships" xmlns:p="http://schemas.openxmlformats.org/presentationml/2006/main">
+  <p:cSld>
+    <p:spTree>
+      <p:nvGrpSpPr>
+        <p:cNvPr id="1" name=""/>
+        <p:cNvGrpSpPr/>
+        <p:nvPr/>
+      </p:nvGrpSpPr>
+      <p:grpSpPr>
+        <a:xfrm>
+          <a:off x="0" y="0"/>
+          <a:ext cx="0" cy="0"/>
+          <a:chOff x="0" y="0"/>
+          <a:chExt cx="0" cy="0"/>
+        </a:xfrm>
+      </p:grpSpPr>
+      <p:sp>
+        <p:nvSpPr>
+          <p:cNvPr id="2" name="Chỗ dành sẵn cho Hình ảnh của Bản chiếu 1"/>
+          <p:cNvSpPr>
+            <a:spLocks noGrp="1" noRot="1" noChangeAspect="1"/>
+          </p:cNvSpPr>
+          <p:nvPr>
+            <p:ph type="sldImg"/>
+          </p:nvPr>
+        </p:nvSpPr>
+        <p:spPr/>
+      </p:sp>
+      <p:sp>
+        <p:nvSpPr>
+          <p:cNvPr id="3" name="Chỗ dành sẵn cho Ghi chú 2"/>
+          <p:cNvSpPr>
+            <a:spLocks noGrp="1"/>
+          </p:cNvSpPr>
+          <p:nvPr>
+            <p:ph type="body" idx="1"/>
+          </p:nvPr>
+        </p:nvSpPr>
+        <p:spPr/>
+        <p:txBody>
+          <a:bodyPr rtlCol="0"/>
+          <a:lstStyle/>
+          <a:p>
+            <a:pPr>
+              <a:spcBef>
+                <a:spcPts val="1200"/>
+              </a:spcBef>
+              <a:spcAft>
+                <a:spcPts val="600"/>
+              </a:spcAft>
+            </a:pPr>
+            <a:r>
+              <a:rPr lang="vi-VN">
+                <a:solidFill>
+                  <a:schemeClr val="bg1"/>
+                </a:solidFill>
+                <a:latin typeface="Segoe UI" panose="020B0502040204020203" pitchFamily="34" charset="0"/>
+                <a:cs typeface="Segoe UI" panose="020B0502040204020203" pitchFamily="34" charset="0"/>
+              </a:rPr>
+              <a:t>Kết quả đã đạt được</a:t>
+            </a:r>
+            <a:r>
+              <a:rPr lang="en-US">
+                <a:solidFill>
+                  <a:schemeClr val="bg1"/>
+                </a:solidFill>
+                <a:latin typeface="Segoe UI" panose="020B0502040204020203" pitchFamily="34" charset="0"/>
+                <a:cs typeface="Segoe UI" panose="020B0502040204020203" pitchFamily="34" charset="0"/>
+              </a:rPr>
+              <a:t>: </a:t>
+            </a:r>
+            <a:r>
+              <a:rPr lang="vi-VN">
+                <a:solidFill>
+                  <a:schemeClr val="bg1"/>
+                </a:solidFill>
+                <a:latin typeface="Segoe UI" panose="020B0502040204020203" pitchFamily="34" charset="0"/>
+                <a:cs typeface="Segoe UI" panose="020B0502040204020203" pitchFamily="34" charset="0"/>
+              </a:rPr>
+              <a:t>Sau một thời gian tìm hiểu nghiên cứu, luận văn đã trình bày được các</a:t>
+            </a:r>
+            <a:r>
+              <a:rPr lang="en-US">
+                <a:solidFill>
+                  <a:schemeClr val="bg1"/>
+                </a:solidFill>
+                <a:latin typeface="Segoe UI" panose="020B0502040204020203" pitchFamily="34" charset="0"/>
+                <a:cs typeface="Segoe UI" panose="020B0502040204020203" pitchFamily="34" charset="0"/>
+              </a:rPr>
+              <a:t> </a:t>
+            </a:r>
+            <a:r>
+              <a:rPr lang="vi-VN">
+                <a:solidFill>
+                  <a:schemeClr val="bg1"/>
+                </a:solidFill>
+                <a:latin typeface="Segoe UI" panose="020B0502040204020203" pitchFamily="34" charset="0"/>
+                <a:cs typeface="Segoe UI" panose="020B0502040204020203" pitchFamily="34" charset="0"/>
+              </a:rPr>
+              <a:t>vấn đề sau:</a:t>
+            </a:r>
+          </a:p>
+          <a:p>
+            <a:pPr>
+              <a:spcBef>
+                <a:spcPts val="1200"/>
+              </a:spcBef>
+              <a:spcAft>
+                <a:spcPts val="600"/>
+              </a:spcAft>
+            </a:pPr>
+            <a:r>
+              <a:rPr lang="en-US">
+                <a:solidFill>
+                  <a:schemeClr val="bg1"/>
+                </a:solidFill>
+                <a:latin typeface="Segoe UI" panose="020B0502040204020203" pitchFamily="34" charset="0"/>
+                <a:cs typeface="Segoe UI" panose="020B0502040204020203" pitchFamily="34" charset="0"/>
+              </a:rPr>
+              <a:t>	- T</a:t>
+            </a:r>
+            <a:r>
+              <a:rPr lang="vi-VN">
+                <a:solidFill>
+                  <a:schemeClr val="bg1"/>
+                </a:solidFill>
+                <a:latin typeface="Segoe UI" panose="020B0502040204020203" pitchFamily="34" charset="0"/>
+                <a:cs typeface="Segoe UI" panose="020B0502040204020203" pitchFamily="34" charset="0"/>
+              </a:rPr>
+              <a:t>rình bày khái quát về CNN và bài toán chẩn đoán bệnh lao</a:t>
+            </a:r>
+            <a:endParaRPr lang="en-US">
+              <a:solidFill>
+                <a:schemeClr val="bg1"/>
+              </a:solidFill>
+              <a:latin typeface="Segoe UI" panose="020B0502040204020203" pitchFamily="34" charset="0"/>
+              <a:cs typeface="Segoe UI" panose="020B0502040204020203" pitchFamily="34" charset="0"/>
+            </a:endParaRPr>
+          </a:p>
+          <a:p>
+            <a:pPr>
+              <a:spcBef>
+                <a:spcPts val="1200"/>
+              </a:spcBef>
+              <a:spcAft>
+                <a:spcPts val="600"/>
+              </a:spcAft>
+            </a:pPr>
+            <a:r>
+              <a:rPr lang="en-US">
+                <a:solidFill>
+                  <a:schemeClr val="bg1"/>
+                </a:solidFill>
+                <a:latin typeface="Segoe UI" panose="020B0502040204020203" pitchFamily="34" charset="0"/>
+                <a:cs typeface="Segoe UI" panose="020B0502040204020203" pitchFamily="34" charset="0"/>
+              </a:rPr>
+              <a:t>	- </a:t>
+            </a:r>
+            <a:r>
+              <a:rPr lang="vi-VN">
+                <a:solidFill>
+                  <a:schemeClr val="bg1"/>
+                </a:solidFill>
+                <a:latin typeface="Segoe UI" panose="020B0502040204020203" pitchFamily="34" charset="0"/>
+                <a:cs typeface="Segoe UI" panose="020B0502040204020203" pitchFamily="34" charset="0"/>
+              </a:rPr>
+              <a:t>Hệ thống hóa một số mô hình học sâu hỗ trợ chẩn đoán</a:t>
+            </a:r>
+          </a:p>
+          <a:p>
+            <a:pPr>
+              <a:spcBef>
+                <a:spcPts val="1200"/>
+              </a:spcBef>
+              <a:spcAft>
+                <a:spcPts val="600"/>
+              </a:spcAft>
+            </a:pPr>
+            <a:r>
+              <a:rPr lang="en-US">
+                <a:solidFill>
+                  <a:schemeClr val="bg1"/>
+                </a:solidFill>
+                <a:latin typeface="Segoe UI" panose="020B0502040204020203" pitchFamily="34" charset="0"/>
+                <a:cs typeface="Segoe UI" panose="020B0502040204020203" pitchFamily="34" charset="0"/>
+              </a:rPr>
+              <a:t>	- </a:t>
+            </a:r>
+            <a:r>
+              <a:rPr lang="vi-VN">
+                <a:solidFill>
+                  <a:schemeClr val="bg1"/>
+                </a:solidFill>
+                <a:latin typeface="Segoe UI" panose="020B0502040204020203" pitchFamily="34" charset="0"/>
+                <a:cs typeface="Segoe UI" panose="020B0502040204020203" pitchFamily="34" charset="0"/>
+              </a:rPr>
+              <a:t>Cài đặt thử nghiệm một trong các mô hình đã được hệ thống hóa</a:t>
+            </a:r>
+          </a:p>
+          <a:p>
+            <a:pPr>
+              <a:spcBef>
+                <a:spcPts val="1200"/>
+              </a:spcBef>
+              <a:spcAft>
+                <a:spcPts val="600"/>
+              </a:spcAft>
+            </a:pPr>
+            <a:r>
+              <a:rPr lang="vi-VN">
+                <a:solidFill>
+                  <a:schemeClr val="bg1"/>
+                </a:solidFill>
+                <a:latin typeface="Segoe UI" panose="020B0502040204020203" pitchFamily="34" charset="0"/>
+                <a:cs typeface="Segoe UI" panose="020B0502040204020203" pitchFamily="34" charset="0"/>
+              </a:rPr>
+              <a:t>Hướng hoàn thiện và phát triển tiếp theo:</a:t>
+            </a:r>
+            <a:endParaRPr lang="en-US">
+              <a:solidFill>
+                <a:schemeClr val="bg1"/>
+              </a:solidFill>
+              <a:latin typeface="Segoe UI" panose="020B0502040204020203" pitchFamily="34" charset="0"/>
+              <a:cs typeface="Segoe UI" panose="020B0502040204020203" pitchFamily="34" charset="0"/>
+            </a:endParaRPr>
+          </a:p>
+          <a:p>
+            <a:pPr>
+              <a:spcBef>
+                <a:spcPts val="1200"/>
+              </a:spcBef>
+              <a:spcAft>
+                <a:spcPts val="600"/>
+              </a:spcAft>
+            </a:pPr>
+            <a:r>
+              <a:rPr lang="en-US">
+                <a:solidFill>
+                  <a:schemeClr val="bg1"/>
+                </a:solidFill>
+                <a:latin typeface="Segoe UI" panose="020B0502040204020203" pitchFamily="34" charset="0"/>
+                <a:cs typeface="Segoe UI" panose="020B0502040204020203" pitchFamily="34" charset="0"/>
+              </a:rPr>
+              <a:t>	- </a:t>
+            </a:r>
+            <a:r>
+              <a:rPr lang="vi-VN">
+                <a:solidFill>
+                  <a:schemeClr val="bg1"/>
+                </a:solidFill>
+                <a:latin typeface="Segoe UI" panose="020B0502040204020203" pitchFamily="34" charset="0"/>
+                <a:cs typeface="Segoe UI" panose="020B0502040204020203" pitchFamily="34" charset="0"/>
+              </a:rPr>
+              <a:t>Chương trình tuy đã đảm bảo được những chức năng chính yếu nhất</a:t>
+            </a:r>
+            <a:r>
+              <a:rPr lang="en-US">
+                <a:solidFill>
+                  <a:schemeClr val="bg1"/>
+                </a:solidFill>
+                <a:latin typeface="Segoe UI" panose="020B0502040204020203" pitchFamily="34" charset="0"/>
+                <a:cs typeface="Segoe UI" panose="020B0502040204020203" pitchFamily="34" charset="0"/>
+              </a:rPr>
+              <a:t> </a:t>
+            </a:r>
+            <a:r>
+              <a:rPr lang="vi-VN">
+                <a:solidFill>
+                  <a:schemeClr val="bg1"/>
+                </a:solidFill>
+                <a:latin typeface="Segoe UI" panose="020B0502040204020203" pitchFamily="34" charset="0"/>
+                <a:cs typeface="Segoe UI" panose="020B0502040204020203" pitchFamily="34" charset="0"/>
+              </a:rPr>
+              <a:t>của luận văn, nhưng để áp dụng vào thực tế thì vẫn chưa thể được. Lý</a:t>
+            </a:r>
+            <a:r>
+              <a:rPr lang="en-US">
+                <a:solidFill>
+                  <a:schemeClr val="bg1"/>
+                </a:solidFill>
+                <a:latin typeface="Segoe UI" panose="020B0502040204020203" pitchFamily="34" charset="0"/>
+                <a:cs typeface="Segoe UI" panose="020B0502040204020203" pitchFamily="34" charset="0"/>
+              </a:rPr>
+              <a:t> </a:t>
+            </a:r>
+            <a:r>
+              <a:rPr lang="vi-VN">
+                <a:solidFill>
+                  <a:schemeClr val="bg1"/>
+                </a:solidFill>
+                <a:latin typeface="Segoe UI" panose="020B0502040204020203" pitchFamily="34" charset="0"/>
+                <a:cs typeface="Segoe UI" panose="020B0502040204020203" pitchFamily="34" charset="0"/>
+              </a:rPr>
+              <a:t>do chính cho việc này là do sự khác biệt giữa nguồn ảnh đầu vào.</a:t>
+            </a:r>
+            <a:r>
+              <a:rPr lang="en-US">
+                <a:solidFill>
+                  <a:schemeClr val="bg1"/>
+                </a:solidFill>
+                <a:latin typeface="Segoe UI" panose="020B0502040204020203" pitchFamily="34" charset="0"/>
+                <a:cs typeface="Segoe UI" panose="020B0502040204020203" pitchFamily="34" charset="0"/>
+              </a:rPr>
+              <a:t> </a:t>
+            </a:r>
+            <a:r>
+              <a:rPr lang="vi-VN">
+                <a:solidFill>
+                  <a:schemeClr val="bg1"/>
+                </a:solidFill>
+                <a:latin typeface="Segoe UI" panose="020B0502040204020203" pitchFamily="34" charset="0"/>
+                <a:cs typeface="Segoe UI" panose="020B0502040204020203" pitchFamily="34" charset="0"/>
+              </a:rPr>
+              <a:t>nguồn ảnh đầu vào của bài toán luận văn là ảnh</a:t>
+            </a:r>
+            <a:r>
+              <a:rPr lang="en-US">
+                <a:solidFill>
+                  <a:schemeClr val="bg1"/>
+                </a:solidFill>
+                <a:latin typeface="Segoe UI" panose="020B0502040204020203" pitchFamily="34" charset="0"/>
+                <a:cs typeface="Segoe UI" panose="020B0502040204020203" pitchFamily="34" charset="0"/>
+              </a:rPr>
+              <a:t> </a:t>
+            </a:r>
+            <a:r>
+              <a:rPr lang="vi-VN">
+                <a:solidFill>
+                  <a:schemeClr val="bg1"/>
+                </a:solidFill>
+                <a:latin typeface="Segoe UI" panose="020B0502040204020203" pitchFamily="34" charset="0"/>
+                <a:cs typeface="Segoe UI" panose="020B0502040204020203" pitchFamily="34" charset="0"/>
+              </a:rPr>
+              <a:t>định dạng PNG, tuy nhiên, thực tế nguồn ảnh x-quang y tế được chụp</a:t>
+            </a:r>
+            <a:r>
+              <a:rPr lang="en-US">
+                <a:solidFill>
+                  <a:schemeClr val="bg1"/>
+                </a:solidFill>
+                <a:latin typeface="Segoe UI" panose="020B0502040204020203" pitchFamily="34" charset="0"/>
+                <a:cs typeface="Segoe UI" panose="020B0502040204020203" pitchFamily="34" charset="0"/>
+              </a:rPr>
+              <a:t> </a:t>
+            </a:r>
+            <a:r>
+              <a:rPr lang="vi-VN">
+                <a:solidFill>
+                  <a:schemeClr val="bg1"/>
+                </a:solidFill>
+                <a:latin typeface="Segoe UI" panose="020B0502040204020203" pitchFamily="34" charset="0"/>
+                <a:cs typeface="Segoe UI" panose="020B0502040204020203" pitchFamily="34" charset="0"/>
+              </a:rPr>
+              <a:t>qua các thiết bị thu nhận ảnh y tế (CT, MRI...) hầu hết lại ở định dạng</a:t>
+            </a:r>
+            <a:r>
+              <a:rPr lang="en-US">
+                <a:solidFill>
+                  <a:schemeClr val="bg1"/>
+                </a:solidFill>
+                <a:latin typeface="Segoe UI" panose="020B0502040204020203" pitchFamily="34" charset="0"/>
+                <a:cs typeface="Segoe UI" panose="020B0502040204020203" pitchFamily="34" charset="0"/>
+              </a:rPr>
+              <a:t> </a:t>
+            </a:r>
+            <a:r>
+              <a:rPr lang="vi-VN">
+                <a:solidFill>
+                  <a:schemeClr val="bg1"/>
+                </a:solidFill>
+                <a:latin typeface="Segoe UI" panose="020B0502040204020203" pitchFamily="34" charset="0"/>
+                <a:cs typeface="Segoe UI" panose="020B0502040204020203" pitchFamily="34" charset="0"/>
+              </a:rPr>
+              <a:t>DICOM. Việc không đồng nhất về định dạng ảnh khiến cho chương trình</a:t>
+            </a:r>
+            <a:r>
+              <a:rPr lang="en-US">
+                <a:solidFill>
+                  <a:schemeClr val="bg1"/>
+                </a:solidFill>
+                <a:latin typeface="Segoe UI" panose="020B0502040204020203" pitchFamily="34" charset="0"/>
+                <a:cs typeface="Segoe UI" panose="020B0502040204020203" pitchFamily="34" charset="0"/>
+              </a:rPr>
+              <a:t> </a:t>
+            </a:r>
+            <a:r>
+              <a:rPr lang="vi-VN">
+                <a:solidFill>
+                  <a:schemeClr val="bg1"/>
+                </a:solidFill>
+                <a:latin typeface="Segoe UI" panose="020B0502040204020203" pitchFamily="34" charset="0"/>
+                <a:cs typeface="Segoe UI" panose="020B0502040204020203" pitchFamily="34" charset="0"/>
+              </a:rPr>
+              <a:t>hiện nay chưa thể đưa vào sử dụng trong thực tế.</a:t>
+            </a:r>
+            <a:endParaRPr lang="en-US">
+              <a:solidFill>
+                <a:schemeClr val="bg1"/>
+              </a:solidFill>
+              <a:latin typeface="Segoe UI" panose="020B0502040204020203" pitchFamily="34" charset="0"/>
+              <a:cs typeface="Segoe UI" panose="020B0502040204020203" pitchFamily="34" charset="0"/>
+            </a:endParaRPr>
+          </a:p>
+          <a:p>
+            <a:pPr>
+              <a:spcBef>
+                <a:spcPts val="1200"/>
+              </a:spcBef>
+              <a:spcAft>
+                <a:spcPts val="600"/>
+              </a:spcAft>
+            </a:pPr>
+            <a:r>
+              <a:rPr lang="en-US">
+                <a:solidFill>
+                  <a:schemeClr val="bg1"/>
+                </a:solidFill>
+                <a:latin typeface="Segoe UI" panose="020B0502040204020203" pitchFamily="34" charset="0"/>
+                <a:cs typeface="Segoe UI" panose="020B0502040204020203" pitchFamily="34" charset="0"/>
+              </a:rPr>
+              <a:t>	- C</a:t>
+            </a:r>
+            <a:r>
+              <a:rPr lang="vi-VN">
+                <a:solidFill>
+                  <a:schemeClr val="bg1"/>
+                </a:solidFill>
+                <a:latin typeface="Segoe UI" panose="020B0502040204020203" pitchFamily="34" charset="0"/>
+                <a:cs typeface="Segoe UI" panose="020B0502040204020203" pitchFamily="34" charset="0"/>
+              </a:rPr>
+              <a:t>hất lượng ảnh đầu vào không</a:t>
+            </a:r>
+            <a:r>
+              <a:rPr lang="en-US">
+                <a:solidFill>
+                  <a:schemeClr val="bg1"/>
+                </a:solidFill>
+                <a:latin typeface="Segoe UI" panose="020B0502040204020203" pitchFamily="34" charset="0"/>
+                <a:cs typeface="Segoe UI" panose="020B0502040204020203" pitchFamily="34" charset="0"/>
+              </a:rPr>
+              <a:t> </a:t>
+            </a:r>
+            <a:r>
+              <a:rPr lang="vi-VN">
+                <a:solidFill>
+                  <a:schemeClr val="bg1"/>
+                </a:solidFill>
+                <a:latin typeface="Segoe UI" panose="020B0502040204020203" pitchFamily="34" charset="0"/>
+                <a:cs typeface="Segoe UI" panose="020B0502040204020203" pitchFamily="34" charset="0"/>
+              </a:rPr>
+              <a:t>đồng đều. Hầu hết ảnh trong bộ dữ liệu đều có chất lượng tốt, sắc nét,</a:t>
+            </a:r>
+            <a:r>
+              <a:rPr lang="en-US">
+                <a:solidFill>
+                  <a:schemeClr val="bg1"/>
+                </a:solidFill>
+                <a:latin typeface="Segoe UI" panose="020B0502040204020203" pitchFamily="34" charset="0"/>
+                <a:cs typeface="Segoe UI" panose="020B0502040204020203" pitchFamily="34" charset="0"/>
+              </a:rPr>
+              <a:t> </a:t>
+            </a:r>
+            <a:r>
+              <a:rPr lang="vi-VN">
+                <a:solidFill>
+                  <a:schemeClr val="bg1"/>
+                </a:solidFill>
+                <a:latin typeface="Segoe UI" panose="020B0502040204020203" pitchFamily="34" charset="0"/>
+                <a:cs typeface="Segoe UI" panose="020B0502040204020203" pitchFamily="34" charset="0"/>
+              </a:rPr>
+              <a:t>rõ ràng. Nhưng cũng có một vài ảnh mờ, không thực sự rõ nét.</a:t>
+            </a:r>
+            <a:endParaRPr lang="en-US">
+              <a:solidFill>
+                <a:schemeClr val="bg1"/>
+              </a:solidFill>
+              <a:latin typeface="Segoe UI" panose="020B0502040204020203" pitchFamily="34" charset="0"/>
+              <a:cs typeface="Segoe UI" panose="020B0502040204020203" pitchFamily="34" charset="0"/>
+            </a:endParaRPr>
+          </a:p>
+          <a:p>
+            <a:pPr>
+              <a:spcBef>
+                <a:spcPts val="1200"/>
+              </a:spcBef>
+              <a:spcAft>
+                <a:spcPts val="600"/>
+              </a:spcAft>
+            </a:pPr>
+            <a:r>
+              <a:rPr lang="en-US">
+                <a:solidFill>
+                  <a:schemeClr val="bg1"/>
+                </a:solidFill>
+                <a:latin typeface="Segoe UI" panose="020B0502040204020203" pitchFamily="34" charset="0"/>
+                <a:cs typeface="Segoe UI" panose="020B0502040204020203" pitchFamily="34" charset="0"/>
+              </a:rPr>
+              <a:t>	- </a:t>
+            </a:r>
+            <a:r>
+              <a:rPr lang="vi-VN">
+                <a:solidFill>
+                  <a:schemeClr val="bg1"/>
+                </a:solidFill>
+                <a:latin typeface="Segoe UI" panose="020B0502040204020203" pitchFamily="34" charset="0"/>
+                <a:cs typeface="Segoe UI" panose="020B0502040204020203" pitchFamily="34" charset="0"/>
+              </a:rPr>
+              <a:t>Từ những vấn đề nêu trên, </a:t>
+            </a:r>
+            <a:r>
+              <a:rPr lang="en-US">
+                <a:solidFill>
+                  <a:schemeClr val="bg1"/>
+                </a:solidFill>
+                <a:latin typeface="Segoe UI" panose="020B0502040204020203" pitchFamily="34" charset="0"/>
+                <a:cs typeface="Segoe UI" panose="020B0502040204020203" pitchFamily="34" charset="0"/>
+              </a:rPr>
+              <a:t>học viên </a:t>
+            </a:r>
+            <a:r>
+              <a:rPr lang="vi-VN">
+                <a:solidFill>
+                  <a:schemeClr val="bg1"/>
+                </a:solidFill>
+                <a:latin typeface="Segoe UI" panose="020B0502040204020203" pitchFamily="34" charset="0"/>
+                <a:cs typeface="Segoe UI" panose="020B0502040204020203" pitchFamily="34" charset="0"/>
+              </a:rPr>
+              <a:t>đề xuất hướng phát triển tiếp theo</a:t>
+            </a:r>
+            <a:r>
+              <a:rPr lang="en-US">
+                <a:solidFill>
+                  <a:schemeClr val="bg1"/>
+                </a:solidFill>
+                <a:latin typeface="Segoe UI" panose="020B0502040204020203" pitchFamily="34" charset="0"/>
+                <a:cs typeface="Segoe UI" panose="020B0502040204020203" pitchFamily="34" charset="0"/>
+              </a:rPr>
+              <a:t> </a:t>
+            </a:r>
+            <a:r>
+              <a:rPr lang="vi-VN">
+                <a:solidFill>
+                  <a:schemeClr val="bg1"/>
+                </a:solidFill>
+                <a:latin typeface="Segoe UI" panose="020B0502040204020203" pitchFamily="34" charset="0"/>
+                <a:cs typeface="Segoe UI" panose="020B0502040204020203" pitchFamily="34" charset="0"/>
+              </a:rPr>
+              <a:t>là hoàn thiện thêm các chức năng liên quan đến nâng cao chất lượng ảnh</a:t>
+            </a:r>
+            <a:r>
+              <a:rPr lang="en-US">
+                <a:solidFill>
+                  <a:schemeClr val="bg1"/>
+                </a:solidFill>
+                <a:latin typeface="Segoe UI" panose="020B0502040204020203" pitchFamily="34" charset="0"/>
+                <a:cs typeface="Segoe UI" panose="020B0502040204020203" pitchFamily="34" charset="0"/>
+              </a:rPr>
+              <a:t> </a:t>
+            </a:r>
+            <a:r>
+              <a:rPr lang="vi-VN">
+                <a:solidFill>
+                  <a:schemeClr val="bg1"/>
+                </a:solidFill>
+                <a:latin typeface="Segoe UI" panose="020B0502040204020203" pitchFamily="34" charset="0"/>
+                <a:cs typeface="Segoe UI" panose="020B0502040204020203" pitchFamily="34" charset="0"/>
+              </a:rPr>
+              <a:t>đầu vào, chức năng kết nối với thiết bị thu</a:t>
+            </a:r>
+            <a:r>
+              <a:rPr lang="en-US">
+                <a:solidFill>
+                  <a:schemeClr val="bg1"/>
+                </a:solidFill>
+                <a:latin typeface="Segoe UI" panose="020B0502040204020203" pitchFamily="34" charset="0"/>
+                <a:cs typeface="Segoe UI" panose="020B0502040204020203" pitchFamily="34" charset="0"/>
+              </a:rPr>
+              <a:t> </a:t>
+            </a:r>
+            <a:r>
+              <a:rPr lang="vi-VN">
+                <a:solidFill>
+                  <a:schemeClr val="bg1"/>
+                </a:solidFill>
+                <a:latin typeface="Segoe UI" panose="020B0502040204020203" pitchFamily="34" charset="0"/>
+                <a:cs typeface="Segoe UI" panose="020B0502040204020203" pitchFamily="34" charset="0"/>
+              </a:rPr>
+              <a:t>nhận ảnh y tế (CT, MRI...) để</a:t>
+            </a:r>
+            <a:r>
+              <a:rPr lang="en-US">
+                <a:solidFill>
+                  <a:schemeClr val="bg1"/>
+                </a:solidFill>
+                <a:latin typeface="Segoe UI" panose="020B0502040204020203" pitchFamily="34" charset="0"/>
+                <a:cs typeface="Segoe UI" panose="020B0502040204020203" pitchFamily="34" charset="0"/>
+              </a:rPr>
+              <a:t> </a:t>
+            </a:r>
+            <a:r>
+              <a:rPr lang="vi-VN">
+                <a:solidFill>
+                  <a:schemeClr val="bg1"/>
+                </a:solidFill>
+                <a:latin typeface="Segoe UI" panose="020B0502040204020203" pitchFamily="34" charset="0"/>
+                <a:cs typeface="Segoe UI" panose="020B0502040204020203" pitchFamily="34" charset="0"/>
+              </a:rPr>
+              <a:t>hoàn thiện chương trình có thể ứng dụng vào thực tiễn.</a:t>
+            </a:r>
+          </a:p>
+          <a:p>
+            <a:pPr>
+              <a:spcBef>
+                <a:spcPts val="1200"/>
+              </a:spcBef>
+              <a:spcAft>
+                <a:spcPts val="600"/>
+              </a:spcAft>
+            </a:pPr>
             <a:endParaRPr lang="vi-VN">
               <a:solidFill>
                 <a:schemeClr val="bg1"/>
@@ -3025,7 +3539,7 @@
             <a:pPr rtl="0"/>
             <a:fld id="{BC849E9A-41F7-4779-A581-48A7C374A227}" type="slidenum">
               <a:rPr lang="vi-VN" smtClean="0"/>
-              <a:t>17</a:t>
+              <a:t>19</a:t>
             </a:fld>
             <a:endParaRPr lang="vi-VN"/>
           </a:p>
@@ -3034,7 +3548,7 @@
     </p:spTree>
     <p:extLst>
       <p:ext uri="{BB962C8B-B14F-4D97-AF65-F5344CB8AC3E}">
-        <p14:creationId xmlns:p14="http://schemas.microsoft.com/office/powerpoint/2010/main" val="615462322"/>
+        <p14:creationId xmlns:p14="http://schemas.microsoft.com/office/powerpoint/2010/main" val="361079803"/>
       </p:ext>
     </p:extLst>
   </p:cSld>
@@ -3093,6 +3607,19 @@
               <a:buChar char="-"/>
             </a:pPr>
             <a:r>
+              <a:rPr lang="en-US" noProof="0">
+                <a:latin typeface="Segoe UI" panose="020B0502040204020203" pitchFamily="34" charset="0"/>
+                <a:cs typeface="Segoe UI" panose="020B0502040204020203" pitchFamily="34" charset="0"/>
+              </a:rPr>
+              <a:t>Theo báo cáo của Tổ chức Y tế thế giới năm 2020 về kiểm soát bệnh lao toàn cầu</a:t>
+            </a:r>
+          </a:p>
+          <a:p>
+            <a:pPr marL="171450" indent="-171450" rtl="0">
+              <a:buFontTx/>
+              <a:buChar char="-"/>
+            </a:pPr>
+            <a:r>
               <a:rPr lang="vi-VN" noProof="0">
                 <a:latin typeface="Segoe UI" panose="020B0502040204020203" pitchFamily="34" charset="0"/>
                 <a:cs typeface="Segoe UI" panose="020B0502040204020203" pitchFamily="34" charset="0"/>
@@ -3176,45 +3703,6 @@
                 <a:cs typeface="Segoe UI" panose="020B0502040204020203" pitchFamily="34" charset="0"/>
               </a:rPr>
               <a:t>Hàng năm, ước tính có 17.000 trường hợp tử vong do lao tại Việt Nam</a:t>
-            </a:r>
-          </a:p>
-          <a:p>
-            <a:pPr marL="171450" lvl="0" indent="-171450" rtl="0">
-              <a:buFontTx/>
-              <a:buChar char="-"/>
-            </a:pPr>
-            <a:r>
-              <a:rPr lang="vi-VN" noProof="0">
-                <a:latin typeface="Segoe UI" panose="020B0502040204020203" pitchFamily="34" charset="0"/>
-                <a:cs typeface="Segoe UI" panose="020B0502040204020203" pitchFamily="34" charset="0"/>
-              </a:rPr>
-              <a:t>Sự cần thiết của nghiên cứu</a:t>
-            </a:r>
-          </a:p>
-          <a:p>
-            <a:pPr marL="628650" lvl="1" indent="-171450" rtl="0">
-              <a:buFontTx/>
-              <a:buChar char="-"/>
-            </a:pPr>
-            <a:r>
-              <a:rPr lang="vi-VN" noProof="0">
-                <a:latin typeface="Segoe UI" panose="020B0502040204020203" pitchFamily="34" charset="0"/>
-                <a:cs typeface="Segoe UI" panose="020B0502040204020203" pitchFamily="34" charset="0"/>
-              </a:rPr>
-              <a:t>Chẩn đoán bệnh lao không thật sự khó nhưng phải chẩn đoán sớm và chẩn đoán đung để khởi động điều trị sớm, việc này rất cần việc ứng dụng công nghệ thông tin vào quá trình chuẩn đoán</a:t>
-            </a:r>
-          </a:p>
-          <a:p>
-            <a:pPr marL="628650" lvl="1" indent="-171450" rtl="0">
-              <a:buFontTx/>
-              <a:buChar char="-"/>
-            </a:pPr>
-            <a:r>
-              <a:rPr lang="vi-VN" noProof="0">
-                <a:latin typeface="Segoe UI" panose="020B0502040204020203" pitchFamily="34" charset="0"/>
-                <a:cs typeface="Segoe UI" panose="020B0502040204020203" pitchFamily="34" charset="0"/>
-              </a:rPr>
-              <a:t>Xuất phát từ sự cần thiết của việc áp dụng những tiến bộ học máy, học sâu như đã trình bày, tác giả đã thực hiện đề tài "Nghiên cứu hỗ trợ chuẩn đoán bệnh lao dựa vào học máy". Đề tài đảm bảo được sự phù hợp và tính khoa học cần thiết, đặc biệt có tính ứng dụng thực tiễn cao.</a:t>
             </a:r>
           </a:p>
           <a:p>
@@ -3257,6 +3745,115 @@
     <p:extLst>
       <p:ext uri="{BB962C8B-B14F-4D97-AF65-F5344CB8AC3E}">
         <p14:creationId xmlns:p14="http://schemas.microsoft.com/office/powerpoint/2010/main" val="2295961475"/>
+      </p:ext>
+    </p:extLst>
+  </p:cSld>
+  <p:clrMapOvr>
+    <a:masterClrMapping/>
+  </p:clrMapOvr>
+</p:notes>
+</file>
+
+<file path=ppt/notesSlides/notesSlide20.xml><?xml version="1.0" encoding="utf-8"?>
+<p:notes xmlns:a="http://schemas.openxmlformats.org/drawingml/2006/main" xmlns:r="http://schemas.openxmlformats.org/officeDocument/2006/relationships" xmlns:p="http://schemas.openxmlformats.org/presentationml/2006/main">
+  <p:cSld>
+    <p:spTree>
+      <p:nvGrpSpPr>
+        <p:cNvPr id="1" name=""/>
+        <p:cNvGrpSpPr/>
+        <p:nvPr/>
+      </p:nvGrpSpPr>
+      <p:grpSpPr>
+        <a:xfrm>
+          <a:off x="0" y="0"/>
+          <a:ext cx="0" cy="0"/>
+          <a:chOff x="0" y="0"/>
+          <a:chExt cx="0" cy="0"/>
+        </a:xfrm>
+      </p:grpSpPr>
+      <p:sp>
+        <p:nvSpPr>
+          <p:cNvPr id="2" name="Chỗ dành sẵn cho Hình ảnh của Bản chiếu 1"/>
+          <p:cNvSpPr>
+            <a:spLocks noGrp="1" noRot="1" noChangeAspect="1"/>
+          </p:cNvSpPr>
+          <p:nvPr>
+            <p:ph type="sldImg"/>
+          </p:nvPr>
+        </p:nvSpPr>
+        <p:spPr/>
+      </p:sp>
+      <p:sp>
+        <p:nvSpPr>
+          <p:cNvPr id="3" name="Chỗ dành sẵn cho Ghi chú 2"/>
+          <p:cNvSpPr>
+            <a:spLocks noGrp="1"/>
+          </p:cNvSpPr>
+          <p:nvPr>
+            <p:ph type="body" idx="1"/>
+          </p:nvPr>
+        </p:nvSpPr>
+        <p:spPr/>
+        <p:txBody>
+          <a:bodyPr rtlCol="0"/>
+          <a:lstStyle/>
+          <a:p>
+            <a:pPr>
+              <a:spcBef>
+                <a:spcPts val="1200"/>
+              </a:spcBef>
+              <a:spcAft>
+                <a:spcPts val="600"/>
+              </a:spcAft>
+            </a:pPr>
+            <a:r>
+              <a:rPr lang="en-US">
+                <a:solidFill>
+                  <a:schemeClr val="bg1"/>
+                </a:solidFill>
+                <a:latin typeface="Segoe UI" panose="020B0502040204020203" pitchFamily="34" charset="0"/>
+                <a:cs typeface="Segoe UI" panose="020B0502040204020203" pitchFamily="34" charset="0"/>
+              </a:rPr>
+              <a:t>Xin chân thành cảm ơn các Thầy/Cô trong hội đồng, các bạn học viên, đồng nghiệp đã lắng nghe. Em rất mong nhận được những góp ý của Thầy/Cô, các bạn học viên và mọi người có mặt tại đây để em có thể hoàn thiện hơn luận văn của minh!</a:t>
+            </a:r>
+            <a:endParaRPr lang="vi-VN">
+              <a:solidFill>
+                <a:schemeClr val="bg1"/>
+              </a:solidFill>
+              <a:latin typeface="Segoe UI" panose="020B0502040204020203" pitchFamily="34" charset="0"/>
+              <a:cs typeface="Segoe UI" panose="020B0502040204020203" pitchFamily="34" charset="0"/>
+            </a:endParaRPr>
+          </a:p>
+        </p:txBody>
+      </p:sp>
+      <p:sp>
+        <p:nvSpPr>
+          <p:cNvPr id="4" name="Chỗ dành sẵn cho Số hiệu Bản chiếu 3"/>
+          <p:cNvSpPr>
+            <a:spLocks noGrp="1"/>
+          </p:cNvSpPr>
+          <p:nvPr>
+            <p:ph type="sldNum" sz="quarter" idx="10"/>
+          </p:nvPr>
+        </p:nvSpPr>
+        <p:spPr/>
+        <p:txBody>
+          <a:bodyPr rtlCol="0"/>
+          <a:lstStyle/>
+          <a:p>
+            <a:pPr rtl="0"/>
+            <a:fld id="{BC849E9A-41F7-4779-A581-48A7C374A227}" type="slidenum">
+              <a:rPr lang="vi-VN" smtClean="0"/>
+              <a:t>20</a:t>
+            </a:fld>
+            <a:endParaRPr lang="vi-VN"/>
+          </a:p>
+        </p:txBody>
+      </p:sp>
+    </p:spTree>
+    <p:extLst>
+      <p:ext uri="{BB962C8B-B14F-4D97-AF65-F5344CB8AC3E}">
+        <p14:creationId xmlns:p14="http://schemas.microsoft.com/office/powerpoint/2010/main" val="615462322"/>
       </p:ext>
     </p:extLst>
   </p:cSld>
@@ -3310,13 +3907,67 @@
           <a:bodyPr rtlCol="0"/>
           <a:lstStyle/>
           <a:p>
-            <a:pPr rtl="0"/>
+            <a:pPr marL="171450" lvl="0" indent="-171450" rtl="0">
+              <a:buFontTx/>
+              <a:buChar char="-"/>
+            </a:pPr>
             <a:r>
               <a:rPr lang="vi-VN" noProof="0">
                 <a:latin typeface="Segoe UI" panose="020B0502040204020203" pitchFamily="34" charset="0"/>
                 <a:cs typeface="Segoe UI" panose="020B0502040204020203" pitchFamily="34" charset="0"/>
               </a:rPr>
-              <a:t>-   Đối tượng nghiên cứu: Ảnh X-quang lồng ngực trong y tế thu nhận bởi các máy chiếu, chụp chuyên dụng.</a:t>
+              <a:t>Sự cần thiết của nghiên cứu</a:t>
+            </a:r>
+          </a:p>
+          <a:p>
+            <a:pPr marL="628650" lvl="1" indent="-171450" rtl="0">
+              <a:buFontTx/>
+              <a:buChar char="-"/>
+            </a:pPr>
+            <a:r>
+              <a:rPr lang="vi-VN" noProof="0">
+                <a:latin typeface="Segoe UI" panose="020B0502040204020203" pitchFamily="34" charset="0"/>
+                <a:cs typeface="Segoe UI" panose="020B0502040204020203" pitchFamily="34" charset="0"/>
+              </a:rPr>
+              <a:t>Chẩn đoán bệnh lao không thật sự khó nhưng phải chẩn đoán sớm và chẩn đoán đung để khởi động điều trị sớm, việc này rất cần việc ứng dụng công nghệ thông tin vào quá trình chuẩn đoán</a:t>
+            </a:r>
+            <a:r>
+              <a:rPr lang="en-US" noProof="0">
+                <a:latin typeface="Segoe UI" panose="020B0502040204020203" pitchFamily="34" charset="0"/>
+                <a:cs typeface="Segoe UI" panose="020B0502040204020203" pitchFamily="34" charset="0"/>
+              </a:rPr>
+              <a:t>, đặc biệt là học máy, học sâu</a:t>
+            </a:r>
+            <a:endParaRPr lang="vi-VN" noProof="0">
+              <a:latin typeface="Segoe UI" panose="020B0502040204020203" pitchFamily="34" charset="0"/>
+              <a:cs typeface="Segoe UI" panose="020B0502040204020203" pitchFamily="34" charset="0"/>
+            </a:endParaRPr>
+          </a:p>
+          <a:p>
+            <a:pPr marL="628650" lvl="1" indent="-171450" rtl="0">
+              <a:buFontTx/>
+              <a:buChar char="-"/>
+            </a:pPr>
+            <a:r>
+              <a:rPr lang="vi-VN" noProof="0">
+                <a:latin typeface="Segoe UI" panose="020B0502040204020203" pitchFamily="34" charset="0"/>
+                <a:cs typeface="Segoe UI" panose="020B0502040204020203" pitchFamily="34" charset="0"/>
+              </a:rPr>
+              <a:t>Xuất phát từ sự cần thiết của việc áp dụng những tiến bộ học máy, học sâu như đã trình bày, </a:t>
+            </a:r>
+            <a:r>
+              <a:rPr lang="en-US" noProof="0">
+                <a:latin typeface="Segoe UI" panose="020B0502040204020203" pitchFamily="34" charset="0"/>
+                <a:cs typeface="Segoe UI" panose="020B0502040204020203" pitchFamily="34" charset="0"/>
+              </a:rPr>
+              <a:t>em </a:t>
+            </a:r>
+            <a:r>
+              <a:rPr lang="vi-VN" noProof="0">
+                <a:latin typeface="Segoe UI" panose="020B0502040204020203" pitchFamily="34" charset="0"/>
+                <a:cs typeface="Segoe UI" panose="020B0502040204020203" pitchFamily="34" charset="0"/>
+              </a:rPr>
+              <a:t>đã thực hiện đề tài "Nghiên cứu hỗ trợ chuẩn đoán bệnh lao dựa vào học máy". Đề tài đảm bảo được sự phù hợp và tính khoa học cần thiết, đặc biệt có tính ứng dụng thực tiễn cao.</a:t>
             </a:r>
           </a:p>
           <a:p>
@@ -3324,13 +3975,10 @@
               <a:buFontTx/>
               <a:buChar char="-"/>
             </a:pPr>
-            <a:r>
-              <a:rPr lang="vi-VN" noProof="0">
-                <a:latin typeface="Segoe UI" panose="020B0502040204020203" pitchFamily="34" charset="0"/>
-                <a:cs typeface="Segoe UI" panose="020B0502040204020203" pitchFamily="34" charset="0"/>
-              </a:rPr>
-              <a:t>Phạm vi nghiên cứu: Ảnh đa mức xám chụp phổi thẳng thường quy</a:t>
-            </a:r>
+            <a:endParaRPr lang="en-US" noProof="0">
+              <a:latin typeface="Segoe UI" panose="020B0502040204020203" pitchFamily="34" charset="0"/>
+              <a:cs typeface="Segoe UI" panose="020B0502040204020203" pitchFamily="34" charset="0"/>
+            </a:endParaRPr>
           </a:p>
           <a:p>
             <a:pPr marL="171450" indent="-171450" rtl="0">
@@ -3338,11 +3986,11 @@
               <a:buChar char="-"/>
             </a:pPr>
             <a:r>
-              <a:rPr lang="vi-VN" noProof="0">
-                <a:latin typeface="Segoe UI" panose="020B0502040204020203" pitchFamily="34" charset="0"/>
-                <a:cs typeface="Segoe UI" panose="020B0502040204020203" pitchFamily="34" charset="0"/>
-              </a:rPr>
-              <a:t>Nội dung nghiên cứu chinh</a:t>
+              <a:rPr lang="en-US" noProof="0">
+                <a:latin typeface="Segoe UI" panose="020B0502040204020203" pitchFamily="34" charset="0"/>
+                <a:cs typeface="Segoe UI" panose="020B0502040204020203" pitchFamily="34" charset="0"/>
+              </a:rPr>
+              <a:t>Bài toán chuẩn đoán bệnh lao</a:t>
             </a:r>
           </a:p>
           <a:p>
@@ -3351,12 +3999,65 @@
               <a:buChar char="-"/>
             </a:pPr>
             <a:r>
+              <a:rPr lang="en-US" noProof="0">
+                <a:latin typeface="Segoe UI" panose="020B0502040204020203" pitchFamily="34" charset="0"/>
+                <a:cs typeface="Segoe UI" panose="020B0502040204020203" pitchFamily="34" charset="0"/>
+              </a:rPr>
+              <a:t>Các dữ liệu chuẩn đoán bệnh lao: </a:t>
+            </a:r>
+            <a:r>
               <a:rPr lang="vi-VN" noProof="0">
                 <a:latin typeface="Segoe UI" panose="020B0502040204020203" pitchFamily="34" charset="0"/>
                 <a:cs typeface="Segoe UI" panose="020B0502040204020203" pitchFamily="34" charset="0"/>
               </a:rPr>
-              <a:t>Phần mở đầu: Nêu lý do chọn đề tài và hướng nghiên cứu chính</a:t>
-            </a:r>
+              <a:t>Để chuẩn đoán được bệnh lao cần dựa vào rất nhiều dữ liệu</a:t>
+            </a:r>
+            <a:r>
+              <a:rPr lang="en-US" noProof="0">
+                <a:latin typeface="Segoe UI" panose="020B0502040204020203" pitchFamily="34" charset="0"/>
+                <a:cs typeface="Segoe UI" panose="020B0502040204020203" pitchFamily="34" charset="0"/>
+              </a:rPr>
+              <a:t> từ lâm sàng đến cận lâm sàng. </a:t>
+            </a:r>
+            <a:r>
+              <a:rPr lang="vi-VN" noProof="0">
+                <a:latin typeface="Segoe UI" panose="020B0502040204020203" pitchFamily="34" charset="0"/>
+                <a:cs typeface="Segoe UI" panose="020B0502040204020203" pitchFamily="34" charset="0"/>
+              </a:rPr>
+              <a:t>Tuy vậy, do mục tiêu, đối tượng nghiên cứu, phạm vi nghiên cứu, nên</a:t>
+            </a:r>
+            <a:r>
+              <a:rPr lang="en-US" noProof="0">
+                <a:latin typeface="Segoe UI" panose="020B0502040204020203" pitchFamily="34" charset="0"/>
+                <a:cs typeface="Segoe UI" panose="020B0502040204020203" pitchFamily="34" charset="0"/>
+              </a:rPr>
+              <a:t> </a:t>
+            </a:r>
+            <a:r>
+              <a:rPr lang="vi-VN" noProof="0">
+                <a:latin typeface="Segoe UI" panose="020B0502040204020203" pitchFamily="34" charset="0"/>
+                <a:cs typeface="Segoe UI" panose="020B0502040204020203" pitchFamily="34" charset="0"/>
+              </a:rPr>
+              <a:t>luận văn chỉ tập trung nghiên cứu hỗ trợ chuẩn đoán bệnh lao qua các</a:t>
+            </a:r>
+            <a:r>
+              <a:rPr lang="en-US" noProof="0">
+                <a:latin typeface="Segoe UI" panose="020B0502040204020203" pitchFamily="34" charset="0"/>
+                <a:cs typeface="Segoe UI" panose="020B0502040204020203" pitchFamily="34" charset="0"/>
+              </a:rPr>
+              <a:t> </a:t>
+            </a:r>
+            <a:r>
+              <a:rPr lang="vi-VN" noProof="0">
+                <a:latin typeface="Segoe UI" panose="020B0502040204020203" pitchFamily="34" charset="0"/>
+                <a:cs typeface="Segoe UI" panose="020B0502040204020203" pitchFamily="34" charset="0"/>
+              </a:rPr>
+              <a:t>hình ảnh x-quang phổi thường quy dựa vào học máy, học sâu.</a:t>
+            </a:r>
+            <a:endParaRPr lang="en-US" noProof="0">
+              <a:latin typeface="Segoe UI" panose="020B0502040204020203" pitchFamily="34" charset="0"/>
+              <a:cs typeface="Segoe UI" panose="020B0502040204020203" pitchFamily="34" charset="0"/>
+            </a:endParaRPr>
           </a:p>
           <a:p>
             <a:pPr marL="628650" lvl="1" indent="-171450" rtl="0">
@@ -3368,8 +4069,69 @@
                 <a:latin typeface="Segoe UI" panose="020B0502040204020203" pitchFamily="34" charset="0"/>
                 <a:cs typeface="Segoe UI" panose="020B0502040204020203" pitchFamily="34" charset="0"/>
               </a:rPr>
-              <a:t>Chương 1: Khái quát về CNN và bài toán chuẩn đoán bệnh lao.</a:t>
-            </a:r>
+              <a:t>bài toán này chính là bài toán phân loại ảnh trong Thị</a:t>
+            </a:r>
+            <a:r>
+              <a:rPr lang="en-US" noProof="0">
+                <a:latin typeface="Segoe UI" panose="020B0502040204020203" pitchFamily="34" charset="0"/>
+                <a:cs typeface="Segoe UI" panose="020B0502040204020203" pitchFamily="34" charset="0"/>
+              </a:rPr>
+              <a:t> </a:t>
+            </a:r>
+            <a:r>
+              <a:rPr lang="vi-VN" noProof="0">
+                <a:latin typeface="Segoe UI" panose="020B0502040204020203" pitchFamily="34" charset="0"/>
+                <a:cs typeface="Segoe UI" panose="020B0502040204020203" pitchFamily="34" charset="0"/>
+              </a:rPr>
+              <a:t>giác Máy - Computer Vision</a:t>
+            </a:r>
+            <a:r>
+              <a:rPr lang="en-US" noProof="0">
+                <a:latin typeface="Segoe UI" panose="020B0502040204020203" pitchFamily="34" charset="0"/>
+                <a:cs typeface="Segoe UI" panose="020B0502040204020203" pitchFamily="34" charset="0"/>
+              </a:rPr>
+              <a:t>. </a:t>
+            </a:r>
+            <a:r>
+              <a:rPr lang="vi-VN" noProof="0">
+                <a:latin typeface="Segoe UI" panose="020B0502040204020203" pitchFamily="34" charset="0"/>
+                <a:cs typeface="Segoe UI" panose="020B0502040204020203" pitchFamily="34" charset="0"/>
+              </a:rPr>
+              <a:t>ta có tập dữ liệu ảnh chụp</a:t>
+            </a:r>
+            <a:r>
+              <a:rPr lang="en-US" noProof="0">
+                <a:latin typeface="Segoe UI" panose="020B0502040204020203" pitchFamily="34" charset="0"/>
+                <a:cs typeface="Segoe UI" panose="020B0502040204020203" pitchFamily="34" charset="0"/>
+              </a:rPr>
+              <a:t> </a:t>
+            </a:r>
+            <a:r>
+              <a:rPr lang="vi-VN" noProof="0">
+                <a:latin typeface="Segoe UI" panose="020B0502040204020203" pitchFamily="34" charset="0"/>
+                <a:cs typeface="Segoe UI" panose="020B0502040204020203" pitchFamily="34" charset="0"/>
+              </a:rPr>
+              <a:t>x-quang phổi đã được gán nhãn làm hình ảnh đầu vào (input)</a:t>
+            </a:r>
+            <a:r>
+              <a:rPr lang="en-US" noProof="0">
+                <a:latin typeface="Segoe UI" panose="020B0502040204020203" pitchFamily="34" charset="0"/>
+                <a:cs typeface="Segoe UI" panose="020B0502040204020203" pitchFamily="34" charset="0"/>
+              </a:rPr>
+              <a:t>. Tập dữ liệu trên được </a:t>
+            </a:r>
+            <a:r>
+              <a:rPr lang="vi-VN"/>
+              <a:t>một nhóm các nhà nghiên cứu từ Đại học Qatar, Doha, và Đại học Dhaka, Bangladesh cùng với các cộng tác viên của họ từ Malaysia phối hợp với các bác sĩ từ Hamad Medical Corporation và Bangladesh đã tạo ra một cơ sở dữ liệu về hình ảnh X-quang phổi cho người có lao cùng với hình ảnh người không có lao</a:t>
+            </a:r>
+            <a:r>
+              <a:rPr lang="en-US"/>
+              <a:t>.</a:t>
+            </a:r>
+            <a:endParaRPr lang="vi-VN" noProof="0">
+              <a:latin typeface="Segoe UI" panose="020B0502040204020203" pitchFamily="34" charset="0"/>
+              <a:cs typeface="Segoe UI" panose="020B0502040204020203" pitchFamily="34" charset="0"/>
+            </a:endParaRPr>
           </a:p>
           <a:p>
             <a:pPr marL="628650" lvl="1" indent="-171450" rtl="0">
@@ -3377,25 +4139,50 @@
               <a:buChar char="-"/>
             </a:pPr>
             <a:r>
+              <a:rPr lang="en-US" noProof="0">
+                <a:latin typeface="Segoe UI" panose="020B0502040204020203" pitchFamily="34" charset="0"/>
+                <a:cs typeface="Segoe UI" panose="020B0502040204020203" pitchFamily="34" charset="0"/>
+              </a:rPr>
+              <a:t> Từ tập dữ liệu trên, ta sẽ tiến hành huấn luyện các mô hình học sâu của luận văn sau đó dung mô hình này để </a:t>
+            </a:r>
+            <a:r>
               <a:rPr lang="vi-VN" noProof="0">
                 <a:latin typeface="Segoe UI" panose="020B0502040204020203" pitchFamily="34" charset="0"/>
                 <a:cs typeface="Segoe UI" panose="020B0502040204020203" pitchFamily="34" charset="0"/>
               </a:rPr>
-              <a:t>Chương 2: Một số mô hình hỗ trợ chuẩn đoán.</a:t>
-            </a:r>
-          </a:p>
-          <a:p>
-            <a:pPr marL="628650" lvl="1" indent="-171450" rtl="0">
+              <a:t>thực hiện nhiêm vụ phân loại, dự đoán về</a:t>
+            </a:r>
+            <a:r>
+              <a:rPr lang="en-US" noProof="0">
+                <a:latin typeface="Segoe UI" panose="020B0502040204020203" pitchFamily="34" charset="0"/>
+                <a:cs typeface="Segoe UI" panose="020B0502040204020203" pitchFamily="34" charset="0"/>
+              </a:rPr>
+              <a:t> </a:t>
+            </a:r>
+            <a:r>
+              <a:rPr lang="vi-VN" noProof="0">
+                <a:latin typeface="Segoe UI" panose="020B0502040204020203" pitchFamily="34" charset="0"/>
+                <a:cs typeface="Segoe UI" panose="020B0502040204020203" pitchFamily="34" charset="0"/>
+              </a:rPr>
+              <a:t>khả năng ảnh x-quang phổi được đưa vào là của người có lao hay không</a:t>
+            </a:r>
+            <a:r>
+              <a:rPr lang="en-US" noProof="0">
+                <a:latin typeface="Segoe UI" panose="020B0502040204020203" pitchFamily="34" charset="0"/>
+                <a:cs typeface="Segoe UI" panose="020B0502040204020203" pitchFamily="34" charset="0"/>
+              </a:rPr>
+              <a:t>, đây là nhãn (label) đầu ra (output) mong muốn cho bài toán.</a:t>
+            </a:r>
+          </a:p>
+          <a:p>
+            <a:pPr marL="914400" lvl="2" indent="0" rtl="0">
               <a:buFontTx/>
-              <a:buChar char="-"/>
+              <a:buNone/>
             </a:pPr>
-            <a:r>
-              <a:rPr lang="vi-VN" noProof="0">
-                <a:latin typeface="Segoe UI" panose="020B0502040204020203" pitchFamily="34" charset="0"/>
-                <a:cs typeface="Segoe UI" panose="020B0502040204020203" pitchFamily="34" charset="0"/>
-              </a:rPr>
-              <a:t>Chương 3: Chương trình thử nghiệm.</a:t>
-            </a:r>
+            <a:endParaRPr lang="vi-VN" noProof="0">
+              <a:latin typeface="Segoe UI" panose="020B0502040204020203" pitchFamily="34" charset="0"/>
+              <a:cs typeface="Segoe UI" panose="020B0502040204020203" pitchFamily="34" charset="0"/>
+            </a:endParaRPr>
           </a:p>
         </p:txBody>
       </p:sp>
@@ -3524,6 +4311,16 @@
               <a:defRPr/>
             </a:pPr>
             <a:r>
+              <a:rPr lang="en-US">
+                <a:solidFill>
+                  <a:schemeClr val="bg1"/>
+                </a:solidFill>
+                <a:latin typeface="Segoe UI" panose="020B0502040204020203" pitchFamily="34" charset="0"/>
+                <a:cs typeface="Segoe UI" panose="020B0502040204020203" pitchFamily="34" charset="0"/>
+              </a:rPr>
+              <a:t>2 tác giả</a:t>
+            </a:r>
+            <a:r>
               <a:rPr lang="vi-VN">
                 <a:solidFill>
                   <a:schemeClr val="bg1"/>
@@ -3531,7 +4328,7 @@
                 <a:latin typeface="Segoe UI" panose="020B0502040204020203" pitchFamily="34" charset="0"/>
                 <a:cs typeface="Segoe UI" panose="020B0502040204020203" pitchFamily="34" charset="0"/>
               </a:rPr>
-              <a:t>Karen Simonyan và Andrew Zisserman đưa ra 6 cấu hình có số lớp khác nhau từ 11 đến 19 lớp</a:t>
+              <a:t> đưa ra 6 cấu hình có số lớp khác nhau từ 11 đến 19 lớp</a:t>
             </a:r>
           </a:p>
           <a:p>
@@ -10149,8 +10946,8 @@
         </p:nvSpPr>
         <p:spPr>
           <a:xfrm>
-            <a:off x="325242" y="2080591"/>
-            <a:ext cx="11541516" cy="4336349"/>
+            <a:off x="325242" y="1913617"/>
+            <a:ext cx="11541516" cy="4503323"/>
           </a:xfrm>
         </p:spPr>
         <p:txBody>
@@ -10158,57 +10955,6 @@
             <a:noAutofit/>
           </a:bodyPr>
           <a:lstStyle/>
-          <a:p>
-            <a:pPr>
-              <a:spcBef>
-                <a:spcPts val="1200"/>
-              </a:spcBef>
-              <a:spcAft>
-                <a:spcPts val="600"/>
-              </a:spcAft>
-            </a:pPr>
-            <a:endParaRPr lang="en-US">
-              <a:solidFill>
-                <a:schemeClr val="bg1"/>
-              </a:solidFill>
-              <a:latin typeface="Segoe UI" panose="020B0502040204020203" pitchFamily="34" charset="0"/>
-              <a:cs typeface="Segoe UI" panose="020B0502040204020203" pitchFamily="34" charset="0"/>
-            </a:endParaRPr>
-          </a:p>
-          <a:p>
-            <a:pPr>
-              <a:spcBef>
-                <a:spcPts val="1200"/>
-              </a:spcBef>
-              <a:spcAft>
-                <a:spcPts val="600"/>
-              </a:spcAft>
-            </a:pPr>
-            <a:endParaRPr lang="en-US">
-              <a:solidFill>
-                <a:schemeClr val="bg1"/>
-              </a:solidFill>
-              <a:latin typeface="Segoe UI" panose="020B0502040204020203" pitchFamily="34" charset="0"/>
-              <a:cs typeface="Segoe UI" panose="020B0502040204020203" pitchFamily="34" charset="0"/>
-            </a:endParaRPr>
-          </a:p>
-          <a:p>
-            <a:pPr>
-              <a:spcBef>
-                <a:spcPts val="1200"/>
-              </a:spcBef>
-              <a:spcAft>
-                <a:spcPts val="600"/>
-              </a:spcAft>
-            </a:pPr>
-            <a:endParaRPr lang="en-US">
-              <a:solidFill>
-                <a:schemeClr val="bg1"/>
-              </a:solidFill>
-              <a:latin typeface="Segoe UI" panose="020B0502040204020203" pitchFamily="34" charset="0"/>
-              <a:cs typeface="Segoe UI" panose="020B0502040204020203" pitchFamily="34" charset="0"/>
-            </a:endParaRPr>
-          </a:p>
           <a:p>
             <a:pPr marL="0" indent="0">
               <a:spcBef>
@@ -10220,15 +10966,22 @@
               <a:buNone/>
             </a:pPr>
             <a:r>
-              <a:rPr lang="vi-VN">
-                <a:solidFill>
-                  <a:schemeClr val="bg1"/>
-                </a:solidFill>
-                <a:latin typeface="Segoe UI" panose="020B0502040204020203" pitchFamily="34" charset="0"/>
-                <a:cs typeface="Segoe UI" panose="020B0502040204020203" pitchFamily="34" charset="0"/>
-              </a:rPr>
-              <a:t>Giao diện cập nhật mô hình</a:t>
-            </a:r>
+              <a:rPr lang="en-US">
+                <a:solidFill>
+                  <a:schemeClr val="bg1"/>
+                </a:solidFill>
+                <a:latin typeface="Segoe UI" panose="020B0502040204020203" pitchFamily="34" charset="0"/>
+                <a:cs typeface="Segoe UI" panose="020B0502040204020203" pitchFamily="34" charset="0"/>
+              </a:rPr>
+              <a:t>Lựa chọn mô hình đã hệ thống hóa</a:t>
+            </a:r>
+            <a:endParaRPr lang="vi-VN">
+              <a:solidFill>
+                <a:schemeClr val="bg1"/>
+              </a:solidFill>
+              <a:latin typeface="Segoe UI" panose="020B0502040204020203" pitchFamily="34" charset="0"/>
+              <a:cs typeface="Segoe UI" panose="020B0502040204020203" pitchFamily="34" charset="0"/>
+            </a:endParaRPr>
           </a:p>
         </p:txBody>
       </p:sp>
@@ -10341,10 +11094,10 @@
       </p:sp>
       <p:pic>
         <p:nvPicPr>
-          <p:cNvPr id="7" name="Hình ảnh 6">
-            <a:extLst>
-              <a:ext uri="{FF2B5EF4-FFF2-40B4-BE49-F238E27FC236}">
-                <a16:creationId xmlns:a16="http://schemas.microsoft.com/office/drawing/2014/main" id="{6669B8AC-0E59-BF77-6A0A-7D9B35504A2B}"/>
+          <p:cNvPr id="8" name="Hình ảnh 7" descr="Ảnh có chứa bàn&#10;&#10;Mô tả được tạo tự động">
+            <a:extLst>
+              <a:ext uri="{FF2B5EF4-FFF2-40B4-BE49-F238E27FC236}">
+                <a16:creationId xmlns:a16="http://schemas.microsoft.com/office/drawing/2014/main" id="{E6964B54-FEED-EA6B-886F-AA9FCE8F9CDF}"/>
               </a:ext>
             </a:extLst>
           </p:cNvPr>
@@ -10367,14 +11120,53 @@
         </p:blipFill>
         <p:spPr>
           <a:xfrm>
-            <a:off x="5264224" y="1972139"/>
-            <a:ext cx="6602534" cy="4576921"/>
+            <a:off x="3290496" y="2485862"/>
+            <a:ext cx="5611008" cy="3343742"/>
           </a:xfrm>
           <a:prstGeom prst="rect">
             <a:avLst/>
           </a:prstGeom>
         </p:spPr>
       </p:pic>
+      <p:sp>
+        <p:nvSpPr>
+          <p:cNvPr id="10" name="Hộp Văn bản 9">
+            <a:extLst>
+              <a:ext uri="{FF2B5EF4-FFF2-40B4-BE49-F238E27FC236}">
+                <a16:creationId xmlns:a16="http://schemas.microsoft.com/office/drawing/2014/main" id="{D689B5CA-2D91-4132-5FD5-6EE8FF272E31}"/>
+              </a:ext>
+            </a:extLst>
+          </p:cNvPr>
+          <p:cNvSpPr txBox="1"/>
+          <p:nvPr/>
+        </p:nvSpPr>
+        <p:spPr>
+          <a:xfrm>
+            <a:off x="2799264" y="5963028"/>
+            <a:ext cx="6593472" cy="369332"/>
+          </a:xfrm>
+          <a:prstGeom prst="rect">
+            <a:avLst/>
+          </a:prstGeom>
+          <a:noFill/>
+        </p:spPr>
+        <p:txBody>
+          <a:bodyPr wrap="none" rtlCol="0">
+            <a:spAutoFit/>
+          </a:bodyPr>
+          <a:lstStyle/>
+          <a:p>
+            <a:r>
+              <a:rPr lang="en-US" i="1">
+                <a:solidFill>
+                  <a:schemeClr val="bg1"/>
+                </a:solidFill>
+              </a:rPr>
+              <a:t>Hình 6: Tỉ lể lỗi trên tập dữ liệu CIFAR và SVHN của các mô hình CNN</a:t>
+            </a:r>
+          </a:p>
+        </p:txBody>
+      </p:sp>
     </p:spTree>
     <p:extLst>
       <p:ext uri="{BB962C8B-B14F-4D97-AF65-F5344CB8AC3E}">
@@ -10431,8 +11223,8 @@
         </p:nvSpPr>
         <p:spPr>
           <a:xfrm>
-            <a:off x="1471292" y="707887"/>
-            <a:ext cx="10395466" cy="905013"/>
+            <a:off x="1471292" y="707886"/>
+            <a:ext cx="10395466" cy="1372705"/>
           </a:xfrm>
         </p:spPr>
         <p:txBody>
@@ -10495,7 +11287,7 @@
         </p:blipFill>
         <p:spPr>
           <a:xfrm>
-            <a:off x="374012" y="612073"/>
+            <a:off x="325242" y="816337"/>
             <a:ext cx="1097280" cy="1097280"/>
           </a:xfrm>
           <a:prstGeom prst="rect">
@@ -10521,8 +11313,8 @@
         </p:nvSpPr>
         <p:spPr>
           <a:xfrm>
-            <a:off x="325242" y="1721351"/>
-            <a:ext cx="11541516" cy="4695590"/>
+            <a:off x="325242" y="1913617"/>
+            <a:ext cx="11541516" cy="4503323"/>
           </a:xfrm>
         </p:spPr>
         <p:txBody>
@@ -10541,15 +11333,22 @@
               <a:buNone/>
             </a:pPr>
             <a:r>
-              <a:rPr lang="vi-VN">
-                <a:solidFill>
-                  <a:schemeClr val="bg1"/>
-                </a:solidFill>
-                <a:latin typeface="Segoe UI" panose="020B0502040204020203" pitchFamily="34" charset="0"/>
-                <a:cs typeface="Segoe UI" panose="020B0502040204020203" pitchFamily="34" charset="0"/>
-              </a:rPr>
-              <a:t>Giao diện danh sách các dự doán</a:t>
-            </a:r>
+              <a:rPr lang="en-US">
+                <a:solidFill>
+                  <a:schemeClr val="bg1"/>
+                </a:solidFill>
+                <a:latin typeface="Segoe UI" panose="020B0502040204020203" pitchFamily="34" charset="0"/>
+                <a:cs typeface="Segoe UI" panose="020B0502040204020203" pitchFamily="34" charset="0"/>
+              </a:rPr>
+              <a:t>Phân tích mô hình hệ thống</a:t>
+            </a:r>
+            <a:endParaRPr lang="vi-VN">
+              <a:solidFill>
+                <a:schemeClr val="bg1"/>
+              </a:solidFill>
+              <a:latin typeface="Segoe UI" panose="020B0502040204020203" pitchFamily="34" charset="0"/>
+              <a:cs typeface="Segoe UI" panose="020B0502040204020203" pitchFamily="34" charset="0"/>
+            </a:endParaRPr>
           </a:p>
         </p:txBody>
       </p:sp>
@@ -10660,12 +11459,51 @@
           </a:p>
         </p:txBody>
       </p:sp>
+      <p:sp>
+        <p:nvSpPr>
+          <p:cNvPr id="10" name="Hộp Văn bản 9">
+            <a:extLst>
+              <a:ext uri="{FF2B5EF4-FFF2-40B4-BE49-F238E27FC236}">
+                <a16:creationId xmlns:a16="http://schemas.microsoft.com/office/drawing/2014/main" id="{D689B5CA-2D91-4132-5FD5-6EE8FF272E31}"/>
+              </a:ext>
+            </a:extLst>
+          </p:cNvPr>
+          <p:cNvSpPr txBox="1"/>
+          <p:nvPr/>
+        </p:nvSpPr>
+        <p:spPr>
+          <a:xfrm>
+            <a:off x="325242" y="4064099"/>
+            <a:ext cx="6603090" cy="369332"/>
+          </a:xfrm>
+          <a:prstGeom prst="rect">
+            <a:avLst/>
+          </a:prstGeom>
+          <a:noFill/>
+        </p:spPr>
+        <p:txBody>
+          <a:bodyPr wrap="none" rtlCol="0">
+            <a:spAutoFit/>
+          </a:bodyPr>
+          <a:lstStyle/>
+          <a:p>
+            <a:r>
+              <a:rPr lang="en-US" i="1">
+                <a:solidFill>
+                  <a:schemeClr val="bg1"/>
+                </a:solidFill>
+              </a:rPr>
+              <a:t>Hình 7: Kiến trúc Client/Server áp dụng cho chương trình thử nghiệm</a:t>
+            </a:r>
+          </a:p>
+        </p:txBody>
+      </p:sp>
       <p:pic>
         <p:nvPicPr>
-          <p:cNvPr id="8" name="Hình ảnh 7">
-            <a:extLst>
-              <a:ext uri="{FF2B5EF4-FFF2-40B4-BE49-F238E27FC236}">
-                <a16:creationId xmlns:a16="http://schemas.microsoft.com/office/drawing/2014/main" id="{BBCA655F-4A37-6F29-69AF-E965259ACAC1}"/>
+          <p:cNvPr id="7" name="Hình ảnh 6">
+            <a:extLst>
+              <a:ext uri="{FF2B5EF4-FFF2-40B4-BE49-F238E27FC236}">
+                <a16:creationId xmlns:a16="http://schemas.microsoft.com/office/drawing/2014/main" id="{470494B1-45EE-5E65-49E1-1C2954129F9E}"/>
               </a:ext>
             </a:extLst>
           </p:cNvPr>
@@ -10688,8 +11526,8 @@
         </p:blipFill>
         <p:spPr>
           <a:xfrm>
-            <a:off x="1471292" y="2220394"/>
-            <a:ext cx="8759164" cy="4393898"/>
+            <a:off x="7371573" y="2080591"/>
+            <a:ext cx="2811427" cy="4503323"/>
           </a:xfrm>
           <a:prstGeom prst="rect">
             <a:avLst/>
@@ -10699,7 +11537,7 @@
     </p:spTree>
     <p:extLst>
       <p:ext uri="{BB962C8B-B14F-4D97-AF65-F5344CB8AC3E}">
-        <p14:creationId xmlns:p14="http://schemas.microsoft.com/office/powerpoint/2010/main" val="156265555"/>
+        <p14:creationId xmlns:p14="http://schemas.microsoft.com/office/powerpoint/2010/main" val="240073631"/>
       </p:ext>
     </p:extLst>
   </p:cSld>
@@ -10752,8 +11590,8 @@
         </p:nvSpPr>
         <p:spPr>
           <a:xfrm>
-            <a:off x="1471292" y="707887"/>
-            <a:ext cx="10395466" cy="905013"/>
+            <a:off x="1471292" y="707886"/>
+            <a:ext cx="10395466" cy="1372705"/>
           </a:xfrm>
         </p:spPr>
         <p:txBody>
@@ -10816,7 +11654,7 @@
         </p:blipFill>
         <p:spPr>
           <a:xfrm>
-            <a:off x="374012" y="612073"/>
+            <a:off x="325242" y="816337"/>
             <a:ext cx="1097280" cy="1097280"/>
           </a:xfrm>
           <a:prstGeom prst="rect">
@@ -10842,8 +11680,8 @@
         </p:nvSpPr>
         <p:spPr>
           <a:xfrm>
-            <a:off x="374012" y="3909035"/>
-            <a:ext cx="4742058" cy="498740"/>
+            <a:off x="325242" y="2080591"/>
+            <a:ext cx="11541516" cy="4336349"/>
           </a:xfrm>
         </p:spPr>
         <p:txBody>
@@ -10851,6 +11689,57 @@
             <a:noAutofit/>
           </a:bodyPr>
           <a:lstStyle/>
+          <a:p>
+            <a:pPr>
+              <a:spcBef>
+                <a:spcPts val="1200"/>
+              </a:spcBef>
+              <a:spcAft>
+                <a:spcPts val="600"/>
+              </a:spcAft>
+            </a:pPr>
+            <a:endParaRPr lang="en-US">
+              <a:solidFill>
+                <a:schemeClr val="bg1"/>
+              </a:solidFill>
+              <a:latin typeface="Segoe UI" panose="020B0502040204020203" pitchFamily="34" charset="0"/>
+              <a:cs typeface="Segoe UI" panose="020B0502040204020203" pitchFamily="34" charset="0"/>
+            </a:endParaRPr>
+          </a:p>
+          <a:p>
+            <a:pPr>
+              <a:spcBef>
+                <a:spcPts val="1200"/>
+              </a:spcBef>
+              <a:spcAft>
+                <a:spcPts val="600"/>
+              </a:spcAft>
+            </a:pPr>
+            <a:endParaRPr lang="en-US">
+              <a:solidFill>
+                <a:schemeClr val="bg1"/>
+              </a:solidFill>
+              <a:latin typeface="Segoe UI" panose="020B0502040204020203" pitchFamily="34" charset="0"/>
+              <a:cs typeface="Segoe UI" panose="020B0502040204020203" pitchFamily="34" charset="0"/>
+            </a:endParaRPr>
+          </a:p>
+          <a:p>
+            <a:pPr>
+              <a:spcBef>
+                <a:spcPts val="1200"/>
+              </a:spcBef>
+              <a:spcAft>
+                <a:spcPts val="600"/>
+              </a:spcAft>
+            </a:pPr>
+            <a:endParaRPr lang="en-US">
+              <a:solidFill>
+                <a:schemeClr val="bg1"/>
+              </a:solidFill>
+              <a:latin typeface="Segoe UI" panose="020B0502040204020203" pitchFamily="34" charset="0"/>
+              <a:cs typeface="Segoe UI" panose="020B0502040204020203" pitchFamily="34" charset="0"/>
+            </a:endParaRPr>
+          </a:p>
           <a:p>
             <a:pPr marL="0" indent="0">
               <a:spcBef>
@@ -10869,27 +11758,7 @@
                 <a:latin typeface="Segoe UI" panose="020B0502040204020203" pitchFamily="34" charset="0"/>
                 <a:cs typeface="Segoe UI" panose="020B0502040204020203" pitchFamily="34" charset="0"/>
               </a:rPr>
-              <a:t>Giao diện </a:t>
-            </a:r>
-            <a:r>
-              <a:rPr lang="en-US">
-                <a:solidFill>
-                  <a:schemeClr val="bg1"/>
-                </a:solidFill>
-                <a:latin typeface="Segoe UI" panose="020B0502040204020203" pitchFamily="34" charset="0"/>
-                <a:cs typeface="Segoe UI" panose="020B0502040204020203" pitchFamily="34" charset="0"/>
-              </a:rPr>
-              <a:t>thực hiện</a:t>
-            </a:r>
-            <a:r>
-              <a:rPr lang="vi-VN">
-                <a:solidFill>
-                  <a:schemeClr val="bg1"/>
-                </a:solidFill>
-                <a:latin typeface="Segoe UI" panose="020B0502040204020203" pitchFamily="34" charset="0"/>
-                <a:cs typeface="Segoe UI" panose="020B0502040204020203" pitchFamily="34" charset="0"/>
-              </a:rPr>
-              <a:t> dự doán</a:t>
+              <a:t>Giao diện cập nhật mô hình</a:t>
             </a:r>
           </a:p>
         </p:txBody>
@@ -11006,7 +11875,7 @@
           <p:cNvPr id="7" name="Hình ảnh 6">
             <a:extLst>
               <a:ext uri="{FF2B5EF4-FFF2-40B4-BE49-F238E27FC236}">
-                <a16:creationId xmlns:a16="http://schemas.microsoft.com/office/drawing/2014/main" id="{67306179-9ADE-8BB2-1882-B8300D5DD80D}"/>
+                <a16:creationId xmlns:a16="http://schemas.microsoft.com/office/drawing/2014/main" id="{6669B8AC-0E59-BF77-6A0A-7D9B35504A2B}"/>
               </a:ext>
             </a:extLst>
           </p:cNvPr>
@@ -11029,8 +11898,8 @@
         </p:blipFill>
         <p:spPr>
           <a:xfrm>
-            <a:off x="5067300" y="1766019"/>
-            <a:ext cx="6902376" cy="4784773"/>
+            <a:off x="5264224" y="1972139"/>
+            <a:ext cx="6602534" cy="4576921"/>
           </a:xfrm>
           <a:prstGeom prst="rect">
             <a:avLst/>
@@ -11040,7 +11909,7 @@
     </p:spTree>
     <p:extLst>
       <p:ext uri="{BB962C8B-B14F-4D97-AF65-F5344CB8AC3E}">
-        <p14:creationId xmlns:p14="http://schemas.microsoft.com/office/powerpoint/2010/main" val="136448022"/>
+        <p14:creationId xmlns:p14="http://schemas.microsoft.com/office/powerpoint/2010/main" val="2828591322"/>
       </p:ext>
     </p:extLst>
   </p:cSld>
@@ -11093,8 +11962,8 @@
         </p:nvSpPr>
         <p:spPr>
           <a:xfrm>
-            <a:off x="1471292" y="707887"/>
-            <a:ext cx="10395466" cy="905013"/>
+            <a:off x="1471292" y="707886"/>
+            <a:ext cx="10395466" cy="1372705"/>
           </a:xfrm>
         </p:spPr>
         <p:txBody>
@@ -11157,7 +12026,7 @@
         </p:blipFill>
         <p:spPr>
           <a:xfrm>
-            <a:off x="374012" y="612073"/>
+            <a:off x="325242" y="816337"/>
             <a:ext cx="1097280" cy="1097280"/>
           </a:xfrm>
           <a:prstGeom prst="rect">
@@ -11183,8 +12052,8 @@
         </p:nvSpPr>
         <p:spPr>
           <a:xfrm>
-            <a:off x="374012" y="1721350"/>
-            <a:ext cx="11492746" cy="4742949"/>
+            <a:off x="325242" y="2080591"/>
+            <a:ext cx="11541516" cy="4336349"/>
           </a:xfrm>
         </p:spPr>
         <p:txBody>
@@ -11192,6 +12061,57 @@
             <a:noAutofit/>
           </a:bodyPr>
           <a:lstStyle/>
+          <a:p>
+            <a:pPr>
+              <a:spcBef>
+                <a:spcPts val="1200"/>
+              </a:spcBef>
+              <a:spcAft>
+                <a:spcPts val="600"/>
+              </a:spcAft>
+            </a:pPr>
+            <a:endParaRPr lang="en-US">
+              <a:solidFill>
+                <a:schemeClr val="bg1"/>
+              </a:solidFill>
+              <a:latin typeface="Segoe UI" panose="020B0502040204020203" pitchFamily="34" charset="0"/>
+              <a:cs typeface="Segoe UI" panose="020B0502040204020203" pitchFamily="34" charset="0"/>
+            </a:endParaRPr>
+          </a:p>
+          <a:p>
+            <a:pPr>
+              <a:spcBef>
+                <a:spcPts val="1200"/>
+              </a:spcBef>
+              <a:spcAft>
+                <a:spcPts val="600"/>
+              </a:spcAft>
+            </a:pPr>
+            <a:endParaRPr lang="en-US">
+              <a:solidFill>
+                <a:schemeClr val="bg1"/>
+              </a:solidFill>
+              <a:latin typeface="Segoe UI" panose="020B0502040204020203" pitchFamily="34" charset="0"/>
+              <a:cs typeface="Segoe UI" panose="020B0502040204020203" pitchFamily="34" charset="0"/>
+            </a:endParaRPr>
+          </a:p>
+          <a:p>
+            <a:pPr>
+              <a:spcBef>
+                <a:spcPts val="1200"/>
+              </a:spcBef>
+              <a:spcAft>
+                <a:spcPts val="600"/>
+              </a:spcAft>
+            </a:pPr>
+            <a:endParaRPr lang="en-US">
+              <a:solidFill>
+                <a:schemeClr val="bg1"/>
+              </a:solidFill>
+              <a:latin typeface="Segoe UI" panose="020B0502040204020203" pitchFamily="34" charset="0"/>
+              <a:cs typeface="Segoe UI" panose="020B0502040204020203" pitchFamily="34" charset="0"/>
+            </a:endParaRPr>
+          </a:p>
           <a:p>
             <a:pPr marL="0" indent="0">
               <a:spcBef>
@@ -11203,22 +12123,15 @@
               <a:buNone/>
             </a:pPr>
             <a:r>
-              <a:rPr lang="en-US">
-                <a:solidFill>
-                  <a:schemeClr val="bg1"/>
-                </a:solidFill>
-                <a:latin typeface="Segoe UI" panose="020B0502040204020203" pitchFamily="34" charset="0"/>
-                <a:cs typeface="Segoe UI" panose="020B0502040204020203" pitchFamily="34" charset="0"/>
-              </a:rPr>
-              <a:t>Một số ca phân loại được thực hiện bởi chương trình</a:t>
-            </a:r>
-            <a:endParaRPr lang="vi-VN">
-              <a:solidFill>
-                <a:schemeClr val="bg1"/>
-              </a:solidFill>
-              <a:latin typeface="Segoe UI" panose="020B0502040204020203" pitchFamily="34" charset="0"/>
-              <a:cs typeface="Segoe UI" panose="020B0502040204020203" pitchFamily="34" charset="0"/>
-            </a:endParaRPr>
+              <a:rPr lang="vi-VN">
+                <a:solidFill>
+                  <a:schemeClr val="bg1"/>
+                </a:solidFill>
+                <a:latin typeface="Segoe UI" panose="020B0502040204020203" pitchFamily="34" charset="0"/>
+                <a:cs typeface="Segoe UI" panose="020B0502040204020203" pitchFamily="34" charset="0"/>
+              </a:rPr>
+              <a:t>Giao diện cập nhật mô hình</a:t>
+            </a:r>
           </a:p>
         </p:txBody>
       </p:sp>
@@ -11331,10 +12244,10 @@
       </p:sp>
       <p:pic>
         <p:nvPicPr>
-          <p:cNvPr id="8" name="Hình ảnh 7">
-            <a:extLst>
-              <a:ext uri="{FF2B5EF4-FFF2-40B4-BE49-F238E27FC236}">
-                <a16:creationId xmlns:a16="http://schemas.microsoft.com/office/drawing/2014/main" id="{BCC33768-58A6-F056-3C87-F1DDC251CD4A}"/>
+          <p:cNvPr id="7" name="Hình ảnh 6">
+            <a:extLst>
+              <a:ext uri="{FF2B5EF4-FFF2-40B4-BE49-F238E27FC236}">
+                <a16:creationId xmlns:a16="http://schemas.microsoft.com/office/drawing/2014/main" id="{6669B8AC-0E59-BF77-6A0A-7D9B35504A2B}"/>
               </a:ext>
             </a:extLst>
           </p:cNvPr>
@@ -11357,60 +12270,18 @@
         </p:blipFill>
         <p:spPr>
           <a:xfrm>
-            <a:off x="3828321" y="2151394"/>
-            <a:ext cx="4584127" cy="4101587"/>
+            <a:off x="5264224" y="1972139"/>
+            <a:ext cx="6602534" cy="4576921"/>
           </a:xfrm>
           <a:prstGeom prst="rect">
             <a:avLst/>
           </a:prstGeom>
-          <a:solidFill>
-            <a:schemeClr val="bg1"/>
-          </a:solidFill>
         </p:spPr>
       </p:pic>
-      <p:sp>
-        <p:nvSpPr>
-          <p:cNvPr id="10" name="Hộp Văn bản 9">
-            <a:extLst>
-              <a:ext uri="{FF2B5EF4-FFF2-40B4-BE49-F238E27FC236}">
-                <a16:creationId xmlns:a16="http://schemas.microsoft.com/office/drawing/2014/main" id="{AEE14DE6-5AEB-BE2C-C18E-488F92A606AD}"/>
-              </a:ext>
-            </a:extLst>
-          </p:cNvPr>
-          <p:cNvSpPr txBox="1"/>
-          <p:nvPr/>
-        </p:nvSpPr>
-        <p:spPr>
-          <a:xfrm>
-            <a:off x="3728703" y="6227580"/>
-            <a:ext cx="4783361" cy="369332"/>
-          </a:xfrm>
-          <a:prstGeom prst="rect">
-            <a:avLst/>
-          </a:prstGeom>
-          <a:noFill/>
-        </p:spPr>
-        <p:txBody>
-          <a:bodyPr wrap="none" rtlCol="0">
-            <a:spAutoFit/>
-          </a:bodyPr>
-          <a:lstStyle/>
-          <a:p>
-            <a:r>
-              <a:rPr lang="en-US" i="1">
-                <a:solidFill>
-                  <a:schemeClr val="bg1"/>
-                </a:solidFill>
-              </a:rPr>
-              <a:t>Hình 9: Tổng hợp kết quả phân loại của hệ thống </a:t>
-            </a:r>
-          </a:p>
-        </p:txBody>
-      </p:sp>
     </p:spTree>
     <p:extLst>
       <p:ext uri="{BB962C8B-B14F-4D97-AF65-F5344CB8AC3E}">
-        <p14:creationId xmlns:p14="http://schemas.microsoft.com/office/powerpoint/2010/main" val="3766114209"/>
+        <p14:creationId xmlns:p14="http://schemas.microsoft.com/office/powerpoint/2010/main" val="1312816184"/>
       </p:ext>
     </p:extLst>
   </p:cSld>
@@ -11463,8 +12334,8 @@
         </p:nvSpPr>
         <p:spPr>
           <a:xfrm>
-            <a:off x="1471292" y="707886"/>
-            <a:ext cx="10395466" cy="1372705"/>
+            <a:off x="1471292" y="707887"/>
+            <a:ext cx="10395466" cy="905013"/>
           </a:xfrm>
         </p:spPr>
         <p:txBody>
@@ -11479,17 +12350,19 @@
                 <a:solidFill>
                   <a:schemeClr val="bg1"/>
                 </a:solidFill>
-                <a:latin typeface="+mn-lt"/>
-                <a:cs typeface="Segoe UI" panose="020B0502040204020203" pitchFamily="34" charset="0"/>
-              </a:rPr>
-              <a:t>KẾT LUẬN</a:t>
+                <a:latin typeface="Tahoma" panose="020B0604030504040204" pitchFamily="34" charset="0"/>
+                <a:ea typeface="Tahoma" panose="020B0604030504040204" pitchFamily="34" charset="0"/>
+                <a:cs typeface="Tahoma" panose="020B0604030504040204" pitchFamily="34" charset="0"/>
+              </a:rPr>
+              <a:t>CHƯƠNG TRÌNH THỬ NGHIỆM</a:t>
             </a:r>
             <a:endParaRPr lang="vi-VN">
               <a:solidFill>
                 <a:schemeClr val="bg1"/>
               </a:solidFill>
-              <a:latin typeface="+mn-lt"/>
-              <a:cs typeface="Segoe UI" panose="020B0502040204020203" pitchFamily="34" charset="0"/>
+              <a:latin typeface="Tahoma" panose="020B0604030504040204" pitchFamily="34" charset="0"/>
+              <a:ea typeface="Tahoma" panose="020B0604030504040204" pitchFamily="34" charset="0"/>
+              <a:cs typeface="Tahoma" panose="020B0604030504040204" pitchFamily="34" charset="0"/>
             </a:endParaRPr>
           </a:p>
         </p:txBody>
@@ -11525,7 +12398,7 @@
         </p:blipFill>
         <p:spPr>
           <a:xfrm>
-            <a:off x="325242" y="816337"/>
+            <a:off x="374012" y="612073"/>
             <a:ext cx="1097280" cy="1097280"/>
           </a:xfrm>
           <a:prstGeom prst="rect">
@@ -11551,8 +12424,8 @@
         </p:nvSpPr>
         <p:spPr>
           <a:xfrm>
-            <a:off x="325242" y="2080591"/>
-            <a:ext cx="11541516" cy="4336349"/>
+            <a:off x="325242" y="1721351"/>
+            <a:ext cx="11541516" cy="4695590"/>
           </a:xfrm>
         </p:spPr>
         <p:txBody>
@@ -11561,142 +12434,25 @@
           </a:bodyPr>
           <a:lstStyle/>
           <a:p>
-            <a:pPr>
+            <a:pPr marL="0" indent="0">
               <a:spcBef>
                 <a:spcPts val="1200"/>
               </a:spcBef>
               <a:spcAft>
                 <a:spcPts val="600"/>
               </a:spcAft>
+              <a:buNone/>
             </a:pPr>
             <a:r>
-              <a:rPr lang="vi-VN" sz="4000">
-                <a:solidFill>
-                  <a:schemeClr val="bg1"/>
-                </a:solidFill>
-                <a:latin typeface="Segoe UI" panose="020B0502040204020203" pitchFamily="34" charset="0"/>
-                <a:cs typeface="Segoe UI" panose="020B0502040204020203" pitchFamily="34" charset="0"/>
-              </a:rPr>
-              <a:t>Kết quả đã đạt được</a:t>
-            </a:r>
-            <a:endParaRPr lang="en-US" sz="4000">
-              <a:solidFill>
-                <a:schemeClr val="bg1"/>
-              </a:solidFill>
-              <a:latin typeface="Segoe UI" panose="020B0502040204020203" pitchFamily="34" charset="0"/>
-              <a:cs typeface="Segoe UI" panose="020B0502040204020203" pitchFamily="34" charset="0"/>
-            </a:endParaRPr>
-          </a:p>
-          <a:p>
-            <a:pPr lvl="1">
-              <a:spcBef>
-                <a:spcPts val="1200"/>
-              </a:spcBef>
-              <a:spcAft>
-                <a:spcPts val="600"/>
-              </a:spcAft>
-            </a:pPr>
-            <a:r>
-              <a:rPr lang="en-US" sz="2800">
-                <a:solidFill>
-                  <a:schemeClr val="bg1"/>
-                </a:solidFill>
-                <a:latin typeface="Segoe UI" panose="020B0502040204020203" pitchFamily="34" charset="0"/>
-                <a:cs typeface="Segoe UI" panose="020B0502040204020203" pitchFamily="34" charset="0"/>
-              </a:rPr>
-              <a:t>Trình bày khái quát về CNN và bài toán chẩn đoán bệnh lao</a:t>
-            </a:r>
-          </a:p>
-          <a:p>
-            <a:pPr lvl="1">
-              <a:spcBef>
-                <a:spcPts val="1200"/>
-              </a:spcBef>
-              <a:spcAft>
-                <a:spcPts val="600"/>
-              </a:spcAft>
-            </a:pPr>
-            <a:r>
-              <a:rPr lang="en-US" sz="2800">
-                <a:solidFill>
-                  <a:schemeClr val="bg1"/>
-                </a:solidFill>
-                <a:latin typeface="Segoe UI" panose="020B0502040204020203" pitchFamily="34" charset="0"/>
-                <a:cs typeface="Segoe UI" panose="020B0502040204020203" pitchFamily="34" charset="0"/>
-              </a:rPr>
-              <a:t>Hệ thống hóa một số mô hình học sâu hỗ trợ chẩn đoán</a:t>
-            </a:r>
-          </a:p>
-          <a:p>
-            <a:pPr lvl="1">
-              <a:spcBef>
-                <a:spcPts val="1200"/>
-              </a:spcBef>
-              <a:spcAft>
-                <a:spcPts val="600"/>
-              </a:spcAft>
-            </a:pPr>
-            <a:r>
-              <a:rPr lang="vi-VN" sz="2800">
-                <a:solidFill>
-                  <a:schemeClr val="bg1"/>
-                </a:solidFill>
-                <a:latin typeface="Segoe UI" panose="020B0502040204020203" pitchFamily="34" charset="0"/>
-                <a:cs typeface="Segoe UI" panose="020B0502040204020203" pitchFamily="34" charset="0"/>
-              </a:rPr>
-              <a:t>Cài đặt thử nghiệm một trong các mô hình đã được hệ thống hóa</a:t>
-            </a:r>
-            <a:endParaRPr lang="en-US" sz="2800">
-              <a:solidFill>
-                <a:schemeClr val="bg1"/>
-              </a:solidFill>
-              <a:latin typeface="Segoe UI" panose="020B0502040204020203" pitchFamily="34" charset="0"/>
-              <a:cs typeface="Segoe UI" panose="020B0502040204020203" pitchFamily="34" charset="0"/>
-            </a:endParaRPr>
-          </a:p>
-          <a:p>
-            <a:pPr>
-              <a:spcBef>
-                <a:spcPts val="1200"/>
-              </a:spcBef>
-              <a:spcAft>
-                <a:spcPts val="600"/>
-              </a:spcAft>
-            </a:pPr>
-            <a:endParaRPr lang="en-US" sz="4000">
-              <a:solidFill>
-                <a:schemeClr val="bg1"/>
-              </a:solidFill>
-              <a:latin typeface="Segoe UI" panose="020B0502040204020203" pitchFamily="34" charset="0"/>
-              <a:cs typeface="Segoe UI" panose="020B0502040204020203" pitchFamily="34" charset="0"/>
-            </a:endParaRPr>
-          </a:p>
-          <a:p>
-            <a:pPr>
-              <a:spcBef>
-                <a:spcPts val="1200"/>
-              </a:spcBef>
-              <a:spcAft>
-                <a:spcPts val="600"/>
-              </a:spcAft>
-            </a:pPr>
-            <a:r>
-              <a:rPr lang="vi-VN" sz="4000">
-                <a:solidFill>
-                  <a:schemeClr val="bg1"/>
-                </a:solidFill>
-                <a:latin typeface="Segoe UI" panose="020B0502040204020203" pitchFamily="34" charset="0"/>
-                <a:cs typeface="Segoe UI" panose="020B0502040204020203" pitchFamily="34" charset="0"/>
-              </a:rPr>
-              <a:t>Hướng hoàn thiện và phát triển tiếp theo</a:t>
-            </a:r>
-            <a:endParaRPr lang="en-US" sz="4000">
-              <a:solidFill>
-                <a:schemeClr val="bg1"/>
-              </a:solidFill>
-              <a:latin typeface="Segoe UI" panose="020B0502040204020203" pitchFamily="34" charset="0"/>
-              <a:cs typeface="Segoe UI" panose="020B0502040204020203" pitchFamily="34" charset="0"/>
-            </a:endParaRPr>
+              <a:rPr lang="vi-VN">
+                <a:solidFill>
+                  <a:schemeClr val="bg1"/>
+                </a:solidFill>
+                <a:latin typeface="Segoe UI" panose="020B0502040204020203" pitchFamily="34" charset="0"/>
+                <a:cs typeface="Segoe UI" panose="020B0502040204020203" pitchFamily="34" charset="0"/>
+              </a:rPr>
+              <a:t>Giao diện danh sách các dự doán</a:t>
+            </a:r>
           </a:p>
         </p:txBody>
       </p:sp>
@@ -11807,10 +12563,46 @@
           </a:p>
         </p:txBody>
       </p:sp>
+      <p:pic>
+        <p:nvPicPr>
+          <p:cNvPr id="8" name="Hình ảnh 7">
+            <a:extLst>
+              <a:ext uri="{FF2B5EF4-FFF2-40B4-BE49-F238E27FC236}">
+                <a16:creationId xmlns:a16="http://schemas.microsoft.com/office/drawing/2014/main" id="{BBCA655F-4A37-6F29-69AF-E965259ACAC1}"/>
+              </a:ext>
+            </a:extLst>
+          </p:cNvPr>
+          <p:cNvPicPr>
+            <a:picLocks noChangeAspect="1"/>
+          </p:cNvPicPr>
+          <p:nvPr/>
+        </p:nvPicPr>
+        <p:blipFill>
+          <a:blip r:embed="rId6">
+            <a:extLst>
+              <a:ext uri="{28A0092B-C50C-407E-A947-70E740481C1C}">
+                <a14:useLocalDpi xmlns:a14="http://schemas.microsoft.com/office/drawing/2010/main" val="0"/>
+              </a:ext>
+            </a:extLst>
+          </a:blip>
+          <a:stretch>
+            <a:fillRect/>
+          </a:stretch>
+        </p:blipFill>
+        <p:spPr>
+          <a:xfrm>
+            <a:off x="1471292" y="2220394"/>
+            <a:ext cx="8759164" cy="4393898"/>
+          </a:xfrm>
+          <a:prstGeom prst="rect">
+            <a:avLst/>
+          </a:prstGeom>
+        </p:spPr>
+      </p:pic>
     </p:spTree>
     <p:extLst>
       <p:ext uri="{BB962C8B-B14F-4D97-AF65-F5344CB8AC3E}">
-        <p14:creationId xmlns:p14="http://schemas.microsoft.com/office/powerpoint/2010/main" val="4076403695"/>
+        <p14:creationId xmlns:p14="http://schemas.microsoft.com/office/powerpoint/2010/main" val="156265555"/>
       </p:ext>
     </p:extLst>
   </p:cSld>
@@ -11863,8 +12655,8 @@
         </p:nvSpPr>
         <p:spPr>
           <a:xfrm>
-            <a:off x="4028767" y="921055"/>
-            <a:ext cx="5225327" cy="905013"/>
+            <a:off x="1471292" y="707887"/>
+            <a:ext cx="10395466" cy="905013"/>
           </a:xfrm>
         </p:spPr>
         <p:txBody>
@@ -11883,7 +12675,7 @@
                 <a:ea typeface="Tahoma" panose="020B0604030504040204" pitchFamily="34" charset="0"/>
                 <a:cs typeface="Tahoma" panose="020B0604030504040204" pitchFamily="34" charset="0"/>
               </a:rPr>
-              <a:t>KẾT THÚC BÁO CÁO</a:t>
+              <a:t>CHƯƠNG TRÌNH THỬ NGHIỆM</a:t>
             </a:r>
             <a:endParaRPr lang="vi-VN">
               <a:solidFill>
@@ -11927,7 +12719,7 @@
         </p:blipFill>
         <p:spPr>
           <a:xfrm>
-            <a:off x="2758767" y="824922"/>
+            <a:off x="374012" y="612073"/>
             <a:ext cx="1097280" cy="1097280"/>
           </a:xfrm>
           <a:prstGeom prst="rect">
@@ -11935,6 +12727,76 @@
           </a:prstGeom>
         </p:spPr>
       </p:pic>
+      <p:sp>
+        <p:nvSpPr>
+          <p:cNvPr id="3" name="Chỗ dành sẵn cho Nội dung 2">
+            <a:extLst>
+              <a:ext uri="{FF2B5EF4-FFF2-40B4-BE49-F238E27FC236}">
+                <a16:creationId xmlns:a16="http://schemas.microsoft.com/office/drawing/2014/main" id="{81072FAC-EEE9-4F26-A784-BC07EACCBE9F}"/>
+              </a:ext>
+            </a:extLst>
+          </p:cNvPr>
+          <p:cNvSpPr>
+            <a:spLocks noGrp="1"/>
+          </p:cNvSpPr>
+          <p:nvPr>
+            <p:ph idx="1"/>
+          </p:nvPr>
+        </p:nvSpPr>
+        <p:spPr>
+          <a:xfrm>
+            <a:off x="374012" y="3909035"/>
+            <a:ext cx="4742058" cy="498740"/>
+          </a:xfrm>
+        </p:spPr>
+        <p:txBody>
+          <a:bodyPr vert="horz" lIns="91440" tIns="45720" rIns="91440" bIns="45720" rtlCol="0" anchor="t">
+            <a:noAutofit/>
+          </a:bodyPr>
+          <a:lstStyle/>
+          <a:p>
+            <a:pPr marL="0" indent="0">
+              <a:spcBef>
+                <a:spcPts val="1200"/>
+              </a:spcBef>
+              <a:spcAft>
+                <a:spcPts val="600"/>
+              </a:spcAft>
+              <a:buNone/>
+            </a:pPr>
+            <a:r>
+              <a:rPr lang="vi-VN">
+                <a:solidFill>
+                  <a:schemeClr val="bg1"/>
+                </a:solidFill>
+                <a:latin typeface="Segoe UI" panose="020B0502040204020203" pitchFamily="34" charset="0"/>
+                <a:cs typeface="Segoe UI" panose="020B0502040204020203" pitchFamily="34" charset="0"/>
+              </a:rPr>
+              <a:t>Giao diện </a:t>
+            </a:r>
+            <a:r>
+              <a:rPr lang="en-US">
+                <a:solidFill>
+                  <a:schemeClr val="bg1"/>
+                </a:solidFill>
+                <a:latin typeface="Segoe UI" panose="020B0502040204020203" pitchFamily="34" charset="0"/>
+                <a:cs typeface="Segoe UI" panose="020B0502040204020203" pitchFamily="34" charset="0"/>
+              </a:rPr>
+              <a:t>thực hiện</a:t>
+            </a:r>
+            <a:r>
+              <a:rPr lang="vi-VN">
+                <a:solidFill>
+                  <a:schemeClr val="bg1"/>
+                </a:solidFill>
+                <a:latin typeface="Segoe UI" panose="020B0502040204020203" pitchFamily="34" charset="0"/>
+                <a:cs typeface="Segoe UI" panose="020B0502040204020203" pitchFamily="34" charset="0"/>
+              </a:rPr>
+              <a:t> dự doán</a:t>
+            </a:r>
+          </a:p>
+        </p:txBody>
+      </p:sp>
       <p:pic>
         <p:nvPicPr>
           <p:cNvPr id="9" name="Đồ họa 8">
@@ -12042,12 +12904,282 @@
           </a:p>
         </p:txBody>
       </p:sp>
-      <p:sp>
-        <p:nvSpPr>
-          <p:cNvPr id="4" name="Hộp Văn bản 3">
-            <a:extLst>
-              <a:ext uri="{FF2B5EF4-FFF2-40B4-BE49-F238E27FC236}">
-                <a16:creationId xmlns:a16="http://schemas.microsoft.com/office/drawing/2014/main" id="{026F3C17-29F4-1EB6-616B-36B51BE8BCBD}"/>
+      <p:pic>
+        <p:nvPicPr>
+          <p:cNvPr id="7" name="Hình ảnh 6">
+            <a:extLst>
+              <a:ext uri="{FF2B5EF4-FFF2-40B4-BE49-F238E27FC236}">
+                <a16:creationId xmlns:a16="http://schemas.microsoft.com/office/drawing/2014/main" id="{67306179-9ADE-8BB2-1882-B8300D5DD80D}"/>
+              </a:ext>
+            </a:extLst>
+          </p:cNvPr>
+          <p:cNvPicPr>
+            <a:picLocks noChangeAspect="1"/>
+          </p:cNvPicPr>
+          <p:nvPr/>
+        </p:nvPicPr>
+        <p:blipFill>
+          <a:blip r:embed="rId6">
+            <a:extLst>
+              <a:ext uri="{28A0092B-C50C-407E-A947-70E740481C1C}">
+                <a14:useLocalDpi xmlns:a14="http://schemas.microsoft.com/office/drawing/2010/main" val="0"/>
+              </a:ext>
+            </a:extLst>
+          </a:blip>
+          <a:stretch>
+            <a:fillRect/>
+          </a:stretch>
+        </p:blipFill>
+        <p:spPr>
+          <a:xfrm>
+            <a:off x="5067300" y="1766019"/>
+            <a:ext cx="6902376" cy="4784773"/>
+          </a:xfrm>
+          <a:prstGeom prst="rect">
+            <a:avLst/>
+          </a:prstGeom>
+        </p:spPr>
+      </p:pic>
+    </p:spTree>
+    <p:extLst>
+      <p:ext uri="{BB962C8B-B14F-4D97-AF65-F5344CB8AC3E}">
+        <p14:creationId xmlns:p14="http://schemas.microsoft.com/office/powerpoint/2010/main" val="136448022"/>
+      </p:ext>
+    </p:extLst>
+  </p:cSld>
+  <p:clrMapOvr>
+    <a:masterClrMapping/>
+  </p:clrMapOvr>
+</p:sld>
+</file>
+
+<file path=ppt/slides/slide18.xml><?xml version="1.0" encoding="utf-8"?>
+<p:sld xmlns:a="http://schemas.openxmlformats.org/drawingml/2006/main" xmlns:r="http://schemas.openxmlformats.org/officeDocument/2006/relationships" xmlns:p="http://schemas.openxmlformats.org/presentationml/2006/main">
+  <p:cSld>
+    <p:bg>
+      <p:bgPr>
+        <a:solidFill>
+          <a:srgbClr val="0C7B93"/>
+        </a:solidFill>
+        <a:effectLst/>
+      </p:bgPr>
+    </p:bg>
+    <p:spTree>
+      <p:nvGrpSpPr>
+        <p:cNvPr id="1" name=""/>
+        <p:cNvGrpSpPr/>
+        <p:nvPr/>
+      </p:nvGrpSpPr>
+      <p:grpSpPr>
+        <a:xfrm>
+          <a:off x="0" y="0"/>
+          <a:ext cx="0" cy="0"/>
+          <a:chOff x="0" y="0"/>
+          <a:chExt cx="0" cy="0"/>
+        </a:xfrm>
+      </p:grpSpPr>
+      <p:sp>
+        <p:nvSpPr>
+          <p:cNvPr id="2" name="Tiêu đề 1">
+            <a:extLst>
+              <a:ext uri="{FF2B5EF4-FFF2-40B4-BE49-F238E27FC236}">
+                <a16:creationId xmlns:a16="http://schemas.microsoft.com/office/drawing/2014/main" id="{EA0D9B4E-C292-45AA-8116-562703040382}"/>
+              </a:ext>
+            </a:extLst>
+          </p:cNvPr>
+          <p:cNvSpPr>
+            <a:spLocks noGrp="1"/>
+          </p:cNvSpPr>
+          <p:nvPr>
+            <p:ph type="title"/>
+          </p:nvPr>
+        </p:nvSpPr>
+        <p:spPr>
+          <a:xfrm>
+            <a:off x="1471292" y="707887"/>
+            <a:ext cx="10395466" cy="905013"/>
+          </a:xfrm>
+        </p:spPr>
+        <p:txBody>
+          <a:bodyPr rtlCol="0" anchor="ctr">
+            <a:normAutofit/>
+          </a:bodyPr>
+          <a:lstStyle/>
+          <a:p>
+            <a:pPr rtl="0"/>
+            <a:r>
+              <a:rPr lang="en-US">
+                <a:solidFill>
+                  <a:schemeClr val="bg1"/>
+                </a:solidFill>
+                <a:latin typeface="Tahoma" panose="020B0604030504040204" pitchFamily="34" charset="0"/>
+                <a:ea typeface="Tahoma" panose="020B0604030504040204" pitchFamily="34" charset="0"/>
+                <a:cs typeface="Tahoma" panose="020B0604030504040204" pitchFamily="34" charset="0"/>
+              </a:rPr>
+              <a:t>CHƯƠNG TRÌNH THỬ NGHIỆM</a:t>
+            </a:r>
+            <a:endParaRPr lang="vi-VN">
+              <a:solidFill>
+                <a:schemeClr val="bg1"/>
+              </a:solidFill>
+              <a:latin typeface="Tahoma" panose="020B0604030504040204" pitchFamily="34" charset="0"/>
+              <a:ea typeface="Tahoma" panose="020B0604030504040204" pitchFamily="34" charset="0"/>
+              <a:cs typeface="Tahoma" panose="020B0604030504040204" pitchFamily="34" charset="0"/>
+            </a:endParaRPr>
+          </a:p>
+        </p:txBody>
+      </p:sp>
+      <p:pic>
+        <p:nvPicPr>
+          <p:cNvPr id="5" name="Đồ họa 4" descr="Mở Sách">
+            <a:extLst>
+              <a:ext uri="{FF2B5EF4-FFF2-40B4-BE49-F238E27FC236}">
+                <a16:creationId xmlns:a16="http://schemas.microsoft.com/office/drawing/2014/main" id="{DEFE964D-9F1C-4F69-ADD3-0E1AB324E198}"/>
+              </a:ext>
+            </a:extLst>
+          </p:cNvPr>
+          <p:cNvPicPr>
+            <a:picLocks noChangeAspect="1"/>
+          </p:cNvPicPr>
+          <p:nvPr/>
+        </p:nvPicPr>
+        <p:blipFill>
+          <a:blip r:embed="rId3">
+            <a:extLst>
+              <a:ext uri="{28A0092B-C50C-407E-A947-70E740481C1C}">
+                <a14:useLocalDpi xmlns:a14="http://schemas.microsoft.com/office/drawing/2010/main" val="0"/>
+              </a:ext>
+              <a:ext uri="{96DAC541-7B7A-43D3-8B79-37D633B846F1}">
+                <asvg:svgBlip xmlns:asvg="http://schemas.microsoft.com/office/drawing/2016/SVG/main" r:embed="rId4"/>
+              </a:ext>
+            </a:extLst>
+          </a:blip>
+          <a:stretch>
+            <a:fillRect/>
+          </a:stretch>
+        </p:blipFill>
+        <p:spPr>
+          <a:xfrm>
+            <a:off x="374012" y="612073"/>
+            <a:ext cx="1097280" cy="1097280"/>
+          </a:xfrm>
+          <a:prstGeom prst="rect">
+            <a:avLst/>
+          </a:prstGeom>
+        </p:spPr>
+      </p:pic>
+      <p:sp>
+        <p:nvSpPr>
+          <p:cNvPr id="3" name="Chỗ dành sẵn cho Nội dung 2">
+            <a:extLst>
+              <a:ext uri="{FF2B5EF4-FFF2-40B4-BE49-F238E27FC236}">
+                <a16:creationId xmlns:a16="http://schemas.microsoft.com/office/drawing/2014/main" id="{81072FAC-EEE9-4F26-A784-BC07EACCBE9F}"/>
+              </a:ext>
+            </a:extLst>
+          </p:cNvPr>
+          <p:cNvSpPr>
+            <a:spLocks noGrp="1"/>
+          </p:cNvSpPr>
+          <p:nvPr>
+            <p:ph idx="1"/>
+          </p:nvPr>
+        </p:nvSpPr>
+        <p:spPr>
+          <a:xfrm>
+            <a:off x="374012" y="1721350"/>
+            <a:ext cx="11492746" cy="4742949"/>
+          </a:xfrm>
+        </p:spPr>
+        <p:txBody>
+          <a:bodyPr vert="horz" lIns="91440" tIns="45720" rIns="91440" bIns="45720" rtlCol="0" anchor="t">
+            <a:noAutofit/>
+          </a:bodyPr>
+          <a:lstStyle/>
+          <a:p>
+            <a:pPr marL="0" indent="0">
+              <a:spcBef>
+                <a:spcPts val="1200"/>
+              </a:spcBef>
+              <a:spcAft>
+                <a:spcPts val="600"/>
+              </a:spcAft>
+              <a:buNone/>
+            </a:pPr>
+            <a:r>
+              <a:rPr lang="en-US">
+                <a:solidFill>
+                  <a:schemeClr val="bg1"/>
+                </a:solidFill>
+                <a:latin typeface="Segoe UI" panose="020B0502040204020203" pitchFamily="34" charset="0"/>
+                <a:cs typeface="Segoe UI" panose="020B0502040204020203" pitchFamily="34" charset="0"/>
+              </a:rPr>
+              <a:t>Một số ca phân loại được thực hiện bởi chương trình</a:t>
+            </a:r>
+            <a:endParaRPr lang="vi-VN">
+              <a:solidFill>
+                <a:schemeClr val="bg1"/>
+              </a:solidFill>
+              <a:latin typeface="Segoe UI" panose="020B0502040204020203" pitchFamily="34" charset="0"/>
+              <a:cs typeface="Segoe UI" panose="020B0502040204020203" pitchFamily="34" charset="0"/>
+            </a:endParaRPr>
+          </a:p>
+        </p:txBody>
+      </p:sp>
+      <p:pic>
+        <p:nvPicPr>
+          <p:cNvPr id="9" name="Đồ họa 8">
+            <a:extLst>
+              <a:ext uri="{FF2B5EF4-FFF2-40B4-BE49-F238E27FC236}">
+                <a16:creationId xmlns:a16="http://schemas.microsoft.com/office/drawing/2014/main" id="{35127EDA-5861-47AB-8729-620CFC7DAC07}"/>
+              </a:ext>
+              <a:ext uri="{C183D7F6-B498-43B3-948B-1728B52AA6E4}">
+                <adec:decorative xmlns:adec="http://schemas.microsoft.com/office/drawing/2017/decorative" val="1"/>
+              </a:ext>
+            </a:extLst>
+          </p:cNvPr>
+          <p:cNvPicPr>
+            <a:picLocks noGrp="1" noRot="1" noChangeAspect="1" noMove="1" noResize="1" noEditPoints="1" noAdjustHandles="1" noChangeArrowheads="1" noChangeShapeType="1" noCrop="1"/>
+          </p:cNvPicPr>
+          <p:nvPr>
+            <p:extLst>
+              <p:ext uri="{386F3935-93C4-4BCD-93E2-E3B085C9AB24}">
+                <p16:designElem xmlns:p16="http://schemas.microsoft.com/office/powerpoint/2015/main" val="1"/>
+              </p:ext>
+            </p:extLst>
+          </p:nvPr>
+        </p:nvPicPr>
+        <p:blipFill>
+          <a:blip r:embed="rId3">
+            <a:alphaModFix amt="15000"/>
+            <a:extLst>
+              <a:ext uri="{28A0092B-C50C-407E-A947-70E740481C1C}">
+                <a14:useLocalDpi xmlns:a14="http://schemas.microsoft.com/office/drawing/2010/main" val="0"/>
+              </a:ext>
+              <a:ext uri="{96DAC541-7B7A-43D3-8B79-37D633B846F1}">
+                <asvg:svgBlip xmlns:asvg="http://schemas.microsoft.com/office/drawing/2016/SVG/main" r:embed="rId5"/>
+              </a:ext>
+            </a:extLst>
+          </a:blip>
+          <a:stretch>
+            <a:fillRect/>
+          </a:stretch>
+        </p:blipFill>
+        <p:spPr>
+          <a:xfrm>
+            <a:off x="6641431" y="816337"/>
+            <a:ext cx="5225327" cy="5225327"/>
+          </a:xfrm>
+          <a:prstGeom prst="rect">
+            <a:avLst/>
+          </a:prstGeom>
+        </p:spPr>
+      </p:pic>
+      <p:sp>
+        <p:nvSpPr>
+          <p:cNvPr id="6" name="Hộp Văn bản 5">
+            <a:extLst>
+              <a:ext uri="{FF2B5EF4-FFF2-40B4-BE49-F238E27FC236}">
+                <a16:creationId xmlns:a16="http://schemas.microsoft.com/office/drawing/2014/main" id="{584B38A1-DDBC-1F28-41E7-C1C091A2BE29}"/>
               </a:ext>
             </a:extLst>
           </p:cNvPr>
@@ -12056,8 +13188,105 @@
         </p:nvSpPr>
         <p:spPr>
           <a:xfrm>
-            <a:off x="673747" y="2921168"/>
-            <a:ext cx="10844506" cy="1015663"/>
+            <a:off x="1" y="0"/>
+            <a:ext cx="12192000" cy="707886"/>
+          </a:xfrm>
+          <a:prstGeom prst="rect">
+            <a:avLst/>
+          </a:prstGeom>
+          <a:solidFill>
+            <a:srgbClr val="003865"/>
+          </a:solidFill>
+        </p:spPr>
+        <p:txBody>
+          <a:bodyPr wrap="square" rtlCol="0">
+            <a:spAutoFit/>
+          </a:bodyPr>
+          <a:lstStyle/>
+          <a:p>
+            <a:pPr algn="ctr"/>
+            <a:r>
+              <a:rPr lang="en-US" sz="2000">
+                <a:solidFill>
+                  <a:schemeClr val="bg1"/>
+                </a:solidFill>
+              </a:rPr>
+              <a:t>ĐẠI HỌC THÁI NGUYÊN</a:t>
+            </a:r>
+          </a:p>
+          <a:p>
+            <a:pPr algn="ctr"/>
+            <a:r>
+              <a:rPr lang="en-US" sz="2000" b="1">
+                <a:solidFill>
+                  <a:schemeClr val="bg1"/>
+                </a:solidFill>
+              </a:rPr>
+              <a:t>TRƯỜNG ĐẠI HỌC CÔNG NGHỆ THÔNG TIN VÀ TRUYỀN THÔNG</a:t>
+            </a:r>
+            <a:endParaRPr lang="vi-VN" sz="2000" b="1">
+              <a:solidFill>
+                <a:schemeClr val="bg1"/>
+              </a:solidFill>
+            </a:endParaRPr>
+          </a:p>
+        </p:txBody>
+      </p:sp>
+      <p:pic>
+        <p:nvPicPr>
+          <p:cNvPr id="8" name="Hình ảnh 7">
+            <a:extLst>
+              <a:ext uri="{FF2B5EF4-FFF2-40B4-BE49-F238E27FC236}">
+                <a16:creationId xmlns:a16="http://schemas.microsoft.com/office/drawing/2014/main" id="{BCC33768-58A6-F056-3C87-F1DDC251CD4A}"/>
+              </a:ext>
+            </a:extLst>
+          </p:cNvPr>
+          <p:cNvPicPr>
+            <a:picLocks noChangeAspect="1"/>
+          </p:cNvPicPr>
+          <p:nvPr/>
+        </p:nvPicPr>
+        <p:blipFill>
+          <a:blip r:embed="rId6">
+            <a:extLst>
+              <a:ext uri="{28A0092B-C50C-407E-A947-70E740481C1C}">
+                <a14:useLocalDpi xmlns:a14="http://schemas.microsoft.com/office/drawing/2010/main" val="0"/>
+              </a:ext>
+            </a:extLst>
+          </a:blip>
+          <a:stretch>
+            <a:fillRect/>
+          </a:stretch>
+        </p:blipFill>
+        <p:spPr>
+          <a:xfrm>
+            <a:off x="3828321" y="2151394"/>
+            <a:ext cx="4584127" cy="4101587"/>
+          </a:xfrm>
+          <a:prstGeom prst="rect">
+            <a:avLst/>
+          </a:prstGeom>
+          <a:solidFill>
+            <a:schemeClr val="bg1"/>
+          </a:solidFill>
+        </p:spPr>
+      </p:pic>
+      <p:sp>
+        <p:nvSpPr>
+          <p:cNvPr id="10" name="Hộp Văn bản 9">
+            <a:extLst>
+              <a:ext uri="{FF2B5EF4-FFF2-40B4-BE49-F238E27FC236}">
+                <a16:creationId xmlns:a16="http://schemas.microsoft.com/office/drawing/2014/main" id="{AEE14DE6-5AEB-BE2C-C18E-488F92A606AD}"/>
+              </a:ext>
+            </a:extLst>
+          </p:cNvPr>
+          <p:cNvSpPr txBox="1"/>
+          <p:nvPr/>
+        </p:nvSpPr>
+        <p:spPr>
+          <a:xfrm>
+            <a:off x="3728703" y="6227580"/>
+            <a:ext cx="4911922" cy="369332"/>
           </a:xfrm>
           <a:prstGeom prst="rect">
             <a:avLst/>
@@ -12065,29 +13294,426 @@
           <a:noFill/>
         </p:spPr>
         <p:txBody>
+          <a:bodyPr wrap="none" rtlCol="0">
+            <a:spAutoFit/>
+          </a:bodyPr>
+          <a:lstStyle/>
+          <a:p>
+            <a:r>
+              <a:rPr lang="en-US" i="1">
+                <a:solidFill>
+                  <a:schemeClr val="bg1"/>
+                </a:solidFill>
+              </a:rPr>
+              <a:t>Hình 12: Tổng hợp kết quả phân loại của hệ thống </a:t>
+            </a:r>
+          </a:p>
+        </p:txBody>
+      </p:sp>
+    </p:spTree>
+    <p:extLst>
+      <p:ext uri="{BB962C8B-B14F-4D97-AF65-F5344CB8AC3E}">
+        <p14:creationId xmlns:p14="http://schemas.microsoft.com/office/powerpoint/2010/main" val="3766114209"/>
+      </p:ext>
+    </p:extLst>
+  </p:cSld>
+  <p:clrMapOvr>
+    <a:masterClrMapping/>
+  </p:clrMapOvr>
+</p:sld>
+</file>
+
+<file path=ppt/slides/slide19.xml><?xml version="1.0" encoding="utf-8"?>
+<p:sld xmlns:a="http://schemas.openxmlformats.org/drawingml/2006/main" xmlns:r="http://schemas.openxmlformats.org/officeDocument/2006/relationships" xmlns:p="http://schemas.openxmlformats.org/presentationml/2006/main">
+  <p:cSld>
+    <p:bg>
+      <p:bgPr>
+        <a:solidFill>
+          <a:srgbClr val="0C7B93"/>
+        </a:solidFill>
+        <a:effectLst/>
+      </p:bgPr>
+    </p:bg>
+    <p:spTree>
+      <p:nvGrpSpPr>
+        <p:cNvPr id="1" name=""/>
+        <p:cNvGrpSpPr/>
+        <p:nvPr/>
+      </p:nvGrpSpPr>
+      <p:grpSpPr>
+        <a:xfrm>
+          <a:off x="0" y="0"/>
+          <a:ext cx="0" cy="0"/>
+          <a:chOff x="0" y="0"/>
+          <a:chExt cx="0" cy="0"/>
+        </a:xfrm>
+      </p:grpSpPr>
+      <p:sp>
+        <p:nvSpPr>
+          <p:cNvPr id="2" name="Tiêu đề 1">
+            <a:extLst>
+              <a:ext uri="{FF2B5EF4-FFF2-40B4-BE49-F238E27FC236}">
+                <a16:creationId xmlns:a16="http://schemas.microsoft.com/office/drawing/2014/main" id="{EA0D9B4E-C292-45AA-8116-562703040382}"/>
+              </a:ext>
+            </a:extLst>
+          </p:cNvPr>
+          <p:cNvSpPr>
+            <a:spLocks noGrp="1"/>
+          </p:cNvSpPr>
+          <p:nvPr>
+            <p:ph type="title"/>
+          </p:nvPr>
+        </p:nvSpPr>
+        <p:spPr>
+          <a:xfrm>
+            <a:off x="1471292" y="707886"/>
+            <a:ext cx="10395466" cy="1372705"/>
+          </a:xfrm>
+        </p:spPr>
+        <p:txBody>
+          <a:bodyPr rtlCol="0" anchor="ctr">
+            <a:normAutofit/>
+          </a:bodyPr>
+          <a:lstStyle/>
+          <a:p>
+            <a:pPr rtl="0"/>
+            <a:r>
+              <a:rPr lang="en-US">
+                <a:solidFill>
+                  <a:schemeClr val="bg1"/>
+                </a:solidFill>
+                <a:latin typeface="+mn-lt"/>
+                <a:cs typeface="Segoe UI" panose="020B0502040204020203" pitchFamily="34" charset="0"/>
+              </a:rPr>
+              <a:t>KẾT LUẬN</a:t>
+            </a:r>
+            <a:endParaRPr lang="vi-VN">
+              <a:solidFill>
+                <a:schemeClr val="bg1"/>
+              </a:solidFill>
+              <a:latin typeface="+mn-lt"/>
+              <a:cs typeface="Segoe UI" panose="020B0502040204020203" pitchFamily="34" charset="0"/>
+            </a:endParaRPr>
+          </a:p>
+        </p:txBody>
+      </p:sp>
+      <p:pic>
+        <p:nvPicPr>
+          <p:cNvPr id="5" name="Đồ họa 4" descr="Mở Sách">
+            <a:extLst>
+              <a:ext uri="{FF2B5EF4-FFF2-40B4-BE49-F238E27FC236}">
+                <a16:creationId xmlns:a16="http://schemas.microsoft.com/office/drawing/2014/main" id="{DEFE964D-9F1C-4F69-ADD3-0E1AB324E198}"/>
+              </a:ext>
+            </a:extLst>
+          </p:cNvPr>
+          <p:cNvPicPr>
+            <a:picLocks noChangeAspect="1"/>
+          </p:cNvPicPr>
+          <p:nvPr/>
+        </p:nvPicPr>
+        <p:blipFill>
+          <a:blip r:embed="rId3">
+            <a:extLst>
+              <a:ext uri="{28A0092B-C50C-407E-A947-70E740481C1C}">
+                <a14:useLocalDpi xmlns:a14="http://schemas.microsoft.com/office/drawing/2010/main" val="0"/>
+              </a:ext>
+              <a:ext uri="{96DAC541-7B7A-43D3-8B79-37D633B846F1}">
+                <asvg:svgBlip xmlns:asvg="http://schemas.microsoft.com/office/drawing/2016/SVG/main" r:embed="rId4"/>
+              </a:ext>
+            </a:extLst>
+          </a:blip>
+          <a:stretch>
+            <a:fillRect/>
+          </a:stretch>
+        </p:blipFill>
+        <p:spPr>
+          <a:xfrm>
+            <a:off x="325242" y="816337"/>
+            <a:ext cx="1097280" cy="1097280"/>
+          </a:xfrm>
+          <a:prstGeom prst="rect">
+            <a:avLst/>
+          </a:prstGeom>
+        </p:spPr>
+      </p:pic>
+      <p:sp>
+        <p:nvSpPr>
+          <p:cNvPr id="3" name="Chỗ dành sẵn cho Nội dung 2">
+            <a:extLst>
+              <a:ext uri="{FF2B5EF4-FFF2-40B4-BE49-F238E27FC236}">
+                <a16:creationId xmlns:a16="http://schemas.microsoft.com/office/drawing/2014/main" id="{81072FAC-EEE9-4F26-A784-BC07EACCBE9F}"/>
+              </a:ext>
+            </a:extLst>
+          </p:cNvPr>
+          <p:cNvSpPr>
+            <a:spLocks noGrp="1"/>
+          </p:cNvSpPr>
+          <p:nvPr>
+            <p:ph idx="1"/>
+          </p:nvPr>
+        </p:nvSpPr>
+        <p:spPr>
+          <a:xfrm>
+            <a:off x="325242" y="2080591"/>
+            <a:ext cx="11541516" cy="4336349"/>
+          </a:xfrm>
+        </p:spPr>
+        <p:txBody>
+          <a:bodyPr vert="horz" lIns="91440" tIns="45720" rIns="91440" bIns="45720" rtlCol="0" anchor="t">
+            <a:noAutofit/>
+          </a:bodyPr>
+          <a:lstStyle/>
+          <a:p>
+            <a:pPr>
+              <a:spcBef>
+                <a:spcPts val="1200"/>
+              </a:spcBef>
+              <a:spcAft>
+                <a:spcPts val="600"/>
+              </a:spcAft>
+            </a:pPr>
+            <a:r>
+              <a:rPr lang="vi-VN" sz="4000">
+                <a:solidFill>
+                  <a:schemeClr val="bg1"/>
+                </a:solidFill>
+                <a:latin typeface="Segoe UI" panose="020B0502040204020203" pitchFamily="34" charset="0"/>
+                <a:cs typeface="Segoe UI" panose="020B0502040204020203" pitchFamily="34" charset="0"/>
+              </a:rPr>
+              <a:t>Kết quả đã đạt được</a:t>
+            </a:r>
+            <a:endParaRPr lang="en-US" sz="4000">
+              <a:solidFill>
+                <a:schemeClr val="bg1"/>
+              </a:solidFill>
+              <a:latin typeface="Segoe UI" panose="020B0502040204020203" pitchFamily="34" charset="0"/>
+              <a:cs typeface="Segoe UI" panose="020B0502040204020203" pitchFamily="34" charset="0"/>
+            </a:endParaRPr>
+          </a:p>
+          <a:p>
+            <a:pPr lvl="1">
+              <a:spcBef>
+                <a:spcPts val="1200"/>
+              </a:spcBef>
+              <a:spcAft>
+                <a:spcPts val="600"/>
+              </a:spcAft>
+            </a:pPr>
+            <a:r>
+              <a:rPr lang="en-US" sz="2800">
+                <a:solidFill>
+                  <a:schemeClr val="bg1"/>
+                </a:solidFill>
+                <a:latin typeface="Segoe UI" panose="020B0502040204020203" pitchFamily="34" charset="0"/>
+                <a:cs typeface="Segoe UI" panose="020B0502040204020203" pitchFamily="34" charset="0"/>
+              </a:rPr>
+              <a:t>Trình bày khái quát về CNN và bài toán chẩn đoán bệnh lao</a:t>
+            </a:r>
+          </a:p>
+          <a:p>
+            <a:pPr lvl="1">
+              <a:spcBef>
+                <a:spcPts val="1200"/>
+              </a:spcBef>
+              <a:spcAft>
+                <a:spcPts val="600"/>
+              </a:spcAft>
+            </a:pPr>
+            <a:r>
+              <a:rPr lang="en-US" sz="2800">
+                <a:solidFill>
+                  <a:schemeClr val="bg1"/>
+                </a:solidFill>
+                <a:latin typeface="Segoe UI" panose="020B0502040204020203" pitchFamily="34" charset="0"/>
+                <a:cs typeface="Segoe UI" panose="020B0502040204020203" pitchFamily="34" charset="0"/>
+              </a:rPr>
+              <a:t>Hệ thống hóa một số mô hình học sâu hỗ trợ chẩn đoán</a:t>
+            </a:r>
+          </a:p>
+          <a:p>
+            <a:pPr lvl="1">
+              <a:spcBef>
+                <a:spcPts val="1200"/>
+              </a:spcBef>
+              <a:spcAft>
+                <a:spcPts val="600"/>
+              </a:spcAft>
+            </a:pPr>
+            <a:r>
+              <a:rPr lang="vi-VN" sz="2800">
+                <a:solidFill>
+                  <a:schemeClr val="bg1"/>
+                </a:solidFill>
+                <a:latin typeface="Segoe UI" panose="020B0502040204020203" pitchFamily="34" charset="0"/>
+                <a:cs typeface="Segoe UI" panose="020B0502040204020203" pitchFamily="34" charset="0"/>
+              </a:rPr>
+              <a:t>Cài đặt thử nghiệm một trong các mô hình đã được hệ thống hóa</a:t>
+            </a:r>
+            <a:endParaRPr lang="en-US" sz="2800">
+              <a:solidFill>
+                <a:schemeClr val="bg1"/>
+              </a:solidFill>
+              <a:latin typeface="Segoe UI" panose="020B0502040204020203" pitchFamily="34" charset="0"/>
+              <a:cs typeface="Segoe UI" panose="020B0502040204020203" pitchFamily="34" charset="0"/>
+            </a:endParaRPr>
+          </a:p>
+          <a:p>
+            <a:pPr>
+              <a:spcBef>
+                <a:spcPts val="1200"/>
+              </a:spcBef>
+              <a:spcAft>
+                <a:spcPts val="600"/>
+              </a:spcAft>
+            </a:pPr>
+            <a:endParaRPr lang="en-US" sz="4000">
+              <a:solidFill>
+                <a:schemeClr val="bg1"/>
+              </a:solidFill>
+              <a:latin typeface="Segoe UI" panose="020B0502040204020203" pitchFamily="34" charset="0"/>
+              <a:cs typeface="Segoe UI" panose="020B0502040204020203" pitchFamily="34" charset="0"/>
+            </a:endParaRPr>
+          </a:p>
+          <a:p>
+            <a:pPr>
+              <a:spcBef>
+                <a:spcPts val="1200"/>
+              </a:spcBef>
+              <a:spcAft>
+                <a:spcPts val="600"/>
+              </a:spcAft>
+            </a:pPr>
+            <a:r>
+              <a:rPr lang="vi-VN" sz="4000">
+                <a:solidFill>
+                  <a:schemeClr val="bg1"/>
+                </a:solidFill>
+                <a:latin typeface="Segoe UI" panose="020B0502040204020203" pitchFamily="34" charset="0"/>
+                <a:cs typeface="Segoe UI" panose="020B0502040204020203" pitchFamily="34" charset="0"/>
+              </a:rPr>
+              <a:t>Hướng hoàn thiện và phát triển tiếp theo</a:t>
+            </a:r>
+            <a:endParaRPr lang="en-US" sz="4000">
+              <a:solidFill>
+                <a:schemeClr val="bg1"/>
+              </a:solidFill>
+              <a:latin typeface="Segoe UI" panose="020B0502040204020203" pitchFamily="34" charset="0"/>
+              <a:cs typeface="Segoe UI" panose="020B0502040204020203" pitchFamily="34" charset="0"/>
+            </a:endParaRPr>
+          </a:p>
+        </p:txBody>
+      </p:sp>
+      <p:pic>
+        <p:nvPicPr>
+          <p:cNvPr id="9" name="Đồ họa 8">
+            <a:extLst>
+              <a:ext uri="{FF2B5EF4-FFF2-40B4-BE49-F238E27FC236}">
+                <a16:creationId xmlns:a16="http://schemas.microsoft.com/office/drawing/2014/main" id="{35127EDA-5861-47AB-8729-620CFC7DAC07}"/>
+              </a:ext>
+              <a:ext uri="{C183D7F6-B498-43B3-948B-1728B52AA6E4}">
+                <adec:decorative xmlns:adec="http://schemas.microsoft.com/office/drawing/2017/decorative" val="1"/>
+              </a:ext>
+            </a:extLst>
+          </p:cNvPr>
+          <p:cNvPicPr>
+            <a:picLocks noGrp="1" noRot="1" noChangeAspect="1" noMove="1" noResize="1" noEditPoints="1" noAdjustHandles="1" noChangeArrowheads="1" noChangeShapeType="1" noCrop="1"/>
+          </p:cNvPicPr>
+          <p:nvPr>
+            <p:extLst>
+              <p:ext uri="{386F3935-93C4-4BCD-93E2-E3B085C9AB24}">
+                <p16:designElem xmlns:p16="http://schemas.microsoft.com/office/powerpoint/2015/main" val="1"/>
+              </p:ext>
+            </p:extLst>
+          </p:nvPr>
+        </p:nvPicPr>
+        <p:blipFill>
+          <a:blip r:embed="rId3">
+            <a:alphaModFix amt="15000"/>
+            <a:extLst>
+              <a:ext uri="{28A0092B-C50C-407E-A947-70E740481C1C}">
+                <a14:useLocalDpi xmlns:a14="http://schemas.microsoft.com/office/drawing/2010/main" val="0"/>
+              </a:ext>
+              <a:ext uri="{96DAC541-7B7A-43D3-8B79-37D633B846F1}">
+                <asvg:svgBlip xmlns:asvg="http://schemas.microsoft.com/office/drawing/2016/SVG/main" r:embed="rId5"/>
+              </a:ext>
+            </a:extLst>
+          </a:blip>
+          <a:stretch>
+            <a:fillRect/>
+          </a:stretch>
+        </p:blipFill>
+        <p:spPr>
+          <a:xfrm>
+            <a:off x="6641431" y="816337"/>
+            <a:ext cx="5225327" cy="5225327"/>
+          </a:xfrm>
+          <a:prstGeom prst="rect">
+            <a:avLst/>
+          </a:prstGeom>
+        </p:spPr>
+      </p:pic>
+      <p:sp>
+        <p:nvSpPr>
+          <p:cNvPr id="6" name="Hộp Văn bản 5">
+            <a:extLst>
+              <a:ext uri="{FF2B5EF4-FFF2-40B4-BE49-F238E27FC236}">
+                <a16:creationId xmlns:a16="http://schemas.microsoft.com/office/drawing/2014/main" id="{584B38A1-DDBC-1F28-41E7-C1C091A2BE29}"/>
+              </a:ext>
+            </a:extLst>
+          </p:cNvPr>
+          <p:cNvSpPr txBox="1"/>
+          <p:nvPr/>
+        </p:nvSpPr>
+        <p:spPr>
+          <a:xfrm>
+            <a:off x="1" y="0"/>
+            <a:ext cx="12192000" cy="707886"/>
+          </a:xfrm>
+          <a:prstGeom prst="rect">
+            <a:avLst/>
+          </a:prstGeom>
+          <a:solidFill>
+            <a:srgbClr val="003865"/>
+          </a:solidFill>
+        </p:spPr>
+        <p:txBody>
           <a:bodyPr wrap="square" rtlCol="0">
             <a:spAutoFit/>
           </a:bodyPr>
           <a:lstStyle/>
           <a:p>
-            <a:r>
-              <a:rPr lang="en-US" sz="6000">
-                <a:solidFill>
-                  <a:schemeClr val="bg1"/>
-                </a:solidFill>
-                <a:latin typeface="Tahoma" panose="020B0604030504040204" pitchFamily="34" charset="0"/>
-                <a:ea typeface="Tahoma" panose="020B0604030504040204" pitchFamily="34" charset="0"/>
-                <a:cs typeface="Tahoma" panose="020B0604030504040204" pitchFamily="34" charset="0"/>
-              </a:rPr>
-              <a:t>EM XIN CHÂN THÀNH CẢM ƠN! </a:t>
-            </a:r>
+            <a:pPr algn="ctr"/>
+            <a:r>
+              <a:rPr lang="en-US" sz="2000">
+                <a:solidFill>
+                  <a:schemeClr val="bg1"/>
+                </a:solidFill>
+              </a:rPr>
+              <a:t>ĐẠI HỌC THÁI NGUYÊN</a:t>
+            </a:r>
+          </a:p>
+          <a:p>
+            <a:pPr algn="ctr"/>
+            <a:r>
+              <a:rPr lang="en-US" sz="2000" b="1">
+                <a:solidFill>
+                  <a:schemeClr val="bg1"/>
+                </a:solidFill>
+              </a:rPr>
+              <a:t>TRƯỜNG ĐẠI HỌC CÔNG NGHỆ THÔNG TIN VÀ TRUYỀN THÔNG</a:t>
+            </a:r>
+            <a:endParaRPr lang="vi-VN" sz="2000" b="1">
+              <a:solidFill>
+                <a:schemeClr val="bg1"/>
+              </a:solidFill>
+            </a:endParaRPr>
           </a:p>
         </p:txBody>
       </p:sp>
     </p:spTree>
     <p:extLst>
       <p:ext uri="{BB962C8B-B14F-4D97-AF65-F5344CB8AC3E}">
-        <p14:creationId xmlns:p14="http://schemas.microsoft.com/office/powerpoint/2010/main" val="1195479326"/>
+        <p14:creationId xmlns:p14="http://schemas.microsoft.com/office/powerpoint/2010/main" val="4076403695"/>
       </p:ext>
     </p:extLst>
   </p:cSld>
@@ -12228,7 +13854,7 @@
         </p:nvSpPr>
         <p:spPr>
           <a:xfrm>
-            <a:off x="6096000" y="2177003"/>
+            <a:off x="6096000" y="2840230"/>
             <a:ext cx="5770758" cy="522134"/>
           </a:xfrm>
         </p:spPr>
@@ -12319,7 +13945,7 @@
         </p:nvSpPr>
         <p:spPr>
           <a:xfrm>
-            <a:off x="6096000" y="3167933"/>
+            <a:off x="6096000" y="4017770"/>
             <a:ext cx="5770758" cy="522134"/>
           </a:xfrm>
           <a:prstGeom prst="rect">
@@ -12514,215 +14140,6 @@
       </p:sp>
       <p:sp>
         <p:nvSpPr>
-          <p:cNvPr id="10" name="Chỗ dành sẵn cho Nội dung 2">
-            <a:extLst>
-              <a:ext uri="{FF2B5EF4-FFF2-40B4-BE49-F238E27FC236}">
-                <a16:creationId xmlns:a16="http://schemas.microsoft.com/office/drawing/2014/main" id="{A3D9BCDD-255C-071B-ED02-35A31FAC4294}"/>
-              </a:ext>
-            </a:extLst>
-          </p:cNvPr>
-          <p:cNvSpPr txBox="1">
-            <a:spLocks/>
-          </p:cNvSpPr>
-          <p:nvPr/>
-        </p:nvSpPr>
-        <p:spPr>
-          <a:xfrm>
-            <a:off x="6096000" y="4158864"/>
-            <a:ext cx="5770758" cy="522134"/>
-          </a:xfrm>
-          <a:prstGeom prst="rect">
-            <a:avLst/>
-          </a:prstGeom>
-        </p:spPr>
-        <p:txBody>
-          <a:bodyPr vert="horz" lIns="91440" tIns="45720" rIns="91440" bIns="45720" rtlCol="0" anchor="t">
-            <a:normAutofit fontScale="92500"/>
-          </a:bodyPr>
-          <a:lstStyle>
-            <a:lvl1pPr marL="228600" indent="-228600" algn="l" defTabSz="914400" rtl="0" eaLnBrk="1" latinLnBrk="0" hangingPunct="1">
-              <a:lnSpc>
-                <a:spcPct val="90000"/>
-              </a:lnSpc>
-              <a:spcBef>
-                <a:spcPts val="1000"/>
-              </a:spcBef>
-              <a:buFont typeface="Arial" panose="020B0604020202020204" pitchFamily="34" charset="0"/>
-              <a:buChar char="•"/>
-              <a:defRPr sz="2800" kern="1200">
-                <a:solidFill>
-                  <a:schemeClr val="tx1"/>
-                </a:solidFill>
-                <a:latin typeface="Calibri" panose="020F0502020204030204" pitchFamily="34" charset="0"/>
-                <a:ea typeface="+mn-ea"/>
-                <a:cs typeface="Calibri" panose="020F0502020204030204" pitchFamily="34" charset="0"/>
-              </a:defRPr>
-            </a:lvl1pPr>
-            <a:lvl2pPr marL="685800" indent="-228600" algn="l" defTabSz="914400" rtl="0" eaLnBrk="1" latinLnBrk="0" hangingPunct="1">
-              <a:lnSpc>
-                <a:spcPct val="90000"/>
-              </a:lnSpc>
-              <a:spcBef>
-                <a:spcPts val="500"/>
-              </a:spcBef>
-              <a:buFont typeface="Arial" panose="020B0604020202020204" pitchFamily="34" charset="0"/>
-              <a:buChar char="•"/>
-              <a:defRPr sz="2400" kern="1200">
-                <a:solidFill>
-                  <a:schemeClr val="tx1"/>
-                </a:solidFill>
-                <a:latin typeface="Calibri" panose="020F0502020204030204" pitchFamily="34" charset="0"/>
-                <a:ea typeface="+mn-ea"/>
-                <a:cs typeface="Calibri" panose="020F0502020204030204" pitchFamily="34" charset="0"/>
-              </a:defRPr>
-            </a:lvl2pPr>
-            <a:lvl3pPr marL="1143000" indent="-228600" algn="l" defTabSz="914400" rtl="0" eaLnBrk="1" latinLnBrk="0" hangingPunct="1">
-              <a:lnSpc>
-                <a:spcPct val="90000"/>
-              </a:lnSpc>
-              <a:spcBef>
-                <a:spcPts val="500"/>
-              </a:spcBef>
-              <a:buFont typeface="Arial" panose="020B0604020202020204" pitchFamily="34" charset="0"/>
-              <a:buChar char="•"/>
-              <a:defRPr sz="2000" kern="1200">
-                <a:solidFill>
-                  <a:schemeClr val="tx1"/>
-                </a:solidFill>
-                <a:latin typeface="Calibri" panose="020F0502020204030204" pitchFamily="34" charset="0"/>
-                <a:ea typeface="+mn-ea"/>
-                <a:cs typeface="Calibri" panose="020F0502020204030204" pitchFamily="34" charset="0"/>
-              </a:defRPr>
-            </a:lvl3pPr>
-            <a:lvl4pPr marL="1600200" indent="-228600" algn="l" defTabSz="914400" rtl="0" eaLnBrk="1" latinLnBrk="0" hangingPunct="1">
-              <a:lnSpc>
-                <a:spcPct val="90000"/>
-              </a:lnSpc>
-              <a:spcBef>
-                <a:spcPts val="500"/>
-              </a:spcBef>
-              <a:buFont typeface="Arial" panose="020B0604020202020204" pitchFamily="34" charset="0"/>
-              <a:buChar char="•"/>
-              <a:defRPr sz="1800" kern="1200">
-                <a:solidFill>
-                  <a:schemeClr val="tx1"/>
-                </a:solidFill>
-                <a:latin typeface="Calibri" panose="020F0502020204030204" pitchFamily="34" charset="0"/>
-                <a:ea typeface="+mn-ea"/>
-                <a:cs typeface="Calibri" panose="020F0502020204030204" pitchFamily="34" charset="0"/>
-              </a:defRPr>
-            </a:lvl4pPr>
-            <a:lvl5pPr marL="2057400" indent="-228600" algn="l" defTabSz="914400" rtl="0" eaLnBrk="1" latinLnBrk="0" hangingPunct="1">
-              <a:lnSpc>
-                <a:spcPct val="90000"/>
-              </a:lnSpc>
-              <a:spcBef>
-                <a:spcPts val="500"/>
-              </a:spcBef>
-              <a:buFont typeface="Arial" panose="020B0604020202020204" pitchFamily="34" charset="0"/>
-              <a:buChar char="•"/>
-              <a:defRPr sz="1800" kern="1200">
-                <a:solidFill>
-                  <a:schemeClr val="tx1"/>
-                </a:solidFill>
-                <a:latin typeface="Calibri" panose="020F0502020204030204" pitchFamily="34" charset="0"/>
-                <a:ea typeface="+mn-ea"/>
-                <a:cs typeface="Calibri" panose="020F0502020204030204" pitchFamily="34" charset="0"/>
-              </a:defRPr>
-            </a:lvl5pPr>
-            <a:lvl6pPr marL="2514600" indent="-228600" algn="l" defTabSz="914400" rtl="0" eaLnBrk="1" latinLnBrk="0" hangingPunct="1">
-              <a:lnSpc>
-                <a:spcPct val="90000"/>
-              </a:lnSpc>
-              <a:spcBef>
-                <a:spcPts val="500"/>
-              </a:spcBef>
-              <a:buFont typeface="Arial" panose="020B0604020202020204" pitchFamily="34" charset="0"/>
-              <a:buChar char="•"/>
-              <a:defRPr sz="1800" kern="1200">
-                <a:solidFill>
-                  <a:schemeClr val="tx1"/>
-                </a:solidFill>
-                <a:latin typeface="+mn-lt"/>
-                <a:ea typeface="+mn-ea"/>
-                <a:cs typeface="+mn-cs"/>
-              </a:defRPr>
-            </a:lvl6pPr>
-            <a:lvl7pPr marL="2971800" indent="-228600" algn="l" defTabSz="914400" rtl="0" eaLnBrk="1" latinLnBrk="0" hangingPunct="1">
-              <a:lnSpc>
-                <a:spcPct val="90000"/>
-              </a:lnSpc>
-              <a:spcBef>
-                <a:spcPts val="500"/>
-              </a:spcBef>
-              <a:buFont typeface="Arial" panose="020B0604020202020204" pitchFamily="34" charset="0"/>
-              <a:buChar char="•"/>
-              <a:defRPr sz="1800" kern="1200">
-                <a:solidFill>
-                  <a:schemeClr val="tx1"/>
-                </a:solidFill>
-                <a:latin typeface="+mn-lt"/>
-                <a:ea typeface="+mn-ea"/>
-                <a:cs typeface="+mn-cs"/>
-              </a:defRPr>
-            </a:lvl7pPr>
-            <a:lvl8pPr marL="3429000" indent="-228600" algn="l" defTabSz="914400" rtl="0" eaLnBrk="1" latinLnBrk="0" hangingPunct="1">
-              <a:lnSpc>
-                <a:spcPct val="90000"/>
-              </a:lnSpc>
-              <a:spcBef>
-                <a:spcPts val="500"/>
-              </a:spcBef>
-              <a:buFont typeface="Arial" panose="020B0604020202020204" pitchFamily="34" charset="0"/>
-              <a:buChar char="•"/>
-              <a:defRPr sz="1800" kern="1200">
-                <a:solidFill>
-                  <a:schemeClr val="tx1"/>
-                </a:solidFill>
-                <a:latin typeface="+mn-lt"/>
-                <a:ea typeface="+mn-ea"/>
-                <a:cs typeface="+mn-cs"/>
-              </a:defRPr>
-            </a:lvl8pPr>
-            <a:lvl9pPr marL="3886200" indent="-228600" algn="l" defTabSz="914400" rtl="0" eaLnBrk="1" latinLnBrk="0" hangingPunct="1">
-              <a:lnSpc>
-                <a:spcPct val="90000"/>
-              </a:lnSpc>
-              <a:spcBef>
-                <a:spcPts val="500"/>
-              </a:spcBef>
-              <a:buFont typeface="Arial" panose="020B0604020202020204" pitchFamily="34" charset="0"/>
-              <a:buChar char="•"/>
-              <a:defRPr sz="1800" kern="1200">
-                <a:solidFill>
-                  <a:schemeClr val="tx1"/>
-                </a:solidFill>
-                <a:latin typeface="+mn-lt"/>
-                <a:ea typeface="+mn-ea"/>
-                <a:cs typeface="+mn-cs"/>
-              </a:defRPr>
-            </a:lvl9pPr>
-          </a:lstStyle>
-          <a:p>
-            <a:pPr marL="0" indent="0">
-              <a:buFont typeface="Arial" panose="020B0604020202020204" pitchFamily="34" charset="0"/>
-              <a:buNone/>
-            </a:pPr>
-            <a:r>
-              <a:rPr lang="vi-VN" b="1">
-                <a:solidFill>
-                  <a:schemeClr val="bg1"/>
-                </a:solidFill>
-                <a:latin typeface="Segoe UI" panose="020B0502040204020203" pitchFamily="34" charset="0"/>
-                <a:cs typeface="Segoe UI" panose="020B0502040204020203" pitchFamily="34" charset="0"/>
-              </a:rPr>
-              <a:t>- SỰ CẦN THIẾT CỦA NGHIÊN CỨU</a:t>
-            </a:r>
-          </a:p>
-        </p:txBody>
-      </p:sp>
-      <p:sp>
-        <p:nvSpPr>
           <p:cNvPr id="11" name="Hộp Văn bản 10">
             <a:extLst>
               <a:ext uri="{FF2B5EF4-FFF2-40B4-BE49-F238E27FC236}">
@@ -12783,6 +14200,283 @@
     <p:extLst>
       <p:ext uri="{BB962C8B-B14F-4D97-AF65-F5344CB8AC3E}">
         <p14:creationId xmlns:p14="http://schemas.microsoft.com/office/powerpoint/2010/main" val="381659708"/>
+      </p:ext>
+    </p:extLst>
+  </p:cSld>
+  <p:clrMapOvr>
+    <a:masterClrMapping/>
+  </p:clrMapOvr>
+</p:sld>
+</file>
+
+<file path=ppt/slides/slide20.xml><?xml version="1.0" encoding="utf-8"?>
+<p:sld xmlns:a="http://schemas.openxmlformats.org/drawingml/2006/main" xmlns:r="http://schemas.openxmlformats.org/officeDocument/2006/relationships" xmlns:p="http://schemas.openxmlformats.org/presentationml/2006/main">
+  <p:cSld>
+    <p:bg>
+      <p:bgPr>
+        <a:solidFill>
+          <a:srgbClr val="0C7B93"/>
+        </a:solidFill>
+        <a:effectLst/>
+      </p:bgPr>
+    </p:bg>
+    <p:spTree>
+      <p:nvGrpSpPr>
+        <p:cNvPr id="1" name=""/>
+        <p:cNvGrpSpPr/>
+        <p:nvPr/>
+      </p:nvGrpSpPr>
+      <p:grpSpPr>
+        <a:xfrm>
+          <a:off x="0" y="0"/>
+          <a:ext cx="0" cy="0"/>
+          <a:chOff x="0" y="0"/>
+          <a:chExt cx="0" cy="0"/>
+        </a:xfrm>
+      </p:grpSpPr>
+      <p:sp>
+        <p:nvSpPr>
+          <p:cNvPr id="2" name="Tiêu đề 1">
+            <a:extLst>
+              <a:ext uri="{FF2B5EF4-FFF2-40B4-BE49-F238E27FC236}">
+                <a16:creationId xmlns:a16="http://schemas.microsoft.com/office/drawing/2014/main" id="{EA0D9B4E-C292-45AA-8116-562703040382}"/>
+              </a:ext>
+            </a:extLst>
+          </p:cNvPr>
+          <p:cNvSpPr>
+            <a:spLocks noGrp="1"/>
+          </p:cNvSpPr>
+          <p:nvPr>
+            <p:ph type="title"/>
+          </p:nvPr>
+        </p:nvSpPr>
+        <p:spPr>
+          <a:xfrm>
+            <a:off x="4028767" y="921055"/>
+            <a:ext cx="5225327" cy="905013"/>
+          </a:xfrm>
+        </p:spPr>
+        <p:txBody>
+          <a:bodyPr rtlCol="0" anchor="ctr">
+            <a:normAutofit/>
+          </a:bodyPr>
+          <a:lstStyle/>
+          <a:p>
+            <a:pPr rtl="0"/>
+            <a:r>
+              <a:rPr lang="en-US">
+                <a:solidFill>
+                  <a:schemeClr val="bg1"/>
+                </a:solidFill>
+                <a:latin typeface="Tahoma" panose="020B0604030504040204" pitchFamily="34" charset="0"/>
+                <a:ea typeface="Tahoma" panose="020B0604030504040204" pitchFamily="34" charset="0"/>
+                <a:cs typeface="Tahoma" panose="020B0604030504040204" pitchFamily="34" charset="0"/>
+              </a:rPr>
+              <a:t>KẾT THÚC BÁO CÁO</a:t>
+            </a:r>
+            <a:endParaRPr lang="vi-VN">
+              <a:solidFill>
+                <a:schemeClr val="bg1"/>
+              </a:solidFill>
+              <a:latin typeface="Tahoma" panose="020B0604030504040204" pitchFamily="34" charset="0"/>
+              <a:ea typeface="Tahoma" panose="020B0604030504040204" pitchFamily="34" charset="0"/>
+              <a:cs typeface="Tahoma" panose="020B0604030504040204" pitchFamily="34" charset="0"/>
+            </a:endParaRPr>
+          </a:p>
+        </p:txBody>
+      </p:sp>
+      <p:pic>
+        <p:nvPicPr>
+          <p:cNvPr id="5" name="Đồ họa 4" descr="Mở Sách">
+            <a:extLst>
+              <a:ext uri="{FF2B5EF4-FFF2-40B4-BE49-F238E27FC236}">
+                <a16:creationId xmlns:a16="http://schemas.microsoft.com/office/drawing/2014/main" id="{DEFE964D-9F1C-4F69-ADD3-0E1AB324E198}"/>
+              </a:ext>
+            </a:extLst>
+          </p:cNvPr>
+          <p:cNvPicPr>
+            <a:picLocks noChangeAspect="1"/>
+          </p:cNvPicPr>
+          <p:nvPr/>
+        </p:nvPicPr>
+        <p:blipFill>
+          <a:blip r:embed="rId3">
+            <a:extLst>
+              <a:ext uri="{28A0092B-C50C-407E-A947-70E740481C1C}">
+                <a14:useLocalDpi xmlns:a14="http://schemas.microsoft.com/office/drawing/2010/main" val="0"/>
+              </a:ext>
+              <a:ext uri="{96DAC541-7B7A-43D3-8B79-37D633B846F1}">
+                <asvg:svgBlip xmlns:asvg="http://schemas.microsoft.com/office/drawing/2016/SVG/main" r:embed="rId4"/>
+              </a:ext>
+            </a:extLst>
+          </a:blip>
+          <a:stretch>
+            <a:fillRect/>
+          </a:stretch>
+        </p:blipFill>
+        <p:spPr>
+          <a:xfrm>
+            <a:off x="2758767" y="824922"/>
+            <a:ext cx="1097280" cy="1097280"/>
+          </a:xfrm>
+          <a:prstGeom prst="rect">
+            <a:avLst/>
+          </a:prstGeom>
+        </p:spPr>
+      </p:pic>
+      <p:pic>
+        <p:nvPicPr>
+          <p:cNvPr id="9" name="Đồ họa 8">
+            <a:extLst>
+              <a:ext uri="{FF2B5EF4-FFF2-40B4-BE49-F238E27FC236}">
+                <a16:creationId xmlns:a16="http://schemas.microsoft.com/office/drawing/2014/main" id="{35127EDA-5861-47AB-8729-620CFC7DAC07}"/>
+              </a:ext>
+              <a:ext uri="{C183D7F6-B498-43B3-948B-1728B52AA6E4}">
+                <adec:decorative xmlns:adec="http://schemas.microsoft.com/office/drawing/2017/decorative" val="1"/>
+              </a:ext>
+            </a:extLst>
+          </p:cNvPr>
+          <p:cNvPicPr>
+            <a:picLocks noGrp="1" noRot="1" noChangeAspect="1" noMove="1" noResize="1" noEditPoints="1" noAdjustHandles="1" noChangeArrowheads="1" noChangeShapeType="1" noCrop="1"/>
+          </p:cNvPicPr>
+          <p:nvPr>
+            <p:extLst>
+              <p:ext uri="{386F3935-93C4-4BCD-93E2-E3B085C9AB24}">
+                <p16:designElem xmlns:p16="http://schemas.microsoft.com/office/powerpoint/2015/main" val="1"/>
+              </p:ext>
+            </p:extLst>
+          </p:nvPr>
+        </p:nvPicPr>
+        <p:blipFill>
+          <a:blip r:embed="rId3">
+            <a:alphaModFix amt="15000"/>
+            <a:extLst>
+              <a:ext uri="{28A0092B-C50C-407E-A947-70E740481C1C}">
+                <a14:useLocalDpi xmlns:a14="http://schemas.microsoft.com/office/drawing/2010/main" val="0"/>
+              </a:ext>
+              <a:ext uri="{96DAC541-7B7A-43D3-8B79-37D633B846F1}">
+                <asvg:svgBlip xmlns:asvg="http://schemas.microsoft.com/office/drawing/2016/SVG/main" r:embed="rId5"/>
+              </a:ext>
+            </a:extLst>
+          </a:blip>
+          <a:stretch>
+            <a:fillRect/>
+          </a:stretch>
+        </p:blipFill>
+        <p:spPr>
+          <a:xfrm>
+            <a:off x="6641431" y="816337"/>
+            <a:ext cx="5225327" cy="5225327"/>
+          </a:xfrm>
+          <a:prstGeom prst="rect">
+            <a:avLst/>
+          </a:prstGeom>
+        </p:spPr>
+      </p:pic>
+      <p:sp>
+        <p:nvSpPr>
+          <p:cNvPr id="6" name="Hộp Văn bản 5">
+            <a:extLst>
+              <a:ext uri="{FF2B5EF4-FFF2-40B4-BE49-F238E27FC236}">
+                <a16:creationId xmlns:a16="http://schemas.microsoft.com/office/drawing/2014/main" id="{584B38A1-DDBC-1F28-41E7-C1C091A2BE29}"/>
+              </a:ext>
+            </a:extLst>
+          </p:cNvPr>
+          <p:cNvSpPr txBox="1"/>
+          <p:nvPr/>
+        </p:nvSpPr>
+        <p:spPr>
+          <a:xfrm>
+            <a:off x="1" y="0"/>
+            <a:ext cx="12192000" cy="707886"/>
+          </a:xfrm>
+          <a:prstGeom prst="rect">
+            <a:avLst/>
+          </a:prstGeom>
+          <a:solidFill>
+            <a:srgbClr val="003865"/>
+          </a:solidFill>
+        </p:spPr>
+        <p:txBody>
+          <a:bodyPr wrap="square" rtlCol="0">
+            <a:spAutoFit/>
+          </a:bodyPr>
+          <a:lstStyle/>
+          <a:p>
+            <a:pPr algn="ctr"/>
+            <a:r>
+              <a:rPr lang="en-US" sz="2000">
+                <a:solidFill>
+                  <a:schemeClr val="bg1"/>
+                </a:solidFill>
+              </a:rPr>
+              <a:t>ĐẠI HỌC THÁI NGUYÊN</a:t>
+            </a:r>
+          </a:p>
+          <a:p>
+            <a:pPr algn="ctr"/>
+            <a:r>
+              <a:rPr lang="en-US" sz="2000" b="1">
+                <a:solidFill>
+                  <a:schemeClr val="bg1"/>
+                </a:solidFill>
+              </a:rPr>
+              <a:t>TRƯỜNG ĐẠI HỌC CÔNG NGHỆ THÔNG TIN VÀ TRUYỀN THÔNG</a:t>
+            </a:r>
+            <a:endParaRPr lang="vi-VN" sz="2000" b="1">
+              <a:solidFill>
+                <a:schemeClr val="bg1"/>
+              </a:solidFill>
+            </a:endParaRPr>
+          </a:p>
+        </p:txBody>
+      </p:sp>
+      <p:sp>
+        <p:nvSpPr>
+          <p:cNvPr id="4" name="Hộp Văn bản 3">
+            <a:extLst>
+              <a:ext uri="{FF2B5EF4-FFF2-40B4-BE49-F238E27FC236}">
+                <a16:creationId xmlns:a16="http://schemas.microsoft.com/office/drawing/2014/main" id="{026F3C17-29F4-1EB6-616B-36B51BE8BCBD}"/>
+              </a:ext>
+            </a:extLst>
+          </p:cNvPr>
+          <p:cNvSpPr txBox="1"/>
+          <p:nvPr/>
+        </p:nvSpPr>
+        <p:spPr>
+          <a:xfrm>
+            <a:off x="673747" y="2921168"/>
+            <a:ext cx="10844506" cy="1015663"/>
+          </a:xfrm>
+          <a:prstGeom prst="rect">
+            <a:avLst/>
+          </a:prstGeom>
+          <a:noFill/>
+        </p:spPr>
+        <p:txBody>
+          <a:bodyPr wrap="square" rtlCol="0">
+            <a:spAutoFit/>
+          </a:bodyPr>
+          <a:lstStyle/>
+          <a:p>
+            <a:r>
+              <a:rPr lang="en-US" sz="6000">
+                <a:solidFill>
+                  <a:schemeClr val="bg1"/>
+                </a:solidFill>
+                <a:latin typeface="Tahoma" panose="020B0604030504040204" pitchFamily="34" charset="0"/>
+                <a:ea typeface="Tahoma" panose="020B0604030504040204" pitchFamily="34" charset="0"/>
+                <a:cs typeface="Tahoma" panose="020B0604030504040204" pitchFamily="34" charset="0"/>
+              </a:rPr>
+              <a:t>EM XIN CHÂN THÀNH CẢM ƠN! </a:t>
+            </a:r>
+          </a:p>
+        </p:txBody>
+      </p:sp>
+    </p:spTree>
+    <p:extLst>
+      <p:ext uri="{BB962C8B-B14F-4D97-AF65-F5344CB8AC3E}">
+        <p14:creationId xmlns:p14="http://schemas.microsoft.com/office/powerpoint/2010/main" val="1195479326"/>
       </p:ext>
     </p:extLst>
   </p:cSld>
@@ -12835,8 +14529,8 @@
         </p:nvSpPr>
         <p:spPr>
           <a:xfrm>
-            <a:off x="2257214" y="2694018"/>
-            <a:ext cx="4257886" cy="1469965"/>
+            <a:off x="1838114" y="2694017"/>
+            <a:ext cx="3114886" cy="1469965"/>
           </a:xfrm>
         </p:spPr>
         <p:txBody>
@@ -12897,7 +14591,7 @@
         </p:blipFill>
         <p:spPr>
           <a:xfrm>
-            <a:off x="838200" y="2880360"/>
+            <a:off x="548129" y="2880360"/>
             <a:ext cx="1097280" cy="1097280"/>
           </a:xfrm>
           <a:prstGeom prst="rect">
@@ -12923,8 +14617,8 @@
         </p:nvSpPr>
         <p:spPr>
           <a:xfrm>
-            <a:off x="5777948" y="1191613"/>
-            <a:ext cx="6088810" cy="5225327"/>
+            <a:off x="5270500" y="1191613"/>
+            <a:ext cx="6596258" cy="5225327"/>
           </a:xfrm>
         </p:spPr>
         <p:txBody>
@@ -12941,16 +14635,13 @@
                 <a:spcPts val="1800"/>
               </a:spcAft>
             </a:pPr>
-            <a:r>
-              <a:rPr lang="vi-VN" sz="2400">
-                <a:solidFill>
-                  <a:schemeClr val="bg1"/>
-                </a:solidFill>
-                <a:latin typeface="Segoe UI" panose="020B0502040204020203" pitchFamily="34" charset="0"/>
-                <a:cs typeface="Segoe UI" panose="020B0502040204020203" pitchFamily="34" charset="0"/>
-              </a:rPr>
-              <a:t>Đối tượng và phạm vi nghiên cứu</a:t>
-            </a:r>
+            <a:endParaRPr lang="en-US" b="1">
+              <a:solidFill>
+                <a:schemeClr val="bg1"/>
+              </a:solidFill>
+              <a:latin typeface="Segoe UI" panose="020B0502040204020203" pitchFamily="34" charset="0"/>
+              <a:cs typeface="Segoe UI" panose="020B0502040204020203" pitchFamily="34" charset="0"/>
+            </a:endParaRPr>
           </a:p>
           <a:p>
             <a:pPr rtl="0">
@@ -12962,18 +14653,18 @@
               </a:spcAft>
             </a:pPr>
             <a:r>
-              <a:rPr lang="vi-VN" sz="2400">
-                <a:solidFill>
-                  <a:schemeClr val="bg1"/>
-                </a:solidFill>
-                <a:latin typeface="Segoe UI" panose="020B0502040204020203" pitchFamily="34" charset="0"/>
-                <a:cs typeface="Segoe UI" panose="020B0502040204020203" pitchFamily="34" charset="0"/>
-              </a:rPr>
-              <a:t>Những nội dung nghiên cứu chinh:</a:t>
-            </a:r>
-          </a:p>
-          <a:p>
-            <a:pPr lvl="1">
+              <a:rPr lang="en-US" b="1">
+                <a:solidFill>
+                  <a:schemeClr val="bg1"/>
+                </a:solidFill>
+                <a:latin typeface="Segoe UI" panose="020B0502040204020203" pitchFamily="34" charset="0"/>
+                <a:cs typeface="Segoe UI" panose="020B0502040204020203" pitchFamily="34" charset="0"/>
+              </a:rPr>
+              <a:t>SỰ CẦN THIẾT CỦA NGHIÊN CỨU</a:t>
+            </a:r>
+          </a:p>
+          <a:p>
+            <a:pPr rtl="0">
               <a:spcBef>
                 <a:spcPts val="1800"/>
               </a:spcBef>
@@ -12981,19 +14672,16 @@
                 <a:spcPts val="1800"/>
               </a:spcAft>
             </a:pPr>
-            <a:r>
-              <a:rPr lang="vi-VN">
-                <a:solidFill>
-                  <a:schemeClr val="bg1"/>
-                </a:solidFill>
-                <a:latin typeface="Segoe UI" panose="020B0502040204020203" pitchFamily="34" charset="0"/>
-                <a:cs typeface="Segoe UI" panose="020B0502040204020203" pitchFamily="34" charset="0"/>
-              </a:rPr>
-              <a:t> Phần mở đầu</a:t>
-            </a:r>
-          </a:p>
-          <a:p>
-            <a:pPr lvl="1">
+            <a:endParaRPr lang="en-US" b="1">
+              <a:solidFill>
+                <a:schemeClr val="bg1"/>
+              </a:solidFill>
+              <a:latin typeface="Segoe UI" panose="020B0502040204020203" pitchFamily="34" charset="0"/>
+              <a:cs typeface="Segoe UI" panose="020B0502040204020203" pitchFamily="34" charset="0"/>
+            </a:endParaRPr>
+          </a:p>
+          <a:p>
+            <a:pPr rtl="0">
               <a:spcBef>
                 <a:spcPts val="1800"/>
               </a:spcBef>
@@ -13001,19 +14689,16 @@
                 <a:spcPts val="1800"/>
               </a:spcAft>
             </a:pPr>
-            <a:r>
-              <a:rPr lang="vi-VN">
-                <a:solidFill>
-                  <a:schemeClr val="bg1"/>
-                </a:solidFill>
-                <a:latin typeface="Segoe UI" panose="020B0502040204020203" pitchFamily="34" charset="0"/>
-                <a:cs typeface="Segoe UI" panose="020B0502040204020203" pitchFamily="34" charset="0"/>
-              </a:rPr>
-              <a:t>Chương 1: Khái quát về CNN và bài toán chuẩn đoán bệnh lao.</a:t>
-            </a:r>
-          </a:p>
-          <a:p>
-            <a:pPr lvl="1">
+            <a:endParaRPr lang="en-US" b="1">
+              <a:solidFill>
+                <a:schemeClr val="bg1"/>
+              </a:solidFill>
+              <a:latin typeface="Segoe UI" panose="020B0502040204020203" pitchFamily="34" charset="0"/>
+              <a:cs typeface="Segoe UI" panose="020B0502040204020203" pitchFamily="34" charset="0"/>
+            </a:endParaRPr>
+          </a:p>
+          <a:p>
+            <a:pPr rtl="0">
               <a:spcBef>
                 <a:spcPts val="1800"/>
               </a:spcBef>
@@ -13022,35 +14707,22 @@
               </a:spcAft>
             </a:pPr>
             <a:r>
-              <a:rPr lang="vi-VN">
-                <a:solidFill>
-                  <a:schemeClr val="bg1"/>
-                </a:solidFill>
-                <a:latin typeface="Segoe UI" panose="020B0502040204020203" pitchFamily="34" charset="0"/>
-                <a:cs typeface="Segoe UI" panose="020B0502040204020203" pitchFamily="34" charset="0"/>
-              </a:rPr>
-              <a:t>Chương 2: Một số mô hình hỗ trợ chuẩn đoán.</a:t>
-            </a:r>
-          </a:p>
-          <a:p>
-            <a:pPr lvl="1">
-              <a:spcBef>
-                <a:spcPts val="1800"/>
-              </a:spcBef>
-              <a:spcAft>
-                <a:spcPts val="1800"/>
-              </a:spcAft>
-            </a:pPr>
-            <a:r>
-              <a:rPr lang="vi-VN">
-                <a:solidFill>
-                  <a:schemeClr val="bg1"/>
-                </a:solidFill>
-                <a:latin typeface="Segoe UI" panose="020B0502040204020203" pitchFamily="34" charset="0"/>
-                <a:cs typeface="Segoe UI" panose="020B0502040204020203" pitchFamily="34" charset="0"/>
-              </a:rPr>
-              <a:t>Chương 3: Chương trình thử nghiệm</a:t>
-            </a:r>
+              <a:rPr lang="en-US" b="1">
+                <a:solidFill>
+                  <a:schemeClr val="bg1"/>
+                </a:solidFill>
+                <a:latin typeface="Segoe UI" panose="020B0502040204020203" pitchFamily="34" charset="0"/>
+                <a:cs typeface="Segoe UI" panose="020B0502040204020203" pitchFamily="34" charset="0"/>
+              </a:rPr>
+              <a:t>BÀI TOÁN CHUẨN ĐOÁN BỆNH LAO</a:t>
+            </a:r>
+            <a:endParaRPr lang="vi-VN">
+              <a:solidFill>
+                <a:schemeClr val="bg1"/>
+              </a:solidFill>
+              <a:latin typeface="Segoe UI" panose="020B0502040204020203" pitchFamily="34" charset="0"/>
+              <a:cs typeface="Segoe UI" panose="020B0502040204020203" pitchFamily="34" charset="0"/>
+            </a:endParaRPr>
           </a:p>
         </p:txBody>
       </p:sp>
